--- a/15. Arquitetura de Negócio para cada Cenário.pptx
+++ b/15. Arquitetura de Negócio para cada Cenário.pptx
@@ -10,7 +10,8 @@
     <p:sldId id="264" r:id="rId4"/>
     <p:sldId id="265" r:id="rId5"/>
     <p:sldId id="266" r:id="rId6"/>
-    <p:sldId id="262" r:id="rId7"/>
+    <p:sldId id="267" r:id="rId7"/>
+    <p:sldId id="262" r:id="rId8"/>
   </p:sldIdLst>
   <p:sldSz cx="12192000" cy="6858000"/>
   <p:notesSz cx="6858000" cy="9144000"/>
@@ -120,10 +121,18 @@
 <file path=ppt/revisionInfo.xml><?xml version="1.0" encoding="utf-8"?>
 <p1510:revInfo xmlns:a="http://schemas.openxmlformats.org/drawingml/2006/main" xmlns:r="http://schemas.openxmlformats.org/officeDocument/2006/relationships" xmlns:p1510="http://schemas.microsoft.com/office/powerpoint/2015/10/main">
   <p1510:revLst>
+    <p1510:client id="{1FF1B15C-BA24-4CB5-A409-ADD88F0F4F1F}" v="1" dt="2020-10-21T22:41:43.344"/>
+    <p1510:client id="{2302E6FF-9014-4237-95F6-400D32FFFF39}" v="7" dt="2020-10-15T03:20:37.465"/>
     <p1510:client id="{2EBD092E-5EAE-4AAA-D50E-DCE4E9CC4B3D}" v="2" dt="2020-09-12T02:02:29.282"/>
+    <p1510:client id="{44AA7650-2831-4A6F-B196-688068F2C706}" v="2" dt="2020-10-15T02:21:20.730"/>
     <p1510:client id="{45146AF4-85AF-45B1-E2F8-A7A718C40703}" v="15" dt="2020-09-04T22:30:57.392"/>
     <p1510:client id="{8BF51DF6-BEB1-4A7D-BCCC-49E8B1280767}" v="1" dt="2020-09-04T22:32:40.105"/>
+    <p1510:client id="{A268E425-5801-4D5B-8621-E68516E2249D}" v="78" dt="2020-10-09T23:26:57.217"/>
+    <p1510:client id="{A81892BE-2326-41E5-8F7B-D340654D04EC}" v="10" dt="2020-10-10T00:13:38.416"/>
+    <p1510:client id="{AC8CEBB1-F754-4A01-BCC4-E91647CEF8CE}" v="8" dt="2020-10-15T00:48:14.363"/>
     <p1510:client id="{E6226F4C-287E-4E34-09FC-231F29E21C88}" v="27" dt="2020-09-12T01:11:27.998"/>
+    <p1510:client id="{EEE4DA54-555D-4863-8A7C-5E8638557F67}" v="139" dt="2020-10-22T02:35:56.791"/>
+    <p1510:client id="{EF6FDD80-6693-4F5E-BD5D-5BA1F1039A23}" v="112" dt="2020-10-15T21:13:00.198"/>
   </p1510:revLst>
 </p1510:revInfo>
 </file>
@@ -131,916 +140,474 @@
 <file path=ppt/changesInfos/changesInfo1.xml><?xml version="1.0" encoding="utf-8"?>
 <pc:chgInfo xmlns:a="http://schemas.openxmlformats.org/drawingml/2006/main" xmlns:r="http://schemas.openxmlformats.org/officeDocument/2006/relationships" xmlns:ac="http://schemas.microsoft.com/office/drawing/2013/main/command" xmlns:pc="http://schemas.microsoft.com/office/powerpoint/2013/main/command">
   <pc:docChgLst>
-    <pc:chgData name="Caio Ferreira" userId="aa37e96bb8b72277" providerId="LiveId" clId="{8BF51DF6-BEB1-4A7D-BCCC-49E8B1280767}"/>
+    <pc:chgData name="Gabriel Casagrande" userId="e7a325a1baaa42ba" providerId="Windows Live" clId="Web-{A268E425-5801-4D5B-8621-E68516E2249D}"/>
     <pc:docChg chg="modSld">
-      <pc:chgData name="Caio Ferreira" userId="aa37e96bb8b72277" providerId="LiveId" clId="{8BF51DF6-BEB1-4A7D-BCCC-49E8B1280767}" dt="2020-09-04T22:32:40.105" v="0" actId="20577"/>
+      <pc:chgData name="Gabriel Casagrande" userId="e7a325a1baaa42ba" providerId="Windows Live" clId="Web-{A268E425-5801-4D5B-8621-E68516E2249D}" dt="2020-10-09T23:26:57.046" v="74" actId="20577"/>
       <pc:docMkLst>
         <pc:docMk/>
       </pc:docMkLst>
-      <pc:sldChg chg="modSp mod">
-        <pc:chgData name="Caio Ferreira" userId="aa37e96bb8b72277" providerId="LiveId" clId="{8BF51DF6-BEB1-4A7D-BCCC-49E8B1280767}" dt="2020-09-04T22:32:40.105" v="0" actId="20577"/>
+      <pc:sldChg chg="modSp">
+        <pc:chgData name="Gabriel Casagrande" userId="e7a325a1baaa42ba" providerId="Windows Live" clId="Web-{A268E425-5801-4D5B-8621-E68516E2249D}" dt="2020-10-09T23:14:26.564" v="56" actId="20577"/>
+        <pc:sldMkLst>
+          <pc:docMk/>
+          <pc:sldMk cId="2210866551" sldId="256"/>
+        </pc:sldMkLst>
+        <pc:spChg chg="mod">
+          <ac:chgData name="Gabriel Casagrande" userId="e7a325a1baaa42ba" providerId="Windows Live" clId="Web-{A268E425-5801-4D5B-8621-E68516E2249D}" dt="2020-10-09T23:14:26.564" v="56" actId="20577"/>
+          <ac:spMkLst>
+            <pc:docMk/>
+            <pc:sldMk cId="2210866551" sldId="256"/>
+            <ac:spMk id="2" creationId="{00000000-0000-0000-0000-000000000000}"/>
+          </ac:spMkLst>
+        </pc:spChg>
+        <pc:spChg chg="mod">
+          <ac:chgData name="Gabriel Casagrande" userId="e7a325a1baaa42ba" providerId="Windows Live" clId="Web-{A268E425-5801-4D5B-8621-E68516E2249D}" dt="2020-10-09T23:06:56.113" v="28"/>
+          <ac:spMkLst>
+            <pc:docMk/>
+            <pc:sldMk cId="2210866551" sldId="256"/>
+            <ac:spMk id="7" creationId="{CD433B89-1022-4DFF-B470-DC3C65803440}"/>
+          </ac:spMkLst>
+        </pc:spChg>
+      </pc:sldChg>
+      <pc:sldChg chg="modSp">
+        <pc:chgData name="Gabriel Casagrande" userId="e7a325a1baaa42ba" providerId="Windows Live" clId="Web-{A268E425-5801-4D5B-8621-E68516E2249D}" dt="2020-10-09T23:09:37.534" v="36" actId="20577"/>
+        <pc:sldMkLst>
+          <pc:docMk/>
+          <pc:sldMk cId="2719852471" sldId="257"/>
+        </pc:sldMkLst>
+        <pc:spChg chg="mod">
+          <ac:chgData name="Gabriel Casagrande" userId="e7a325a1baaa42ba" providerId="Windows Live" clId="Web-{A268E425-5801-4D5B-8621-E68516E2249D}" dt="2020-10-09T23:05:38.769" v="13" actId="20577"/>
+          <ac:spMkLst>
+            <pc:docMk/>
+            <pc:sldMk cId="2719852471" sldId="257"/>
+            <ac:spMk id="15" creationId="{61158E0F-CF90-44C4-9D65-760EFE5C9849}"/>
+          </ac:spMkLst>
+        </pc:spChg>
+        <pc:spChg chg="mod">
+          <ac:chgData name="Gabriel Casagrande" userId="e7a325a1baaa42ba" providerId="Windows Live" clId="Web-{A268E425-5801-4D5B-8621-E68516E2249D}" dt="2020-10-09T23:09:37.534" v="36" actId="20577"/>
+          <ac:spMkLst>
+            <pc:docMk/>
+            <pc:sldMk cId="2719852471" sldId="257"/>
+            <ac:spMk id="22" creationId="{9E5B00D7-AC59-4F87-9506-09946934551F}"/>
+          </ac:spMkLst>
+        </pc:spChg>
+      </pc:sldChg>
+      <pc:sldChg chg="modSp">
+        <pc:chgData name="Gabriel Casagrande" userId="e7a325a1baaa42ba" providerId="Windows Live" clId="Web-{A268E425-5801-4D5B-8621-E68516E2249D}" dt="2020-10-09T23:11:14.096" v="52" actId="20577"/>
         <pc:sldMkLst>
           <pc:docMk/>
           <pc:sldMk cId="3881249392" sldId="262"/>
         </pc:sldMkLst>
         <pc:spChg chg="mod">
-          <ac:chgData name="Caio Ferreira" userId="aa37e96bb8b72277" providerId="LiveId" clId="{8BF51DF6-BEB1-4A7D-BCCC-49E8B1280767}" dt="2020-09-04T22:32:40.105" v="0" actId="20577"/>
+          <ac:chgData name="Gabriel Casagrande" userId="e7a325a1baaa42ba" providerId="Windows Live" clId="Web-{A268E425-5801-4D5B-8621-E68516E2249D}" dt="2020-10-09T23:11:14.096" v="52" actId="20577"/>
           <ac:spMkLst>
             <pc:docMk/>
             <pc:sldMk cId="3881249392" sldId="262"/>
-            <ac:spMk id="53" creationId="{C45F51C8-E961-44E5-A9C0-6EC3F13ED9D8}"/>
+            <ac:spMk id="52" creationId="{F129F58A-09D1-46DE-8BC2-D4CCFD95C5E3}"/>
+          </ac:spMkLst>
+        </pc:spChg>
+      </pc:sldChg>
+      <pc:sldChg chg="modSp">
+        <pc:chgData name="Gabriel Casagrande" userId="e7a325a1baaa42ba" providerId="Windows Live" clId="Web-{A268E425-5801-4D5B-8621-E68516E2249D}" dt="2020-10-09T23:26:57.046" v="74" actId="20577"/>
+        <pc:sldMkLst>
+          <pc:docMk/>
+          <pc:sldMk cId="1261260675" sldId="264"/>
+        </pc:sldMkLst>
+        <pc:spChg chg="mod">
+          <ac:chgData name="Gabriel Casagrande" userId="e7a325a1baaa42ba" providerId="Windows Live" clId="Web-{A268E425-5801-4D5B-8621-E68516E2249D}" dt="2020-10-09T23:05:43.629" v="16" actId="20577"/>
+          <ac:spMkLst>
+            <pc:docMk/>
+            <pc:sldMk cId="1261260675" sldId="264"/>
+            <ac:spMk id="15" creationId="{61158E0F-CF90-44C4-9D65-760EFE5C9849}"/>
+          </ac:spMkLst>
+        </pc:spChg>
+        <pc:spChg chg="mod">
+          <ac:chgData name="Gabriel Casagrande" userId="e7a325a1baaa42ba" providerId="Windows Live" clId="Web-{A268E425-5801-4D5B-8621-E68516E2249D}" dt="2020-10-09T23:26:57.046" v="74" actId="20577"/>
+          <ac:spMkLst>
+            <pc:docMk/>
+            <pc:sldMk cId="1261260675" sldId="264"/>
+            <ac:spMk id="17" creationId="{BBB830BC-EAAA-4709-A6A5-989783DA280C}"/>
+          </ac:spMkLst>
+        </pc:spChg>
+        <pc:spChg chg="mod">
+          <ac:chgData name="Gabriel Casagrande" userId="e7a325a1baaa42ba" providerId="Windows Live" clId="Web-{A268E425-5801-4D5B-8621-E68516E2249D}" dt="2020-10-09T23:09:53.347" v="40" actId="20577"/>
+          <ac:spMkLst>
+            <pc:docMk/>
+            <pc:sldMk cId="1261260675" sldId="264"/>
+            <ac:spMk id="22" creationId="{9E5B00D7-AC59-4F87-9506-09946934551F}"/>
+          </ac:spMkLst>
+        </pc:spChg>
+      </pc:sldChg>
+      <pc:sldChg chg="modSp">
+        <pc:chgData name="Gabriel Casagrande" userId="e7a325a1baaa42ba" providerId="Windows Live" clId="Web-{A268E425-5801-4D5B-8621-E68516E2249D}" dt="2020-10-09T23:10:16.440" v="44" actId="20577"/>
+        <pc:sldMkLst>
+          <pc:docMk/>
+          <pc:sldMk cId="1403518651" sldId="265"/>
+        </pc:sldMkLst>
+        <pc:spChg chg="mod">
+          <ac:chgData name="Gabriel Casagrande" userId="e7a325a1baaa42ba" providerId="Windows Live" clId="Web-{A268E425-5801-4D5B-8621-E68516E2249D}" dt="2020-10-09T23:07:17.285" v="31" actId="20577"/>
+          <ac:spMkLst>
+            <pc:docMk/>
+            <pc:sldMk cId="1403518651" sldId="265"/>
+            <ac:spMk id="15" creationId="{61158E0F-CF90-44C4-9D65-760EFE5C9849}"/>
+          </ac:spMkLst>
+        </pc:spChg>
+        <pc:spChg chg="mod">
+          <ac:chgData name="Gabriel Casagrande" userId="e7a325a1baaa42ba" providerId="Windows Live" clId="Web-{A268E425-5801-4D5B-8621-E68516E2249D}" dt="2020-10-09T23:10:16.440" v="44" actId="20577"/>
+          <ac:spMkLst>
+            <pc:docMk/>
+            <pc:sldMk cId="1403518651" sldId="265"/>
+            <ac:spMk id="22" creationId="{9E5B00D7-AC59-4F87-9506-09946934551F}"/>
+          </ac:spMkLst>
+        </pc:spChg>
+      </pc:sldChg>
+      <pc:sldChg chg="modSp">
+        <pc:chgData name="Gabriel Casagrande" userId="e7a325a1baaa42ba" providerId="Windows Live" clId="Web-{A268E425-5801-4D5B-8621-E68516E2249D}" dt="2020-10-09T23:10:46.831" v="48" actId="20577"/>
+        <pc:sldMkLst>
+          <pc:docMk/>
+          <pc:sldMk cId="2450772793" sldId="266"/>
+        </pc:sldMkLst>
+        <pc:spChg chg="mod">
+          <ac:chgData name="Gabriel Casagrande" userId="e7a325a1baaa42ba" providerId="Windows Live" clId="Web-{A268E425-5801-4D5B-8621-E68516E2249D}" dt="2020-10-09T23:05:57.410" v="22" actId="20577"/>
+          <ac:spMkLst>
+            <pc:docMk/>
+            <pc:sldMk cId="2450772793" sldId="266"/>
+            <ac:spMk id="15" creationId="{61158E0F-CF90-44C4-9D65-760EFE5C9849}"/>
+          </ac:spMkLst>
+        </pc:spChg>
+        <pc:spChg chg="mod">
+          <ac:chgData name="Gabriel Casagrande" userId="e7a325a1baaa42ba" providerId="Windows Live" clId="Web-{A268E425-5801-4D5B-8621-E68516E2249D}" dt="2020-10-09T23:10:46.831" v="48" actId="20577"/>
+          <ac:spMkLst>
+            <pc:docMk/>
+            <pc:sldMk cId="2450772793" sldId="266"/>
+            <ac:spMk id="22" creationId="{9E5B00D7-AC59-4F87-9506-09946934551F}"/>
           </ac:spMkLst>
         </pc:spChg>
       </pc:sldChg>
     </pc:docChg>
   </pc:docChgLst>
   <pc:docChgLst>
-    <pc:chgData name="Gabriel Casagrande" userId="e7a325a1baaa42ba" providerId="Windows Live" clId="Web-{673C3536-C2B6-4837-06A4-CBFB1E902155}"/>
-    <pc:docChg chg="addSld modSld">
-      <pc:chgData name="Gabriel Casagrande" userId="e7a325a1baaa42ba" providerId="Windows Live" clId="Web-{673C3536-C2B6-4837-06A4-CBFB1E902155}" dt="2020-08-30T02:36:19.901" v="1416"/>
+    <pc:chgData name="Gabriel Fernandes C. dos Santos" userId="153fb557aa2a4591" providerId="Windows Live" clId="Web-{9EB45D64-D181-49CE-4893-2BBCA7B15DD1}"/>
+    <pc:docChg chg="modSld">
+      <pc:chgData name="Gabriel Fernandes C. dos Santos" userId="153fb557aa2a4591" providerId="Windows Live" clId="Web-{9EB45D64-D181-49CE-4893-2BBCA7B15DD1}" dt="2020-08-30T02:27:47.323" v="40" actId="20577"/>
+      <pc:docMkLst>
+        <pc:docMk/>
+      </pc:docMkLst>
+      <pc:sldChg chg="delSp modSp">
+        <pc:chgData name="Gabriel Fernandes C. dos Santos" userId="153fb557aa2a4591" providerId="Windows Live" clId="Web-{9EB45D64-D181-49CE-4893-2BBCA7B15DD1}" dt="2020-08-30T02:27:47.323" v="39" actId="20577"/>
+        <pc:sldMkLst>
+          <pc:docMk/>
+          <pc:sldMk cId="3881249392" sldId="262"/>
+        </pc:sldMkLst>
+        <pc:spChg chg="mod">
+          <ac:chgData name="Gabriel Fernandes C. dos Santos" userId="153fb557aa2a4591" providerId="Windows Live" clId="Web-{9EB45D64-D181-49CE-4893-2BBCA7B15DD1}" dt="2020-08-30T02:27:15.134" v="18" actId="20577"/>
+          <ac:spMkLst>
+            <pc:docMk/>
+            <pc:sldMk cId="3881249392" sldId="262"/>
+            <ac:spMk id="54" creationId="{760F58AB-1284-4D46-B1BB-257B523AE6B6}"/>
+          </ac:spMkLst>
+        </pc:spChg>
+        <pc:spChg chg="mod">
+          <ac:chgData name="Gabriel Fernandes C. dos Santos" userId="153fb557aa2a4591" providerId="Windows Live" clId="Web-{9EB45D64-D181-49CE-4893-2BBCA7B15DD1}" dt="2020-08-30T02:27:47.323" v="39" actId="20577"/>
+          <ac:spMkLst>
+            <pc:docMk/>
+            <pc:sldMk cId="3881249392" sldId="262"/>
+            <ac:spMk id="63" creationId="{20AE1D48-2793-45F9-8DAA-A3EE77481A90}"/>
+          </ac:spMkLst>
+        </pc:spChg>
+        <pc:spChg chg="mod">
+          <ac:chgData name="Gabriel Fernandes C. dos Santos" userId="153fb557aa2a4591" providerId="Windows Live" clId="Web-{9EB45D64-D181-49CE-4893-2BBCA7B15DD1}" dt="2020-08-30T02:27:22.259" v="23" actId="20577"/>
+          <ac:spMkLst>
+            <pc:docMk/>
+            <pc:sldMk cId="3881249392" sldId="262"/>
+            <ac:spMk id="66" creationId="{2660D14B-6900-4585-ACE0-7BAE35460F7F}"/>
+          </ac:spMkLst>
+        </pc:spChg>
+        <pc:spChg chg="del mod">
+          <ac:chgData name="Gabriel Fernandes C. dos Santos" userId="153fb557aa2a4591" providerId="Windows Live" clId="Web-{9EB45D64-D181-49CE-4893-2BBCA7B15DD1}" dt="2020-08-30T02:26:58.242" v="3"/>
+          <ac:spMkLst>
+            <pc:docMk/>
+            <pc:sldMk cId="3881249392" sldId="262"/>
+            <ac:spMk id="67" creationId="{B5E83281-C7E0-44F9-82F3-57420B587CA9}"/>
+          </ac:spMkLst>
+        </pc:spChg>
+        <pc:spChg chg="del mod">
+          <ac:chgData name="Gabriel Fernandes C. dos Santos" userId="153fb557aa2a4591" providerId="Windows Live" clId="Web-{9EB45D64-D181-49CE-4893-2BBCA7B15DD1}" dt="2020-08-30T02:27:33.510" v="28"/>
+          <ac:spMkLst>
+            <pc:docMk/>
+            <pc:sldMk cId="3881249392" sldId="262"/>
+            <ac:spMk id="71" creationId="{64F89D91-E59A-4AB7-84EA-19456AFBE116}"/>
+          </ac:spMkLst>
+        </pc:spChg>
+      </pc:sldChg>
+    </pc:docChg>
+  </pc:docChgLst>
+  <pc:docChgLst>
+    <pc:chgData name="Edilene Marques" userId="ad8df458748d149b" providerId="Windows Live" clId="Web-{A81892BE-2326-41E5-8F7B-D340654D04EC}"/>
+    <pc:docChg chg="modSld">
+      <pc:chgData name="Edilene Marques" userId="ad8df458748d149b" providerId="Windows Live" clId="Web-{A81892BE-2326-41E5-8F7B-D340654D04EC}" dt="2020-10-10T00:13:37.338" v="7" actId="20577"/>
       <pc:docMkLst>
         <pc:docMk/>
       </pc:docMkLst>
       <pc:sldChg chg="modSp">
-        <pc:chgData name="Gabriel Casagrande" userId="e7a325a1baaa42ba" providerId="Windows Live" clId="Web-{673C3536-C2B6-4837-06A4-CBFB1E902155}" dt="2020-08-30T02:36:19.901" v="1416"/>
+        <pc:chgData name="Edilene Marques" userId="ad8df458748d149b" providerId="Windows Live" clId="Web-{A81892BE-2326-41E5-8F7B-D340654D04EC}" dt="2020-10-10T00:13:09.681" v="1" actId="20577"/>
+        <pc:sldMkLst>
+          <pc:docMk/>
+          <pc:sldMk cId="1261260675" sldId="264"/>
+        </pc:sldMkLst>
+        <pc:spChg chg="mod">
+          <ac:chgData name="Edilene Marques" userId="ad8df458748d149b" providerId="Windows Live" clId="Web-{A81892BE-2326-41E5-8F7B-D340654D04EC}" dt="2020-10-10T00:13:09.681" v="1" actId="20577"/>
+          <ac:spMkLst>
+            <pc:docMk/>
+            <pc:sldMk cId="1261260675" sldId="264"/>
+            <ac:spMk id="17" creationId="{BBB830BC-EAAA-4709-A6A5-989783DA280C}"/>
+          </ac:spMkLst>
+        </pc:spChg>
+      </pc:sldChg>
+      <pc:sldChg chg="modSp">
+        <pc:chgData name="Edilene Marques" userId="ad8df458748d149b" providerId="Windows Live" clId="Web-{A81892BE-2326-41E5-8F7B-D340654D04EC}" dt="2020-10-10T00:13:37.338" v="7" actId="20577"/>
+        <pc:sldMkLst>
+          <pc:docMk/>
+          <pc:sldMk cId="2450772793" sldId="266"/>
+        </pc:sldMkLst>
+        <pc:spChg chg="mod">
+          <ac:chgData name="Edilene Marques" userId="ad8df458748d149b" providerId="Windows Live" clId="Web-{A81892BE-2326-41E5-8F7B-D340654D04EC}" dt="2020-10-10T00:13:37.338" v="7" actId="20577"/>
+          <ac:spMkLst>
+            <pc:docMk/>
+            <pc:sldMk cId="2450772793" sldId="266"/>
+            <ac:spMk id="17" creationId="{BBB830BC-EAAA-4709-A6A5-989783DA280C}"/>
+          </ac:spMkLst>
+        </pc:spChg>
+      </pc:sldChg>
+    </pc:docChg>
+  </pc:docChgLst>
+  <pc:docChgLst>
+    <pc:chgData name="Bruno Pires" userId="2e75d9009844921f" providerId="Windows Live" clId="Web-{45146AF4-85AF-45B1-E2F8-A7A718C40703}"/>
+    <pc:docChg chg="modSld">
+      <pc:chgData name="Bruno Pires" userId="2e75d9009844921f" providerId="Windows Live" clId="Web-{45146AF4-85AF-45B1-E2F8-A7A718C40703}" dt="2020-09-04T22:30:56.986" v="11" actId="20577"/>
+      <pc:docMkLst>
+        <pc:docMk/>
+      </pc:docMkLst>
+      <pc:sldChg chg="modSp">
+        <pc:chgData name="Bruno Pires" userId="2e75d9009844921f" providerId="Windows Live" clId="Web-{45146AF4-85AF-45B1-E2F8-A7A718C40703}" dt="2020-09-04T22:30:48.955" v="7" actId="20577"/>
         <pc:sldMkLst>
           <pc:docMk/>
           <pc:sldMk cId="2210866551" sldId="256"/>
         </pc:sldMkLst>
         <pc:spChg chg="mod">
-          <ac:chgData name="Gabriel Casagrande" userId="e7a325a1baaa42ba" providerId="Windows Live" clId="Web-{673C3536-C2B6-4837-06A4-CBFB1E902155}" dt="2020-08-30T02:36:19.901" v="1416"/>
+          <ac:chgData name="Bruno Pires" userId="2e75d9009844921f" providerId="Windows Live" clId="Web-{45146AF4-85AF-45B1-E2F8-A7A718C40703}" dt="2020-09-04T22:30:48.955" v="7" actId="20577"/>
           <ac:spMkLst>
             <pc:docMk/>
             <pc:sldMk cId="2210866551" sldId="256"/>
-            <ac:spMk id="7" creationId="{CD433B89-1022-4DFF-B470-DC3C65803440}"/>
+            <ac:spMk id="3" creationId="{8F7DA0CF-4ECD-4BCA-8361-549C88203DD8}"/>
           </ac:spMkLst>
         </pc:spChg>
       </pc:sldChg>
-      <pc:sldChg chg="addSp delSp modSp">
-        <pc:chgData name="Gabriel Casagrande" userId="e7a325a1baaa42ba" providerId="Windows Live" clId="Web-{673C3536-C2B6-4837-06A4-CBFB1E902155}" dt="2020-08-30T01:47:37.932" v="86" actId="20577"/>
+      <pc:sldChg chg="modSp">
+        <pc:chgData name="Bruno Pires" userId="2e75d9009844921f" providerId="Windows Live" clId="Web-{45146AF4-85AF-45B1-E2F8-A7A718C40703}" dt="2020-09-04T22:30:31.158" v="2" actId="20577"/>
         <pc:sldMkLst>
           <pc:docMk/>
           <pc:sldMk cId="2719852471" sldId="257"/>
         </pc:sldMkLst>
-        <pc:spChg chg="add mod">
-          <ac:chgData name="Gabriel Casagrande" userId="e7a325a1baaa42ba" providerId="Windows Live" clId="Web-{673C3536-C2B6-4837-06A4-CBFB1E902155}" dt="2020-08-30T01:43:38.433" v="3" actId="1076"/>
+        <pc:spChg chg="mod">
+          <ac:chgData name="Bruno Pires" userId="2e75d9009844921f" providerId="Windows Live" clId="Web-{45146AF4-85AF-45B1-E2F8-A7A718C40703}" dt="2020-09-04T22:30:31.158" v="2" actId="20577"/>
           <ac:spMkLst>
             <pc:docMk/>
             <pc:sldMk cId="2719852471" sldId="257"/>
-            <ac:spMk id="2" creationId="{35FD06DA-772E-4AE7-B23B-425F79BE8E5D}"/>
-          </ac:spMkLst>
-        </pc:spChg>
-        <pc:spChg chg="add mod">
-          <ac:chgData name="Gabriel Casagrande" userId="e7a325a1baaa42ba" providerId="Windows Live" clId="Web-{673C3536-C2B6-4837-06A4-CBFB1E902155}" dt="2020-08-30T01:43:50.933" v="10" actId="20577"/>
-          <ac:spMkLst>
-            <pc:docMk/>
-            <pc:sldMk cId="2719852471" sldId="257"/>
-            <ac:spMk id="4" creationId="{EFF49B50-47BA-4A0C-AF4C-016B54C95F6C}"/>
-          </ac:spMkLst>
-        </pc:spChg>
-        <pc:spChg chg="add mod">
-          <ac:chgData name="Gabriel Casagrande" userId="e7a325a1baaa42ba" providerId="Windows Live" clId="Web-{673C3536-C2B6-4837-06A4-CBFB1E902155}" dt="2020-08-30T01:44:58.980" v="24" actId="14100"/>
-          <ac:spMkLst>
-            <pc:docMk/>
-            <pc:sldMk cId="2719852471" sldId="257"/>
-            <ac:spMk id="8" creationId="{284FA0F0-CF2B-454E-9226-B461DD1EE0FF}"/>
-          </ac:spMkLst>
-        </pc:spChg>
-        <pc:spChg chg="add del mod">
-          <ac:chgData name="Gabriel Casagrande" userId="e7a325a1baaa42ba" providerId="Windows Live" clId="Web-{673C3536-C2B6-4837-06A4-CBFB1E902155}" dt="2020-08-30T01:46:19.682" v="57"/>
-          <ac:spMkLst>
-            <pc:docMk/>
-            <pc:sldMk cId="2719852471" sldId="257"/>
-            <ac:spMk id="9" creationId="{48005C69-8A61-4A7E-980E-2019D9B3BFA2}"/>
-          </ac:spMkLst>
-        </pc:spChg>
-        <pc:spChg chg="mod">
-          <ac:chgData name="Gabriel Casagrande" userId="e7a325a1baaa42ba" providerId="Windows Live" clId="Web-{673C3536-C2B6-4837-06A4-CBFB1E902155}" dt="2020-08-30T01:46:24.776" v="58" actId="1076"/>
-          <ac:spMkLst>
-            <pc:docMk/>
-            <pc:sldMk cId="2719852471" sldId="257"/>
-            <ac:spMk id="15" creationId="{61158E0F-CF90-44C4-9D65-760EFE5C9849}"/>
-          </ac:spMkLst>
-        </pc:spChg>
-        <pc:spChg chg="mod">
-          <ac:chgData name="Gabriel Casagrande" userId="e7a325a1baaa42ba" providerId="Windows Live" clId="Web-{673C3536-C2B6-4837-06A4-CBFB1E902155}" dt="2020-08-30T01:45:18.808" v="27" actId="20577"/>
-          <ac:spMkLst>
-            <pc:docMk/>
-            <pc:sldMk cId="2719852471" sldId="257"/>
-            <ac:spMk id="16" creationId="{4F545214-6AD1-4819-B1E0-A114B5EE9553}"/>
-          </ac:spMkLst>
-        </pc:spChg>
-        <pc:spChg chg="mod">
-          <ac:chgData name="Gabriel Casagrande" userId="e7a325a1baaa42ba" providerId="Windows Live" clId="Web-{673C3536-C2B6-4837-06A4-CBFB1E902155}" dt="2020-08-30T01:47:37.932" v="86" actId="20577"/>
-          <ac:spMkLst>
-            <pc:docMk/>
-            <pc:sldMk cId="2719852471" sldId="257"/>
-            <ac:spMk id="17" creationId="{BBB830BC-EAAA-4709-A6A5-989783DA280C}"/>
-          </ac:spMkLst>
-        </pc:spChg>
-        <pc:spChg chg="mod">
-          <ac:chgData name="Gabriel Casagrande" userId="e7a325a1baaa42ba" providerId="Windows Live" clId="Web-{673C3536-C2B6-4837-06A4-CBFB1E902155}" dt="2020-08-30T01:44:43.808" v="19" actId="1076"/>
-          <ac:spMkLst>
-            <pc:docMk/>
-            <pc:sldMk cId="2719852471" sldId="257"/>
-            <ac:spMk id="18" creationId="{E7956A06-8FEF-4DC2-87D3-326F121C93F0}"/>
-          </ac:spMkLst>
-        </pc:spChg>
-        <pc:cxnChg chg="add mod">
-          <ac:chgData name="Gabriel Casagrande" userId="e7a325a1baaa42ba" providerId="Windows Live" clId="Web-{673C3536-C2B6-4837-06A4-CBFB1E902155}" dt="2020-08-30T01:43:38.449" v="5" actId="1076"/>
-          <ac:cxnSpMkLst>
-            <pc:docMk/>
-            <pc:sldMk cId="2719852471" sldId="257"/>
-            <ac:cxnSpMk id="6" creationId="{26B74829-1C7E-401F-A5A9-5B27A263366F}"/>
-          </ac:cxnSpMkLst>
-        </pc:cxnChg>
-        <pc:cxnChg chg="mod">
-          <ac:chgData name="Gabriel Casagrande" userId="e7a325a1baaa42ba" providerId="Windows Live" clId="Web-{673C3536-C2B6-4837-06A4-CBFB1E902155}" dt="2020-08-30T01:44:46.292" v="20" actId="14100"/>
-          <ac:cxnSpMkLst>
-            <pc:docMk/>
-            <pc:sldMk cId="2719852471" sldId="257"/>
-            <ac:cxnSpMk id="14" creationId="{FE53D13A-9203-4CEC-8C61-08B89E1FC3E0}"/>
-          </ac:cxnSpMkLst>
-        </pc:cxnChg>
-        <pc:cxnChg chg="mod">
-          <ac:chgData name="Gabriel Casagrande" userId="e7a325a1baaa42ba" providerId="Windows Live" clId="Web-{673C3536-C2B6-4837-06A4-CBFB1E902155}" dt="2020-08-30T01:44:53.245" v="22" actId="1076"/>
-          <ac:cxnSpMkLst>
-            <pc:docMk/>
-            <pc:sldMk cId="2719852471" sldId="257"/>
-            <ac:cxnSpMk id="19" creationId="{2D7D1114-83F9-43F9-8D6E-E13912126507}"/>
-          </ac:cxnSpMkLst>
-        </pc:cxnChg>
+            <ac:spMk id="22" creationId="{9E5B00D7-AC59-4F87-9506-09946934551F}"/>
+          </ac:spMkLst>
+        </pc:spChg>
       </pc:sldChg>
-      <pc:sldChg chg="addSp delSp modSp">
-        <pc:chgData name="Gabriel Casagrande" userId="e7a325a1baaa42ba" providerId="Windows Live" clId="Web-{673C3536-C2B6-4837-06A4-CBFB1E902155}" dt="2020-08-30T01:56:46.835" v="262" actId="14100"/>
-        <pc:sldMkLst>
-          <pc:docMk/>
-          <pc:sldMk cId="1340845693" sldId="258"/>
-        </pc:sldMkLst>
-        <pc:spChg chg="del">
-          <ac:chgData name="Gabriel Casagrande" userId="e7a325a1baaa42ba" providerId="Windows Live" clId="Web-{673C3536-C2B6-4837-06A4-CBFB1E902155}" dt="2020-08-30T01:46:53.042" v="60"/>
-          <ac:spMkLst>
-            <pc:docMk/>
-            <pc:sldMk cId="1340845693" sldId="258"/>
-            <ac:spMk id="2" creationId="{CD9D9764-C8AF-4FA7-9CD9-B58CBD1B4298}"/>
-          </ac:spMkLst>
-        </pc:spChg>
-        <pc:spChg chg="del">
-          <ac:chgData name="Gabriel Casagrande" userId="e7a325a1baaa42ba" providerId="Windows Live" clId="Web-{673C3536-C2B6-4837-06A4-CBFB1E902155}" dt="2020-08-30T01:46:52.214" v="59"/>
-          <ac:spMkLst>
-            <pc:docMk/>
-            <pc:sldMk cId="1340845693" sldId="258"/>
-            <ac:spMk id="3" creationId="{0BDFBFDE-0D81-4978-9E4A-8CFB031333D1}"/>
-          </ac:spMkLst>
-        </pc:spChg>
-        <pc:spChg chg="mod">
-          <ac:chgData name="Gabriel Casagrande" userId="e7a325a1baaa42ba" providerId="Windows Live" clId="Web-{673C3536-C2B6-4837-06A4-CBFB1E902155}" dt="2020-08-30T01:56:46.835" v="262" actId="14100"/>
-          <ac:spMkLst>
-            <pc:docMk/>
-            <pc:sldMk cId="1340845693" sldId="258"/>
-            <ac:spMk id="4" creationId="{6593A0F0-4653-49C4-8618-09DF5A9339A5}"/>
-          </ac:spMkLst>
-        </pc:spChg>
-        <pc:spChg chg="add mod">
-          <ac:chgData name="Gabriel Casagrande" userId="e7a325a1baaa42ba" providerId="Windows Live" clId="Web-{673C3536-C2B6-4837-06A4-CBFB1E902155}" dt="2020-08-30T01:55:45.304" v="252" actId="14100"/>
-          <ac:spMkLst>
-            <pc:docMk/>
-            <pc:sldMk cId="1340845693" sldId="258"/>
-            <ac:spMk id="5" creationId="{29D3C4C9-C32C-4383-A417-60395E359E11}"/>
-          </ac:spMkLst>
-        </pc:spChg>
-        <pc:spChg chg="add mod">
-          <ac:chgData name="Gabriel Casagrande" userId="e7a325a1baaa42ba" providerId="Windows Live" clId="Web-{673C3536-C2B6-4837-06A4-CBFB1E902155}" dt="2020-08-30T01:55:45.304" v="253" actId="14100"/>
-          <ac:spMkLst>
-            <pc:docMk/>
-            <pc:sldMk cId="1340845693" sldId="258"/>
-            <ac:spMk id="7" creationId="{8AC141B1-3E53-4C7F-8D3F-AAB748835171}"/>
-          </ac:spMkLst>
-        </pc:spChg>
-        <pc:spChg chg="add mod">
-          <ac:chgData name="Gabriel Casagrande" userId="e7a325a1baaa42ba" providerId="Windows Live" clId="Web-{673C3536-C2B6-4837-06A4-CBFB1E902155}" dt="2020-08-30T01:55:45.320" v="255" actId="14100"/>
-          <ac:spMkLst>
-            <pc:docMk/>
-            <pc:sldMk cId="1340845693" sldId="258"/>
-            <ac:spMk id="11" creationId="{5BA36331-0589-4139-BC06-8C12E61A3B33}"/>
-          </ac:spMkLst>
-        </pc:spChg>
-        <pc:spChg chg="add mod">
-          <ac:chgData name="Gabriel Casagrande" userId="e7a325a1baaa42ba" providerId="Windows Live" clId="Web-{673C3536-C2B6-4837-06A4-CBFB1E902155}" dt="2020-08-30T01:55:45.320" v="256" actId="14100"/>
-          <ac:spMkLst>
-            <pc:docMk/>
-            <pc:sldMk cId="1340845693" sldId="258"/>
-            <ac:spMk id="13" creationId="{4B72BB60-3A41-4551-B95F-D889EDA49110}"/>
-          </ac:spMkLst>
-        </pc:spChg>
-        <pc:spChg chg="add mod">
-          <ac:chgData name="Gabriel Casagrande" userId="e7a325a1baaa42ba" providerId="Windows Live" clId="Web-{673C3536-C2B6-4837-06A4-CBFB1E902155}" dt="2020-08-30T01:55:45.336" v="257" actId="14100"/>
-          <ac:spMkLst>
-            <pc:docMk/>
-            <pc:sldMk cId="1340845693" sldId="258"/>
-            <ac:spMk id="15" creationId="{DB0B7B00-4D70-4BF3-8706-28C042688EFD}"/>
-          </ac:spMkLst>
-        </pc:spChg>
-        <pc:spChg chg="add mod">
-          <ac:chgData name="Gabriel Casagrande" userId="e7a325a1baaa42ba" providerId="Windows Live" clId="Web-{673C3536-C2B6-4837-06A4-CBFB1E902155}" dt="2020-08-30T01:55:45.336" v="258" actId="14100"/>
-          <ac:spMkLst>
-            <pc:docMk/>
-            <pc:sldMk cId="1340845693" sldId="258"/>
-            <ac:spMk id="17" creationId="{358C1A34-1C60-4170-981C-F43F633A523A}"/>
-          </ac:spMkLst>
-        </pc:spChg>
-        <pc:spChg chg="add mod">
-          <ac:chgData name="Gabriel Casagrande" userId="e7a325a1baaa42ba" providerId="Windows Live" clId="Web-{673C3536-C2B6-4837-06A4-CBFB1E902155}" dt="2020-08-30T01:55:45.351" v="260" actId="14100"/>
-          <ac:spMkLst>
-            <pc:docMk/>
-            <pc:sldMk cId="1340845693" sldId="258"/>
-            <ac:spMk id="21" creationId="{490ABB0F-493A-464A-9CB2-EA64089337F3}"/>
-          </ac:spMkLst>
-        </pc:spChg>
-        <pc:cxnChg chg="add mod">
-          <ac:chgData name="Gabriel Casagrande" userId="e7a325a1baaa42ba" providerId="Windows Live" clId="Web-{673C3536-C2B6-4837-06A4-CBFB1E902155}" dt="2020-08-30T01:55:45.304" v="254" actId="14100"/>
-          <ac:cxnSpMkLst>
-            <pc:docMk/>
-            <pc:sldMk cId="1340845693" sldId="258"/>
-            <ac:cxnSpMk id="9" creationId="{FF01A47C-AC48-4EEC-B916-CD3EBFFDCAE1}"/>
-          </ac:cxnSpMkLst>
-        </pc:cxnChg>
-        <pc:cxnChg chg="add mod">
-          <ac:chgData name="Gabriel Casagrande" userId="e7a325a1baaa42ba" providerId="Windows Live" clId="Web-{673C3536-C2B6-4837-06A4-CBFB1E902155}" dt="2020-08-30T01:55:45.336" v="259" actId="14100"/>
-          <ac:cxnSpMkLst>
-            <pc:docMk/>
-            <pc:sldMk cId="1340845693" sldId="258"/>
-            <ac:cxnSpMk id="19" creationId="{7BE6FAFA-C07E-4528-B443-B77962AE39E0}"/>
-          </ac:cxnSpMkLst>
-        </pc:cxnChg>
-      </pc:sldChg>
-      <pc:sldChg chg="addSp delSp modSp">
-        <pc:chgData name="Gabriel Casagrande" userId="e7a325a1baaa42ba" providerId="Windows Live" clId="Web-{673C3536-C2B6-4837-06A4-CBFB1E902155}" dt="2020-08-30T01:49:06.838" v="142" actId="20577"/>
-        <pc:sldMkLst>
-          <pc:docMk/>
-          <pc:sldMk cId="233230872" sldId="259"/>
-        </pc:sldMkLst>
-        <pc:spChg chg="del">
-          <ac:chgData name="Gabriel Casagrande" userId="e7a325a1baaa42ba" providerId="Windows Live" clId="Web-{673C3536-C2B6-4837-06A4-CBFB1E902155}" dt="2020-08-30T01:48:05.682" v="113"/>
-          <ac:spMkLst>
-            <pc:docMk/>
-            <pc:sldMk cId="233230872" sldId="259"/>
-            <ac:spMk id="2" creationId="{A7D68ECD-3443-4607-8886-39CB6476FB68}"/>
-          </ac:spMkLst>
-        </pc:spChg>
-        <pc:spChg chg="del">
-          <ac:chgData name="Gabriel Casagrande" userId="e7a325a1baaa42ba" providerId="Windows Live" clId="Web-{673C3536-C2B6-4837-06A4-CBFB1E902155}" dt="2020-08-30T01:48:04.869" v="112"/>
-          <ac:spMkLst>
-            <pc:docMk/>
-            <pc:sldMk cId="233230872" sldId="259"/>
-            <ac:spMk id="3" creationId="{979FB247-381C-45F4-8FCD-7A932E2A6876}"/>
-          </ac:spMkLst>
-        </pc:spChg>
-        <pc:spChg chg="add">
-          <ac:chgData name="Gabriel Casagrande" userId="e7a325a1baaa42ba" providerId="Windows Live" clId="Web-{673C3536-C2B6-4837-06A4-CBFB1E902155}" dt="2020-08-30T01:48:12.119" v="114"/>
-          <ac:spMkLst>
-            <pc:docMk/>
-            <pc:sldMk cId="233230872" sldId="259"/>
-            <ac:spMk id="5" creationId="{09BAC77D-BAE9-46A3-8C1B-0F7E103E91C8}"/>
-          </ac:spMkLst>
-        </pc:spChg>
-        <pc:spChg chg="add">
-          <ac:chgData name="Gabriel Casagrande" userId="e7a325a1baaa42ba" providerId="Windows Live" clId="Web-{673C3536-C2B6-4837-06A4-CBFB1E902155}" dt="2020-08-30T01:48:12.135" v="115"/>
-          <ac:spMkLst>
-            <pc:docMk/>
-            <pc:sldMk cId="233230872" sldId="259"/>
-            <ac:spMk id="7" creationId="{EE2C42AD-3204-4AF6-8CE0-6404FED67CDD}"/>
-          </ac:spMkLst>
-        </pc:spChg>
-        <pc:spChg chg="add">
-          <ac:chgData name="Gabriel Casagrande" userId="e7a325a1baaa42ba" providerId="Windows Live" clId="Web-{673C3536-C2B6-4837-06A4-CBFB1E902155}" dt="2020-08-30T01:48:12.135" v="117"/>
-          <ac:spMkLst>
-            <pc:docMk/>
-            <pc:sldMk cId="233230872" sldId="259"/>
-            <ac:spMk id="11" creationId="{ABF1760C-5355-424F-B954-931517A409C6}"/>
-          </ac:spMkLst>
-        </pc:spChg>
-        <pc:spChg chg="add">
-          <ac:chgData name="Gabriel Casagrande" userId="e7a325a1baaa42ba" providerId="Windows Live" clId="Web-{673C3536-C2B6-4837-06A4-CBFB1E902155}" dt="2020-08-30T01:48:12.151" v="118"/>
-          <ac:spMkLst>
-            <pc:docMk/>
-            <pc:sldMk cId="233230872" sldId="259"/>
-            <ac:spMk id="13" creationId="{410201BC-DA24-4E47-90EF-72E7304EB7E7}"/>
-          </ac:spMkLst>
-        </pc:spChg>
-        <pc:spChg chg="add mod">
-          <ac:chgData name="Gabriel Casagrande" userId="e7a325a1baaa42ba" providerId="Windows Live" clId="Web-{673C3536-C2B6-4837-06A4-CBFB1E902155}" dt="2020-08-30T01:49:06.838" v="142" actId="20577"/>
-          <ac:spMkLst>
-            <pc:docMk/>
-            <pc:sldMk cId="233230872" sldId="259"/>
-            <ac:spMk id="15" creationId="{FFD73859-FD58-4DE2-8CF0-F4069B5251D8}"/>
-          </ac:spMkLst>
-        </pc:spChg>
-        <pc:spChg chg="add">
-          <ac:chgData name="Gabriel Casagrande" userId="e7a325a1baaa42ba" providerId="Windows Live" clId="Web-{673C3536-C2B6-4837-06A4-CBFB1E902155}" dt="2020-08-30T01:48:12.166" v="120"/>
-          <ac:spMkLst>
-            <pc:docMk/>
-            <pc:sldMk cId="233230872" sldId="259"/>
-            <ac:spMk id="17" creationId="{45D7AB7D-AB32-43B0-94DE-4234B10AD644}"/>
-          </ac:spMkLst>
-        </pc:spChg>
-        <pc:spChg chg="add">
-          <ac:chgData name="Gabriel Casagrande" userId="e7a325a1baaa42ba" providerId="Windows Live" clId="Web-{673C3536-C2B6-4837-06A4-CBFB1E902155}" dt="2020-08-30T01:48:12.182" v="122"/>
-          <ac:spMkLst>
-            <pc:docMk/>
-            <pc:sldMk cId="233230872" sldId="259"/>
-            <ac:spMk id="21" creationId="{C808E452-FCEC-4A9B-9435-831E4EC1B90C}"/>
-          </ac:spMkLst>
-        </pc:spChg>
-        <pc:cxnChg chg="add">
-          <ac:chgData name="Gabriel Casagrande" userId="e7a325a1baaa42ba" providerId="Windows Live" clId="Web-{673C3536-C2B6-4837-06A4-CBFB1E902155}" dt="2020-08-30T01:48:12.135" v="116"/>
-          <ac:cxnSpMkLst>
-            <pc:docMk/>
-            <pc:sldMk cId="233230872" sldId="259"/>
-            <ac:cxnSpMk id="9" creationId="{CB26ADA2-BB96-4F2A-8E27-92E683745CF1}"/>
-          </ac:cxnSpMkLst>
-        </pc:cxnChg>
-        <pc:cxnChg chg="add">
-          <ac:chgData name="Gabriel Casagrande" userId="e7a325a1baaa42ba" providerId="Windows Live" clId="Web-{673C3536-C2B6-4837-06A4-CBFB1E902155}" dt="2020-08-30T01:48:12.182" v="121"/>
-          <ac:cxnSpMkLst>
-            <pc:docMk/>
-            <pc:sldMk cId="233230872" sldId="259"/>
-            <ac:cxnSpMk id="19" creationId="{48C536DC-4D7C-40C2-BC6C-C5F138FD17BE}"/>
-          </ac:cxnSpMkLst>
-        </pc:cxnChg>
-      </pc:sldChg>
-      <pc:sldChg chg="addSp delSp modSp">
-        <pc:chgData name="Gabriel Casagrande" userId="e7a325a1baaa42ba" providerId="Windows Live" clId="Web-{673C3536-C2B6-4837-06A4-CBFB1E902155}" dt="2020-08-30T01:52:59.227" v="231" actId="20577"/>
-        <pc:sldMkLst>
-          <pc:docMk/>
-          <pc:sldMk cId="2391605507" sldId="260"/>
-        </pc:sldMkLst>
-        <pc:spChg chg="del">
-          <ac:chgData name="Gabriel Casagrande" userId="e7a325a1baaa42ba" providerId="Windows Live" clId="Web-{673C3536-C2B6-4837-06A4-CBFB1E902155}" dt="2020-08-30T01:49:17.994" v="144"/>
-          <ac:spMkLst>
-            <pc:docMk/>
-            <pc:sldMk cId="2391605507" sldId="260"/>
-            <ac:spMk id="2" creationId="{C710147B-2C23-408D-A440-EA2499D7D47C}"/>
-          </ac:spMkLst>
-        </pc:spChg>
-        <pc:spChg chg="del">
-          <ac:chgData name="Gabriel Casagrande" userId="e7a325a1baaa42ba" providerId="Windows Live" clId="Web-{673C3536-C2B6-4837-06A4-CBFB1E902155}" dt="2020-08-30T01:49:16.932" v="143"/>
-          <ac:spMkLst>
-            <pc:docMk/>
-            <pc:sldMk cId="2391605507" sldId="260"/>
-            <ac:spMk id="3" creationId="{59F3076A-0758-4746-92D5-45D344AB814F}"/>
-          </ac:spMkLst>
-        </pc:spChg>
-        <pc:spChg chg="add">
-          <ac:chgData name="Gabriel Casagrande" userId="e7a325a1baaa42ba" providerId="Windows Live" clId="Web-{673C3536-C2B6-4837-06A4-CBFB1E902155}" dt="2020-08-30T01:49:19.869" v="145"/>
-          <ac:spMkLst>
-            <pc:docMk/>
-            <pc:sldMk cId="2391605507" sldId="260"/>
-            <ac:spMk id="5" creationId="{0B170521-BFDA-4949-A4CB-56BB198BEC0C}"/>
-          </ac:spMkLst>
-        </pc:spChg>
-        <pc:spChg chg="add">
-          <ac:chgData name="Gabriel Casagrande" userId="e7a325a1baaa42ba" providerId="Windows Live" clId="Web-{673C3536-C2B6-4837-06A4-CBFB1E902155}" dt="2020-08-30T01:49:19.869" v="146"/>
-          <ac:spMkLst>
-            <pc:docMk/>
-            <pc:sldMk cId="2391605507" sldId="260"/>
-            <ac:spMk id="7" creationId="{4ED6247F-08D6-44AE-92D9-79BB57563D22}"/>
-          </ac:spMkLst>
-        </pc:spChg>
-        <pc:spChg chg="add">
-          <ac:chgData name="Gabriel Casagrande" userId="e7a325a1baaa42ba" providerId="Windows Live" clId="Web-{673C3536-C2B6-4837-06A4-CBFB1E902155}" dt="2020-08-30T01:49:19.890" v="148"/>
-          <ac:spMkLst>
-            <pc:docMk/>
-            <pc:sldMk cId="2391605507" sldId="260"/>
-            <ac:spMk id="11" creationId="{EB242EBC-622F-47A5-B22D-DEE67C53008F}"/>
-          </ac:spMkLst>
-        </pc:spChg>
-        <pc:spChg chg="add">
-          <ac:chgData name="Gabriel Casagrande" userId="e7a325a1baaa42ba" providerId="Windows Live" clId="Web-{673C3536-C2B6-4837-06A4-CBFB1E902155}" dt="2020-08-30T01:49:19.900" v="149"/>
-          <ac:spMkLst>
-            <pc:docMk/>
-            <pc:sldMk cId="2391605507" sldId="260"/>
-            <ac:spMk id="13" creationId="{45AD0367-0283-46AF-BC7A-D12E5070670E}"/>
-          </ac:spMkLst>
-        </pc:spChg>
-        <pc:spChg chg="add mod">
-          <ac:chgData name="Gabriel Casagrande" userId="e7a325a1baaa42ba" providerId="Windows Live" clId="Web-{673C3536-C2B6-4837-06A4-CBFB1E902155}" dt="2020-08-30T01:52:59.227" v="231" actId="20577"/>
-          <ac:spMkLst>
-            <pc:docMk/>
-            <pc:sldMk cId="2391605507" sldId="260"/>
-            <ac:spMk id="15" creationId="{924F3FC9-34CF-4AF2-AFBC-6546D28189F7}"/>
-          </ac:spMkLst>
-        </pc:spChg>
-        <pc:spChg chg="add">
-          <ac:chgData name="Gabriel Casagrande" userId="e7a325a1baaa42ba" providerId="Windows Live" clId="Web-{673C3536-C2B6-4837-06A4-CBFB1E902155}" dt="2020-08-30T01:49:19.916" v="151"/>
-          <ac:spMkLst>
-            <pc:docMk/>
-            <pc:sldMk cId="2391605507" sldId="260"/>
-            <ac:spMk id="17" creationId="{3BBC84A5-1C95-4FC3-81AF-E8F6E61ED41E}"/>
-          </ac:spMkLst>
-        </pc:spChg>
-        <pc:spChg chg="add">
-          <ac:chgData name="Gabriel Casagrande" userId="e7a325a1baaa42ba" providerId="Windows Live" clId="Web-{673C3536-C2B6-4837-06A4-CBFB1E902155}" dt="2020-08-30T01:49:19.931" v="153"/>
-          <ac:spMkLst>
-            <pc:docMk/>
-            <pc:sldMk cId="2391605507" sldId="260"/>
-            <ac:spMk id="21" creationId="{36D0AD72-C11D-4088-8FDD-C97A7E66BE36}"/>
-          </ac:spMkLst>
-        </pc:spChg>
-        <pc:cxnChg chg="add">
-          <ac:chgData name="Gabriel Casagrande" userId="e7a325a1baaa42ba" providerId="Windows Live" clId="Web-{673C3536-C2B6-4837-06A4-CBFB1E902155}" dt="2020-08-30T01:49:19.869" v="147"/>
-          <ac:cxnSpMkLst>
-            <pc:docMk/>
-            <pc:sldMk cId="2391605507" sldId="260"/>
-            <ac:cxnSpMk id="9" creationId="{BA7E579D-AE83-4C53-9B02-83809727829A}"/>
-          </ac:cxnSpMkLst>
-        </pc:cxnChg>
-        <pc:cxnChg chg="add">
-          <ac:chgData name="Gabriel Casagrande" userId="e7a325a1baaa42ba" providerId="Windows Live" clId="Web-{673C3536-C2B6-4837-06A4-CBFB1E902155}" dt="2020-08-30T01:49:19.931" v="152"/>
-          <ac:cxnSpMkLst>
-            <pc:docMk/>
-            <pc:sldMk cId="2391605507" sldId="260"/>
-            <ac:cxnSpMk id="19" creationId="{EC40E1A0-2D1A-4886-AFA2-0F86E4D4D0AF}"/>
-          </ac:cxnSpMkLst>
-        </pc:cxnChg>
-      </pc:sldChg>
-      <pc:sldChg chg="addSp delSp modSp new">
-        <pc:chgData name="Gabriel Casagrande" userId="e7a325a1baaa42ba" providerId="Windows Live" clId="Web-{673C3536-C2B6-4837-06A4-CBFB1E902155}" dt="2020-08-30T01:52:06.603" v="210" actId="20577"/>
-        <pc:sldMkLst>
-          <pc:docMk/>
-          <pc:sldMk cId="3707104504" sldId="261"/>
-        </pc:sldMkLst>
-        <pc:spChg chg="del">
-          <ac:chgData name="Gabriel Casagrande" userId="e7a325a1baaa42ba" providerId="Windows Live" clId="Web-{673C3536-C2B6-4837-06A4-CBFB1E902155}" dt="2020-08-30T01:50:12.103" v="165"/>
-          <ac:spMkLst>
-            <pc:docMk/>
-            <pc:sldMk cId="3707104504" sldId="261"/>
-            <ac:spMk id="2" creationId="{B270A261-E26E-4D30-BEC1-9F0B45212F9A}"/>
-          </ac:spMkLst>
-        </pc:spChg>
-        <pc:spChg chg="del">
-          <ac:chgData name="Gabriel Casagrande" userId="e7a325a1baaa42ba" providerId="Windows Live" clId="Web-{673C3536-C2B6-4837-06A4-CBFB1E902155}" dt="2020-08-30T01:50:11.041" v="164"/>
-          <ac:spMkLst>
-            <pc:docMk/>
-            <pc:sldMk cId="3707104504" sldId="261"/>
-            <ac:spMk id="3" creationId="{D785E6A4-644A-484C-A6FC-7ECC32DDF4AB}"/>
-          </ac:spMkLst>
-        </pc:spChg>
-        <pc:spChg chg="add">
-          <ac:chgData name="Gabriel Casagrande" userId="e7a325a1baaa42ba" providerId="Windows Live" clId="Web-{673C3536-C2B6-4837-06A4-CBFB1E902155}" dt="2020-08-30T01:50:14.416" v="166"/>
-          <ac:spMkLst>
-            <pc:docMk/>
-            <pc:sldMk cId="3707104504" sldId="261"/>
-            <ac:spMk id="5" creationId="{27932E34-6F24-485C-B6A9-7087670E8953}"/>
-          </ac:spMkLst>
-        </pc:spChg>
-        <pc:spChg chg="add">
-          <ac:chgData name="Gabriel Casagrande" userId="e7a325a1baaa42ba" providerId="Windows Live" clId="Web-{673C3536-C2B6-4837-06A4-CBFB1E902155}" dt="2020-08-30T01:50:14.416" v="167"/>
-          <ac:spMkLst>
-            <pc:docMk/>
-            <pc:sldMk cId="3707104504" sldId="261"/>
-            <ac:spMk id="7" creationId="{5D2691DA-006B-47DE-8364-362A4F161F9D}"/>
-          </ac:spMkLst>
-        </pc:spChg>
-        <pc:spChg chg="add">
-          <ac:chgData name="Gabriel Casagrande" userId="e7a325a1baaa42ba" providerId="Windows Live" clId="Web-{673C3536-C2B6-4837-06A4-CBFB1E902155}" dt="2020-08-30T01:50:14.431" v="169"/>
-          <ac:spMkLst>
-            <pc:docMk/>
-            <pc:sldMk cId="3707104504" sldId="261"/>
-            <ac:spMk id="11" creationId="{55B19DF5-7EC6-4209-86FE-5E37370D226B}"/>
-          </ac:spMkLst>
-        </pc:spChg>
-        <pc:spChg chg="add">
-          <ac:chgData name="Gabriel Casagrande" userId="e7a325a1baaa42ba" providerId="Windows Live" clId="Web-{673C3536-C2B6-4837-06A4-CBFB1E902155}" dt="2020-08-30T01:50:14.447" v="170"/>
-          <ac:spMkLst>
-            <pc:docMk/>
-            <pc:sldMk cId="3707104504" sldId="261"/>
-            <ac:spMk id="13" creationId="{4F386D93-ACEB-45DF-B7B3-B65ACFAD0547}"/>
-          </ac:spMkLst>
-        </pc:spChg>
-        <pc:spChg chg="add mod">
-          <ac:chgData name="Gabriel Casagrande" userId="e7a325a1baaa42ba" providerId="Windows Live" clId="Web-{673C3536-C2B6-4837-06A4-CBFB1E902155}" dt="2020-08-30T01:52:06.603" v="210" actId="20577"/>
-          <ac:spMkLst>
-            <pc:docMk/>
-            <pc:sldMk cId="3707104504" sldId="261"/>
-            <ac:spMk id="15" creationId="{334741BD-2F65-41D0-8131-7C0200DF36E4}"/>
-          </ac:spMkLst>
-        </pc:spChg>
-        <pc:spChg chg="add">
-          <ac:chgData name="Gabriel Casagrande" userId="e7a325a1baaa42ba" providerId="Windows Live" clId="Web-{673C3536-C2B6-4837-06A4-CBFB1E902155}" dt="2020-08-30T01:50:14.462" v="172"/>
-          <ac:spMkLst>
-            <pc:docMk/>
-            <pc:sldMk cId="3707104504" sldId="261"/>
-            <ac:spMk id="17" creationId="{43FEA6CE-281A-4DFC-970B-51C1D889D438}"/>
-          </ac:spMkLst>
-        </pc:spChg>
-        <pc:spChg chg="add">
-          <ac:chgData name="Gabriel Casagrande" userId="e7a325a1baaa42ba" providerId="Windows Live" clId="Web-{673C3536-C2B6-4837-06A4-CBFB1E902155}" dt="2020-08-30T01:50:14.478" v="174"/>
-          <ac:spMkLst>
-            <pc:docMk/>
-            <pc:sldMk cId="3707104504" sldId="261"/>
-            <ac:spMk id="21" creationId="{B26FBFBE-B96B-4519-BC5C-04742D9747ED}"/>
-          </ac:spMkLst>
-        </pc:spChg>
-        <pc:cxnChg chg="add">
-          <ac:chgData name="Gabriel Casagrande" userId="e7a325a1baaa42ba" providerId="Windows Live" clId="Web-{673C3536-C2B6-4837-06A4-CBFB1E902155}" dt="2020-08-30T01:50:14.431" v="168"/>
-          <ac:cxnSpMkLst>
-            <pc:docMk/>
-            <pc:sldMk cId="3707104504" sldId="261"/>
-            <ac:cxnSpMk id="9" creationId="{62B894F8-E167-47B9-B840-30A1DFB83BDE}"/>
-          </ac:cxnSpMkLst>
-        </pc:cxnChg>
-        <pc:cxnChg chg="add">
-          <ac:chgData name="Gabriel Casagrande" userId="e7a325a1baaa42ba" providerId="Windows Live" clId="Web-{673C3536-C2B6-4837-06A4-CBFB1E902155}" dt="2020-08-30T01:50:14.462" v="173"/>
-          <ac:cxnSpMkLst>
-            <pc:docMk/>
-            <pc:sldMk cId="3707104504" sldId="261"/>
-            <ac:cxnSpMk id="19" creationId="{3EC8B7CB-7191-4D26-8A50-4F1577969A26}"/>
-          </ac:cxnSpMkLst>
-        </pc:cxnChg>
-      </pc:sldChg>
-      <pc:sldChg chg="addSp delSp modSp new">
-        <pc:chgData name="Gabriel Casagrande" userId="e7a325a1baaa42ba" providerId="Windows Live" clId="Web-{673C3536-C2B6-4837-06A4-CBFB1E902155}" dt="2020-08-30T02:34:08.339" v="1414" actId="1076"/>
+      <pc:sldChg chg="modSp">
+        <pc:chgData name="Bruno Pires" userId="2e75d9009844921f" providerId="Windows Live" clId="Web-{45146AF4-85AF-45B1-E2F8-A7A718C40703}" dt="2020-09-04T22:30:55.939" v="9" actId="20577"/>
         <pc:sldMkLst>
           <pc:docMk/>
           <pc:sldMk cId="3881249392" sldId="262"/>
         </pc:sldMkLst>
-        <pc:spChg chg="del">
-          <ac:chgData name="Gabriel Casagrande" userId="e7a325a1baaa42ba" providerId="Windows Live" clId="Web-{673C3536-C2B6-4837-06A4-CBFB1E902155}" dt="2020-08-30T01:54:03.633" v="234"/>
-          <ac:spMkLst>
-            <pc:docMk/>
-            <pc:sldMk cId="3881249392" sldId="262"/>
-            <ac:spMk id="2" creationId="{C6589056-CAD5-405C-9965-2E16CBDB541E}"/>
-          </ac:spMkLst>
-        </pc:spChg>
-        <pc:spChg chg="del">
-          <ac:chgData name="Gabriel Casagrande" userId="e7a325a1baaa42ba" providerId="Windows Live" clId="Web-{673C3536-C2B6-4837-06A4-CBFB1E902155}" dt="2020-08-30T01:54:02.727" v="233"/>
-          <ac:spMkLst>
-            <pc:docMk/>
-            <pc:sldMk cId="3881249392" sldId="262"/>
-            <ac:spMk id="3" creationId="{108DEE6C-09CB-4B47-B4C0-7976444CB101}"/>
-          </ac:spMkLst>
-        </pc:spChg>
-        <pc:spChg chg="add del">
-          <ac:chgData name="Gabriel Casagrande" userId="e7a325a1baaa42ba" providerId="Windows Live" clId="Web-{673C3536-C2B6-4837-06A4-CBFB1E902155}" dt="2020-08-30T01:54:23.977" v="242"/>
-          <ac:spMkLst>
-            <pc:docMk/>
-            <pc:sldMk cId="3881249392" sldId="262"/>
-            <ac:spMk id="5" creationId="{C4762D40-DF2F-4955-9142-8CDC687969EC}"/>
-          </ac:spMkLst>
-        </pc:spChg>
-        <pc:spChg chg="add del">
-          <ac:chgData name="Gabriel Casagrande" userId="e7a325a1baaa42ba" providerId="Windows Live" clId="Web-{673C3536-C2B6-4837-06A4-CBFB1E902155}" dt="2020-08-30T01:54:23.977" v="241"/>
-          <ac:spMkLst>
-            <pc:docMk/>
-            <pc:sldMk cId="3881249392" sldId="262"/>
-            <ac:spMk id="7" creationId="{4BB19FC7-6613-4313-A7F3-D623A0305ADB}"/>
-          </ac:spMkLst>
-        </pc:spChg>
-        <pc:spChg chg="add del">
-          <ac:chgData name="Gabriel Casagrande" userId="e7a325a1baaa42ba" providerId="Windows Live" clId="Web-{673C3536-C2B6-4837-06A4-CBFB1E902155}" dt="2020-08-30T01:54:23.977" v="239"/>
-          <ac:spMkLst>
-            <pc:docMk/>
-            <pc:sldMk cId="3881249392" sldId="262"/>
-            <ac:spMk id="11" creationId="{5C545CCC-DCD5-4A1F-A9FA-EC1B5462012D}"/>
-          </ac:spMkLst>
-        </pc:spChg>
-        <pc:spChg chg="add del">
-          <ac:chgData name="Gabriel Casagrande" userId="e7a325a1baaa42ba" providerId="Windows Live" clId="Web-{673C3536-C2B6-4837-06A4-CBFB1E902155}" dt="2020-08-30T02:01:22.272" v="271"/>
-          <ac:spMkLst>
-            <pc:docMk/>
-            <pc:sldMk cId="3881249392" sldId="262"/>
-            <ac:spMk id="13" creationId="{23E3CA0E-1D91-4B42-9664-C12E578121D9}"/>
-          </ac:spMkLst>
-        </pc:spChg>
-        <pc:spChg chg="add del">
-          <ac:chgData name="Gabriel Casagrande" userId="e7a325a1baaa42ba" providerId="Windows Live" clId="Web-{673C3536-C2B6-4837-06A4-CBFB1E902155}" dt="2020-08-30T02:01:22.272" v="270"/>
-          <ac:spMkLst>
-            <pc:docMk/>
-            <pc:sldMk cId="3881249392" sldId="262"/>
-            <ac:spMk id="15" creationId="{61390969-2C24-4AF3-A0C1-2543AB209CBD}"/>
-          </ac:spMkLst>
-        </pc:spChg>
-        <pc:spChg chg="add del">
-          <ac:chgData name="Gabriel Casagrande" userId="e7a325a1baaa42ba" providerId="Windows Live" clId="Web-{673C3536-C2B6-4837-06A4-CBFB1E902155}" dt="2020-08-30T02:01:22.272" v="268"/>
-          <ac:spMkLst>
-            <pc:docMk/>
-            <pc:sldMk cId="3881249392" sldId="262"/>
-            <ac:spMk id="19" creationId="{3EA5C94D-665F-4A79-B702-579B9D3003AD}"/>
-          </ac:spMkLst>
-        </pc:spChg>
-        <pc:spChg chg="add del">
-          <ac:chgData name="Gabriel Casagrande" userId="e7a325a1baaa42ba" providerId="Windows Live" clId="Web-{673C3536-C2B6-4837-06A4-CBFB1E902155}" dt="2020-08-30T02:01:22.272" v="267"/>
-          <ac:spMkLst>
-            <pc:docMk/>
-            <pc:sldMk cId="3881249392" sldId="262"/>
-            <ac:spMk id="21" creationId="{EFA1C294-386F-45BC-BC38-4FBBC5E0D4E1}"/>
-          </ac:spMkLst>
-        </pc:spChg>
-        <pc:spChg chg="add del">
-          <ac:chgData name="Gabriel Casagrande" userId="e7a325a1baaa42ba" providerId="Windows Live" clId="Web-{673C3536-C2B6-4837-06A4-CBFB1E902155}" dt="2020-08-30T02:01:22.272" v="266"/>
-          <ac:spMkLst>
-            <pc:docMk/>
-            <pc:sldMk cId="3881249392" sldId="262"/>
-            <ac:spMk id="23" creationId="{A6A664CE-A322-4530-8F14-C63F4432D36C}"/>
-          </ac:spMkLst>
-        </pc:spChg>
-        <pc:spChg chg="add del">
-          <ac:chgData name="Gabriel Casagrande" userId="e7a325a1baaa42ba" providerId="Windows Live" clId="Web-{673C3536-C2B6-4837-06A4-CBFB1E902155}" dt="2020-08-30T02:01:22.272" v="265"/>
-          <ac:spMkLst>
-            <pc:docMk/>
-            <pc:sldMk cId="3881249392" sldId="262"/>
-            <ac:spMk id="25" creationId="{D88D9C26-C793-4F12-8DC7-DE3A95C20509}"/>
-          </ac:spMkLst>
-        </pc:spChg>
-        <pc:spChg chg="add del">
-          <ac:chgData name="Gabriel Casagrande" userId="e7a325a1baaa42ba" providerId="Windows Live" clId="Web-{673C3536-C2B6-4837-06A4-CBFB1E902155}" dt="2020-08-30T02:01:22.272" v="263"/>
-          <ac:spMkLst>
-            <pc:docMk/>
-            <pc:sldMk cId="3881249392" sldId="262"/>
-            <ac:spMk id="29" creationId="{11830383-9C05-44AE-90B1-F43301D44D6E}"/>
-          </ac:spMkLst>
-        </pc:spChg>
-        <pc:spChg chg="add del">
-          <ac:chgData name="Gabriel Casagrande" userId="e7a325a1baaa42ba" providerId="Windows Live" clId="Web-{673C3536-C2B6-4837-06A4-CBFB1E902155}" dt="2020-08-30T02:07:54.722" v="289"/>
-          <ac:spMkLst>
-            <pc:docMk/>
-            <pc:sldMk cId="3881249392" sldId="262"/>
-            <ac:spMk id="31" creationId="{1516C87E-511F-4FDD-870E-6F432EBD80C6}"/>
-          </ac:spMkLst>
-        </pc:spChg>
-        <pc:spChg chg="add del">
-          <ac:chgData name="Gabriel Casagrande" userId="e7a325a1baaa42ba" providerId="Windows Live" clId="Web-{673C3536-C2B6-4837-06A4-CBFB1E902155}" dt="2020-08-30T02:07:54.722" v="288"/>
-          <ac:spMkLst>
-            <pc:docMk/>
-            <pc:sldMk cId="3881249392" sldId="262"/>
-            <ac:spMk id="33" creationId="{BD9D1A72-6074-491E-A226-5A1C999AF2D3}"/>
-          </ac:spMkLst>
-        </pc:spChg>
-        <pc:spChg chg="add del">
-          <ac:chgData name="Gabriel Casagrande" userId="e7a325a1baaa42ba" providerId="Windows Live" clId="Web-{673C3536-C2B6-4837-06A4-CBFB1E902155}" dt="2020-08-30T02:07:54.722" v="286"/>
-          <ac:spMkLst>
-            <pc:docMk/>
-            <pc:sldMk cId="3881249392" sldId="262"/>
-            <ac:spMk id="37" creationId="{C6D44024-9FBF-4DCB-BE93-3D1B8A41A741}"/>
-          </ac:spMkLst>
-        </pc:spChg>
-        <pc:spChg chg="add del">
-          <ac:chgData name="Gabriel Casagrande" userId="e7a325a1baaa42ba" providerId="Windows Live" clId="Web-{673C3536-C2B6-4837-06A4-CBFB1E902155}" dt="2020-08-30T02:07:54.722" v="285"/>
-          <ac:spMkLst>
-            <pc:docMk/>
-            <pc:sldMk cId="3881249392" sldId="262"/>
-            <ac:spMk id="39" creationId="{CAB3E904-EF62-405C-9340-D7BF3B9772E5}"/>
-          </ac:spMkLst>
-        </pc:spChg>
-        <pc:spChg chg="add del">
-          <ac:chgData name="Gabriel Casagrande" userId="e7a325a1baaa42ba" providerId="Windows Live" clId="Web-{673C3536-C2B6-4837-06A4-CBFB1E902155}" dt="2020-08-30T02:07:54.722" v="284"/>
-          <ac:spMkLst>
-            <pc:docMk/>
-            <pc:sldMk cId="3881249392" sldId="262"/>
-            <ac:spMk id="41" creationId="{90BE0DF5-85A8-40D4-B6FE-9A68ED920EC7}"/>
-          </ac:spMkLst>
-        </pc:spChg>
-        <pc:spChg chg="add del">
-          <ac:chgData name="Gabriel Casagrande" userId="e7a325a1baaa42ba" providerId="Windows Live" clId="Web-{673C3536-C2B6-4837-06A4-CBFB1E902155}" dt="2020-08-30T02:07:54.722" v="283"/>
-          <ac:spMkLst>
-            <pc:docMk/>
-            <pc:sldMk cId="3881249392" sldId="262"/>
-            <ac:spMk id="43" creationId="{00427C7F-1E24-46C3-81C5-A292CF3BA43B}"/>
-          </ac:spMkLst>
-        </pc:spChg>
-        <pc:spChg chg="add del">
-          <ac:chgData name="Gabriel Casagrande" userId="e7a325a1baaa42ba" providerId="Windows Live" clId="Web-{673C3536-C2B6-4837-06A4-CBFB1E902155}" dt="2020-08-30T02:07:54.722" v="281"/>
-          <ac:spMkLst>
-            <pc:docMk/>
-            <pc:sldMk cId="3881249392" sldId="262"/>
-            <ac:spMk id="47" creationId="{A65C2FF4-B842-4D91-A24C-838345C37278}"/>
-          </ac:spMkLst>
-        </pc:spChg>
-        <pc:spChg chg="add del mod">
-          <ac:chgData name="Gabriel Casagrande" userId="e7a325a1baaa42ba" providerId="Windows Live" clId="Web-{673C3536-C2B6-4837-06A4-CBFB1E902155}" dt="2020-08-30T02:09:27.097" v="298"/>
-          <ac:spMkLst>
-            <pc:docMk/>
-            <pc:sldMk cId="3881249392" sldId="262"/>
-            <ac:spMk id="48" creationId="{6F8E0868-745A-4001-8511-C41B479E6905}"/>
-          </ac:spMkLst>
-        </pc:spChg>
-        <pc:spChg chg="add del mod">
-          <ac:chgData name="Gabriel Casagrande" userId="e7a325a1baaa42ba" providerId="Windows Live" clId="Web-{673C3536-C2B6-4837-06A4-CBFB1E902155}" dt="2020-08-30T02:09:47.862" v="303"/>
-          <ac:spMkLst>
-            <pc:docMk/>
-            <pc:sldMk cId="3881249392" sldId="262"/>
-            <ac:spMk id="50" creationId="{53736FDB-C63D-4DD9-B0CA-E6FDE97BA84A}"/>
-          </ac:spMkLst>
-        </pc:spChg>
-        <pc:spChg chg="add mod">
-          <ac:chgData name="Gabriel Casagrande" userId="e7a325a1baaa42ba" providerId="Windows Live" clId="Web-{673C3536-C2B6-4837-06A4-CBFB1E902155}" dt="2020-08-30T02:30:28.231" v="1363"/>
-          <ac:spMkLst>
-            <pc:docMk/>
-            <pc:sldMk cId="3881249392" sldId="262"/>
-            <ac:spMk id="52" creationId="{F129F58A-09D1-46DE-8BC2-D4CCFD95C5E3}"/>
-          </ac:spMkLst>
-        </pc:spChg>
-        <pc:spChg chg="add mod">
-          <ac:chgData name="Gabriel Casagrande" userId="e7a325a1baaa42ba" providerId="Windows Live" clId="Web-{673C3536-C2B6-4837-06A4-CBFB1E902155}" dt="2020-08-30T02:28:27.325" v="1313"/>
+        <pc:spChg chg="mod">
+          <ac:chgData name="Bruno Pires" userId="2e75d9009844921f" providerId="Windows Live" clId="Web-{45146AF4-85AF-45B1-E2F8-A7A718C40703}" dt="2020-09-04T22:30:55.939" v="9" actId="20577"/>
           <ac:spMkLst>
             <pc:docMk/>
             <pc:sldMk cId="3881249392" sldId="262"/>
             <ac:spMk id="53" creationId="{C45F51C8-E961-44E5-A9C0-6EC3F13ED9D8}"/>
           </ac:spMkLst>
         </pc:spChg>
-        <pc:spChg chg="add mod">
-          <ac:chgData name="Gabriel Casagrande" userId="e7a325a1baaa42ba" providerId="Windows Live" clId="Web-{673C3536-C2B6-4837-06A4-CBFB1E902155}" dt="2020-08-30T02:32:30.449" v="1398" actId="20577"/>
+      </pc:sldChg>
+    </pc:docChg>
+  </pc:docChgLst>
+  <pc:docChgLst>
+    <pc:chgData name="Edilene Marques" userId="ad8df458748d149b" providerId="Windows Live" clId="Web-{44AA7650-2831-4A6F-B196-688068F2C706}"/>
+    <pc:docChg chg="modSld">
+      <pc:chgData name="Edilene Marques" userId="ad8df458748d149b" providerId="Windows Live" clId="Web-{44AA7650-2831-4A6F-B196-688068F2C706}" dt="2020-10-15T02:21:20.730" v="1" actId="20577"/>
+      <pc:docMkLst>
+        <pc:docMk/>
+      </pc:docMkLst>
+      <pc:sldChg chg="modSp">
+        <pc:chgData name="Edilene Marques" userId="ad8df458748d149b" providerId="Windows Live" clId="Web-{44AA7650-2831-4A6F-B196-688068F2C706}" dt="2020-10-15T02:21:20.730" v="0" actId="20577"/>
+        <pc:sldMkLst>
+          <pc:docMk/>
+          <pc:sldMk cId="2210866551" sldId="256"/>
+        </pc:sldMkLst>
+        <pc:spChg chg="mod">
+          <ac:chgData name="Edilene Marques" userId="ad8df458748d149b" providerId="Windows Live" clId="Web-{44AA7650-2831-4A6F-B196-688068F2C706}" dt="2020-10-15T02:21:20.730" v="0" actId="20577"/>
+          <ac:spMkLst>
+            <pc:docMk/>
+            <pc:sldMk cId="2210866551" sldId="256"/>
+            <ac:spMk id="3" creationId="{8F7DA0CF-4ECD-4BCA-8361-549C88203DD8}"/>
+          </ac:spMkLst>
+        </pc:spChg>
+      </pc:sldChg>
+    </pc:docChg>
+  </pc:docChgLst>
+  <pc:docChgLst>
+    <pc:chgData name="Edilene Marques" userId="ad8df458748d149b" providerId="Windows Live" clId="Web-{EF6FDD80-6693-4F5E-BD5D-5BA1F1039A23}"/>
+    <pc:docChg chg="modSld">
+      <pc:chgData name="Edilene Marques" userId="ad8df458748d149b" providerId="Windows Live" clId="Web-{EF6FDD80-6693-4F5E-BD5D-5BA1F1039A23}" dt="2020-10-15T21:13:00.198" v="111" actId="20577"/>
+      <pc:docMkLst>
+        <pc:docMk/>
+      </pc:docMkLst>
+      <pc:sldChg chg="modSp">
+        <pc:chgData name="Edilene Marques" userId="ad8df458748d149b" providerId="Windows Live" clId="Web-{EF6FDD80-6693-4F5E-BD5D-5BA1F1039A23}" dt="2020-10-15T21:12:59.636" v="109" actId="20577"/>
+        <pc:sldMkLst>
+          <pc:docMk/>
+          <pc:sldMk cId="3881249392" sldId="262"/>
+        </pc:sldMkLst>
+        <pc:spChg chg="mod">
+          <ac:chgData name="Edilene Marques" userId="ad8df458748d149b" providerId="Windows Live" clId="Web-{EF6FDD80-6693-4F5E-BD5D-5BA1F1039A23}" dt="2020-10-15T21:11:59.977" v="42" actId="1076"/>
           <ac:spMkLst>
             <pc:docMk/>
             <pc:sldMk cId="3881249392" sldId="262"/>
             <ac:spMk id="54" creationId="{760F58AB-1284-4D46-B1BB-257B523AE6B6}"/>
           </ac:spMkLst>
         </pc:spChg>
-        <pc:spChg chg="add del">
-          <ac:chgData name="Gabriel Casagrande" userId="e7a325a1baaa42ba" providerId="Windows Live" clId="Web-{673C3536-C2B6-4837-06A4-CBFB1E902155}" dt="2020-08-30T02:12:45.362" v="441"/>
-          <ac:spMkLst>
-            <pc:docMk/>
-            <pc:sldMk cId="3881249392" sldId="262"/>
-            <ac:spMk id="56" creationId="{72CC258F-EF62-4BEB-9D4B-D9119A03C534}"/>
-          </ac:spMkLst>
-        </pc:spChg>
-        <pc:spChg chg="add del mod">
-          <ac:chgData name="Gabriel Casagrande" userId="e7a325a1baaa42ba" providerId="Windows Live" clId="Web-{673C3536-C2B6-4837-06A4-CBFB1E902155}" dt="2020-08-30T02:24:50.670" v="1164"/>
-          <ac:spMkLst>
-            <pc:docMk/>
-            <pc:sldMk cId="3881249392" sldId="262"/>
-            <ac:spMk id="57" creationId="{4AC30B51-068F-453E-9D59-1FAC1ADBF3E9}"/>
-          </ac:spMkLst>
-        </pc:spChg>
-        <pc:spChg chg="add mod">
-          <ac:chgData name="Gabriel Casagrande" userId="e7a325a1baaa42ba" providerId="Windows Live" clId="Web-{673C3536-C2B6-4837-06A4-CBFB1E902155}" dt="2020-08-30T02:31:12.168" v="1364" actId="20577"/>
-          <ac:spMkLst>
-            <pc:docMk/>
-            <pc:sldMk cId="3881249392" sldId="262"/>
-            <ac:spMk id="58" creationId="{D28FEC91-EC80-4EE8-AD1B-9EA014671865}"/>
-          </ac:spMkLst>
-        </pc:spChg>
-        <pc:spChg chg="add mod">
-          <ac:chgData name="Gabriel Casagrande" userId="e7a325a1baaa42ba" providerId="Windows Live" clId="Web-{673C3536-C2B6-4837-06A4-CBFB1E902155}" dt="2020-08-30T02:32:36.574" v="1403" actId="20577"/>
-          <ac:spMkLst>
-            <pc:docMk/>
-            <pc:sldMk cId="3881249392" sldId="262"/>
-            <ac:spMk id="59" creationId="{F507BE5C-B343-45A5-9BAD-5449F5C34BF8}"/>
-          </ac:spMkLst>
-        </pc:spChg>
-        <pc:spChg chg="add del mod">
-          <ac:chgData name="Gabriel Casagrande" userId="e7a325a1baaa42ba" providerId="Windows Live" clId="Web-{673C3536-C2B6-4837-06A4-CBFB1E902155}" dt="2020-08-30T02:25:00.155" v="1171"/>
-          <ac:spMkLst>
-            <pc:docMk/>
-            <pc:sldMk cId="3881249392" sldId="262"/>
-            <ac:spMk id="60" creationId="{175DAA2C-7C82-4411-9632-2DA6546A1E6C}"/>
-          </ac:spMkLst>
-        </pc:spChg>
-        <pc:spChg chg="add del mod">
-          <ac:chgData name="Gabriel Casagrande" userId="e7a325a1baaa42ba" providerId="Windows Live" clId="Web-{673C3536-C2B6-4837-06A4-CBFB1E902155}" dt="2020-08-30T02:19:08.391" v="790"/>
-          <ac:spMkLst>
-            <pc:docMk/>
-            <pc:sldMk cId="3881249392" sldId="262"/>
-            <ac:spMk id="61" creationId="{0C6EEE79-35C7-4C02-95D3-5647EB24491C}"/>
-          </ac:spMkLst>
-        </pc:spChg>
-        <pc:spChg chg="add mod">
-          <ac:chgData name="Gabriel Casagrande" userId="e7a325a1baaa42ba" providerId="Windows Live" clId="Web-{673C3536-C2B6-4837-06A4-CBFB1E902155}" dt="2020-08-30T02:28:31.622" v="1315"/>
+        <pc:spChg chg="mod">
+          <ac:chgData name="Edilene Marques" userId="ad8df458748d149b" providerId="Windows Live" clId="Web-{EF6FDD80-6693-4F5E-BD5D-5BA1F1039A23}" dt="2020-10-15T21:11:24.053" v="35" actId="14100"/>
           <ac:spMkLst>
             <pc:docMk/>
             <pc:sldMk cId="3881249392" sldId="262"/>
             <ac:spMk id="62" creationId="{22E8452E-BE88-4EE6-8B30-0B2E4B0E0A4B}"/>
           </ac:spMkLst>
         </pc:spChg>
-        <pc:spChg chg="add mod">
-          <ac:chgData name="Gabriel Casagrande" userId="e7a325a1baaa42ba" providerId="Windows Live" clId="Web-{673C3536-C2B6-4837-06A4-CBFB1E902155}" dt="2020-08-30T02:32:43.840" v="1408" actId="20577"/>
+        <pc:spChg chg="mod">
+          <ac:chgData name="Edilene Marques" userId="ad8df458748d149b" providerId="Windows Live" clId="Web-{EF6FDD80-6693-4F5E-BD5D-5BA1F1039A23}" dt="2020-10-15T21:12:39.166" v="65" actId="20577"/>
           <ac:spMkLst>
             <pc:docMk/>
             <pc:sldMk cId="3881249392" sldId="262"/>
             <ac:spMk id="63" creationId="{20AE1D48-2793-45F9-8DAA-A3EE77481A90}"/>
           </ac:spMkLst>
         </pc:spChg>
-        <pc:spChg chg="add del mod">
-          <ac:chgData name="Gabriel Casagrande" userId="e7a325a1baaa42ba" providerId="Windows Live" clId="Web-{673C3536-C2B6-4837-06A4-CBFB1E902155}" dt="2020-08-30T02:26:36.545" v="1223"/>
-          <ac:spMkLst>
-            <pc:docMk/>
-            <pc:sldMk cId="3881249392" sldId="262"/>
-            <ac:spMk id="64" creationId="{CB88CBD2-847D-4ADF-B360-4E1CAD564668}"/>
-          </ac:spMkLst>
-        </pc:spChg>
-        <pc:spChg chg="add mod">
-          <ac:chgData name="Gabriel Casagrande" userId="e7a325a1baaa42ba" providerId="Windows Live" clId="Web-{673C3536-C2B6-4837-06A4-CBFB1E902155}" dt="2020-08-30T02:34:08.324" v="1413" actId="1076"/>
+        <pc:spChg chg="mod">
+          <ac:chgData name="Edilene Marques" userId="ad8df458748d149b" providerId="Windows Live" clId="Web-{EF6FDD80-6693-4F5E-BD5D-5BA1F1039A23}" dt="2020-10-15T21:12:23.634" v="62" actId="14100"/>
           <ac:spMkLst>
             <pc:docMk/>
             <pc:sldMk cId="3881249392" sldId="262"/>
             <ac:spMk id="65" creationId="{CF657267-D01E-4E47-85CB-B69783C869ED}"/>
           </ac:spMkLst>
         </pc:spChg>
-        <pc:spChg chg="add mod">
-          <ac:chgData name="Gabriel Casagrande" userId="e7a325a1baaa42ba" providerId="Windows Live" clId="Web-{673C3536-C2B6-4837-06A4-CBFB1E902155}" dt="2020-08-30T02:34:08.339" v="1414" actId="1076"/>
-          <ac:spMkLst>
-            <pc:docMk/>
-            <pc:sldMk cId="3881249392" sldId="262"/>
-            <ac:spMk id="66" creationId="{2660D14B-6900-4585-ACE0-7BAE35460F7F}"/>
-          </ac:spMkLst>
-        </pc:spChg>
-        <pc:spChg chg="add mod">
-          <ac:chgData name="Gabriel Casagrande" userId="e7a325a1baaa42ba" providerId="Windows Live" clId="Web-{673C3536-C2B6-4837-06A4-CBFB1E902155}" dt="2020-08-30T02:21:03.218" v="938" actId="20577"/>
-          <ac:spMkLst>
-            <pc:docMk/>
-            <pc:sldMk cId="3881249392" sldId="262"/>
-            <ac:spMk id="67" creationId="{B5E83281-C7E0-44F9-82F3-57420B587CA9}"/>
-          </ac:spMkLst>
-        </pc:spChg>
-        <pc:spChg chg="add mod">
-          <ac:chgData name="Gabriel Casagrande" userId="e7a325a1baaa42ba" providerId="Windows Live" clId="Web-{673C3536-C2B6-4837-06A4-CBFB1E902155}" dt="2020-08-30T02:34:02.699" v="1411" actId="1076"/>
-          <ac:spMkLst>
-            <pc:docMk/>
-            <pc:sldMk cId="3881249392" sldId="262"/>
-            <ac:spMk id="68" creationId="{86906FFA-3F00-46A8-84C0-57B0E53E8323}"/>
-          </ac:spMkLst>
-        </pc:spChg>
-        <pc:spChg chg="add mod">
-          <ac:chgData name="Gabriel Casagrande" userId="e7a325a1baaa42ba" providerId="Windows Live" clId="Web-{673C3536-C2B6-4837-06A4-CBFB1E902155}" dt="2020-08-30T02:34:02.714" v="1412" actId="1076"/>
+        <pc:spChg chg="mod">
+          <ac:chgData name="Edilene Marques" userId="ad8df458748d149b" providerId="Windows Live" clId="Web-{EF6FDD80-6693-4F5E-BD5D-5BA1F1039A23}" dt="2020-10-15T21:12:59.636" v="109" actId="20577"/>
           <ac:spMkLst>
             <pc:docMk/>
             <pc:sldMk cId="3881249392" sldId="262"/>
             <ac:spMk id="69" creationId="{F35B392B-582B-4CF9-ADE6-913F2DB25823}"/>
           </ac:spMkLst>
         </pc:spChg>
-        <pc:spChg chg="add del mod">
-          <ac:chgData name="Gabriel Casagrande" userId="e7a325a1baaa42ba" providerId="Windows Live" clId="Web-{673C3536-C2B6-4837-06A4-CBFB1E902155}" dt="2020-08-30T02:27:55.310" v="1289"/>
-          <ac:spMkLst>
-            <pc:docMk/>
-            <pc:sldMk cId="3881249392" sldId="262"/>
-            <ac:spMk id="70" creationId="{18BC9975-C145-4729-BDC9-172A410C7875}"/>
-          </ac:spMkLst>
-        </pc:spChg>
-        <pc:spChg chg="add">
-          <ac:chgData name="Gabriel Casagrande" userId="e7a325a1baaa42ba" providerId="Windows Live" clId="Web-{673C3536-C2B6-4837-06A4-CBFB1E902155}" dt="2020-08-30T02:26:40.248" v="1227"/>
-          <ac:spMkLst>
-            <pc:docMk/>
-            <pc:sldMk cId="3881249392" sldId="262"/>
-            <ac:spMk id="71" creationId="{64F89D91-E59A-4AB7-84EA-19456AFBE116}"/>
-          </ac:spMkLst>
-        </pc:spChg>
-        <pc:spChg chg="add del">
-          <ac:chgData name="Gabriel Casagrande" userId="e7a325a1baaa42ba" providerId="Windows Live" clId="Web-{673C3536-C2B6-4837-06A4-CBFB1E902155}" dt="2020-08-30T02:27:51.388" v="1288"/>
-          <ac:spMkLst>
-            <pc:docMk/>
-            <pc:sldMk cId="3881249392" sldId="262"/>
-            <ac:spMk id="72" creationId="{0A6EACFA-E2E1-4C11-8378-86C449D8B23D}"/>
-          </ac:spMkLst>
-        </pc:spChg>
-        <pc:spChg chg="add del">
-          <ac:chgData name="Gabriel Casagrande" userId="e7a325a1baaa42ba" providerId="Windows Live" clId="Web-{673C3536-C2B6-4837-06A4-CBFB1E902155}" dt="2020-08-30T02:28:04.341" v="1294"/>
-          <ac:spMkLst>
-            <pc:docMk/>
-            <pc:sldMk cId="3881249392" sldId="262"/>
-            <ac:spMk id="73" creationId="{F955F01D-46ED-4684-B733-5580CBC114C4}"/>
-          </ac:spMkLst>
-        </pc:spChg>
-        <pc:cxnChg chg="add del">
-          <ac:chgData name="Gabriel Casagrande" userId="e7a325a1baaa42ba" providerId="Windows Live" clId="Web-{673C3536-C2B6-4837-06A4-CBFB1E902155}" dt="2020-08-30T01:54:23.977" v="240"/>
-          <ac:cxnSpMkLst>
-            <pc:docMk/>
-            <pc:sldMk cId="3881249392" sldId="262"/>
-            <ac:cxnSpMk id="9" creationId="{00105F35-EFC2-49D1-AB7C-A5DEA4083E94}"/>
-          </ac:cxnSpMkLst>
-        </pc:cxnChg>
-        <pc:cxnChg chg="add del">
-          <ac:chgData name="Gabriel Casagrande" userId="e7a325a1baaa42ba" providerId="Windows Live" clId="Web-{673C3536-C2B6-4837-06A4-CBFB1E902155}" dt="2020-08-30T02:01:22.272" v="269"/>
-          <ac:cxnSpMkLst>
-            <pc:docMk/>
-            <pc:sldMk cId="3881249392" sldId="262"/>
-            <ac:cxnSpMk id="17" creationId="{68F7470B-0400-4DF5-9EB1-1F2E3E262E4F}"/>
-          </ac:cxnSpMkLst>
-        </pc:cxnChg>
-        <pc:cxnChg chg="add del">
-          <ac:chgData name="Gabriel Casagrande" userId="e7a325a1baaa42ba" providerId="Windows Live" clId="Web-{673C3536-C2B6-4837-06A4-CBFB1E902155}" dt="2020-08-30T02:01:22.272" v="264"/>
-          <ac:cxnSpMkLst>
-            <pc:docMk/>
-            <pc:sldMk cId="3881249392" sldId="262"/>
-            <ac:cxnSpMk id="27" creationId="{A2A1159A-9154-4F64-A836-E267652EF254}"/>
-          </ac:cxnSpMkLst>
-        </pc:cxnChg>
-        <pc:cxnChg chg="add del">
-          <ac:chgData name="Gabriel Casagrande" userId="e7a325a1baaa42ba" providerId="Windows Live" clId="Web-{673C3536-C2B6-4837-06A4-CBFB1E902155}" dt="2020-08-30T02:07:54.722" v="287"/>
-          <ac:cxnSpMkLst>
-            <pc:docMk/>
-            <pc:sldMk cId="3881249392" sldId="262"/>
-            <ac:cxnSpMk id="35" creationId="{7FD40CBE-5432-424E-80B2-5D5C7BB79ED3}"/>
-          </ac:cxnSpMkLst>
-        </pc:cxnChg>
-        <pc:cxnChg chg="add del">
-          <ac:chgData name="Gabriel Casagrande" userId="e7a325a1baaa42ba" providerId="Windows Live" clId="Web-{673C3536-C2B6-4837-06A4-CBFB1E902155}" dt="2020-08-30T02:07:54.722" v="282"/>
-          <ac:cxnSpMkLst>
-            <pc:docMk/>
-            <pc:sldMk cId="3881249392" sldId="262"/>
-            <ac:cxnSpMk id="45" creationId="{98AEC877-F192-4DA4-AC4C-D56B65DEC44D}"/>
-          </ac:cxnSpMkLst>
-        </pc:cxnChg>
+      </pc:sldChg>
+    </pc:docChg>
+  </pc:docChgLst>
+  <pc:docChgLst>
+    <pc:chgData name="Edilene Marques" userId="ad8df458748d149b" providerId="Windows Live" clId="Web-{AC8CEBB1-F754-4A01-BCC4-E91647CEF8CE}"/>
+    <pc:docChg chg="modSld">
+      <pc:chgData name="Edilene Marques" userId="ad8df458748d149b" providerId="Windows Live" clId="Web-{AC8CEBB1-F754-4A01-BCC4-E91647CEF8CE}" dt="2020-10-15T00:48:14.363" v="7" actId="20577"/>
+      <pc:docMkLst>
+        <pc:docMk/>
+      </pc:docMkLst>
+      <pc:sldChg chg="modSp">
+        <pc:chgData name="Edilene Marques" userId="ad8df458748d149b" providerId="Windows Live" clId="Web-{AC8CEBB1-F754-4A01-BCC4-E91647CEF8CE}" dt="2020-10-15T00:48:13.675" v="5" actId="20577"/>
+        <pc:sldMkLst>
+          <pc:docMk/>
+          <pc:sldMk cId="1403518651" sldId="265"/>
+        </pc:sldMkLst>
+        <pc:spChg chg="mod">
+          <ac:chgData name="Edilene Marques" userId="ad8df458748d149b" providerId="Windows Live" clId="Web-{AC8CEBB1-F754-4A01-BCC4-E91647CEF8CE}" dt="2020-10-15T00:48:13.675" v="5" actId="20577"/>
+          <ac:spMkLst>
+            <pc:docMk/>
+            <pc:sldMk cId="1403518651" sldId="265"/>
+            <ac:spMk id="22" creationId="{9E5B00D7-AC59-4F87-9506-09946934551F}"/>
+          </ac:spMkLst>
+        </pc:spChg>
+      </pc:sldChg>
+    </pc:docChg>
+  </pc:docChgLst>
+  <pc:docChgLst>
+    <pc:chgData name="Edilene Marques" userId="ad8df458748d149b" providerId="Windows Live" clId="Web-{2302E6FF-9014-4237-95F6-400D32FFFF39}"/>
+    <pc:docChg chg="modSld">
+      <pc:chgData name="Edilene Marques" userId="ad8df458748d149b" providerId="Windows Live" clId="Web-{2302E6FF-9014-4237-95F6-400D32FFFF39}" dt="2020-10-15T03:20:35.777" v="5" actId="20577"/>
+      <pc:docMkLst>
+        <pc:docMk/>
+      </pc:docMkLst>
+      <pc:sldChg chg="modSp">
+        <pc:chgData name="Edilene Marques" userId="ad8df458748d149b" providerId="Windows Live" clId="Web-{2302E6FF-9014-4237-95F6-400D32FFFF39}" dt="2020-10-15T03:20:35.777" v="5" actId="20577"/>
+        <pc:sldMkLst>
+          <pc:docMk/>
+          <pc:sldMk cId="1261260675" sldId="264"/>
+        </pc:sldMkLst>
+        <pc:spChg chg="mod">
+          <ac:chgData name="Edilene Marques" userId="ad8df458748d149b" providerId="Windows Live" clId="Web-{2302E6FF-9014-4237-95F6-400D32FFFF39}" dt="2020-10-15T03:20:35.777" v="5" actId="20577"/>
+          <ac:spMkLst>
+            <pc:docMk/>
+            <pc:sldMk cId="1261260675" sldId="264"/>
+            <ac:spMk id="17" creationId="{BBB830BC-EAAA-4709-A6A5-989783DA280C}"/>
+          </ac:spMkLst>
+        </pc:spChg>
+      </pc:sldChg>
+    </pc:docChg>
+  </pc:docChgLst>
+  <pc:docChgLst>
+    <pc:chgData name="Eduardo Marques" userId="b9dd18581288d1e4" providerId="Windows Live" clId="Web-{2EBD092E-5EAE-4AAA-D50E-DCE4E9CC4B3D}"/>
+    <pc:docChg chg="modSld">
+      <pc:chgData name="Eduardo Marques" userId="b9dd18581288d1e4" providerId="Windows Live" clId="Web-{2EBD092E-5EAE-4AAA-D50E-DCE4E9CC4B3D}" dt="2020-09-12T02:02:24.219" v="0" actId="20577"/>
+      <pc:docMkLst>
+        <pc:docMk/>
+      </pc:docMkLst>
+      <pc:sldChg chg="modSp">
+        <pc:chgData name="Eduardo Marques" userId="b9dd18581288d1e4" providerId="Windows Live" clId="Web-{2EBD092E-5EAE-4AAA-D50E-DCE4E9CC4B3D}" dt="2020-09-12T02:02:24.219" v="0" actId="20577"/>
+        <pc:sldMkLst>
+          <pc:docMk/>
+          <pc:sldMk cId="2719852471" sldId="257"/>
+        </pc:sldMkLst>
+        <pc:spChg chg="mod">
+          <ac:chgData name="Eduardo Marques" userId="b9dd18581288d1e4" providerId="Windows Live" clId="Web-{2EBD092E-5EAE-4AAA-D50E-DCE4E9CC4B3D}" dt="2020-09-12T02:02:24.219" v="0" actId="20577"/>
+          <ac:spMkLst>
+            <pc:docMk/>
+            <pc:sldMk cId="2719852471" sldId="257"/>
+            <ac:spMk id="17" creationId="{BBB830BC-EAAA-4709-A6A5-989783DA280C}"/>
+          </ac:spMkLst>
+        </pc:spChg>
+      </pc:sldChg>
+    </pc:docChg>
+  </pc:docChgLst>
+  <pc:docChgLst>
+    <pc:chgData name="Eduardo Marques" userId="b9dd18581288d1e4" providerId="Windows Live" clId="Web-{1FF1B15C-BA24-4CB5-A409-ADD88F0F4F1F}"/>
+    <pc:docChg chg="modSld">
+      <pc:chgData name="Eduardo Marques" userId="b9dd18581288d1e4" providerId="Windows Live" clId="Web-{1FF1B15C-BA24-4CB5-A409-ADD88F0F4F1F}" dt="2020-10-21T22:41:43.344" v="0" actId="1076"/>
+      <pc:docMkLst>
+        <pc:docMk/>
+      </pc:docMkLst>
+      <pc:sldChg chg="modSp">
+        <pc:chgData name="Eduardo Marques" userId="b9dd18581288d1e4" providerId="Windows Live" clId="Web-{1FF1B15C-BA24-4CB5-A409-ADD88F0F4F1F}" dt="2020-10-21T22:41:43.344" v="0" actId="1076"/>
+        <pc:sldMkLst>
+          <pc:docMk/>
+          <pc:sldMk cId="2210866551" sldId="256"/>
+        </pc:sldMkLst>
+        <pc:spChg chg="mod">
+          <ac:chgData name="Eduardo Marques" userId="b9dd18581288d1e4" providerId="Windows Live" clId="Web-{1FF1B15C-BA24-4CB5-A409-ADD88F0F4F1F}" dt="2020-10-21T22:41:43.344" v="0" actId="1076"/>
+          <ac:spMkLst>
+            <pc:docMk/>
+            <pc:sldMk cId="2210866551" sldId="256"/>
+            <ac:spMk id="3" creationId="{8F7DA0CF-4ECD-4BCA-8361-549C88203DD8}"/>
+          </ac:spMkLst>
+        </pc:spChg>
       </pc:sldChg>
     </pc:docChg>
   </pc:docChgLst>
@@ -1127,596 +694,6 @@
           <pc:docMk/>
           <pc:sldMk cId="2536872500" sldId="263"/>
         </pc:sldMkLst>
-      </pc:sldChg>
-    </pc:docChg>
-  </pc:docChgLst>
-  <pc:docChgLst>
-    <pc:chgData name="Eduardo Marques" userId="b9dd18581288d1e4" providerId="Windows Live" clId="Web-{2EBD092E-5EAE-4AAA-D50E-DCE4E9CC4B3D}"/>
-    <pc:docChg chg="modSld">
-      <pc:chgData name="Eduardo Marques" userId="b9dd18581288d1e4" providerId="Windows Live" clId="Web-{2EBD092E-5EAE-4AAA-D50E-DCE4E9CC4B3D}" dt="2020-09-12T02:02:24.219" v="0" actId="20577"/>
-      <pc:docMkLst>
-        <pc:docMk/>
-      </pc:docMkLst>
-      <pc:sldChg chg="modSp">
-        <pc:chgData name="Eduardo Marques" userId="b9dd18581288d1e4" providerId="Windows Live" clId="Web-{2EBD092E-5EAE-4AAA-D50E-DCE4E9CC4B3D}" dt="2020-09-12T02:02:24.219" v="0" actId="20577"/>
-        <pc:sldMkLst>
-          <pc:docMk/>
-          <pc:sldMk cId="2719852471" sldId="257"/>
-        </pc:sldMkLst>
-        <pc:spChg chg="mod">
-          <ac:chgData name="Eduardo Marques" userId="b9dd18581288d1e4" providerId="Windows Live" clId="Web-{2EBD092E-5EAE-4AAA-D50E-DCE4E9CC4B3D}" dt="2020-09-12T02:02:24.219" v="0" actId="20577"/>
-          <ac:spMkLst>
-            <pc:docMk/>
-            <pc:sldMk cId="2719852471" sldId="257"/>
-            <ac:spMk id="17" creationId="{BBB830BC-EAAA-4709-A6A5-989783DA280C}"/>
-          </ac:spMkLst>
-        </pc:spChg>
-      </pc:sldChg>
-    </pc:docChg>
-  </pc:docChgLst>
-  <pc:docChgLst>
-    <pc:chgData name="Eduardo Marques" userId="b9dd18581288d1e4" providerId="Windows Live" clId="Web-{28E134C2-EFCF-4B3B-01A0-56AD1D38F3FF}"/>
-    <pc:docChg chg="addSld delSld modSld">
-      <pc:chgData name="Eduardo Marques" userId="b9dd18581288d1e4" providerId="Windows Live" clId="Web-{28E134C2-EFCF-4B3B-01A0-56AD1D38F3FF}" dt="2020-08-30T02:38:47.762" v="1148" actId="20577"/>
-      <pc:docMkLst>
-        <pc:docMk/>
-      </pc:docMkLst>
-      <pc:sldChg chg="addSp delSp modSp">
-        <pc:chgData name="Eduardo Marques" userId="b9dd18581288d1e4" providerId="Windows Live" clId="Web-{28E134C2-EFCF-4B3B-01A0-56AD1D38F3FF}" dt="2020-08-30T02:38:32.558" v="1141" actId="20577"/>
-        <pc:sldMkLst>
-          <pc:docMk/>
-          <pc:sldMk cId="2210866551" sldId="256"/>
-        </pc:sldMkLst>
-        <pc:spChg chg="mod">
-          <ac:chgData name="Eduardo Marques" userId="b9dd18581288d1e4" providerId="Windows Live" clId="Web-{28E134C2-EFCF-4B3B-01A0-56AD1D38F3FF}" dt="2020-08-30T01:59:28.890" v="302" actId="1076"/>
-          <ac:spMkLst>
-            <pc:docMk/>
-            <pc:sldMk cId="2210866551" sldId="256"/>
-            <ac:spMk id="2" creationId="{00000000-0000-0000-0000-000000000000}"/>
-          </ac:spMkLst>
-        </pc:spChg>
-        <pc:spChg chg="del mod">
-          <ac:chgData name="Eduardo Marques" userId="b9dd18581288d1e4" providerId="Windows Live" clId="Web-{28E134C2-EFCF-4B3B-01A0-56AD1D38F3FF}" dt="2020-08-29T23:26:39.808" v="33"/>
-          <ac:spMkLst>
-            <pc:docMk/>
-            <pc:sldMk cId="2210866551" sldId="256"/>
-            <ac:spMk id="3" creationId="{00000000-0000-0000-0000-000000000000}"/>
-          </ac:spMkLst>
-        </pc:spChg>
-        <pc:spChg chg="add mod">
-          <ac:chgData name="Eduardo Marques" userId="b9dd18581288d1e4" providerId="Windows Live" clId="Web-{28E134C2-EFCF-4B3B-01A0-56AD1D38F3FF}" dt="2020-08-30T02:38:32.558" v="1141" actId="20577"/>
-          <ac:spMkLst>
-            <pc:docMk/>
-            <pc:sldMk cId="2210866551" sldId="256"/>
-            <ac:spMk id="3" creationId="{8F7DA0CF-4ECD-4BCA-8361-549C88203DD8}"/>
-          </ac:spMkLst>
-        </pc:spChg>
-        <pc:spChg chg="add del mod">
-          <ac:chgData name="Eduardo Marques" userId="b9dd18581288d1e4" providerId="Windows Live" clId="Web-{28E134C2-EFCF-4B3B-01A0-56AD1D38F3FF}" dt="2020-08-29T23:36:05.467" v="92"/>
-          <ac:spMkLst>
-            <pc:docMk/>
-            <pc:sldMk cId="2210866551" sldId="256"/>
-            <ac:spMk id="4" creationId="{8A65BDE8-C31A-4C4D-B61D-1CF2D44CE8F4}"/>
-          </ac:spMkLst>
-        </pc:spChg>
-        <pc:spChg chg="add mod">
-          <ac:chgData name="Eduardo Marques" userId="b9dd18581288d1e4" providerId="Windows Live" clId="Web-{28E134C2-EFCF-4B3B-01A0-56AD1D38F3FF}" dt="2020-08-29T23:45:27.016" v="103" actId="1076"/>
-          <ac:spMkLst>
-            <pc:docMk/>
-            <pc:sldMk cId="2210866551" sldId="256"/>
-            <ac:spMk id="5" creationId="{5731FF05-FDA5-4CE8-841F-B064150E9D7E}"/>
-          </ac:spMkLst>
-        </pc:spChg>
-        <pc:spChg chg="add del mod">
-          <ac:chgData name="Eduardo Marques" userId="b9dd18581288d1e4" providerId="Windows Live" clId="Web-{28E134C2-EFCF-4B3B-01A0-56AD1D38F3FF}" dt="2020-08-29T23:36:09.232" v="96"/>
-          <ac:spMkLst>
-            <pc:docMk/>
-            <pc:sldMk cId="2210866551" sldId="256"/>
-            <ac:spMk id="6" creationId="{93A7EE2E-5EB1-4573-9A87-D323F3A827C4}"/>
-          </ac:spMkLst>
-        </pc:spChg>
-        <pc:spChg chg="add mod">
-          <ac:chgData name="Eduardo Marques" userId="b9dd18581288d1e4" providerId="Windows Live" clId="Web-{28E134C2-EFCF-4B3B-01A0-56AD1D38F3FF}" dt="2020-08-30T02:09:41.210" v="391" actId="20577"/>
-          <ac:spMkLst>
-            <pc:docMk/>
-            <pc:sldMk cId="2210866551" sldId="256"/>
-            <ac:spMk id="7" creationId="{CD433B89-1022-4DFF-B470-DC3C65803440}"/>
-          </ac:spMkLst>
-        </pc:spChg>
-        <pc:spChg chg="add del mod">
-          <ac:chgData name="Eduardo Marques" userId="b9dd18581288d1e4" providerId="Windows Live" clId="Web-{28E134C2-EFCF-4B3B-01A0-56AD1D38F3FF}" dt="2020-08-30T01:19:02.317" v="139"/>
-          <ac:spMkLst>
-            <pc:docMk/>
-            <pc:sldMk cId="2210866551" sldId="256"/>
-            <ac:spMk id="12" creationId="{6B68C849-2536-4E25-AF06-959E577CD0DF}"/>
-          </ac:spMkLst>
-        </pc:spChg>
-        <pc:cxnChg chg="add del mod">
-          <ac:chgData name="Eduardo Marques" userId="b9dd18581288d1e4" providerId="Windows Live" clId="Web-{28E134C2-EFCF-4B3B-01A0-56AD1D38F3FF}" dt="2020-08-29T23:36:06.279" v="93"/>
-          <ac:cxnSpMkLst>
-            <pc:docMk/>
-            <pc:sldMk cId="2210866551" sldId="256"/>
-            <ac:cxnSpMk id="8" creationId="{815A2B2C-BBCA-4F79-B341-A4FB975EF10A}"/>
-          </ac:cxnSpMkLst>
-        </pc:cxnChg>
-        <pc:cxnChg chg="add mod">
-          <ac:chgData name="Eduardo Marques" userId="b9dd18581288d1e4" providerId="Windows Live" clId="Web-{28E134C2-EFCF-4B3B-01A0-56AD1D38F3FF}" dt="2020-08-29T23:30:42.168" v="84" actId="14100"/>
-          <ac:cxnSpMkLst>
-            <pc:docMk/>
-            <pc:sldMk cId="2210866551" sldId="256"/>
-            <ac:cxnSpMk id="9" creationId="{A54FF4FA-C96A-4467-9504-BC20F93B0A19}"/>
-          </ac:cxnSpMkLst>
-        </pc:cxnChg>
-        <pc:cxnChg chg="add del mod">
-          <ac:chgData name="Eduardo Marques" userId="b9dd18581288d1e4" providerId="Windows Live" clId="Web-{28E134C2-EFCF-4B3B-01A0-56AD1D38F3FF}" dt="2020-08-29T23:36:08.201" v="95"/>
-          <ac:cxnSpMkLst>
-            <pc:docMk/>
-            <pc:sldMk cId="2210866551" sldId="256"/>
-            <ac:cxnSpMk id="10" creationId="{15E56925-25A1-4A62-96B0-B745102B27F7}"/>
-          </ac:cxnSpMkLst>
-        </pc:cxnChg>
-        <pc:cxnChg chg="add del mod">
-          <ac:chgData name="Eduardo Marques" userId="b9dd18581288d1e4" providerId="Windows Live" clId="Web-{28E134C2-EFCF-4B3B-01A0-56AD1D38F3FF}" dt="2020-08-29T23:36:07.248" v="94"/>
-          <ac:cxnSpMkLst>
-            <pc:docMk/>
-            <pc:sldMk cId="2210866551" sldId="256"/>
-            <ac:cxnSpMk id="11" creationId="{6B59204D-051F-4B83-AFB0-BE415EF5EA80}"/>
-          </ac:cxnSpMkLst>
-        </pc:cxnChg>
-      </pc:sldChg>
-      <pc:sldChg chg="addSp delSp modSp">
-        <pc:chgData name="Eduardo Marques" userId="b9dd18581288d1e4" providerId="Windows Live" clId="Web-{28E134C2-EFCF-4B3B-01A0-56AD1D38F3FF}" dt="2020-08-30T02:23:19.712" v="768" actId="20577"/>
-        <pc:sldMkLst>
-          <pc:docMk/>
-          <pc:sldMk cId="2719852471" sldId="257"/>
-        </pc:sldMkLst>
-        <pc:spChg chg="del">
-          <ac:chgData name="Eduardo Marques" userId="b9dd18581288d1e4" providerId="Windows Live" clId="Web-{28E134C2-EFCF-4B3B-01A0-56AD1D38F3FF}" dt="2020-08-30T01:43:58.809" v="289"/>
-          <ac:spMkLst>
-            <pc:docMk/>
-            <pc:sldMk cId="2719852471" sldId="257"/>
-            <ac:spMk id="2" creationId="{35FD06DA-772E-4AE7-B23B-425F79BE8E5D}"/>
-          </ac:spMkLst>
-        </pc:spChg>
-        <pc:spChg chg="del">
-          <ac:chgData name="Eduardo Marques" userId="b9dd18581288d1e4" providerId="Windows Live" clId="Web-{28E134C2-EFCF-4B3B-01A0-56AD1D38F3FF}" dt="2020-08-30T01:41:32.710" v="232"/>
-          <ac:spMkLst>
-            <pc:docMk/>
-            <pc:sldMk cId="2719852471" sldId="257"/>
-            <ac:spMk id="2" creationId="{45C09632-42B3-411F-A222-994C73DF2B5B}"/>
-          </ac:spMkLst>
-        </pc:spChg>
-        <pc:spChg chg="del">
-          <ac:chgData name="Eduardo Marques" userId="b9dd18581288d1e4" providerId="Windows Live" clId="Web-{28E134C2-EFCF-4B3B-01A0-56AD1D38F3FF}" dt="2020-08-30T01:41:31.632" v="231"/>
-          <ac:spMkLst>
-            <pc:docMk/>
-            <pc:sldMk cId="2719852471" sldId="257"/>
-            <ac:spMk id="3" creationId="{1076AC57-C143-4CBA-B391-BFDDB0E4913E}"/>
-          </ac:spMkLst>
-        </pc:spChg>
-        <pc:spChg chg="add del">
-          <ac:chgData name="Eduardo Marques" userId="b9dd18581288d1e4" providerId="Windows Live" clId="Web-{28E134C2-EFCF-4B3B-01A0-56AD1D38F3FF}" dt="2020-08-30T01:41:50.023" v="241"/>
-          <ac:spMkLst>
-            <pc:docMk/>
-            <pc:sldMk cId="2719852471" sldId="257"/>
-            <ac:spMk id="4" creationId="{A32DCFB2-1A16-42D2-8BD6-60A5AA305D5F}"/>
-          </ac:spMkLst>
-        </pc:spChg>
-        <pc:spChg chg="del">
-          <ac:chgData name="Eduardo Marques" userId="b9dd18581288d1e4" providerId="Windows Live" clId="Web-{28E134C2-EFCF-4B3B-01A0-56AD1D38F3FF}" dt="2020-08-30T01:43:58.809" v="288"/>
-          <ac:spMkLst>
-            <pc:docMk/>
-            <pc:sldMk cId="2719852471" sldId="257"/>
-            <ac:spMk id="4" creationId="{EFF49B50-47BA-4A0C-AF4C-016B54C95F6C}"/>
-          </ac:spMkLst>
-        </pc:spChg>
-        <pc:spChg chg="add del">
-          <ac:chgData name="Eduardo Marques" userId="b9dd18581288d1e4" providerId="Windows Live" clId="Web-{28E134C2-EFCF-4B3B-01A0-56AD1D38F3FF}" dt="2020-08-30T01:41:50.023" v="240"/>
-          <ac:spMkLst>
-            <pc:docMk/>
-            <pc:sldMk cId="2719852471" sldId="257"/>
-            <ac:spMk id="5" creationId="{61614BDD-6452-47D7-A5CE-4B6F6B856F19}"/>
-          </ac:spMkLst>
-        </pc:spChg>
-        <pc:spChg chg="add del mod">
-          <ac:chgData name="Eduardo Marques" userId="b9dd18581288d1e4" providerId="Windows Live" clId="Web-{28E134C2-EFCF-4B3B-01A0-56AD1D38F3FF}" dt="2020-08-30T01:41:55.086" v="245"/>
-          <ac:spMkLst>
-            <pc:docMk/>
-            <pc:sldMk cId="2719852471" sldId="257"/>
-            <ac:spMk id="7" creationId="{49CB4034-E61A-4D24-8DC5-0D9A2951B65A}"/>
-          </ac:spMkLst>
-        </pc:spChg>
-        <pc:spChg chg="mod">
-          <ac:chgData name="Eduardo Marques" userId="b9dd18581288d1e4" providerId="Windows Live" clId="Web-{28E134C2-EFCF-4B3B-01A0-56AD1D38F3FF}" dt="2020-08-30T02:10:14.320" v="420" actId="14100"/>
-          <ac:spMkLst>
-            <pc:docMk/>
-            <pc:sldMk cId="2719852471" sldId="257"/>
-            <ac:spMk id="8" creationId="{284FA0F0-CF2B-454E-9226-B461DD1EE0FF}"/>
-          </ac:spMkLst>
-        </pc:spChg>
-        <pc:spChg chg="add del mod">
-          <ac:chgData name="Eduardo Marques" userId="b9dd18581288d1e4" providerId="Windows Live" clId="Web-{28E134C2-EFCF-4B3B-01A0-56AD1D38F3FF}" dt="2020-08-30T01:41:50.023" v="238"/>
-          <ac:spMkLst>
-            <pc:docMk/>
-            <pc:sldMk cId="2719852471" sldId="257"/>
-            <ac:spMk id="8" creationId="{C63BCE8E-DFAE-4515-89DC-033B22D59367}"/>
-          </ac:spMkLst>
-        </pc:spChg>
-        <pc:spChg chg="add del mod">
-          <ac:chgData name="Eduardo Marques" userId="b9dd18581288d1e4" providerId="Windows Live" clId="Web-{28E134C2-EFCF-4B3B-01A0-56AD1D38F3FF}" dt="2020-08-30T01:41:50.023" v="237"/>
-          <ac:spMkLst>
-            <pc:docMk/>
-            <pc:sldMk cId="2719852471" sldId="257"/>
-            <ac:spMk id="9" creationId="{96FBFEBA-D6D5-4BB9-9247-DC2A65E162D7}"/>
-          </ac:spMkLst>
-        </pc:spChg>
-        <pc:spChg chg="add del">
-          <ac:chgData name="Eduardo Marques" userId="b9dd18581288d1e4" providerId="Windows Live" clId="Web-{28E134C2-EFCF-4B3B-01A0-56AD1D38F3FF}" dt="2020-08-30T01:41:50.008" v="236"/>
-          <ac:spMkLst>
-            <pc:docMk/>
-            <pc:sldMk cId="2719852471" sldId="257"/>
-            <ac:spMk id="10" creationId="{05CEDDCB-6261-495D-A47E-F78F4C865DD9}"/>
-          </ac:spMkLst>
-        </pc:spChg>
-        <pc:spChg chg="add mod">
-          <ac:chgData name="Eduardo Marques" userId="b9dd18581288d1e4" providerId="Windows Live" clId="Web-{28E134C2-EFCF-4B3B-01A0-56AD1D38F3FF}" dt="2020-08-30T02:00:42.581" v="304" actId="1076"/>
-          <ac:spMkLst>
-            <pc:docMk/>
-            <pc:sldMk cId="2719852471" sldId="257"/>
-            <ac:spMk id="12" creationId="{D85284E8-26A9-4A50-A64E-46A4C70AA549}"/>
-          </ac:spMkLst>
-        </pc:spChg>
-        <pc:spChg chg="add mod">
-          <ac:chgData name="Eduardo Marques" userId="b9dd18581288d1e4" providerId="Windows Live" clId="Web-{28E134C2-EFCF-4B3B-01A0-56AD1D38F3FF}" dt="2020-08-30T02:12:12.575" v="527" actId="20577"/>
-          <ac:spMkLst>
-            <pc:docMk/>
-            <pc:sldMk cId="2719852471" sldId="257"/>
-            <ac:spMk id="13" creationId="{64C48525-9339-4714-950B-67AED3F3E8FB}"/>
-          </ac:spMkLst>
-        </pc:spChg>
-        <pc:spChg chg="add mod">
-          <ac:chgData name="Eduardo Marques" userId="b9dd18581288d1e4" providerId="Windows Live" clId="Web-{28E134C2-EFCF-4B3B-01A0-56AD1D38F3FF}" dt="2020-08-30T02:10:10.758" v="417" actId="20577"/>
-          <ac:spMkLst>
-            <pc:docMk/>
-            <pc:sldMk cId="2719852471" sldId="257"/>
-            <ac:spMk id="15" creationId="{61158E0F-CF90-44C4-9D65-760EFE5C9849}"/>
-          </ac:spMkLst>
-        </pc:spChg>
-        <pc:spChg chg="add mod">
-          <ac:chgData name="Eduardo Marques" userId="b9dd18581288d1e4" providerId="Windows Live" clId="Web-{28E134C2-EFCF-4B3B-01A0-56AD1D38F3FF}" dt="2020-08-30T02:07:46.924" v="371" actId="20577"/>
-          <ac:spMkLst>
-            <pc:docMk/>
-            <pc:sldMk cId="2719852471" sldId="257"/>
-            <ac:spMk id="16" creationId="{4F545214-6AD1-4819-B1E0-A114B5EE9553}"/>
-          </ac:spMkLst>
-        </pc:spChg>
-        <pc:spChg chg="add mod">
-          <ac:chgData name="Eduardo Marques" userId="b9dd18581288d1e4" providerId="Windows Live" clId="Web-{28E134C2-EFCF-4B3B-01A0-56AD1D38F3FF}" dt="2020-08-30T02:23:19.712" v="768" actId="20577"/>
-          <ac:spMkLst>
-            <pc:docMk/>
-            <pc:sldMk cId="2719852471" sldId="257"/>
-            <ac:spMk id="17" creationId="{BBB830BC-EAAA-4709-A6A5-989783DA280C}"/>
-          </ac:spMkLst>
-        </pc:spChg>
-        <pc:spChg chg="add del">
-          <ac:chgData name="Eduardo Marques" userId="b9dd18581288d1e4" providerId="Windows Live" clId="Web-{28E134C2-EFCF-4B3B-01A0-56AD1D38F3FF}" dt="2020-08-30T02:09:26.459" v="389"/>
-          <ac:spMkLst>
-            <pc:docMk/>
-            <pc:sldMk cId="2719852471" sldId="257"/>
-            <ac:spMk id="18" creationId="{E7956A06-8FEF-4DC2-87D3-326F121C93F0}"/>
-          </ac:spMkLst>
-        </pc:spChg>
-        <pc:spChg chg="add del">
-          <ac:chgData name="Eduardo Marques" userId="b9dd18581288d1e4" providerId="Windows Live" clId="Web-{28E134C2-EFCF-4B3B-01A0-56AD1D38F3FF}" dt="2020-08-30T01:46:04.986" v="293"/>
-          <ac:spMkLst>
-            <pc:docMk/>
-            <pc:sldMk cId="2719852471" sldId="257"/>
-            <ac:spMk id="20" creationId="{286A7154-ED78-4AB6-A8A0-F2C17F4DD029}"/>
-          </ac:spMkLst>
-        </pc:spChg>
-        <pc:spChg chg="add mod">
-          <ac:chgData name="Eduardo Marques" userId="b9dd18581288d1e4" providerId="Windows Live" clId="Web-{28E134C2-EFCF-4B3B-01A0-56AD1D38F3FF}" dt="2020-08-30T02:11:18.526" v="516" actId="20577"/>
-          <ac:spMkLst>
-            <pc:docMk/>
-            <pc:sldMk cId="2719852471" sldId="257"/>
-            <ac:spMk id="22" creationId="{9E5B00D7-AC59-4F87-9506-09946934551F}"/>
-          </ac:spMkLst>
-        </pc:spChg>
-        <pc:cxnChg chg="del">
-          <ac:chgData name="Eduardo Marques" userId="b9dd18581288d1e4" providerId="Windows Live" clId="Web-{28E134C2-EFCF-4B3B-01A0-56AD1D38F3FF}" dt="2020-08-30T01:43:58.809" v="287"/>
-          <ac:cxnSpMkLst>
-            <pc:docMk/>
-            <pc:sldMk cId="2719852471" sldId="257"/>
-            <ac:cxnSpMk id="6" creationId="{26B74829-1C7E-401F-A5A9-5B27A263366F}"/>
-          </ac:cxnSpMkLst>
-        </pc:cxnChg>
-        <pc:cxnChg chg="add del">
-          <ac:chgData name="Eduardo Marques" userId="b9dd18581288d1e4" providerId="Windows Live" clId="Web-{28E134C2-EFCF-4B3B-01A0-56AD1D38F3FF}" dt="2020-08-30T01:41:50.023" v="239"/>
-          <ac:cxnSpMkLst>
-            <pc:docMk/>
-            <pc:sldMk cId="2719852471" sldId="257"/>
-            <ac:cxnSpMk id="6" creationId="{F6D41A83-CD3C-4426-920F-C6656AC0106F}"/>
-          </ac:cxnSpMkLst>
-        </pc:cxnChg>
-        <pc:cxnChg chg="add mod">
-          <ac:chgData name="Eduardo Marques" userId="b9dd18581288d1e4" providerId="Windows Live" clId="Web-{28E134C2-EFCF-4B3B-01A0-56AD1D38F3FF}" dt="2020-08-30T01:41:50.023" v="237"/>
-          <ac:cxnSpMkLst>
-            <pc:docMk/>
-            <pc:sldMk cId="2719852471" sldId="257"/>
-            <ac:cxnSpMk id="11" creationId="{B11E8853-9FEF-485C-930F-08142A2FB6DD}"/>
-          </ac:cxnSpMkLst>
-        </pc:cxnChg>
-        <pc:cxnChg chg="add mod">
-          <ac:chgData name="Eduardo Marques" userId="b9dd18581288d1e4" providerId="Windows Live" clId="Web-{28E134C2-EFCF-4B3B-01A0-56AD1D38F3FF}" dt="2020-08-30T02:06:46.860" v="340" actId="14100"/>
-          <ac:cxnSpMkLst>
-            <pc:docMk/>
-            <pc:sldMk cId="2719852471" sldId="257"/>
-            <ac:cxnSpMk id="14" creationId="{FE53D13A-9203-4CEC-8C61-08B89E1FC3E0}"/>
-          </ac:cxnSpMkLst>
-        </pc:cxnChg>
-        <pc:cxnChg chg="add mod">
-          <ac:chgData name="Eduardo Marques" userId="b9dd18581288d1e4" providerId="Windows Live" clId="Web-{28E134C2-EFCF-4B3B-01A0-56AD1D38F3FF}" dt="2020-08-30T02:07:52.956" v="372" actId="1076"/>
-          <ac:cxnSpMkLst>
-            <pc:docMk/>
-            <pc:sldMk cId="2719852471" sldId="257"/>
-            <ac:cxnSpMk id="19" creationId="{2D7D1114-83F9-43F9-8D6E-E13912126507}"/>
-          </ac:cxnSpMkLst>
-        </pc:cxnChg>
-      </pc:sldChg>
-      <pc:sldChg chg="addSp modSp del">
-        <pc:chgData name="Eduardo Marques" userId="b9dd18581288d1e4" providerId="Windows Live" clId="Web-{28E134C2-EFCF-4B3B-01A0-56AD1D38F3FF}" dt="2020-08-30T02:11:41.824" v="519"/>
-        <pc:sldMkLst>
-          <pc:docMk/>
-          <pc:sldMk cId="1340845693" sldId="258"/>
-        </pc:sldMkLst>
-        <pc:spChg chg="add mod">
-          <ac:chgData name="Eduardo Marques" userId="b9dd18581288d1e4" providerId="Windows Live" clId="Web-{28E134C2-EFCF-4B3B-01A0-56AD1D38F3FF}" dt="2020-08-30T01:54:07.457" v="299" actId="1076"/>
-          <ac:spMkLst>
-            <pc:docMk/>
-            <pc:sldMk cId="1340845693" sldId="258"/>
-            <ac:spMk id="4" creationId="{6593A0F0-4653-49C4-8618-09DF5A9339A5}"/>
-          </ac:spMkLst>
-        </pc:spChg>
-      </pc:sldChg>
-      <pc:sldChg chg="del">
-        <pc:chgData name="Eduardo Marques" userId="b9dd18581288d1e4" providerId="Windows Live" clId="Web-{28E134C2-EFCF-4B3B-01A0-56AD1D38F3FF}" dt="2020-08-30T02:11:43.746" v="520"/>
-        <pc:sldMkLst>
-          <pc:docMk/>
-          <pc:sldMk cId="233230872" sldId="259"/>
-        </pc:sldMkLst>
-      </pc:sldChg>
-      <pc:sldChg chg="del">
-        <pc:chgData name="Eduardo Marques" userId="b9dd18581288d1e4" providerId="Windows Live" clId="Web-{28E134C2-EFCF-4B3B-01A0-56AD1D38F3FF}" dt="2020-08-30T02:11:45.293" v="521"/>
-        <pc:sldMkLst>
-          <pc:docMk/>
-          <pc:sldMk cId="2391605507" sldId="260"/>
-        </pc:sldMkLst>
-      </pc:sldChg>
-      <pc:sldChg chg="del">
-        <pc:chgData name="Eduardo Marques" userId="b9dd18581288d1e4" providerId="Windows Live" clId="Web-{28E134C2-EFCF-4B3B-01A0-56AD1D38F3FF}" dt="2020-08-30T02:11:46.777" v="522"/>
-        <pc:sldMkLst>
-          <pc:docMk/>
-          <pc:sldMk cId="3707104504" sldId="261"/>
-        </pc:sldMkLst>
-      </pc:sldChg>
-      <pc:sldChg chg="modSp">
-        <pc:chgData name="Eduardo Marques" userId="b9dd18581288d1e4" providerId="Windows Live" clId="Web-{28E134C2-EFCF-4B3B-01A0-56AD1D38F3FF}" dt="2020-08-30T02:38:47.028" v="1147" actId="20577"/>
-        <pc:sldMkLst>
-          <pc:docMk/>
-          <pc:sldMk cId="3881249392" sldId="262"/>
-        </pc:sldMkLst>
-        <pc:spChg chg="mod">
-          <ac:chgData name="Eduardo Marques" userId="b9dd18581288d1e4" providerId="Windows Live" clId="Web-{28E134C2-EFCF-4B3B-01A0-56AD1D38F3FF}" dt="2020-08-30T02:33:12.593" v="982" actId="1076"/>
-          <ac:spMkLst>
-            <pc:docMk/>
-            <pc:sldMk cId="3881249392" sldId="262"/>
-            <ac:spMk id="52" creationId="{F129F58A-09D1-46DE-8BC2-D4CCFD95C5E3}"/>
-          </ac:spMkLst>
-        </pc:spChg>
-        <pc:spChg chg="mod">
-          <ac:chgData name="Eduardo Marques" userId="b9dd18581288d1e4" providerId="Windows Live" clId="Web-{28E134C2-EFCF-4B3B-01A0-56AD1D38F3FF}" dt="2020-08-30T02:33:19.500" v="983" actId="1076"/>
-          <ac:spMkLst>
-            <pc:docMk/>
-            <pc:sldMk cId="3881249392" sldId="262"/>
-            <ac:spMk id="53" creationId="{C45F51C8-E961-44E5-A9C0-6EC3F13ED9D8}"/>
-          </ac:spMkLst>
-        </pc:spChg>
-        <pc:spChg chg="mod">
-          <ac:chgData name="Eduardo Marques" userId="b9dd18581288d1e4" providerId="Windows Live" clId="Web-{28E134C2-EFCF-4B3B-01A0-56AD1D38F3FF}" dt="2020-08-30T02:37:35.915" v="1124" actId="20577"/>
-          <ac:spMkLst>
-            <pc:docMk/>
-            <pc:sldMk cId="3881249392" sldId="262"/>
-            <ac:spMk id="54" creationId="{760F58AB-1284-4D46-B1BB-257B523AE6B6}"/>
-          </ac:spMkLst>
-        </pc:spChg>
-        <pc:spChg chg="mod">
-          <ac:chgData name="Eduardo Marques" userId="b9dd18581288d1e4" providerId="Windows Live" clId="Web-{28E134C2-EFCF-4B3B-01A0-56AD1D38F3FF}" dt="2020-08-30T02:33:35.813" v="986" actId="1076"/>
-          <ac:spMkLst>
-            <pc:docMk/>
-            <pc:sldMk cId="3881249392" sldId="262"/>
-            <ac:spMk id="58" creationId="{D28FEC91-EC80-4EE8-AD1B-9EA014671865}"/>
-          </ac:spMkLst>
-        </pc:spChg>
-        <pc:spChg chg="mod">
-          <ac:chgData name="Eduardo Marques" userId="b9dd18581288d1e4" providerId="Windows Live" clId="Web-{28E134C2-EFCF-4B3B-01A0-56AD1D38F3FF}" dt="2020-08-30T02:37:24.259" v="1120" actId="20577"/>
-          <ac:spMkLst>
-            <pc:docMk/>
-            <pc:sldMk cId="3881249392" sldId="262"/>
-            <ac:spMk id="59" creationId="{F507BE5C-B343-45A5-9BAD-5449F5C34BF8}"/>
-          </ac:spMkLst>
-        </pc:spChg>
-        <pc:spChg chg="mod">
-          <ac:chgData name="Eduardo Marques" userId="b9dd18581288d1e4" providerId="Windows Live" clId="Web-{28E134C2-EFCF-4B3B-01A0-56AD1D38F3FF}" dt="2020-08-30T02:38:47.028" v="1147" actId="20577"/>
-          <ac:spMkLst>
-            <pc:docMk/>
-            <pc:sldMk cId="3881249392" sldId="262"/>
-            <ac:spMk id="62" creationId="{22E8452E-BE88-4EE6-8B30-0B2E4B0E0A4B}"/>
-          </ac:spMkLst>
-        </pc:spChg>
-        <pc:spChg chg="mod">
-          <ac:chgData name="Eduardo Marques" userId="b9dd18581288d1e4" providerId="Windows Live" clId="Web-{28E134C2-EFCF-4B3B-01A0-56AD1D38F3FF}" dt="2020-08-30T02:37:19.181" v="1113" actId="20577"/>
-          <ac:spMkLst>
-            <pc:docMk/>
-            <pc:sldMk cId="3881249392" sldId="262"/>
-            <ac:spMk id="63" creationId="{20AE1D48-2793-45F9-8DAA-A3EE77481A90}"/>
-          </ac:spMkLst>
-        </pc:spChg>
-        <pc:spChg chg="mod">
-          <ac:chgData name="Eduardo Marques" userId="b9dd18581288d1e4" providerId="Windows Live" clId="Web-{28E134C2-EFCF-4B3B-01A0-56AD1D38F3FF}" dt="2020-08-30T02:34:30.346" v="995" actId="1076"/>
-          <ac:spMkLst>
-            <pc:docMk/>
-            <pc:sldMk cId="3881249392" sldId="262"/>
-            <ac:spMk id="65" creationId="{CF657267-D01E-4E47-85CB-B69783C869ED}"/>
-          </ac:spMkLst>
-        </pc:spChg>
-        <pc:spChg chg="mod">
-          <ac:chgData name="Eduardo Marques" userId="b9dd18581288d1e4" providerId="Windows Live" clId="Web-{28E134C2-EFCF-4B3B-01A0-56AD1D38F3FF}" dt="2020-08-30T02:36:56.242" v="1104" actId="20577"/>
-          <ac:spMkLst>
-            <pc:docMk/>
-            <pc:sldMk cId="3881249392" sldId="262"/>
-            <ac:spMk id="66" creationId="{2660D14B-6900-4585-ACE0-7BAE35460F7F}"/>
-          </ac:spMkLst>
-        </pc:spChg>
-        <pc:spChg chg="mod">
-          <ac:chgData name="Eduardo Marques" userId="b9dd18581288d1e4" providerId="Windows Live" clId="Web-{28E134C2-EFCF-4B3B-01A0-56AD1D38F3FF}" dt="2020-08-30T02:34:36.518" v="997" actId="1076"/>
-          <ac:spMkLst>
-            <pc:docMk/>
-            <pc:sldMk cId="3881249392" sldId="262"/>
-            <ac:spMk id="68" creationId="{86906FFA-3F00-46A8-84C0-57B0E53E8323}"/>
-          </ac:spMkLst>
-        </pc:spChg>
-        <pc:spChg chg="mod">
-          <ac:chgData name="Eduardo Marques" userId="b9dd18581288d1e4" providerId="Windows Live" clId="Web-{28E134C2-EFCF-4B3B-01A0-56AD1D38F3FF}" dt="2020-08-30T02:36:58.727" v="1107" actId="20577"/>
-          <ac:spMkLst>
-            <pc:docMk/>
-            <pc:sldMk cId="3881249392" sldId="262"/>
-            <ac:spMk id="69" creationId="{F35B392B-582B-4CF9-ADE6-913F2DB25823}"/>
-          </ac:spMkLst>
-        </pc:spChg>
-      </pc:sldChg>
-      <pc:sldChg chg="modSp add replId">
-        <pc:chgData name="Eduardo Marques" userId="b9dd18581288d1e4" providerId="Windows Live" clId="Web-{28E134C2-EFCF-4B3B-01A0-56AD1D38F3FF}" dt="2020-08-30T02:21:37.458" v="735" actId="20577"/>
-        <pc:sldMkLst>
-          <pc:docMk/>
-          <pc:sldMk cId="2536872500" sldId="263"/>
-        </pc:sldMkLst>
-        <pc:spChg chg="mod">
-          <ac:chgData name="Eduardo Marques" userId="b9dd18581288d1e4" providerId="Windows Live" clId="Web-{28E134C2-EFCF-4B3B-01A0-56AD1D38F3FF}" dt="2020-08-30T02:12:17.028" v="530" actId="20577"/>
-          <ac:spMkLst>
-            <pc:docMk/>
-            <pc:sldMk cId="2536872500" sldId="263"/>
-            <ac:spMk id="13" creationId="{64C48525-9339-4714-950B-67AED3F3E8FB}"/>
-          </ac:spMkLst>
-        </pc:spChg>
-        <pc:spChg chg="mod">
-          <ac:chgData name="Eduardo Marques" userId="b9dd18581288d1e4" providerId="Windows Live" clId="Web-{28E134C2-EFCF-4B3B-01A0-56AD1D38F3FF}" dt="2020-08-30T02:21:37.458" v="735" actId="20577"/>
-          <ac:spMkLst>
-            <pc:docMk/>
-            <pc:sldMk cId="2536872500" sldId="263"/>
-            <ac:spMk id="17" creationId="{BBB830BC-EAAA-4709-A6A5-989783DA280C}"/>
-          </ac:spMkLst>
-        </pc:spChg>
-        <pc:spChg chg="mod">
-          <ac:chgData name="Eduardo Marques" userId="b9dd18581288d1e4" providerId="Windows Live" clId="Web-{28E134C2-EFCF-4B3B-01A0-56AD1D38F3FF}" dt="2020-08-30T02:12:42.797" v="556" actId="20577"/>
-          <ac:spMkLst>
-            <pc:docMk/>
-            <pc:sldMk cId="2536872500" sldId="263"/>
-            <ac:spMk id="22" creationId="{9E5B00D7-AC59-4F87-9506-09946934551F}"/>
-          </ac:spMkLst>
-        </pc:spChg>
-      </pc:sldChg>
-      <pc:sldChg chg="modSp add replId">
-        <pc:chgData name="Eduardo Marques" userId="b9dd18581288d1e4" providerId="Windows Live" clId="Web-{28E134C2-EFCF-4B3B-01A0-56AD1D38F3FF}" dt="2020-08-30T02:22:16.257" v="760" actId="20577"/>
-        <pc:sldMkLst>
-          <pc:docMk/>
-          <pc:sldMk cId="1261260675" sldId="264"/>
-        </pc:sldMkLst>
-        <pc:spChg chg="mod">
-          <ac:chgData name="Eduardo Marques" userId="b9dd18581288d1e4" providerId="Windows Live" clId="Web-{28E134C2-EFCF-4B3B-01A0-56AD1D38F3FF}" dt="2020-08-30T02:12:21.434" v="533" actId="20577"/>
-          <ac:spMkLst>
-            <pc:docMk/>
-            <pc:sldMk cId="1261260675" sldId="264"/>
-            <ac:spMk id="13" creationId="{64C48525-9339-4714-950B-67AED3F3E8FB}"/>
-          </ac:spMkLst>
-        </pc:spChg>
-        <pc:spChg chg="mod">
-          <ac:chgData name="Eduardo Marques" userId="b9dd18581288d1e4" providerId="Windows Live" clId="Web-{28E134C2-EFCF-4B3B-01A0-56AD1D38F3FF}" dt="2020-08-30T02:22:16.257" v="760" actId="20577"/>
-          <ac:spMkLst>
-            <pc:docMk/>
-            <pc:sldMk cId="1261260675" sldId="264"/>
-            <ac:spMk id="17" creationId="{BBB830BC-EAAA-4709-A6A5-989783DA280C}"/>
-          </ac:spMkLst>
-        </pc:spChg>
-        <pc:spChg chg="mod">
-          <ac:chgData name="Eduardo Marques" userId="b9dd18581288d1e4" providerId="Windows Live" clId="Web-{28E134C2-EFCF-4B3B-01A0-56AD1D38F3FF}" dt="2020-08-30T02:15:47.852" v="683" actId="14100"/>
-          <ac:spMkLst>
-            <pc:docMk/>
-            <pc:sldMk cId="1261260675" sldId="264"/>
-            <ac:spMk id="22" creationId="{9E5B00D7-AC59-4F87-9506-09946934551F}"/>
-          </ac:spMkLst>
-        </pc:spChg>
-      </pc:sldChg>
-      <pc:sldChg chg="modSp add replId">
-        <pc:chgData name="Eduardo Marques" userId="b9dd18581288d1e4" providerId="Windows Live" clId="Web-{28E134C2-EFCF-4B3B-01A0-56AD1D38F3FF}" dt="2020-08-30T02:36:34.226" v="1101" actId="20577"/>
-        <pc:sldMkLst>
-          <pc:docMk/>
-          <pc:sldMk cId="1403518651" sldId="265"/>
-        </pc:sldMkLst>
-        <pc:spChg chg="mod">
-          <ac:chgData name="Eduardo Marques" userId="b9dd18581288d1e4" providerId="Windows Live" clId="Web-{28E134C2-EFCF-4B3B-01A0-56AD1D38F3FF}" dt="2020-08-30T02:12:25.513" v="536" actId="20577"/>
-          <ac:spMkLst>
-            <pc:docMk/>
-            <pc:sldMk cId="1403518651" sldId="265"/>
-            <ac:spMk id="13" creationId="{64C48525-9339-4714-950B-67AED3F3E8FB}"/>
-          </ac:spMkLst>
-        </pc:spChg>
-        <pc:spChg chg="mod">
-          <ac:chgData name="Eduardo Marques" userId="b9dd18581288d1e4" providerId="Windows Live" clId="Web-{28E134C2-EFCF-4B3B-01A0-56AD1D38F3FF}" dt="2020-08-30T02:36:34.226" v="1101" actId="20577"/>
-          <ac:spMkLst>
-            <pc:docMk/>
-            <pc:sldMk cId="1403518651" sldId="265"/>
-            <ac:spMk id="17" creationId="{BBB830BC-EAAA-4709-A6A5-989783DA280C}"/>
-          </ac:spMkLst>
-        </pc:spChg>
-        <pc:spChg chg="mod">
-          <ac:chgData name="Eduardo Marques" userId="b9dd18581288d1e4" providerId="Windows Live" clId="Web-{28E134C2-EFCF-4B3B-01A0-56AD1D38F3FF}" dt="2020-08-30T02:22:59.852" v="765" actId="14100"/>
-          <ac:spMkLst>
-            <pc:docMk/>
-            <pc:sldMk cId="1403518651" sldId="265"/>
-            <ac:spMk id="22" creationId="{9E5B00D7-AC59-4F87-9506-09946934551F}"/>
-          </ac:spMkLst>
-        </pc:spChg>
-      </pc:sldChg>
-      <pc:sldChg chg="modSp add replId">
-        <pc:chgData name="Eduardo Marques" userId="b9dd18581288d1e4" providerId="Windows Live" clId="Web-{28E134C2-EFCF-4B3B-01A0-56AD1D38F3FF}" dt="2020-08-30T02:31:05.870" v="901" actId="14100"/>
-        <pc:sldMkLst>
-          <pc:docMk/>
-          <pc:sldMk cId="2450772793" sldId="266"/>
-        </pc:sldMkLst>
-        <pc:spChg chg="mod">
-          <ac:chgData name="Eduardo Marques" userId="b9dd18581288d1e4" providerId="Windows Live" clId="Web-{28E134C2-EFCF-4B3B-01A0-56AD1D38F3FF}" dt="2020-08-30T02:12:29.200" v="539" actId="20577"/>
-          <ac:spMkLst>
-            <pc:docMk/>
-            <pc:sldMk cId="2450772793" sldId="266"/>
-            <ac:spMk id="13" creationId="{64C48525-9339-4714-950B-67AED3F3E8FB}"/>
-          </ac:spMkLst>
-        </pc:spChg>
-        <pc:spChg chg="mod">
-          <ac:chgData name="Eduardo Marques" userId="b9dd18581288d1e4" providerId="Windows Live" clId="Web-{28E134C2-EFCF-4B3B-01A0-56AD1D38F3FF}" dt="2020-08-30T02:30:08.383" v="897" actId="20577"/>
-          <ac:spMkLst>
-            <pc:docMk/>
-            <pc:sldMk cId="2450772793" sldId="266"/>
-            <ac:spMk id="17" creationId="{BBB830BC-EAAA-4709-A6A5-989783DA280C}"/>
-          </ac:spMkLst>
-        </pc:spChg>
-        <pc:spChg chg="mod">
-          <ac:chgData name="Eduardo Marques" userId="b9dd18581288d1e4" providerId="Windows Live" clId="Web-{28E134C2-EFCF-4B3B-01A0-56AD1D38F3FF}" dt="2020-08-30T02:31:05.870" v="901" actId="14100"/>
-          <ac:spMkLst>
-            <pc:docMk/>
-            <pc:sldMk cId="2450772793" sldId="266"/>
-            <ac:spMk id="22" creationId="{9E5B00D7-AC59-4F87-9506-09946934551F}"/>
-          </ac:spMkLst>
-        </pc:spChg>
       </pc:sldChg>
     </pc:docChg>
   </pc:docChgLst>
@@ -1758,20 +735,20 @@
     </pc:docChg>
   </pc:docChgLst>
   <pc:docChgLst>
-    <pc:chgData name="Bruno Pires" userId="2e75d9009844921f" providerId="Windows Live" clId="Web-{45146AF4-85AF-45B1-E2F8-A7A718C40703}"/>
-    <pc:docChg chg="modSld">
-      <pc:chgData name="Bruno Pires" userId="2e75d9009844921f" providerId="Windows Live" clId="Web-{45146AF4-85AF-45B1-E2F8-A7A718C40703}" dt="2020-09-04T22:30:56.986" v="11" actId="20577"/>
+    <pc:chgData name="Eduardo Marques" userId="b9dd18581288d1e4" providerId="Windows Live" clId="Web-{EEE4DA54-555D-4863-8A7C-5E8638557F67}"/>
+    <pc:docChg chg="addSld modSld">
+      <pc:chgData name="Eduardo Marques" userId="b9dd18581288d1e4" providerId="Windows Live" clId="Web-{EEE4DA54-555D-4863-8A7C-5E8638557F67}" dt="2020-10-22T02:35:56.353" v="133" actId="20577"/>
       <pc:docMkLst>
         <pc:docMk/>
       </pc:docMkLst>
       <pc:sldChg chg="modSp">
-        <pc:chgData name="Bruno Pires" userId="2e75d9009844921f" providerId="Windows Live" clId="Web-{45146AF4-85AF-45B1-E2F8-A7A718C40703}" dt="2020-09-04T22:30:48.955" v="7" actId="20577"/>
+        <pc:chgData name="Eduardo Marques" userId="b9dd18581288d1e4" providerId="Windows Live" clId="Web-{EEE4DA54-555D-4863-8A7C-5E8638557F67}" dt="2020-10-22T02:34:10.772" v="18" actId="1076"/>
         <pc:sldMkLst>
           <pc:docMk/>
           <pc:sldMk cId="2210866551" sldId="256"/>
         </pc:sldMkLst>
         <pc:spChg chg="mod">
-          <ac:chgData name="Bruno Pires" userId="2e75d9009844921f" providerId="Windows Live" clId="Web-{45146AF4-85AF-45B1-E2F8-A7A718C40703}" dt="2020-09-04T22:30:48.955" v="7" actId="20577"/>
+          <ac:chgData name="Eduardo Marques" userId="b9dd18581288d1e4" providerId="Windows Live" clId="Web-{EEE4DA54-555D-4863-8A7C-5E8638557F67}" dt="2020-10-22T02:34:10.772" v="18" actId="1076"/>
           <ac:spMkLst>
             <pc:docMk/>
             <pc:sldMk cId="2210866551" sldId="256"/>
@@ -1779,29 +756,69 @@
           </ac:spMkLst>
         </pc:spChg>
       </pc:sldChg>
-      <pc:sldChg chg="modSp">
-        <pc:chgData name="Bruno Pires" userId="2e75d9009844921f" providerId="Windows Live" clId="Web-{45146AF4-85AF-45B1-E2F8-A7A718C40703}" dt="2020-09-04T22:30:31.158" v="2" actId="20577"/>
+      <pc:sldChg chg="addSp modSp">
+        <pc:chgData name="Eduardo Marques" userId="b9dd18581288d1e4" providerId="Windows Live" clId="Web-{EEE4DA54-555D-4863-8A7C-5E8638557F67}" dt="2020-10-22T02:35:56.353" v="132" actId="20577"/>
         <pc:sldMkLst>
           <pc:docMk/>
-          <pc:sldMk cId="2719852471" sldId="257"/>
+          <pc:sldMk cId="3881249392" sldId="262"/>
+        </pc:sldMkLst>
+        <pc:spChg chg="add mod">
+          <ac:chgData name="Eduardo Marques" userId="b9dd18581288d1e4" providerId="Windows Live" clId="Web-{EEE4DA54-555D-4863-8A7C-5E8638557F67}" dt="2020-10-22T02:35:44.618" v="86" actId="20577"/>
+          <ac:spMkLst>
+            <pc:docMk/>
+            <pc:sldMk cId="3881249392" sldId="262"/>
+            <ac:spMk id="11" creationId="{D4A07F23-BEBF-42FB-962E-D9F5EFE34F27}"/>
+          </ac:spMkLst>
+        </pc:spChg>
+        <pc:spChg chg="add mod">
+          <ac:chgData name="Eduardo Marques" userId="b9dd18581288d1e4" providerId="Windows Live" clId="Web-{EEE4DA54-555D-4863-8A7C-5E8638557F67}" dt="2020-10-22T02:35:56.353" v="132" actId="20577"/>
+          <ac:spMkLst>
+            <pc:docMk/>
+            <pc:sldMk cId="3881249392" sldId="262"/>
+            <ac:spMk id="12" creationId="{333F2CA3-F40F-4805-B67A-AEE29F5E5E65}"/>
+          </ac:spMkLst>
+        </pc:spChg>
+      </pc:sldChg>
+      <pc:sldChg chg="modSp add replId">
+        <pc:chgData name="Eduardo Marques" userId="b9dd18581288d1e4" providerId="Windows Live" clId="Web-{EEE4DA54-555D-4863-8A7C-5E8638557F67}" dt="2020-10-22T02:34:59.086" v="49" actId="20577"/>
+        <pc:sldMkLst>
+          <pc:docMk/>
+          <pc:sldMk cId="2365645553" sldId="267"/>
         </pc:sldMkLst>
         <pc:spChg chg="mod">
-          <ac:chgData name="Bruno Pires" userId="2e75d9009844921f" providerId="Windows Live" clId="Web-{45146AF4-85AF-45B1-E2F8-A7A718C40703}" dt="2020-09-04T22:30:31.158" v="2" actId="20577"/>
-          <ac:spMkLst>
-            <pc:docMk/>
-            <pc:sldMk cId="2719852471" sldId="257"/>
+          <ac:chgData name="Eduardo Marques" userId="b9dd18581288d1e4" providerId="Windows Live" clId="Web-{EEE4DA54-555D-4863-8A7C-5E8638557F67}" dt="2020-10-22T02:34:59.086" v="49" actId="20577"/>
+          <ac:spMkLst>
+            <pc:docMk/>
+            <pc:sldMk cId="2365645553" sldId="267"/>
+            <ac:spMk id="17" creationId="{BBB830BC-EAAA-4709-A6A5-989783DA280C}"/>
+          </ac:spMkLst>
+        </pc:spChg>
+        <pc:spChg chg="mod">
+          <ac:chgData name="Eduardo Marques" userId="b9dd18581288d1e4" providerId="Windows Live" clId="Web-{EEE4DA54-555D-4863-8A7C-5E8638557F67}" dt="2020-10-22T02:34:40.882" v="28" actId="20577"/>
+          <ac:spMkLst>
+            <pc:docMk/>
+            <pc:sldMk cId="2365645553" sldId="267"/>
             <ac:spMk id="22" creationId="{9E5B00D7-AC59-4F87-9506-09946934551F}"/>
           </ac:spMkLst>
         </pc:spChg>
       </pc:sldChg>
-      <pc:sldChg chg="modSp">
-        <pc:chgData name="Bruno Pires" userId="2e75d9009844921f" providerId="Windows Live" clId="Web-{45146AF4-85AF-45B1-E2F8-A7A718C40703}" dt="2020-09-04T22:30:55.939" v="9" actId="20577"/>
+    </pc:docChg>
+  </pc:docChgLst>
+  <pc:docChgLst>
+    <pc:chgData name="Caio Ferreira" userId="aa37e96bb8b72277" providerId="LiveId" clId="{8BF51DF6-BEB1-4A7D-BCCC-49E8B1280767}"/>
+    <pc:docChg chg="modSld">
+      <pc:chgData name="Caio Ferreira" userId="aa37e96bb8b72277" providerId="LiveId" clId="{8BF51DF6-BEB1-4A7D-BCCC-49E8B1280767}" dt="2020-09-04T22:32:40.105" v="0" actId="20577"/>
+      <pc:docMkLst>
+        <pc:docMk/>
+      </pc:docMkLst>
+      <pc:sldChg chg="modSp mod">
+        <pc:chgData name="Caio Ferreira" userId="aa37e96bb8b72277" providerId="LiveId" clId="{8BF51DF6-BEB1-4A7D-BCCC-49E8B1280767}" dt="2020-09-04T22:32:40.105" v="0" actId="20577"/>
         <pc:sldMkLst>
           <pc:docMk/>
           <pc:sldMk cId="3881249392" sldId="262"/>
         </pc:sldMkLst>
         <pc:spChg chg="mod">
-          <ac:chgData name="Bruno Pires" userId="2e75d9009844921f" providerId="Windows Live" clId="Web-{45146AF4-85AF-45B1-E2F8-A7A718C40703}" dt="2020-09-04T22:30:55.939" v="9" actId="20577"/>
+          <ac:chgData name="Caio Ferreira" userId="aa37e96bb8b72277" providerId="LiveId" clId="{8BF51DF6-BEB1-4A7D-BCCC-49E8B1280767}" dt="2020-09-04T22:32:40.105" v="0" actId="20577"/>
           <ac:spMkLst>
             <pc:docMk/>
             <pc:sldMk cId="3881249392" sldId="262"/>
@@ -1812,20 +829,374 @@
     </pc:docChg>
   </pc:docChgLst>
   <pc:docChgLst>
-    <pc:chgData name="Gabriel Fernandes C. dos Santos" userId="153fb557aa2a4591" providerId="Windows Live" clId="Web-{9EB45D64-D181-49CE-4893-2BBCA7B15DD1}"/>
-    <pc:docChg chg="modSld">
-      <pc:chgData name="Gabriel Fernandes C. dos Santos" userId="153fb557aa2a4591" providerId="Windows Live" clId="Web-{9EB45D64-D181-49CE-4893-2BBCA7B15DD1}" dt="2020-08-30T02:27:47.323" v="40" actId="20577"/>
+    <pc:chgData name="Eduardo Marques" userId="b9dd18581288d1e4" providerId="Windows Live" clId="Web-{28E134C2-EFCF-4B3B-01A0-56AD1D38F3FF}"/>
+    <pc:docChg chg="addSld delSld modSld">
+      <pc:chgData name="Eduardo Marques" userId="b9dd18581288d1e4" providerId="Windows Live" clId="Web-{28E134C2-EFCF-4B3B-01A0-56AD1D38F3FF}" dt="2020-08-30T02:38:47.762" v="1148" actId="20577"/>
       <pc:docMkLst>
         <pc:docMk/>
       </pc:docMkLst>
-      <pc:sldChg chg="delSp modSp">
-        <pc:chgData name="Gabriel Fernandes C. dos Santos" userId="153fb557aa2a4591" providerId="Windows Live" clId="Web-{9EB45D64-D181-49CE-4893-2BBCA7B15DD1}" dt="2020-08-30T02:27:47.323" v="39" actId="20577"/>
+      <pc:sldChg chg="addSp delSp modSp">
+        <pc:chgData name="Eduardo Marques" userId="b9dd18581288d1e4" providerId="Windows Live" clId="Web-{28E134C2-EFCF-4B3B-01A0-56AD1D38F3FF}" dt="2020-08-30T02:38:32.558" v="1141" actId="20577"/>
+        <pc:sldMkLst>
+          <pc:docMk/>
+          <pc:sldMk cId="2210866551" sldId="256"/>
+        </pc:sldMkLst>
+        <pc:spChg chg="mod">
+          <ac:chgData name="Eduardo Marques" userId="b9dd18581288d1e4" providerId="Windows Live" clId="Web-{28E134C2-EFCF-4B3B-01A0-56AD1D38F3FF}" dt="2020-08-30T01:59:28.890" v="302" actId="1076"/>
+          <ac:spMkLst>
+            <pc:docMk/>
+            <pc:sldMk cId="2210866551" sldId="256"/>
+            <ac:spMk id="2" creationId="{00000000-0000-0000-0000-000000000000}"/>
+          </ac:spMkLst>
+        </pc:spChg>
+        <pc:spChg chg="del mod">
+          <ac:chgData name="Eduardo Marques" userId="b9dd18581288d1e4" providerId="Windows Live" clId="Web-{28E134C2-EFCF-4B3B-01A0-56AD1D38F3FF}" dt="2020-08-29T23:26:39.808" v="33"/>
+          <ac:spMkLst>
+            <pc:docMk/>
+            <pc:sldMk cId="2210866551" sldId="256"/>
+            <ac:spMk id="3" creationId="{00000000-0000-0000-0000-000000000000}"/>
+          </ac:spMkLst>
+        </pc:spChg>
+        <pc:spChg chg="add mod">
+          <ac:chgData name="Eduardo Marques" userId="b9dd18581288d1e4" providerId="Windows Live" clId="Web-{28E134C2-EFCF-4B3B-01A0-56AD1D38F3FF}" dt="2020-08-30T02:38:32.558" v="1141" actId="20577"/>
+          <ac:spMkLst>
+            <pc:docMk/>
+            <pc:sldMk cId="2210866551" sldId="256"/>
+            <ac:spMk id="3" creationId="{8F7DA0CF-4ECD-4BCA-8361-549C88203DD8}"/>
+          </ac:spMkLst>
+        </pc:spChg>
+        <pc:spChg chg="add del mod">
+          <ac:chgData name="Eduardo Marques" userId="b9dd18581288d1e4" providerId="Windows Live" clId="Web-{28E134C2-EFCF-4B3B-01A0-56AD1D38F3FF}" dt="2020-08-29T23:36:05.467" v="92"/>
+          <ac:spMkLst>
+            <pc:docMk/>
+            <pc:sldMk cId="2210866551" sldId="256"/>
+            <ac:spMk id="4" creationId="{8A65BDE8-C31A-4C4D-B61D-1CF2D44CE8F4}"/>
+          </ac:spMkLst>
+        </pc:spChg>
+        <pc:spChg chg="add mod">
+          <ac:chgData name="Eduardo Marques" userId="b9dd18581288d1e4" providerId="Windows Live" clId="Web-{28E134C2-EFCF-4B3B-01A0-56AD1D38F3FF}" dt="2020-08-29T23:45:27.016" v="103" actId="1076"/>
+          <ac:spMkLst>
+            <pc:docMk/>
+            <pc:sldMk cId="2210866551" sldId="256"/>
+            <ac:spMk id="5" creationId="{5731FF05-FDA5-4CE8-841F-B064150E9D7E}"/>
+          </ac:spMkLst>
+        </pc:spChg>
+        <pc:spChg chg="add del mod">
+          <ac:chgData name="Eduardo Marques" userId="b9dd18581288d1e4" providerId="Windows Live" clId="Web-{28E134C2-EFCF-4B3B-01A0-56AD1D38F3FF}" dt="2020-08-29T23:36:09.232" v="96"/>
+          <ac:spMkLst>
+            <pc:docMk/>
+            <pc:sldMk cId="2210866551" sldId="256"/>
+            <ac:spMk id="6" creationId="{93A7EE2E-5EB1-4573-9A87-D323F3A827C4}"/>
+          </ac:spMkLst>
+        </pc:spChg>
+        <pc:spChg chg="add mod">
+          <ac:chgData name="Eduardo Marques" userId="b9dd18581288d1e4" providerId="Windows Live" clId="Web-{28E134C2-EFCF-4B3B-01A0-56AD1D38F3FF}" dt="2020-08-30T02:09:41.210" v="391" actId="20577"/>
+          <ac:spMkLst>
+            <pc:docMk/>
+            <pc:sldMk cId="2210866551" sldId="256"/>
+            <ac:spMk id="7" creationId="{CD433B89-1022-4DFF-B470-DC3C65803440}"/>
+          </ac:spMkLst>
+        </pc:spChg>
+        <pc:spChg chg="add del mod">
+          <ac:chgData name="Eduardo Marques" userId="b9dd18581288d1e4" providerId="Windows Live" clId="Web-{28E134C2-EFCF-4B3B-01A0-56AD1D38F3FF}" dt="2020-08-30T01:19:02.317" v="139"/>
+          <ac:spMkLst>
+            <pc:docMk/>
+            <pc:sldMk cId="2210866551" sldId="256"/>
+            <ac:spMk id="12" creationId="{6B68C849-2536-4E25-AF06-959E577CD0DF}"/>
+          </ac:spMkLst>
+        </pc:spChg>
+        <pc:cxnChg chg="add del mod">
+          <ac:chgData name="Eduardo Marques" userId="b9dd18581288d1e4" providerId="Windows Live" clId="Web-{28E134C2-EFCF-4B3B-01A0-56AD1D38F3FF}" dt="2020-08-29T23:36:06.279" v="93"/>
+          <ac:cxnSpMkLst>
+            <pc:docMk/>
+            <pc:sldMk cId="2210866551" sldId="256"/>
+            <ac:cxnSpMk id="8" creationId="{815A2B2C-BBCA-4F79-B341-A4FB975EF10A}"/>
+          </ac:cxnSpMkLst>
+        </pc:cxnChg>
+        <pc:cxnChg chg="add mod">
+          <ac:chgData name="Eduardo Marques" userId="b9dd18581288d1e4" providerId="Windows Live" clId="Web-{28E134C2-EFCF-4B3B-01A0-56AD1D38F3FF}" dt="2020-08-29T23:30:42.168" v="84" actId="14100"/>
+          <ac:cxnSpMkLst>
+            <pc:docMk/>
+            <pc:sldMk cId="2210866551" sldId="256"/>
+            <ac:cxnSpMk id="9" creationId="{A54FF4FA-C96A-4467-9504-BC20F93B0A19}"/>
+          </ac:cxnSpMkLst>
+        </pc:cxnChg>
+        <pc:cxnChg chg="add del mod">
+          <ac:chgData name="Eduardo Marques" userId="b9dd18581288d1e4" providerId="Windows Live" clId="Web-{28E134C2-EFCF-4B3B-01A0-56AD1D38F3FF}" dt="2020-08-29T23:36:08.201" v="95"/>
+          <ac:cxnSpMkLst>
+            <pc:docMk/>
+            <pc:sldMk cId="2210866551" sldId="256"/>
+            <ac:cxnSpMk id="10" creationId="{15E56925-25A1-4A62-96B0-B745102B27F7}"/>
+          </ac:cxnSpMkLst>
+        </pc:cxnChg>
+        <pc:cxnChg chg="add del mod">
+          <ac:chgData name="Eduardo Marques" userId="b9dd18581288d1e4" providerId="Windows Live" clId="Web-{28E134C2-EFCF-4B3B-01A0-56AD1D38F3FF}" dt="2020-08-29T23:36:07.248" v="94"/>
+          <ac:cxnSpMkLst>
+            <pc:docMk/>
+            <pc:sldMk cId="2210866551" sldId="256"/>
+            <ac:cxnSpMk id="11" creationId="{6B59204D-051F-4B83-AFB0-BE415EF5EA80}"/>
+          </ac:cxnSpMkLst>
+        </pc:cxnChg>
+      </pc:sldChg>
+      <pc:sldChg chg="addSp delSp modSp">
+        <pc:chgData name="Eduardo Marques" userId="b9dd18581288d1e4" providerId="Windows Live" clId="Web-{28E134C2-EFCF-4B3B-01A0-56AD1D38F3FF}" dt="2020-08-30T02:23:19.712" v="768" actId="20577"/>
+        <pc:sldMkLst>
+          <pc:docMk/>
+          <pc:sldMk cId="2719852471" sldId="257"/>
+        </pc:sldMkLst>
+        <pc:spChg chg="del">
+          <ac:chgData name="Eduardo Marques" userId="b9dd18581288d1e4" providerId="Windows Live" clId="Web-{28E134C2-EFCF-4B3B-01A0-56AD1D38F3FF}" dt="2020-08-30T01:43:58.809" v="289"/>
+          <ac:spMkLst>
+            <pc:docMk/>
+            <pc:sldMk cId="2719852471" sldId="257"/>
+            <ac:spMk id="2" creationId="{35FD06DA-772E-4AE7-B23B-425F79BE8E5D}"/>
+          </ac:spMkLst>
+        </pc:spChg>
+        <pc:spChg chg="del">
+          <ac:chgData name="Eduardo Marques" userId="b9dd18581288d1e4" providerId="Windows Live" clId="Web-{28E134C2-EFCF-4B3B-01A0-56AD1D38F3FF}" dt="2020-08-30T01:41:32.710" v="232"/>
+          <ac:spMkLst>
+            <pc:docMk/>
+            <pc:sldMk cId="2719852471" sldId="257"/>
+            <ac:spMk id="2" creationId="{45C09632-42B3-411F-A222-994C73DF2B5B}"/>
+          </ac:spMkLst>
+        </pc:spChg>
+        <pc:spChg chg="del">
+          <ac:chgData name="Eduardo Marques" userId="b9dd18581288d1e4" providerId="Windows Live" clId="Web-{28E134C2-EFCF-4B3B-01A0-56AD1D38F3FF}" dt="2020-08-30T01:41:31.632" v="231"/>
+          <ac:spMkLst>
+            <pc:docMk/>
+            <pc:sldMk cId="2719852471" sldId="257"/>
+            <ac:spMk id="3" creationId="{1076AC57-C143-4CBA-B391-BFDDB0E4913E}"/>
+          </ac:spMkLst>
+        </pc:spChg>
+        <pc:spChg chg="add del">
+          <ac:chgData name="Eduardo Marques" userId="b9dd18581288d1e4" providerId="Windows Live" clId="Web-{28E134C2-EFCF-4B3B-01A0-56AD1D38F3FF}" dt="2020-08-30T01:41:50.023" v="241"/>
+          <ac:spMkLst>
+            <pc:docMk/>
+            <pc:sldMk cId="2719852471" sldId="257"/>
+            <ac:spMk id="4" creationId="{A32DCFB2-1A16-42D2-8BD6-60A5AA305D5F}"/>
+          </ac:spMkLst>
+        </pc:spChg>
+        <pc:spChg chg="del">
+          <ac:chgData name="Eduardo Marques" userId="b9dd18581288d1e4" providerId="Windows Live" clId="Web-{28E134C2-EFCF-4B3B-01A0-56AD1D38F3FF}" dt="2020-08-30T01:43:58.809" v="288"/>
+          <ac:spMkLst>
+            <pc:docMk/>
+            <pc:sldMk cId="2719852471" sldId="257"/>
+            <ac:spMk id="4" creationId="{EFF49B50-47BA-4A0C-AF4C-016B54C95F6C}"/>
+          </ac:spMkLst>
+        </pc:spChg>
+        <pc:spChg chg="add del">
+          <ac:chgData name="Eduardo Marques" userId="b9dd18581288d1e4" providerId="Windows Live" clId="Web-{28E134C2-EFCF-4B3B-01A0-56AD1D38F3FF}" dt="2020-08-30T01:41:50.023" v="240"/>
+          <ac:spMkLst>
+            <pc:docMk/>
+            <pc:sldMk cId="2719852471" sldId="257"/>
+            <ac:spMk id="5" creationId="{61614BDD-6452-47D7-A5CE-4B6F6B856F19}"/>
+          </ac:spMkLst>
+        </pc:spChg>
+        <pc:spChg chg="add del mod">
+          <ac:chgData name="Eduardo Marques" userId="b9dd18581288d1e4" providerId="Windows Live" clId="Web-{28E134C2-EFCF-4B3B-01A0-56AD1D38F3FF}" dt="2020-08-30T01:41:55.086" v="245"/>
+          <ac:spMkLst>
+            <pc:docMk/>
+            <pc:sldMk cId="2719852471" sldId="257"/>
+            <ac:spMk id="7" creationId="{49CB4034-E61A-4D24-8DC5-0D9A2951B65A}"/>
+          </ac:spMkLst>
+        </pc:spChg>
+        <pc:spChg chg="mod">
+          <ac:chgData name="Eduardo Marques" userId="b9dd18581288d1e4" providerId="Windows Live" clId="Web-{28E134C2-EFCF-4B3B-01A0-56AD1D38F3FF}" dt="2020-08-30T02:10:14.320" v="420" actId="14100"/>
+          <ac:spMkLst>
+            <pc:docMk/>
+            <pc:sldMk cId="2719852471" sldId="257"/>
+            <ac:spMk id="8" creationId="{284FA0F0-CF2B-454E-9226-B461DD1EE0FF}"/>
+          </ac:spMkLst>
+        </pc:spChg>
+        <pc:spChg chg="add del mod">
+          <ac:chgData name="Eduardo Marques" userId="b9dd18581288d1e4" providerId="Windows Live" clId="Web-{28E134C2-EFCF-4B3B-01A0-56AD1D38F3FF}" dt="2020-08-30T01:41:50.023" v="238"/>
+          <ac:spMkLst>
+            <pc:docMk/>
+            <pc:sldMk cId="2719852471" sldId="257"/>
+            <ac:spMk id="8" creationId="{C63BCE8E-DFAE-4515-89DC-033B22D59367}"/>
+          </ac:spMkLst>
+        </pc:spChg>
+        <pc:spChg chg="add del mod">
+          <ac:chgData name="Eduardo Marques" userId="b9dd18581288d1e4" providerId="Windows Live" clId="Web-{28E134C2-EFCF-4B3B-01A0-56AD1D38F3FF}" dt="2020-08-30T01:41:50.023" v="237"/>
+          <ac:spMkLst>
+            <pc:docMk/>
+            <pc:sldMk cId="2719852471" sldId="257"/>
+            <ac:spMk id="9" creationId="{96FBFEBA-D6D5-4BB9-9247-DC2A65E162D7}"/>
+          </ac:spMkLst>
+        </pc:spChg>
+        <pc:spChg chg="add del">
+          <ac:chgData name="Eduardo Marques" userId="b9dd18581288d1e4" providerId="Windows Live" clId="Web-{28E134C2-EFCF-4B3B-01A0-56AD1D38F3FF}" dt="2020-08-30T01:41:50.008" v="236"/>
+          <ac:spMkLst>
+            <pc:docMk/>
+            <pc:sldMk cId="2719852471" sldId="257"/>
+            <ac:spMk id="10" creationId="{05CEDDCB-6261-495D-A47E-F78F4C865DD9}"/>
+          </ac:spMkLst>
+        </pc:spChg>
+        <pc:spChg chg="add mod">
+          <ac:chgData name="Eduardo Marques" userId="b9dd18581288d1e4" providerId="Windows Live" clId="Web-{28E134C2-EFCF-4B3B-01A0-56AD1D38F3FF}" dt="2020-08-30T02:00:42.581" v="304" actId="1076"/>
+          <ac:spMkLst>
+            <pc:docMk/>
+            <pc:sldMk cId="2719852471" sldId="257"/>
+            <ac:spMk id="12" creationId="{D85284E8-26A9-4A50-A64E-46A4C70AA549}"/>
+          </ac:spMkLst>
+        </pc:spChg>
+        <pc:spChg chg="add mod">
+          <ac:chgData name="Eduardo Marques" userId="b9dd18581288d1e4" providerId="Windows Live" clId="Web-{28E134C2-EFCF-4B3B-01A0-56AD1D38F3FF}" dt="2020-08-30T02:12:12.575" v="527" actId="20577"/>
+          <ac:spMkLst>
+            <pc:docMk/>
+            <pc:sldMk cId="2719852471" sldId="257"/>
+            <ac:spMk id="13" creationId="{64C48525-9339-4714-950B-67AED3F3E8FB}"/>
+          </ac:spMkLst>
+        </pc:spChg>
+        <pc:spChg chg="add mod">
+          <ac:chgData name="Eduardo Marques" userId="b9dd18581288d1e4" providerId="Windows Live" clId="Web-{28E134C2-EFCF-4B3B-01A0-56AD1D38F3FF}" dt="2020-08-30T02:10:10.758" v="417" actId="20577"/>
+          <ac:spMkLst>
+            <pc:docMk/>
+            <pc:sldMk cId="2719852471" sldId="257"/>
+            <ac:spMk id="15" creationId="{61158E0F-CF90-44C4-9D65-760EFE5C9849}"/>
+          </ac:spMkLst>
+        </pc:spChg>
+        <pc:spChg chg="add mod">
+          <ac:chgData name="Eduardo Marques" userId="b9dd18581288d1e4" providerId="Windows Live" clId="Web-{28E134C2-EFCF-4B3B-01A0-56AD1D38F3FF}" dt="2020-08-30T02:07:46.924" v="371" actId="20577"/>
+          <ac:spMkLst>
+            <pc:docMk/>
+            <pc:sldMk cId="2719852471" sldId="257"/>
+            <ac:spMk id="16" creationId="{4F545214-6AD1-4819-B1E0-A114B5EE9553}"/>
+          </ac:spMkLst>
+        </pc:spChg>
+        <pc:spChg chg="add mod">
+          <ac:chgData name="Eduardo Marques" userId="b9dd18581288d1e4" providerId="Windows Live" clId="Web-{28E134C2-EFCF-4B3B-01A0-56AD1D38F3FF}" dt="2020-08-30T02:23:19.712" v="768" actId="20577"/>
+          <ac:spMkLst>
+            <pc:docMk/>
+            <pc:sldMk cId="2719852471" sldId="257"/>
+            <ac:spMk id="17" creationId="{BBB830BC-EAAA-4709-A6A5-989783DA280C}"/>
+          </ac:spMkLst>
+        </pc:spChg>
+        <pc:spChg chg="add del">
+          <ac:chgData name="Eduardo Marques" userId="b9dd18581288d1e4" providerId="Windows Live" clId="Web-{28E134C2-EFCF-4B3B-01A0-56AD1D38F3FF}" dt="2020-08-30T02:09:26.459" v="389"/>
+          <ac:spMkLst>
+            <pc:docMk/>
+            <pc:sldMk cId="2719852471" sldId="257"/>
+            <ac:spMk id="18" creationId="{E7956A06-8FEF-4DC2-87D3-326F121C93F0}"/>
+          </ac:spMkLst>
+        </pc:spChg>
+        <pc:spChg chg="add del">
+          <ac:chgData name="Eduardo Marques" userId="b9dd18581288d1e4" providerId="Windows Live" clId="Web-{28E134C2-EFCF-4B3B-01A0-56AD1D38F3FF}" dt="2020-08-30T01:46:04.986" v="293"/>
+          <ac:spMkLst>
+            <pc:docMk/>
+            <pc:sldMk cId="2719852471" sldId="257"/>
+            <ac:spMk id="20" creationId="{286A7154-ED78-4AB6-A8A0-F2C17F4DD029}"/>
+          </ac:spMkLst>
+        </pc:spChg>
+        <pc:spChg chg="add mod">
+          <ac:chgData name="Eduardo Marques" userId="b9dd18581288d1e4" providerId="Windows Live" clId="Web-{28E134C2-EFCF-4B3B-01A0-56AD1D38F3FF}" dt="2020-08-30T02:11:18.526" v="516" actId="20577"/>
+          <ac:spMkLst>
+            <pc:docMk/>
+            <pc:sldMk cId="2719852471" sldId="257"/>
+            <ac:spMk id="22" creationId="{9E5B00D7-AC59-4F87-9506-09946934551F}"/>
+          </ac:spMkLst>
+        </pc:spChg>
+        <pc:cxnChg chg="del">
+          <ac:chgData name="Eduardo Marques" userId="b9dd18581288d1e4" providerId="Windows Live" clId="Web-{28E134C2-EFCF-4B3B-01A0-56AD1D38F3FF}" dt="2020-08-30T01:43:58.809" v="287"/>
+          <ac:cxnSpMkLst>
+            <pc:docMk/>
+            <pc:sldMk cId="2719852471" sldId="257"/>
+            <ac:cxnSpMk id="6" creationId="{26B74829-1C7E-401F-A5A9-5B27A263366F}"/>
+          </ac:cxnSpMkLst>
+        </pc:cxnChg>
+        <pc:cxnChg chg="add del">
+          <ac:chgData name="Eduardo Marques" userId="b9dd18581288d1e4" providerId="Windows Live" clId="Web-{28E134C2-EFCF-4B3B-01A0-56AD1D38F3FF}" dt="2020-08-30T01:41:50.023" v="239"/>
+          <ac:cxnSpMkLst>
+            <pc:docMk/>
+            <pc:sldMk cId="2719852471" sldId="257"/>
+            <ac:cxnSpMk id="6" creationId="{F6D41A83-CD3C-4426-920F-C6656AC0106F}"/>
+          </ac:cxnSpMkLst>
+        </pc:cxnChg>
+        <pc:cxnChg chg="add mod">
+          <ac:chgData name="Eduardo Marques" userId="b9dd18581288d1e4" providerId="Windows Live" clId="Web-{28E134C2-EFCF-4B3B-01A0-56AD1D38F3FF}" dt="2020-08-30T01:41:50.023" v="237"/>
+          <ac:cxnSpMkLst>
+            <pc:docMk/>
+            <pc:sldMk cId="2719852471" sldId="257"/>
+            <ac:cxnSpMk id="11" creationId="{B11E8853-9FEF-485C-930F-08142A2FB6DD}"/>
+          </ac:cxnSpMkLst>
+        </pc:cxnChg>
+        <pc:cxnChg chg="add mod">
+          <ac:chgData name="Eduardo Marques" userId="b9dd18581288d1e4" providerId="Windows Live" clId="Web-{28E134C2-EFCF-4B3B-01A0-56AD1D38F3FF}" dt="2020-08-30T02:06:46.860" v="340" actId="14100"/>
+          <ac:cxnSpMkLst>
+            <pc:docMk/>
+            <pc:sldMk cId="2719852471" sldId="257"/>
+            <ac:cxnSpMk id="14" creationId="{FE53D13A-9203-4CEC-8C61-08B89E1FC3E0}"/>
+          </ac:cxnSpMkLst>
+        </pc:cxnChg>
+        <pc:cxnChg chg="add mod">
+          <ac:chgData name="Eduardo Marques" userId="b9dd18581288d1e4" providerId="Windows Live" clId="Web-{28E134C2-EFCF-4B3B-01A0-56AD1D38F3FF}" dt="2020-08-30T02:07:52.956" v="372" actId="1076"/>
+          <ac:cxnSpMkLst>
+            <pc:docMk/>
+            <pc:sldMk cId="2719852471" sldId="257"/>
+            <ac:cxnSpMk id="19" creationId="{2D7D1114-83F9-43F9-8D6E-E13912126507}"/>
+          </ac:cxnSpMkLst>
+        </pc:cxnChg>
+      </pc:sldChg>
+      <pc:sldChg chg="addSp modSp del">
+        <pc:chgData name="Eduardo Marques" userId="b9dd18581288d1e4" providerId="Windows Live" clId="Web-{28E134C2-EFCF-4B3B-01A0-56AD1D38F3FF}" dt="2020-08-30T02:11:41.824" v="519"/>
+        <pc:sldMkLst>
+          <pc:docMk/>
+          <pc:sldMk cId="1340845693" sldId="258"/>
+        </pc:sldMkLst>
+        <pc:spChg chg="add mod">
+          <ac:chgData name="Eduardo Marques" userId="b9dd18581288d1e4" providerId="Windows Live" clId="Web-{28E134C2-EFCF-4B3B-01A0-56AD1D38F3FF}" dt="2020-08-30T01:54:07.457" v="299" actId="1076"/>
+          <ac:spMkLst>
+            <pc:docMk/>
+            <pc:sldMk cId="1340845693" sldId="258"/>
+            <ac:spMk id="4" creationId="{6593A0F0-4653-49C4-8618-09DF5A9339A5}"/>
+          </ac:spMkLst>
+        </pc:spChg>
+      </pc:sldChg>
+      <pc:sldChg chg="del">
+        <pc:chgData name="Eduardo Marques" userId="b9dd18581288d1e4" providerId="Windows Live" clId="Web-{28E134C2-EFCF-4B3B-01A0-56AD1D38F3FF}" dt="2020-08-30T02:11:43.746" v="520"/>
+        <pc:sldMkLst>
+          <pc:docMk/>
+          <pc:sldMk cId="233230872" sldId="259"/>
+        </pc:sldMkLst>
+      </pc:sldChg>
+      <pc:sldChg chg="del">
+        <pc:chgData name="Eduardo Marques" userId="b9dd18581288d1e4" providerId="Windows Live" clId="Web-{28E134C2-EFCF-4B3B-01A0-56AD1D38F3FF}" dt="2020-08-30T02:11:45.293" v="521"/>
+        <pc:sldMkLst>
+          <pc:docMk/>
+          <pc:sldMk cId="2391605507" sldId="260"/>
+        </pc:sldMkLst>
+      </pc:sldChg>
+      <pc:sldChg chg="del">
+        <pc:chgData name="Eduardo Marques" userId="b9dd18581288d1e4" providerId="Windows Live" clId="Web-{28E134C2-EFCF-4B3B-01A0-56AD1D38F3FF}" dt="2020-08-30T02:11:46.777" v="522"/>
+        <pc:sldMkLst>
+          <pc:docMk/>
+          <pc:sldMk cId="3707104504" sldId="261"/>
+        </pc:sldMkLst>
+      </pc:sldChg>
+      <pc:sldChg chg="modSp">
+        <pc:chgData name="Eduardo Marques" userId="b9dd18581288d1e4" providerId="Windows Live" clId="Web-{28E134C2-EFCF-4B3B-01A0-56AD1D38F3FF}" dt="2020-08-30T02:38:47.028" v="1147" actId="20577"/>
         <pc:sldMkLst>
           <pc:docMk/>
           <pc:sldMk cId="3881249392" sldId="262"/>
         </pc:sldMkLst>
         <pc:spChg chg="mod">
-          <ac:chgData name="Gabriel Fernandes C. dos Santos" userId="153fb557aa2a4591" providerId="Windows Live" clId="Web-{9EB45D64-D181-49CE-4893-2BBCA7B15DD1}" dt="2020-08-30T02:27:15.134" v="18" actId="20577"/>
+          <ac:chgData name="Eduardo Marques" userId="b9dd18581288d1e4" providerId="Windows Live" clId="Web-{28E134C2-EFCF-4B3B-01A0-56AD1D38F3FF}" dt="2020-08-30T02:33:12.593" v="982" actId="1076"/>
+          <ac:spMkLst>
+            <pc:docMk/>
+            <pc:sldMk cId="3881249392" sldId="262"/>
+            <ac:spMk id="52" creationId="{F129F58A-09D1-46DE-8BC2-D4CCFD95C5E3}"/>
+          </ac:spMkLst>
+        </pc:spChg>
+        <pc:spChg chg="mod">
+          <ac:chgData name="Eduardo Marques" userId="b9dd18581288d1e4" providerId="Windows Live" clId="Web-{28E134C2-EFCF-4B3B-01A0-56AD1D38F3FF}" dt="2020-08-30T02:33:19.500" v="983" actId="1076"/>
+          <ac:spMkLst>
+            <pc:docMk/>
+            <pc:sldMk cId="3881249392" sldId="262"/>
+            <ac:spMk id="53" creationId="{C45F51C8-E961-44E5-A9C0-6EC3F13ED9D8}"/>
+          </ac:spMkLst>
+        </pc:spChg>
+        <pc:spChg chg="mod">
+          <ac:chgData name="Eduardo Marques" userId="b9dd18581288d1e4" providerId="Windows Live" clId="Web-{28E134C2-EFCF-4B3B-01A0-56AD1D38F3FF}" dt="2020-08-30T02:37:35.915" v="1124" actId="20577"/>
           <ac:spMkLst>
             <pc:docMk/>
             <pc:sldMk cId="3881249392" sldId="262"/>
@@ -1833,7 +1204,31 @@
           </ac:spMkLst>
         </pc:spChg>
         <pc:spChg chg="mod">
-          <ac:chgData name="Gabriel Fernandes C. dos Santos" userId="153fb557aa2a4591" providerId="Windows Live" clId="Web-{9EB45D64-D181-49CE-4893-2BBCA7B15DD1}" dt="2020-08-30T02:27:47.323" v="39" actId="20577"/>
+          <ac:chgData name="Eduardo Marques" userId="b9dd18581288d1e4" providerId="Windows Live" clId="Web-{28E134C2-EFCF-4B3B-01A0-56AD1D38F3FF}" dt="2020-08-30T02:33:35.813" v="986" actId="1076"/>
+          <ac:spMkLst>
+            <pc:docMk/>
+            <pc:sldMk cId="3881249392" sldId="262"/>
+            <ac:spMk id="58" creationId="{D28FEC91-EC80-4EE8-AD1B-9EA014671865}"/>
+          </ac:spMkLst>
+        </pc:spChg>
+        <pc:spChg chg="mod">
+          <ac:chgData name="Eduardo Marques" userId="b9dd18581288d1e4" providerId="Windows Live" clId="Web-{28E134C2-EFCF-4B3B-01A0-56AD1D38F3FF}" dt="2020-08-30T02:37:24.259" v="1120" actId="20577"/>
+          <ac:spMkLst>
+            <pc:docMk/>
+            <pc:sldMk cId="3881249392" sldId="262"/>
+            <ac:spMk id="59" creationId="{F507BE5C-B343-45A5-9BAD-5449F5C34BF8}"/>
+          </ac:spMkLst>
+        </pc:spChg>
+        <pc:spChg chg="mod">
+          <ac:chgData name="Eduardo Marques" userId="b9dd18581288d1e4" providerId="Windows Live" clId="Web-{28E134C2-EFCF-4B3B-01A0-56AD1D38F3FF}" dt="2020-08-30T02:38:47.028" v="1147" actId="20577"/>
+          <ac:spMkLst>
+            <pc:docMk/>
+            <pc:sldMk cId="3881249392" sldId="262"/>
+            <ac:spMk id="62" creationId="{22E8452E-BE88-4EE6-8B30-0B2E4B0E0A4B}"/>
+          </ac:spMkLst>
+        </pc:spChg>
+        <pc:spChg chg="mod">
+          <ac:chgData name="Eduardo Marques" userId="b9dd18581288d1e4" providerId="Windows Live" clId="Web-{28E134C2-EFCF-4B3B-01A0-56AD1D38F3FF}" dt="2020-08-30T02:37:19.181" v="1113" actId="20577"/>
           <ac:spMkLst>
             <pc:docMk/>
             <pc:sldMk cId="3881249392" sldId="262"/>
@@ -1841,29 +1236,1051 @@
           </ac:spMkLst>
         </pc:spChg>
         <pc:spChg chg="mod">
-          <ac:chgData name="Gabriel Fernandes C. dos Santos" userId="153fb557aa2a4591" providerId="Windows Live" clId="Web-{9EB45D64-D181-49CE-4893-2BBCA7B15DD1}" dt="2020-08-30T02:27:22.259" v="23" actId="20577"/>
+          <ac:chgData name="Eduardo Marques" userId="b9dd18581288d1e4" providerId="Windows Live" clId="Web-{28E134C2-EFCF-4B3B-01A0-56AD1D38F3FF}" dt="2020-08-30T02:34:30.346" v="995" actId="1076"/>
+          <ac:spMkLst>
+            <pc:docMk/>
+            <pc:sldMk cId="3881249392" sldId="262"/>
+            <ac:spMk id="65" creationId="{CF657267-D01E-4E47-85CB-B69783C869ED}"/>
+          </ac:spMkLst>
+        </pc:spChg>
+        <pc:spChg chg="mod">
+          <ac:chgData name="Eduardo Marques" userId="b9dd18581288d1e4" providerId="Windows Live" clId="Web-{28E134C2-EFCF-4B3B-01A0-56AD1D38F3FF}" dt="2020-08-30T02:36:56.242" v="1104" actId="20577"/>
           <ac:spMkLst>
             <pc:docMk/>
             <pc:sldMk cId="3881249392" sldId="262"/>
             <ac:spMk id="66" creationId="{2660D14B-6900-4585-ACE0-7BAE35460F7F}"/>
           </ac:spMkLst>
         </pc:spChg>
-        <pc:spChg chg="del mod">
-          <ac:chgData name="Gabriel Fernandes C. dos Santos" userId="153fb557aa2a4591" providerId="Windows Live" clId="Web-{9EB45D64-D181-49CE-4893-2BBCA7B15DD1}" dt="2020-08-30T02:26:58.242" v="3"/>
+        <pc:spChg chg="mod">
+          <ac:chgData name="Eduardo Marques" userId="b9dd18581288d1e4" providerId="Windows Live" clId="Web-{28E134C2-EFCF-4B3B-01A0-56AD1D38F3FF}" dt="2020-08-30T02:34:36.518" v="997" actId="1076"/>
+          <ac:spMkLst>
+            <pc:docMk/>
+            <pc:sldMk cId="3881249392" sldId="262"/>
+            <ac:spMk id="68" creationId="{86906FFA-3F00-46A8-84C0-57B0E53E8323}"/>
+          </ac:spMkLst>
+        </pc:spChg>
+        <pc:spChg chg="mod">
+          <ac:chgData name="Eduardo Marques" userId="b9dd18581288d1e4" providerId="Windows Live" clId="Web-{28E134C2-EFCF-4B3B-01A0-56AD1D38F3FF}" dt="2020-08-30T02:36:58.727" v="1107" actId="20577"/>
+          <ac:spMkLst>
+            <pc:docMk/>
+            <pc:sldMk cId="3881249392" sldId="262"/>
+            <ac:spMk id="69" creationId="{F35B392B-582B-4CF9-ADE6-913F2DB25823}"/>
+          </ac:spMkLst>
+        </pc:spChg>
+      </pc:sldChg>
+      <pc:sldChg chg="modSp add replId">
+        <pc:chgData name="Eduardo Marques" userId="b9dd18581288d1e4" providerId="Windows Live" clId="Web-{28E134C2-EFCF-4B3B-01A0-56AD1D38F3FF}" dt="2020-08-30T02:21:37.458" v="735" actId="20577"/>
+        <pc:sldMkLst>
+          <pc:docMk/>
+          <pc:sldMk cId="2536872500" sldId="263"/>
+        </pc:sldMkLst>
+        <pc:spChg chg="mod">
+          <ac:chgData name="Eduardo Marques" userId="b9dd18581288d1e4" providerId="Windows Live" clId="Web-{28E134C2-EFCF-4B3B-01A0-56AD1D38F3FF}" dt="2020-08-30T02:12:17.028" v="530" actId="20577"/>
+          <ac:spMkLst>
+            <pc:docMk/>
+            <pc:sldMk cId="2536872500" sldId="263"/>
+            <ac:spMk id="13" creationId="{64C48525-9339-4714-950B-67AED3F3E8FB}"/>
+          </ac:spMkLst>
+        </pc:spChg>
+        <pc:spChg chg="mod">
+          <ac:chgData name="Eduardo Marques" userId="b9dd18581288d1e4" providerId="Windows Live" clId="Web-{28E134C2-EFCF-4B3B-01A0-56AD1D38F3FF}" dt="2020-08-30T02:21:37.458" v="735" actId="20577"/>
+          <ac:spMkLst>
+            <pc:docMk/>
+            <pc:sldMk cId="2536872500" sldId="263"/>
+            <ac:spMk id="17" creationId="{BBB830BC-EAAA-4709-A6A5-989783DA280C}"/>
+          </ac:spMkLst>
+        </pc:spChg>
+        <pc:spChg chg="mod">
+          <ac:chgData name="Eduardo Marques" userId="b9dd18581288d1e4" providerId="Windows Live" clId="Web-{28E134C2-EFCF-4B3B-01A0-56AD1D38F3FF}" dt="2020-08-30T02:12:42.797" v="556" actId="20577"/>
+          <ac:spMkLst>
+            <pc:docMk/>
+            <pc:sldMk cId="2536872500" sldId="263"/>
+            <ac:spMk id="22" creationId="{9E5B00D7-AC59-4F87-9506-09946934551F}"/>
+          </ac:spMkLst>
+        </pc:spChg>
+      </pc:sldChg>
+      <pc:sldChg chg="modSp add replId">
+        <pc:chgData name="Eduardo Marques" userId="b9dd18581288d1e4" providerId="Windows Live" clId="Web-{28E134C2-EFCF-4B3B-01A0-56AD1D38F3FF}" dt="2020-08-30T02:22:16.257" v="760" actId="20577"/>
+        <pc:sldMkLst>
+          <pc:docMk/>
+          <pc:sldMk cId="1261260675" sldId="264"/>
+        </pc:sldMkLst>
+        <pc:spChg chg="mod">
+          <ac:chgData name="Eduardo Marques" userId="b9dd18581288d1e4" providerId="Windows Live" clId="Web-{28E134C2-EFCF-4B3B-01A0-56AD1D38F3FF}" dt="2020-08-30T02:12:21.434" v="533" actId="20577"/>
+          <ac:spMkLst>
+            <pc:docMk/>
+            <pc:sldMk cId="1261260675" sldId="264"/>
+            <ac:spMk id="13" creationId="{64C48525-9339-4714-950B-67AED3F3E8FB}"/>
+          </ac:spMkLst>
+        </pc:spChg>
+        <pc:spChg chg="mod">
+          <ac:chgData name="Eduardo Marques" userId="b9dd18581288d1e4" providerId="Windows Live" clId="Web-{28E134C2-EFCF-4B3B-01A0-56AD1D38F3FF}" dt="2020-08-30T02:22:16.257" v="760" actId="20577"/>
+          <ac:spMkLst>
+            <pc:docMk/>
+            <pc:sldMk cId="1261260675" sldId="264"/>
+            <ac:spMk id="17" creationId="{BBB830BC-EAAA-4709-A6A5-989783DA280C}"/>
+          </ac:spMkLst>
+        </pc:spChg>
+        <pc:spChg chg="mod">
+          <ac:chgData name="Eduardo Marques" userId="b9dd18581288d1e4" providerId="Windows Live" clId="Web-{28E134C2-EFCF-4B3B-01A0-56AD1D38F3FF}" dt="2020-08-30T02:15:47.852" v="683" actId="14100"/>
+          <ac:spMkLst>
+            <pc:docMk/>
+            <pc:sldMk cId="1261260675" sldId="264"/>
+            <ac:spMk id="22" creationId="{9E5B00D7-AC59-4F87-9506-09946934551F}"/>
+          </ac:spMkLst>
+        </pc:spChg>
+      </pc:sldChg>
+      <pc:sldChg chg="modSp add replId">
+        <pc:chgData name="Eduardo Marques" userId="b9dd18581288d1e4" providerId="Windows Live" clId="Web-{28E134C2-EFCF-4B3B-01A0-56AD1D38F3FF}" dt="2020-08-30T02:36:34.226" v="1101" actId="20577"/>
+        <pc:sldMkLst>
+          <pc:docMk/>
+          <pc:sldMk cId="1403518651" sldId="265"/>
+        </pc:sldMkLst>
+        <pc:spChg chg="mod">
+          <ac:chgData name="Eduardo Marques" userId="b9dd18581288d1e4" providerId="Windows Live" clId="Web-{28E134C2-EFCF-4B3B-01A0-56AD1D38F3FF}" dt="2020-08-30T02:12:25.513" v="536" actId="20577"/>
+          <ac:spMkLst>
+            <pc:docMk/>
+            <pc:sldMk cId="1403518651" sldId="265"/>
+            <ac:spMk id="13" creationId="{64C48525-9339-4714-950B-67AED3F3E8FB}"/>
+          </ac:spMkLst>
+        </pc:spChg>
+        <pc:spChg chg="mod">
+          <ac:chgData name="Eduardo Marques" userId="b9dd18581288d1e4" providerId="Windows Live" clId="Web-{28E134C2-EFCF-4B3B-01A0-56AD1D38F3FF}" dt="2020-08-30T02:36:34.226" v="1101" actId="20577"/>
+          <ac:spMkLst>
+            <pc:docMk/>
+            <pc:sldMk cId="1403518651" sldId="265"/>
+            <ac:spMk id="17" creationId="{BBB830BC-EAAA-4709-A6A5-989783DA280C}"/>
+          </ac:spMkLst>
+        </pc:spChg>
+        <pc:spChg chg="mod">
+          <ac:chgData name="Eduardo Marques" userId="b9dd18581288d1e4" providerId="Windows Live" clId="Web-{28E134C2-EFCF-4B3B-01A0-56AD1D38F3FF}" dt="2020-08-30T02:22:59.852" v="765" actId="14100"/>
+          <ac:spMkLst>
+            <pc:docMk/>
+            <pc:sldMk cId="1403518651" sldId="265"/>
+            <ac:spMk id="22" creationId="{9E5B00D7-AC59-4F87-9506-09946934551F}"/>
+          </ac:spMkLst>
+        </pc:spChg>
+      </pc:sldChg>
+      <pc:sldChg chg="modSp add replId">
+        <pc:chgData name="Eduardo Marques" userId="b9dd18581288d1e4" providerId="Windows Live" clId="Web-{28E134C2-EFCF-4B3B-01A0-56AD1D38F3FF}" dt="2020-08-30T02:31:05.870" v="901" actId="14100"/>
+        <pc:sldMkLst>
+          <pc:docMk/>
+          <pc:sldMk cId="2450772793" sldId="266"/>
+        </pc:sldMkLst>
+        <pc:spChg chg="mod">
+          <ac:chgData name="Eduardo Marques" userId="b9dd18581288d1e4" providerId="Windows Live" clId="Web-{28E134C2-EFCF-4B3B-01A0-56AD1D38F3FF}" dt="2020-08-30T02:12:29.200" v="539" actId="20577"/>
+          <ac:spMkLst>
+            <pc:docMk/>
+            <pc:sldMk cId="2450772793" sldId="266"/>
+            <ac:spMk id="13" creationId="{64C48525-9339-4714-950B-67AED3F3E8FB}"/>
+          </ac:spMkLst>
+        </pc:spChg>
+        <pc:spChg chg="mod">
+          <ac:chgData name="Eduardo Marques" userId="b9dd18581288d1e4" providerId="Windows Live" clId="Web-{28E134C2-EFCF-4B3B-01A0-56AD1D38F3FF}" dt="2020-08-30T02:30:08.383" v="897" actId="20577"/>
+          <ac:spMkLst>
+            <pc:docMk/>
+            <pc:sldMk cId="2450772793" sldId="266"/>
+            <ac:spMk id="17" creationId="{BBB830BC-EAAA-4709-A6A5-989783DA280C}"/>
+          </ac:spMkLst>
+        </pc:spChg>
+        <pc:spChg chg="mod">
+          <ac:chgData name="Eduardo Marques" userId="b9dd18581288d1e4" providerId="Windows Live" clId="Web-{28E134C2-EFCF-4B3B-01A0-56AD1D38F3FF}" dt="2020-08-30T02:31:05.870" v="901" actId="14100"/>
+          <ac:spMkLst>
+            <pc:docMk/>
+            <pc:sldMk cId="2450772793" sldId="266"/>
+            <ac:spMk id="22" creationId="{9E5B00D7-AC59-4F87-9506-09946934551F}"/>
+          </ac:spMkLst>
+        </pc:spChg>
+      </pc:sldChg>
+    </pc:docChg>
+  </pc:docChgLst>
+  <pc:docChgLst>
+    <pc:chgData name="Gabriel Casagrande" userId="e7a325a1baaa42ba" providerId="Windows Live" clId="Web-{673C3536-C2B6-4837-06A4-CBFB1E902155}"/>
+    <pc:docChg chg="addSld modSld">
+      <pc:chgData name="Gabriel Casagrande" userId="e7a325a1baaa42ba" providerId="Windows Live" clId="Web-{673C3536-C2B6-4837-06A4-CBFB1E902155}" dt="2020-08-30T02:36:19.901" v="1416"/>
+      <pc:docMkLst>
+        <pc:docMk/>
+      </pc:docMkLst>
+      <pc:sldChg chg="modSp">
+        <pc:chgData name="Gabriel Casagrande" userId="e7a325a1baaa42ba" providerId="Windows Live" clId="Web-{673C3536-C2B6-4837-06A4-CBFB1E902155}" dt="2020-08-30T02:36:19.901" v="1416"/>
+        <pc:sldMkLst>
+          <pc:docMk/>
+          <pc:sldMk cId="2210866551" sldId="256"/>
+        </pc:sldMkLst>
+        <pc:spChg chg="mod">
+          <ac:chgData name="Gabriel Casagrande" userId="e7a325a1baaa42ba" providerId="Windows Live" clId="Web-{673C3536-C2B6-4837-06A4-CBFB1E902155}" dt="2020-08-30T02:36:19.901" v="1416"/>
+          <ac:spMkLst>
+            <pc:docMk/>
+            <pc:sldMk cId="2210866551" sldId="256"/>
+            <ac:spMk id="7" creationId="{CD433B89-1022-4DFF-B470-DC3C65803440}"/>
+          </ac:spMkLst>
+        </pc:spChg>
+      </pc:sldChg>
+      <pc:sldChg chg="addSp delSp modSp">
+        <pc:chgData name="Gabriel Casagrande" userId="e7a325a1baaa42ba" providerId="Windows Live" clId="Web-{673C3536-C2B6-4837-06A4-CBFB1E902155}" dt="2020-08-30T01:47:37.932" v="86" actId="20577"/>
+        <pc:sldMkLst>
+          <pc:docMk/>
+          <pc:sldMk cId="2719852471" sldId="257"/>
+        </pc:sldMkLst>
+        <pc:spChg chg="add mod">
+          <ac:chgData name="Gabriel Casagrande" userId="e7a325a1baaa42ba" providerId="Windows Live" clId="Web-{673C3536-C2B6-4837-06A4-CBFB1E902155}" dt="2020-08-30T01:43:38.433" v="3" actId="1076"/>
+          <ac:spMkLst>
+            <pc:docMk/>
+            <pc:sldMk cId="2719852471" sldId="257"/>
+            <ac:spMk id="2" creationId="{35FD06DA-772E-4AE7-B23B-425F79BE8E5D}"/>
+          </ac:spMkLst>
+        </pc:spChg>
+        <pc:spChg chg="add mod">
+          <ac:chgData name="Gabriel Casagrande" userId="e7a325a1baaa42ba" providerId="Windows Live" clId="Web-{673C3536-C2B6-4837-06A4-CBFB1E902155}" dt="2020-08-30T01:43:50.933" v="10" actId="20577"/>
+          <ac:spMkLst>
+            <pc:docMk/>
+            <pc:sldMk cId="2719852471" sldId="257"/>
+            <ac:spMk id="4" creationId="{EFF49B50-47BA-4A0C-AF4C-016B54C95F6C}"/>
+          </ac:spMkLst>
+        </pc:spChg>
+        <pc:spChg chg="add mod">
+          <ac:chgData name="Gabriel Casagrande" userId="e7a325a1baaa42ba" providerId="Windows Live" clId="Web-{673C3536-C2B6-4837-06A4-CBFB1E902155}" dt="2020-08-30T01:44:58.980" v="24" actId="14100"/>
+          <ac:spMkLst>
+            <pc:docMk/>
+            <pc:sldMk cId="2719852471" sldId="257"/>
+            <ac:spMk id="8" creationId="{284FA0F0-CF2B-454E-9226-B461DD1EE0FF}"/>
+          </ac:spMkLst>
+        </pc:spChg>
+        <pc:spChg chg="add del mod">
+          <ac:chgData name="Gabriel Casagrande" userId="e7a325a1baaa42ba" providerId="Windows Live" clId="Web-{673C3536-C2B6-4837-06A4-CBFB1E902155}" dt="2020-08-30T01:46:19.682" v="57"/>
+          <ac:spMkLst>
+            <pc:docMk/>
+            <pc:sldMk cId="2719852471" sldId="257"/>
+            <ac:spMk id="9" creationId="{48005C69-8A61-4A7E-980E-2019D9B3BFA2}"/>
+          </ac:spMkLst>
+        </pc:spChg>
+        <pc:spChg chg="mod">
+          <ac:chgData name="Gabriel Casagrande" userId="e7a325a1baaa42ba" providerId="Windows Live" clId="Web-{673C3536-C2B6-4837-06A4-CBFB1E902155}" dt="2020-08-30T01:46:24.776" v="58" actId="1076"/>
+          <ac:spMkLst>
+            <pc:docMk/>
+            <pc:sldMk cId="2719852471" sldId="257"/>
+            <ac:spMk id="15" creationId="{61158E0F-CF90-44C4-9D65-760EFE5C9849}"/>
+          </ac:spMkLst>
+        </pc:spChg>
+        <pc:spChg chg="mod">
+          <ac:chgData name="Gabriel Casagrande" userId="e7a325a1baaa42ba" providerId="Windows Live" clId="Web-{673C3536-C2B6-4837-06A4-CBFB1E902155}" dt="2020-08-30T01:45:18.808" v="27" actId="20577"/>
+          <ac:spMkLst>
+            <pc:docMk/>
+            <pc:sldMk cId="2719852471" sldId="257"/>
+            <ac:spMk id="16" creationId="{4F545214-6AD1-4819-B1E0-A114B5EE9553}"/>
+          </ac:spMkLst>
+        </pc:spChg>
+        <pc:spChg chg="mod">
+          <ac:chgData name="Gabriel Casagrande" userId="e7a325a1baaa42ba" providerId="Windows Live" clId="Web-{673C3536-C2B6-4837-06A4-CBFB1E902155}" dt="2020-08-30T01:47:37.932" v="86" actId="20577"/>
+          <ac:spMkLst>
+            <pc:docMk/>
+            <pc:sldMk cId="2719852471" sldId="257"/>
+            <ac:spMk id="17" creationId="{BBB830BC-EAAA-4709-A6A5-989783DA280C}"/>
+          </ac:spMkLst>
+        </pc:spChg>
+        <pc:spChg chg="mod">
+          <ac:chgData name="Gabriel Casagrande" userId="e7a325a1baaa42ba" providerId="Windows Live" clId="Web-{673C3536-C2B6-4837-06A4-CBFB1E902155}" dt="2020-08-30T01:44:43.808" v="19" actId="1076"/>
+          <ac:spMkLst>
+            <pc:docMk/>
+            <pc:sldMk cId="2719852471" sldId="257"/>
+            <ac:spMk id="18" creationId="{E7956A06-8FEF-4DC2-87D3-326F121C93F0}"/>
+          </ac:spMkLst>
+        </pc:spChg>
+        <pc:cxnChg chg="add mod">
+          <ac:chgData name="Gabriel Casagrande" userId="e7a325a1baaa42ba" providerId="Windows Live" clId="Web-{673C3536-C2B6-4837-06A4-CBFB1E902155}" dt="2020-08-30T01:43:38.449" v="5" actId="1076"/>
+          <ac:cxnSpMkLst>
+            <pc:docMk/>
+            <pc:sldMk cId="2719852471" sldId="257"/>
+            <ac:cxnSpMk id="6" creationId="{26B74829-1C7E-401F-A5A9-5B27A263366F}"/>
+          </ac:cxnSpMkLst>
+        </pc:cxnChg>
+        <pc:cxnChg chg="mod">
+          <ac:chgData name="Gabriel Casagrande" userId="e7a325a1baaa42ba" providerId="Windows Live" clId="Web-{673C3536-C2B6-4837-06A4-CBFB1E902155}" dt="2020-08-30T01:44:46.292" v="20" actId="14100"/>
+          <ac:cxnSpMkLst>
+            <pc:docMk/>
+            <pc:sldMk cId="2719852471" sldId="257"/>
+            <ac:cxnSpMk id="14" creationId="{FE53D13A-9203-4CEC-8C61-08B89E1FC3E0}"/>
+          </ac:cxnSpMkLst>
+        </pc:cxnChg>
+        <pc:cxnChg chg="mod">
+          <ac:chgData name="Gabriel Casagrande" userId="e7a325a1baaa42ba" providerId="Windows Live" clId="Web-{673C3536-C2B6-4837-06A4-CBFB1E902155}" dt="2020-08-30T01:44:53.245" v="22" actId="1076"/>
+          <ac:cxnSpMkLst>
+            <pc:docMk/>
+            <pc:sldMk cId="2719852471" sldId="257"/>
+            <ac:cxnSpMk id="19" creationId="{2D7D1114-83F9-43F9-8D6E-E13912126507}"/>
+          </ac:cxnSpMkLst>
+        </pc:cxnChg>
+      </pc:sldChg>
+      <pc:sldChg chg="addSp delSp modSp">
+        <pc:chgData name="Gabriel Casagrande" userId="e7a325a1baaa42ba" providerId="Windows Live" clId="Web-{673C3536-C2B6-4837-06A4-CBFB1E902155}" dt="2020-08-30T01:56:46.835" v="262" actId="14100"/>
+        <pc:sldMkLst>
+          <pc:docMk/>
+          <pc:sldMk cId="1340845693" sldId="258"/>
+        </pc:sldMkLst>
+        <pc:spChg chg="del">
+          <ac:chgData name="Gabriel Casagrande" userId="e7a325a1baaa42ba" providerId="Windows Live" clId="Web-{673C3536-C2B6-4837-06A4-CBFB1E902155}" dt="2020-08-30T01:46:53.042" v="60"/>
+          <ac:spMkLst>
+            <pc:docMk/>
+            <pc:sldMk cId="1340845693" sldId="258"/>
+            <ac:spMk id="2" creationId="{CD9D9764-C8AF-4FA7-9CD9-B58CBD1B4298}"/>
+          </ac:spMkLst>
+        </pc:spChg>
+        <pc:spChg chg="del">
+          <ac:chgData name="Gabriel Casagrande" userId="e7a325a1baaa42ba" providerId="Windows Live" clId="Web-{673C3536-C2B6-4837-06A4-CBFB1E902155}" dt="2020-08-30T01:46:52.214" v="59"/>
+          <ac:spMkLst>
+            <pc:docMk/>
+            <pc:sldMk cId="1340845693" sldId="258"/>
+            <ac:spMk id="3" creationId="{0BDFBFDE-0D81-4978-9E4A-8CFB031333D1}"/>
+          </ac:spMkLst>
+        </pc:spChg>
+        <pc:spChg chg="mod">
+          <ac:chgData name="Gabriel Casagrande" userId="e7a325a1baaa42ba" providerId="Windows Live" clId="Web-{673C3536-C2B6-4837-06A4-CBFB1E902155}" dt="2020-08-30T01:56:46.835" v="262" actId="14100"/>
+          <ac:spMkLst>
+            <pc:docMk/>
+            <pc:sldMk cId="1340845693" sldId="258"/>
+            <ac:spMk id="4" creationId="{6593A0F0-4653-49C4-8618-09DF5A9339A5}"/>
+          </ac:spMkLst>
+        </pc:spChg>
+        <pc:spChg chg="add mod">
+          <ac:chgData name="Gabriel Casagrande" userId="e7a325a1baaa42ba" providerId="Windows Live" clId="Web-{673C3536-C2B6-4837-06A4-CBFB1E902155}" dt="2020-08-30T01:55:45.304" v="252" actId="14100"/>
+          <ac:spMkLst>
+            <pc:docMk/>
+            <pc:sldMk cId="1340845693" sldId="258"/>
+            <ac:spMk id="5" creationId="{29D3C4C9-C32C-4383-A417-60395E359E11}"/>
+          </ac:spMkLst>
+        </pc:spChg>
+        <pc:spChg chg="add mod">
+          <ac:chgData name="Gabriel Casagrande" userId="e7a325a1baaa42ba" providerId="Windows Live" clId="Web-{673C3536-C2B6-4837-06A4-CBFB1E902155}" dt="2020-08-30T01:55:45.304" v="253" actId="14100"/>
+          <ac:spMkLst>
+            <pc:docMk/>
+            <pc:sldMk cId="1340845693" sldId="258"/>
+            <ac:spMk id="7" creationId="{8AC141B1-3E53-4C7F-8D3F-AAB748835171}"/>
+          </ac:spMkLst>
+        </pc:spChg>
+        <pc:spChg chg="add mod">
+          <ac:chgData name="Gabriel Casagrande" userId="e7a325a1baaa42ba" providerId="Windows Live" clId="Web-{673C3536-C2B6-4837-06A4-CBFB1E902155}" dt="2020-08-30T01:55:45.320" v="255" actId="14100"/>
+          <ac:spMkLst>
+            <pc:docMk/>
+            <pc:sldMk cId="1340845693" sldId="258"/>
+            <ac:spMk id="11" creationId="{5BA36331-0589-4139-BC06-8C12E61A3B33}"/>
+          </ac:spMkLst>
+        </pc:spChg>
+        <pc:spChg chg="add mod">
+          <ac:chgData name="Gabriel Casagrande" userId="e7a325a1baaa42ba" providerId="Windows Live" clId="Web-{673C3536-C2B6-4837-06A4-CBFB1E902155}" dt="2020-08-30T01:55:45.320" v="256" actId="14100"/>
+          <ac:spMkLst>
+            <pc:docMk/>
+            <pc:sldMk cId="1340845693" sldId="258"/>
+            <ac:spMk id="13" creationId="{4B72BB60-3A41-4551-B95F-D889EDA49110}"/>
+          </ac:spMkLst>
+        </pc:spChg>
+        <pc:spChg chg="add mod">
+          <ac:chgData name="Gabriel Casagrande" userId="e7a325a1baaa42ba" providerId="Windows Live" clId="Web-{673C3536-C2B6-4837-06A4-CBFB1E902155}" dt="2020-08-30T01:55:45.336" v="257" actId="14100"/>
+          <ac:spMkLst>
+            <pc:docMk/>
+            <pc:sldMk cId="1340845693" sldId="258"/>
+            <ac:spMk id="15" creationId="{DB0B7B00-4D70-4BF3-8706-28C042688EFD}"/>
+          </ac:spMkLst>
+        </pc:spChg>
+        <pc:spChg chg="add mod">
+          <ac:chgData name="Gabriel Casagrande" userId="e7a325a1baaa42ba" providerId="Windows Live" clId="Web-{673C3536-C2B6-4837-06A4-CBFB1E902155}" dt="2020-08-30T01:55:45.336" v="258" actId="14100"/>
+          <ac:spMkLst>
+            <pc:docMk/>
+            <pc:sldMk cId="1340845693" sldId="258"/>
+            <ac:spMk id="17" creationId="{358C1A34-1C60-4170-981C-F43F633A523A}"/>
+          </ac:spMkLst>
+        </pc:spChg>
+        <pc:spChg chg="add mod">
+          <ac:chgData name="Gabriel Casagrande" userId="e7a325a1baaa42ba" providerId="Windows Live" clId="Web-{673C3536-C2B6-4837-06A4-CBFB1E902155}" dt="2020-08-30T01:55:45.351" v="260" actId="14100"/>
+          <ac:spMkLst>
+            <pc:docMk/>
+            <pc:sldMk cId="1340845693" sldId="258"/>
+            <ac:spMk id="21" creationId="{490ABB0F-493A-464A-9CB2-EA64089337F3}"/>
+          </ac:spMkLst>
+        </pc:spChg>
+        <pc:cxnChg chg="add mod">
+          <ac:chgData name="Gabriel Casagrande" userId="e7a325a1baaa42ba" providerId="Windows Live" clId="Web-{673C3536-C2B6-4837-06A4-CBFB1E902155}" dt="2020-08-30T01:55:45.304" v="254" actId="14100"/>
+          <ac:cxnSpMkLst>
+            <pc:docMk/>
+            <pc:sldMk cId="1340845693" sldId="258"/>
+            <ac:cxnSpMk id="9" creationId="{FF01A47C-AC48-4EEC-B916-CD3EBFFDCAE1}"/>
+          </ac:cxnSpMkLst>
+        </pc:cxnChg>
+        <pc:cxnChg chg="add mod">
+          <ac:chgData name="Gabriel Casagrande" userId="e7a325a1baaa42ba" providerId="Windows Live" clId="Web-{673C3536-C2B6-4837-06A4-CBFB1E902155}" dt="2020-08-30T01:55:45.336" v="259" actId="14100"/>
+          <ac:cxnSpMkLst>
+            <pc:docMk/>
+            <pc:sldMk cId="1340845693" sldId="258"/>
+            <ac:cxnSpMk id="19" creationId="{7BE6FAFA-C07E-4528-B443-B77962AE39E0}"/>
+          </ac:cxnSpMkLst>
+        </pc:cxnChg>
+      </pc:sldChg>
+      <pc:sldChg chg="addSp delSp modSp">
+        <pc:chgData name="Gabriel Casagrande" userId="e7a325a1baaa42ba" providerId="Windows Live" clId="Web-{673C3536-C2B6-4837-06A4-CBFB1E902155}" dt="2020-08-30T01:49:06.838" v="142" actId="20577"/>
+        <pc:sldMkLst>
+          <pc:docMk/>
+          <pc:sldMk cId="233230872" sldId="259"/>
+        </pc:sldMkLst>
+        <pc:spChg chg="del">
+          <ac:chgData name="Gabriel Casagrande" userId="e7a325a1baaa42ba" providerId="Windows Live" clId="Web-{673C3536-C2B6-4837-06A4-CBFB1E902155}" dt="2020-08-30T01:48:05.682" v="113"/>
+          <ac:spMkLst>
+            <pc:docMk/>
+            <pc:sldMk cId="233230872" sldId="259"/>
+            <ac:spMk id="2" creationId="{A7D68ECD-3443-4607-8886-39CB6476FB68}"/>
+          </ac:spMkLst>
+        </pc:spChg>
+        <pc:spChg chg="del">
+          <ac:chgData name="Gabriel Casagrande" userId="e7a325a1baaa42ba" providerId="Windows Live" clId="Web-{673C3536-C2B6-4837-06A4-CBFB1E902155}" dt="2020-08-30T01:48:04.869" v="112"/>
+          <ac:spMkLst>
+            <pc:docMk/>
+            <pc:sldMk cId="233230872" sldId="259"/>
+            <ac:spMk id="3" creationId="{979FB247-381C-45F4-8FCD-7A932E2A6876}"/>
+          </ac:spMkLst>
+        </pc:spChg>
+        <pc:spChg chg="add">
+          <ac:chgData name="Gabriel Casagrande" userId="e7a325a1baaa42ba" providerId="Windows Live" clId="Web-{673C3536-C2B6-4837-06A4-CBFB1E902155}" dt="2020-08-30T01:48:12.119" v="114"/>
+          <ac:spMkLst>
+            <pc:docMk/>
+            <pc:sldMk cId="233230872" sldId="259"/>
+            <ac:spMk id="5" creationId="{09BAC77D-BAE9-46A3-8C1B-0F7E103E91C8}"/>
+          </ac:spMkLst>
+        </pc:spChg>
+        <pc:spChg chg="add">
+          <ac:chgData name="Gabriel Casagrande" userId="e7a325a1baaa42ba" providerId="Windows Live" clId="Web-{673C3536-C2B6-4837-06A4-CBFB1E902155}" dt="2020-08-30T01:48:12.135" v="115"/>
+          <ac:spMkLst>
+            <pc:docMk/>
+            <pc:sldMk cId="233230872" sldId="259"/>
+            <ac:spMk id="7" creationId="{EE2C42AD-3204-4AF6-8CE0-6404FED67CDD}"/>
+          </ac:spMkLst>
+        </pc:spChg>
+        <pc:spChg chg="add">
+          <ac:chgData name="Gabriel Casagrande" userId="e7a325a1baaa42ba" providerId="Windows Live" clId="Web-{673C3536-C2B6-4837-06A4-CBFB1E902155}" dt="2020-08-30T01:48:12.135" v="117"/>
+          <ac:spMkLst>
+            <pc:docMk/>
+            <pc:sldMk cId="233230872" sldId="259"/>
+            <ac:spMk id="11" creationId="{ABF1760C-5355-424F-B954-931517A409C6}"/>
+          </ac:spMkLst>
+        </pc:spChg>
+        <pc:spChg chg="add">
+          <ac:chgData name="Gabriel Casagrande" userId="e7a325a1baaa42ba" providerId="Windows Live" clId="Web-{673C3536-C2B6-4837-06A4-CBFB1E902155}" dt="2020-08-30T01:48:12.151" v="118"/>
+          <ac:spMkLst>
+            <pc:docMk/>
+            <pc:sldMk cId="233230872" sldId="259"/>
+            <ac:spMk id="13" creationId="{410201BC-DA24-4E47-90EF-72E7304EB7E7}"/>
+          </ac:spMkLst>
+        </pc:spChg>
+        <pc:spChg chg="add mod">
+          <ac:chgData name="Gabriel Casagrande" userId="e7a325a1baaa42ba" providerId="Windows Live" clId="Web-{673C3536-C2B6-4837-06A4-CBFB1E902155}" dt="2020-08-30T01:49:06.838" v="142" actId="20577"/>
+          <ac:spMkLst>
+            <pc:docMk/>
+            <pc:sldMk cId="233230872" sldId="259"/>
+            <ac:spMk id="15" creationId="{FFD73859-FD58-4DE2-8CF0-F4069B5251D8}"/>
+          </ac:spMkLst>
+        </pc:spChg>
+        <pc:spChg chg="add">
+          <ac:chgData name="Gabriel Casagrande" userId="e7a325a1baaa42ba" providerId="Windows Live" clId="Web-{673C3536-C2B6-4837-06A4-CBFB1E902155}" dt="2020-08-30T01:48:12.166" v="120"/>
+          <ac:spMkLst>
+            <pc:docMk/>
+            <pc:sldMk cId="233230872" sldId="259"/>
+            <ac:spMk id="17" creationId="{45D7AB7D-AB32-43B0-94DE-4234B10AD644}"/>
+          </ac:spMkLst>
+        </pc:spChg>
+        <pc:spChg chg="add">
+          <ac:chgData name="Gabriel Casagrande" userId="e7a325a1baaa42ba" providerId="Windows Live" clId="Web-{673C3536-C2B6-4837-06A4-CBFB1E902155}" dt="2020-08-30T01:48:12.182" v="122"/>
+          <ac:spMkLst>
+            <pc:docMk/>
+            <pc:sldMk cId="233230872" sldId="259"/>
+            <ac:spMk id="21" creationId="{C808E452-FCEC-4A9B-9435-831E4EC1B90C}"/>
+          </ac:spMkLst>
+        </pc:spChg>
+        <pc:cxnChg chg="add">
+          <ac:chgData name="Gabriel Casagrande" userId="e7a325a1baaa42ba" providerId="Windows Live" clId="Web-{673C3536-C2B6-4837-06A4-CBFB1E902155}" dt="2020-08-30T01:48:12.135" v="116"/>
+          <ac:cxnSpMkLst>
+            <pc:docMk/>
+            <pc:sldMk cId="233230872" sldId="259"/>
+            <ac:cxnSpMk id="9" creationId="{CB26ADA2-BB96-4F2A-8E27-92E683745CF1}"/>
+          </ac:cxnSpMkLst>
+        </pc:cxnChg>
+        <pc:cxnChg chg="add">
+          <ac:chgData name="Gabriel Casagrande" userId="e7a325a1baaa42ba" providerId="Windows Live" clId="Web-{673C3536-C2B6-4837-06A4-CBFB1E902155}" dt="2020-08-30T01:48:12.182" v="121"/>
+          <ac:cxnSpMkLst>
+            <pc:docMk/>
+            <pc:sldMk cId="233230872" sldId="259"/>
+            <ac:cxnSpMk id="19" creationId="{48C536DC-4D7C-40C2-BC6C-C5F138FD17BE}"/>
+          </ac:cxnSpMkLst>
+        </pc:cxnChg>
+      </pc:sldChg>
+      <pc:sldChg chg="addSp delSp modSp">
+        <pc:chgData name="Gabriel Casagrande" userId="e7a325a1baaa42ba" providerId="Windows Live" clId="Web-{673C3536-C2B6-4837-06A4-CBFB1E902155}" dt="2020-08-30T01:52:59.227" v="231" actId="20577"/>
+        <pc:sldMkLst>
+          <pc:docMk/>
+          <pc:sldMk cId="2391605507" sldId="260"/>
+        </pc:sldMkLst>
+        <pc:spChg chg="del">
+          <ac:chgData name="Gabriel Casagrande" userId="e7a325a1baaa42ba" providerId="Windows Live" clId="Web-{673C3536-C2B6-4837-06A4-CBFB1E902155}" dt="2020-08-30T01:49:17.994" v="144"/>
+          <ac:spMkLst>
+            <pc:docMk/>
+            <pc:sldMk cId="2391605507" sldId="260"/>
+            <ac:spMk id="2" creationId="{C710147B-2C23-408D-A440-EA2499D7D47C}"/>
+          </ac:spMkLst>
+        </pc:spChg>
+        <pc:spChg chg="del">
+          <ac:chgData name="Gabriel Casagrande" userId="e7a325a1baaa42ba" providerId="Windows Live" clId="Web-{673C3536-C2B6-4837-06A4-CBFB1E902155}" dt="2020-08-30T01:49:16.932" v="143"/>
+          <ac:spMkLst>
+            <pc:docMk/>
+            <pc:sldMk cId="2391605507" sldId="260"/>
+            <ac:spMk id="3" creationId="{59F3076A-0758-4746-92D5-45D344AB814F}"/>
+          </ac:spMkLst>
+        </pc:spChg>
+        <pc:spChg chg="add">
+          <ac:chgData name="Gabriel Casagrande" userId="e7a325a1baaa42ba" providerId="Windows Live" clId="Web-{673C3536-C2B6-4837-06A4-CBFB1E902155}" dt="2020-08-30T01:49:19.869" v="145"/>
+          <ac:spMkLst>
+            <pc:docMk/>
+            <pc:sldMk cId="2391605507" sldId="260"/>
+            <ac:spMk id="5" creationId="{0B170521-BFDA-4949-A4CB-56BB198BEC0C}"/>
+          </ac:spMkLst>
+        </pc:spChg>
+        <pc:spChg chg="add">
+          <ac:chgData name="Gabriel Casagrande" userId="e7a325a1baaa42ba" providerId="Windows Live" clId="Web-{673C3536-C2B6-4837-06A4-CBFB1E902155}" dt="2020-08-30T01:49:19.869" v="146"/>
+          <ac:spMkLst>
+            <pc:docMk/>
+            <pc:sldMk cId="2391605507" sldId="260"/>
+            <ac:spMk id="7" creationId="{4ED6247F-08D6-44AE-92D9-79BB57563D22}"/>
+          </ac:spMkLst>
+        </pc:spChg>
+        <pc:spChg chg="add">
+          <ac:chgData name="Gabriel Casagrande" userId="e7a325a1baaa42ba" providerId="Windows Live" clId="Web-{673C3536-C2B6-4837-06A4-CBFB1E902155}" dt="2020-08-30T01:49:19.890" v="148"/>
+          <ac:spMkLst>
+            <pc:docMk/>
+            <pc:sldMk cId="2391605507" sldId="260"/>
+            <ac:spMk id="11" creationId="{EB242EBC-622F-47A5-B22D-DEE67C53008F}"/>
+          </ac:spMkLst>
+        </pc:spChg>
+        <pc:spChg chg="add">
+          <ac:chgData name="Gabriel Casagrande" userId="e7a325a1baaa42ba" providerId="Windows Live" clId="Web-{673C3536-C2B6-4837-06A4-CBFB1E902155}" dt="2020-08-30T01:49:19.900" v="149"/>
+          <ac:spMkLst>
+            <pc:docMk/>
+            <pc:sldMk cId="2391605507" sldId="260"/>
+            <ac:spMk id="13" creationId="{45AD0367-0283-46AF-BC7A-D12E5070670E}"/>
+          </ac:spMkLst>
+        </pc:spChg>
+        <pc:spChg chg="add mod">
+          <ac:chgData name="Gabriel Casagrande" userId="e7a325a1baaa42ba" providerId="Windows Live" clId="Web-{673C3536-C2B6-4837-06A4-CBFB1E902155}" dt="2020-08-30T01:52:59.227" v="231" actId="20577"/>
+          <ac:spMkLst>
+            <pc:docMk/>
+            <pc:sldMk cId="2391605507" sldId="260"/>
+            <ac:spMk id="15" creationId="{924F3FC9-34CF-4AF2-AFBC-6546D28189F7}"/>
+          </ac:spMkLst>
+        </pc:spChg>
+        <pc:spChg chg="add">
+          <ac:chgData name="Gabriel Casagrande" userId="e7a325a1baaa42ba" providerId="Windows Live" clId="Web-{673C3536-C2B6-4837-06A4-CBFB1E902155}" dt="2020-08-30T01:49:19.916" v="151"/>
+          <ac:spMkLst>
+            <pc:docMk/>
+            <pc:sldMk cId="2391605507" sldId="260"/>
+            <ac:spMk id="17" creationId="{3BBC84A5-1C95-4FC3-81AF-E8F6E61ED41E}"/>
+          </ac:spMkLst>
+        </pc:spChg>
+        <pc:spChg chg="add">
+          <ac:chgData name="Gabriel Casagrande" userId="e7a325a1baaa42ba" providerId="Windows Live" clId="Web-{673C3536-C2B6-4837-06A4-CBFB1E902155}" dt="2020-08-30T01:49:19.931" v="153"/>
+          <ac:spMkLst>
+            <pc:docMk/>
+            <pc:sldMk cId="2391605507" sldId="260"/>
+            <ac:spMk id="21" creationId="{36D0AD72-C11D-4088-8FDD-C97A7E66BE36}"/>
+          </ac:spMkLst>
+        </pc:spChg>
+        <pc:cxnChg chg="add">
+          <ac:chgData name="Gabriel Casagrande" userId="e7a325a1baaa42ba" providerId="Windows Live" clId="Web-{673C3536-C2B6-4837-06A4-CBFB1E902155}" dt="2020-08-30T01:49:19.869" v="147"/>
+          <ac:cxnSpMkLst>
+            <pc:docMk/>
+            <pc:sldMk cId="2391605507" sldId="260"/>
+            <ac:cxnSpMk id="9" creationId="{BA7E579D-AE83-4C53-9B02-83809727829A}"/>
+          </ac:cxnSpMkLst>
+        </pc:cxnChg>
+        <pc:cxnChg chg="add">
+          <ac:chgData name="Gabriel Casagrande" userId="e7a325a1baaa42ba" providerId="Windows Live" clId="Web-{673C3536-C2B6-4837-06A4-CBFB1E902155}" dt="2020-08-30T01:49:19.931" v="152"/>
+          <ac:cxnSpMkLst>
+            <pc:docMk/>
+            <pc:sldMk cId="2391605507" sldId="260"/>
+            <ac:cxnSpMk id="19" creationId="{EC40E1A0-2D1A-4886-AFA2-0F86E4D4D0AF}"/>
+          </ac:cxnSpMkLst>
+        </pc:cxnChg>
+      </pc:sldChg>
+      <pc:sldChg chg="addSp delSp modSp new">
+        <pc:chgData name="Gabriel Casagrande" userId="e7a325a1baaa42ba" providerId="Windows Live" clId="Web-{673C3536-C2B6-4837-06A4-CBFB1E902155}" dt="2020-08-30T01:52:06.603" v="210" actId="20577"/>
+        <pc:sldMkLst>
+          <pc:docMk/>
+          <pc:sldMk cId="3707104504" sldId="261"/>
+        </pc:sldMkLst>
+        <pc:spChg chg="del">
+          <ac:chgData name="Gabriel Casagrande" userId="e7a325a1baaa42ba" providerId="Windows Live" clId="Web-{673C3536-C2B6-4837-06A4-CBFB1E902155}" dt="2020-08-30T01:50:12.103" v="165"/>
+          <ac:spMkLst>
+            <pc:docMk/>
+            <pc:sldMk cId="3707104504" sldId="261"/>
+            <ac:spMk id="2" creationId="{B270A261-E26E-4D30-BEC1-9F0B45212F9A}"/>
+          </ac:spMkLst>
+        </pc:spChg>
+        <pc:spChg chg="del">
+          <ac:chgData name="Gabriel Casagrande" userId="e7a325a1baaa42ba" providerId="Windows Live" clId="Web-{673C3536-C2B6-4837-06A4-CBFB1E902155}" dt="2020-08-30T01:50:11.041" v="164"/>
+          <ac:spMkLst>
+            <pc:docMk/>
+            <pc:sldMk cId="3707104504" sldId="261"/>
+            <ac:spMk id="3" creationId="{D785E6A4-644A-484C-A6FC-7ECC32DDF4AB}"/>
+          </ac:spMkLst>
+        </pc:spChg>
+        <pc:spChg chg="add">
+          <ac:chgData name="Gabriel Casagrande" userId="e7a325a1baaa42ba" providerId="Windows Live" clId="Web-{673C3536-C2B6-4837-06A4-CBFB1E902155}" dt="2020-08-30T01:50:14.416" v="166"/>
+          <ac:spMkLst>
+            <pc:docMk/>
+            <pc:sldMk cId="3707104504" sldId="261"/>
+            <ac:spMk id="5" creationId="{27932E34-6F24-485C-B6A9-7087670E8953}"/>
+          </ac:spMkLst>
+        </pc:spChg>
+        <pc:spChg chg="add">
+          <ac:chgData name="Gabriel Casagrande" userId="e7a325a1baaa42ba" providerId="Windows Live" clId="Web-{673C3536-C2B6-4837-06A4-CBFB1E902155}" dt="2020-08-30T01:50:14.416" v="167"/>
+          <ac:spMkLst>
+            <pc:docMk/>
+            <pc:sldMk cId="3707104504" sldId="261"/>
+            <ac:spMk id="7" creationId="{5D2691DA-006B-47DE-8364-362A4F161F9D}"/>
+          </ac:spMkLst>
+        </pc:spChg>
+        <pc:spChg chg="add">
+          <ac:chgData name="Gabriel Casagrande" userId="e7a325a1baaa42ba" providerId="Windows Live" clId="Web-{673C3536-C2B6-4837-06A4-CBFB1E902155}" dt="2020-08-30T01:50:14.431" v="169"/>
+          <ac:spMkLst>
+            <pc:docMk/>
+            <pc:sldMk cId="3707104504" sldId="261"/>
+            <ac:spMk id="11" creationId="{55B19DF5-7EC6-4209-86FE-5E37370D226B}"/>
+          </ac:spMkLst>
+        </pc:spChg>
+        <pc:spChg chg="add">
+          <ac:chgData name="Gabriel Casagrande" userId="e7a325a1baaa42ba" providerId="Windows Live" clId="Web-{673C3536-C2B6-4837-06A4-CBFB1E902155}" dt="2020-08-30T01:50:14.447" v="170"/>
+          <ac:spMkLst>
+            <pc:docMk/>
+            <pc:sldMk cId="3707104504" sldId="261"/>
+            <ac:spMk id="13" creationId="{4F386D93-ACEB-45DF-B7B3-B65ACFAD0547}"/>
+          </ac:spMkLst>
+        </pc:spChg>
+        <pc:spChg chg="add mod">
+          <ac:chgData name="Gabriel Casagrande" userId="e7a325a1baaa42ba" providerId="Windows Live" clId="Web-{673C3536-C2B6-4837-06A4-CBFB1E902155}" dt="2020-08-30T01:52:06.603" v="210" actId="20577"/>
+          <ac:spMkLst>
+            <pc:docMk/>
+            <pc:sldMk cId="3707104504" sldId="261"/>
+            <ac:spMk id="15" creationId="{334741BD-2F65-41D0-8131-7C0200DF36E4}"/>
+          </ac:spMkLst>
+        </pc:spChg>
+        <pc:spChg chg="add">
+          <ac:chgData name="Gabriel Casagrande" userId="e7a325a1baaa42ba" providerId="Windows Live" clId="Web-{673C3536-C2B6-4837-06A4-CBFB1E902155}" dt="2020-08-30T01:50:14.462" v="172"/>
+          <ac:spMkLst>
+            <pc:docMk/>
+            <pc:sldMk cId="3707104504" sldId="261"/>
+            <ac:spMk id="17" creationId="{43FEA6CE-281A-4DFC-970B-51C1D889D438}"/>
+          </ac:spMkLst>
+        </pc:spChg>
+        <pc:spChg chg="add">
+          <ac:chgData name="Gabriel Casagrande" userId="e7a325a1baaa42ba" providerId="Windows Live" clId="Web-{673C3536-C2B6-4837-06A4-CBFB1E902155}" dt="2020-08-30T01:50:14.478" v="174"/>
+          <ac:spMkLst>
+            <pc:docMk/>
+            <pc:sldMk cId="3707104504" sldId="261"/>
+            <ac:spMk id="21" creationId="{B26FBFBE-B96B-4519-BC5C-04742D9747ED}"/>
+          </ac:spMkLst>
+        </pc:spChg>
+        <pc:cxnChg chg="add">
+          <ac:chgData name="Gabriel Casagrande" userId="e7a325a1baaa42ba" providerId="Windows Live" clId="Web-{673C3536-C2B6-4837-06A4-CBFB1E902155}" dt="2020-08-30T01:50:14.431" v="168"/>
+          <ac:cxnSpMkLst>
+            <pc:docMk/>
+            <pc:sldMk cId="3707104504" sldId="261"/>
+            <ac:cxnSpMk id="9" creationId="{62B894F8-E167-47B9-B840-30A1DFB83BDE}"/>
+          </ac:cxnSpMkLst>
+        </pc:cxnChg>
+        <pc:cxnChg chg="add">
+          <ac:chgData name="Gabriel Casagrande" userId="e7a325a1baaa42ba" providerId="Windows Live" clId="Web-{673C3536-C2B6-4837-06A4-CBFB1E902155}" dt="2020-08-30T01:50:14.462" v="173"/>
+          <ac:cxnSpMkLst>
+            <pc:docMk/>
+            <pc:sldMk cId="3707104504" sldId="261"/>
+            <ac:cxnSpMk id="19" creationId="{3EC8B7CB-7191-4D26-8A50-4F1577969A26}"/>
+          </ac:cxnSpMkLst>
+        </pc:cxnChg>
+      </pc:sldChg>
+      <pc:sldChg chg="addSp delSp modSp new">
+        <pc:chgData name="Gabriel Casagrande" userId="e7a325a1baaa42ba" providerId="Windows Live" clId="Web-{673C3536-C2B6-4837-06A4-CBFB1E902155}" dt="2020-08-30T02:34:08.339" v="1414" actId="1076"/>
+        <pc:sldMkLst>
+          <pc:docMk/>
+          <pc:sldMk cId="3881249392" sldId="262"/>
+        </pc:sldMkLst>
+        <pc:spChg chg="del">
+          <ac:chgData name="Gabriel Casagrande" userId="e7a325a1baaa42ba" providerId="Windows Live" clId="Web-{673C3536-C2B6-4837-06A4-CBFB1E902155}" dt="2020-08-30T01:54:03.633" v="234"/>
+          <ac:spMkLst>
+            <pc:docMk/>
+            <pc:sldMk cId="3881249392" sldId="262"/>
+            <ac:spMk id="2" creationId="{C6589056-CAD5-405C-9965-2E16CBDB541E}"/>
+          </ac:spMkLst>
+        </pc:spChg>
+        <pc:spChg chg="del">
+          <ac:chgData name="Gabriel Casagrande" userId="e7a325a1baaa42ba" providerId="Windows Live" clId="Web-{673C3536-C2B6-4837-06A4-CBFB1E902155}" dt="2020-08-30T01:54:02.727" v="233"/>
+          <ac:spMkLst>
+            <pc:docMk/>
+            <pc:sldMk cId="3881249392" sldId="262"/>
+            <ac:spMk id="3" creationId="{108DEE6C-09CB-4B47-B4C0-7976444CB101}"/>
+          </ac:spMkLst>
+        </pc:spChg>
+        <pc:spChg chg="add del">
+          <ac:chgData name="Gabriel Casagrande" userId="e7a325a1baaa42ba" providerId="Windows Live" clId="Web-{673C3536-C2B6-4837-06A4-CBFB1E902155}" dt="2020-08-30T01:54:23.977" v="242"/>
+          <ac:spMkLst>
+            <pc:docMk/>
+            <pc:sldMk cId="3881249392" sldId="262"/>
+            <ac:spMk id="5" creationId="{C4762D40-DF2F-4955-9142-8CDC687969EC}"/>
+          </ac:spMkLst>
+        </pc:spChg>
+        <pc:spChg chg="add del">
+          <ac:chgData name="Gabriel Casagrande" userId="e7a325a1baaa42ba" providerId="Windows Live" clId="Web-{673C3536-C2B6-4837-06A4-CBFB1E902155}" dt="2020-08-30T01:54:23.977" v="241"/>
+          <ac:spMkLst>
+            <pc:docMk/>
+            <pc:sldMk cId="3881249392" sldId="262"/>
+            <ac:spMk id="7" creationId="{4BB19FC7-6613-4313-A7F3-D623A0305ADB}"/>
+          </ac:spMkLst>
+        </pc:spChg>
+        <pc:spChg chg="add del">
+          <ac:chgData name="Gabriel Casagrande" userId="e7a325a1baaa42ba" providerId="Windows Live" clId="Web-{673C3536-C2B6-4837-06A4-CBFB1E902155}" dt="2020-08-30T01:54:23.977" v="239"/>
+          <ac:spMkLst>
+            <pc:docMk/>
+            <pc:sldMk cId="3881249392" sldId="262"/>
+            <ac:spMk id="11" creationId="{5C545CCC-DCD5-4A1F-A9FA-EC1B5462012D}"/>
+          </ac:spMkLst>
+        </pc:spChg>
+        <pc:spChg chg="add del">
+          <ac:chgData name="Gabriel Casagrande" userId="e7a325a1baaa42ba" providerId="Windows Live" clId="Web-{673C3536-C2B6-4837-06A4-CBFB1E902155}" dt="2020-08-30T02:01:22.272" v="271"/>
+          <ac:spMkLst>
+            <pc:docMk/>
+            <pc:sldMk cId="3881249392" sldId="262"/>
+            <ac:spMk id="13" creationId="{23E3CA0E-1D91-4B42-9664-C12E578121D9}"/>
+          </ac:spMkLst>
+        </pc:spChg>
+        <pc:spChg chg="add del">
+          <ac:chgData name="Gabriel Casagrande" userId="e7a325a1baaa42ba" providerId="Windows Live" clId="Web-{673C3536-C2B6-4837-06A4-CBFB1E902155}" dt="2020-08-30T02:01:22.272" v="270"/>
+          <ac:spMkLst>
+            <pc:docMk/>
+            <pc:sldMk cId="3881249392" sldId="262"/>
+            <ac:spMk id="15" creationId="{61390969-2C24-4AF3-A0C1-2543AB209CBD}"/>
+          </ac:spMkLst>
+        </pc:spChg>
+        <pc:spChg chg="add del">
+          <ac:chgData name="Gabriel Casagrande" userId="e7a325a1baaa42ba" providerId="Windows Live" clId="Web-{673C3536-C2B6-4837-06A4-CBFB1E902155}" dt="2020-08-30T02:01:22.272" v="268"/>
+          <ac:spMkLst>
+            <pc:docMk/>
+            <pc:sldMk cId="3881249392" sldId="262"/>
+            <ac:spMk id="19" creationId="{3EA5C94D-665F-4A79-B702-579B9D3003AD}"/>
+          </ac:spMkLst>
+        </pc:spChg>
+        <pc:spChg chg="add del">
+          <ac:chgData name="Gabriel Casagrande" userId="e7a325a1baaa42ba" providerId="Windows Live" clId="Web-{673C3536-C2B6-4837-06A4-CBFB1E902155}" dt="2020-08-30T02:01:22.272" v="267"/>
+          <ac:spMkLst>
+            <pc:docMk/>
+            <pc:sldMk cId="3881249392" sldId="262"/>
+            <ac:spMk id="21" creationId="{EFA1C294-386F-45BC-BC38-4FBBC5E0D4E1}"/>
+          </ac:spMkLst>
+        </pc:spChg>
+        <pc:spChg chg="add del">
+          <ac:chgData name="Gabriel Casagrande" userId="e7a325a1baaa42ba" providerId="Windows Live" clId="Web-{673C3536-C2B6-4837-06A4-CBFB1E902155}" dt="2020-08-30T02:01:22.272" v="266"/>
+          <ac:spMkLst>
+            <pc:docMk/>
+            <pc:sldMk cId="3881249392" sldId="262"/>
+            <ac:spMk id="23" creationId="{A6A664CE-A322-4530-8F14-C63F4432D36C}"/>
+          </ac:spMkLst>
+        </pc:spChg>
+        <pc:spChg chg="add del">
+          <ac:chgData name="Gabriel Casagrande" userId="e7a325a1baaa42ba" providerId="Windows Live" clId="Web-{673C3536-C2B6-4837-06A4-CBFB1E902155}" dt="2020-08-30T02:01:22.272" v="265"/>
+          <ac:spMkLst>
+            <pc:docMk/>
+            <pc:sldMk cId="3881249392" sldId="262"/>
+            <ac:spMk id="25" creationId="{D88D9C26-C793-4F12-8DC7-DE3A95C20509}"/>
+          </ac:spMkLst>
+        </pc:spChg>
+        <pc:spChg chg="add del">
+          <ac:chgData name="Gabriel Casagrande" userId="e7a325a1baaa42ba" providerId="Windows Live" clId="Web-{673C3536-C2B6-4837-06A4-CBFB1E902155}" dt="2020-08-30T02:01:22.272" v="263"/>
+          <ac:spMkLst>
+            <pc:docMk/>
+            <pc:sldMk cId="3881249392" sldId="262"/>
+            <ac:spMk id="29" creationId="{11830383-9C05-44AE-90B1-F43301D44D6E}"/>
+          </ac:spMkLst>
+        </pc:spChg>
+        <pc:spChg chg="add del">
+          <ac:chgData name="Gabriel Casagrande" userId="e7a325a1baaa42ba" providerId="Windows Live" clId="Web-{673C3536-C2B6-4837-06A4-CBFB1E902155}" dt="2020-08-30T02:07:54.722" v="289"/>
+          <ac:spMkLst>
+            <pc:docMk/>
+            <pc:sldMk cId="3881249392" sldId="262"/>
+            <ac:spMk id="31" creationId="{1516C87E-511F-4FDD-870E-6F432EBD80C6}"/>
+          </ac:spMkLst>
+        </pc:spChg>
+        <pc:spChg chg="add del">
+          <ac:chgData name="Gabriel Casagrande" userId="e7a325a1baaa42ba" providerId="Windows Live" clId="Web-{673C3536-C2B6-4837-06A4-CBFB1E902155}" dt="2020-08-30T02:07:54.722" v="288"/>
+          <ac:spMkLst>
+            <pc:docMk/>
+            <pc:sldMk cId="3881249392" sldId="262"/>
+            <ac:spMk id="33" creationId="{BD9D1A72-6074-491E-A226-5A1C999AF2D3}"/>
+          </ac:spMkLst>
+        </pc:spChg>
+        <pc:spChg chg="add del">
+          <ac:chgData name="Gabriel Casagrande" userId="e7a325a1baaa42ba" providerId="Windows Live" clId="Web-{673C3536-C2B6-4837-06A4-CBFB1E902155}" dt="2020-08-30T02:07:54.722" v="286"/>
+          <ac:spMkLst>
+            <pc:docMk/>
+            <pc:sldMk cId="3881249392" sldId="262"/>
+            <ac:spMk id="37" creationId="{C6D44024-9FBF-4DCB-BE93-3D1B8A41A741}"/>
+          </ac:spMkLst>
+        </pc:spChg>
+        <pc:spChg chg="add del">
+          <ac:chgData name="Gabriel Casagrande" userId="e7a325a1baaa42ba" providerId="Windows Live" clId="Web-{673C3536-C2B6-4837-06A4-CBFB1E902155}" dt="2020-08-30T02:07:54.722" v="285"/>
+          <ac:spMkLst>
+            <pc:docMk/>
+            <pc:sldMk cId="3881249392" sldId="262"/>
+            <ac:spMk id="39" creationId="{CAB3E904-EF62-405C-9340-D7BF3B9772E5}"/>
+          </ac:spMkLst>
+        </pc:spChg>
+        <pc:spChg chg="add del">
+          <ac:chgData name="Gabriel Casagrande" userId="e7a325a1baaa42ba" providerId="Windows Live" clId="Web-{673C3536-C2B6-4837-06A4-CBFB1E902155}" dt="2020-08-30T02:07:54.722" v="284"/>
+          <ac:spMkLst>
+            <pc:docMk/>
+            <pc:sldMk cId="3881249392" sldId="262"/>
+            <ac:spMk id="41" creationId="{90BE0DF5-85A8-40D4-B6FE-9A68ED920EC7}"/>
+          </ac:spMkLst>
+        </pc:spChg>
+        <pc:spChg chg="add del">
+          <ac:chgData name="Gabriel Casagrande" userId="e7a325a1baaa42ba" providerId="Windows Live" clId="Web-{673C3536-C2B6-4837-06A4-CBFB1E902155}" dt="2020-08-30T02:07:54.722" v="283"/>
+          <ac:spMkLst>
+            <pc:docMk/>
+            <pc:sldMk cId="3881249392" sldId="262"/>
+            <ac:spMk id="43" creationId="{00427C7F-1E24-46C3-81C5-A292CF3BA43B}"/>
+          </ac:spMkLst>
+        </pc:spChg>
+        <pc:spChg chg="add del">
+          <ac:chgData name="Gabriel Casagrande" userId="e7a325a1baaa42ba" providerId="Windows Live" clId="Web-{673C3536-C2B6-4837-06A4-CBFB1E902155}" dt="2020-08-30T02:07:54.722" v="281"/>
+          <ac:spMkLst>
+            <pc:docMk/>
+            <pc:sldMk cId="3881249392" sldId="262"/>
+            <ac:spMk id="47" creationId="{A65C2FF4-B842-4D91-A24C-838345C37278}"/>
+          </ac:spMkLst>
+        </pc:spChg>
+        <pc:spChg chg="add del mod">
+          <ac:chgData name="Gabriel Casagrande" userId="e7a325a1baaa42ba" providerId="Windows Live" clId="Web-{673C3536-C2B6-4837-06A4-CBFB1E902155}" dt="2020-08-30T02:09:27.097" v="298"/>
+          <ac:spMkLst>
+            <pc:docMk/>
+            <pc:sldMk cId="3881249392" sldId="262"/>
+            <ac:spMk id="48" creationId="{6F8E0868-745A-4001-8511-C41B479E6905}"/>
+          </ac:spMkLst>
+        </pc:spChg>
+        <pc:spChg chg="add del mod">
+          <ac:chgData name="Gabriel Casagrande" userId="e7a325a1baaa42ba" providerId="Windows Live" clId="Web-{673C3536-C2B6-4837-06A4-CBFB1E902155}" dt="2020-08-30T02:09:47.862" v="303"/>
+          <ac:spMkLst>
+            <pc:docMk/>
+            <pc:sldMk cId="3881249392" sldId="262"/>
+            <ac:spMk id="50" creationId="{53736FDB-C63D-4DD9-B0CA-E6FDE97BA84A}"/>
+          </ac:spMkLst>
+        </pc:spChg>
+        <pc:spChg chg="add mod">
+          <ac:chgData name="Gabriel Casagrande" userId="e7a325a1baaa42ba" providerId="Windows Live" clId="Web-{673C3536-C2B6-4837-06A4-CBFB1E902155}" dt="2020-08-30T02:30:28.231" v="1363"/>
+          <ac:spMkLst>
+            <pc:docMk/>
+            <pc:sldMk cId="3881249392" sldId="262"/>
+            <ac:spMk id="52" creationId="{F129F58A-09D1-46DE-8BC2-D4CCFD95C5E3}"/>
+          </ac:spMkLst>
+        </pc:spChg>
+        <pc:spChg chg="add mod">
+          <ac:chgData name="Gabriel Casagrande" userId="e7a325a1baaa42ba" providerId="Windows Live" clId="Web-{673C3536-C2B6-4837-06A4-CBFB1E902155}" dt="2020-08-30T02:28:27.325" v="1313"/>
+          <ac:spMkLst>
+            <pc:docMk/>
+            <pc:sldMk cId="3881249392" sldId="262"/>
+            <ac:spMk id="53" creationId="{C45F51C8-E961-44E5-A9C0-6EC3F13ED9D8}"/>
+          </ac:spMkLst>
+        </pc:spChg>
+        <pc:spChg chg="add mod">
+          <ac:chgData name="Gabriel Casagrande" userId="e7a325a1baaa42ba" providerId="Windows Live" clId="Web-{673C3536-C2B6-4837-06A4-CBFB1E902155}" dt="2020-08-30T02:32:30.449" v="1398" actId="20577"/>
+          <ac:spMkLst>
+            <pc:docMk/>
+            <pc:sldMk cId="3881249392" sldId="262"/>
+            <ac:spMk id="54" creationId="{760F58AB-1284-4D46-B1BB-257B523AE6B6}"/>
+          </ac:spMkLst>
+        </pc:spChg>
+        <pc:spChg chg="add del">
+          <ac:chgData name="Gabriel Casagrande" userId="e7a325a1baaa42ba" providerId="Windows Live" clId="Web-{673C3536-C2B6-4837-06A4-CBFB1E902155}" dt="2020-08-30T02:12:45.362" v="441"/>
+          <ac:spMkLst>
+            <pc:docMk/>
+            <pc:sldMk cId="3881249392" sldId="262"/>
+            <ac:spMk id="56" creationId="{72CC258F-EF62-4BEB-9D4B-D9119A03C534}"/>
+          </ac:spMkLst>
+        </pc:spChg>
+        <pc:spChg chg="add del mod">
+          <ac:chgData name="Gabriel Casagrande" userId="e7a325a1baaa42ba" providerId="Windows Live" clId="Web-{673C3536-C2B6-4837-06A4-CBFB1E902155}" dt="2020-08-30T02:24:50.670" v="1164"/>
+          <ac:spMkLst>
+            <pc:docMk/>
+            <pc:sldMk cId="3881249392" sldId="262"/>
+            <ac:spMk id="57" creationId="{4AC30B51-068F-453E-9D59-1FAC1ADBF3E9}"/>
+          </ac:spMkLst>
+        </pc:spChg>
+        <pc:spChg chg="add mod">
+          <ac:chgData name="Gabriel Casagrande" userId="e7a325a1baaa42ba" providerId="Windows Live" clId="Web-{673C3536-C2B6-4837-06A4-CBFB1E902155}" dt="2020-08-30T02:31:12.168" v="1364" actId="20577"/>
+          <ac:spMkLst>
+            <pc:docMk/>
+            <pc:sldMk cId="3881249392" sldId="262"/>
+            <ac:spMk id="58" creationId="{D28FEC91-EC80-4EE8-AD1B-9EA014671865}"/>
+          </ac:spMkLst>
+        </pc:spChg>
+        <pc:spChg chg="add mod">
+          <ac:chgData name="Gabriel Casagrande" userId="e7a325a1baaa42ba" providerId="Windows Live" clId="Web-{673C3536-C2B6-4837-06A4-CBFB1E902155}" dt="2020-08-30T02:32:36.574" v="1403" actId="20577"/>
+          <ac:spMkLst>
+            <pc:docMk/>
+            <pc:sldMk cId="3881249392" sldId="262"/>
+            <ac:spMk id="59" creationId="{F507BE5C-B343-45A5-9BAD-5449F5C34BF8}"/>
+          </ac:spMkLst>
+        </pc:spChg>
+        <pc:spChg chg="add del mod">
+          <ac:chgData name="Gabriel Casagrande" userId="e7a325a1baaa42ba" providerId="Windows Live" clId="Web-{673C3536-C2B6-4837-06A4-CBFB1E902155}" dt="2020-08-30T02:25:00.155" v="1171"/>
+          <ac:spMkLst>
+            <pc:docMk/>
+            <pc:sldMk cId="3881249392" sldId="262"/>
+            <ac:spMk id="60" creationId="{175DAA2C-7C82-4411-9632-2DA6546A1E6C}"/>
+          </ac:spMkLst>
+        </pc:spChg>
+        <pc:spChg chg="add del mod">
+          <ac:chgData name="Gabriel Casagrande" userId="e7a325a1baaa42ba" providerId="Windows Live" clId="Web-{673C3536-C2B6-4837-06A4-CBFB1E902155}" dt="2020-08-30T02:19:08.391" v="790"/>
+          <ac:spMkLst>
+            <pc:docMk/>
+            <pc:sldMk cId="3881249392" sldId="262"/>
+            <ac:spMk id="61" creationId="{0C6EEE79-35C7-4C02-95D3-5647EB24491C}"/>
+          </ac:spMkLst>
+        </pc:spChg>
+        <pc:spChg chg="add mod">
+          <ac:chgData name="Gabriel Casagrande" userId="e7a325a1baaa42ba" providerId="Windows Live" clId="Web-{673C3536-C2B6-4837-06A4-CBFB1E902155}" dt="2020-08-30T02:28:31.622" v="1315"/>
+          <ac:spMkLst>
+            <pc:docMk/>
+            <pc:sldMk cId="3881249392" sldId="262"/>
+            <ac:spMk id="62" creationId="{22E8452E-BE88-4EE6-8B30-0B2E4B0E0A4B}"/>
+          </ac:spMkLst>
+        </pc:spChg>
+        <pc:spChg chg="add mod">
+          <ac:chgData name="Gabriel Casagrande" userId="e7a325a1baaa42ba" providerId="Windows Live" clId="Web-{673C3536-C2B6-4837-06A4-CBFB1E902155}" dt="2020-08-30T02:32:43.840" v="1408" actId="20577"/>
+          <ac:spMkLst>
+            <pc:docMk/>
+            <pc:sldMk cId="3881249392" sldId="262"/>
+            <ac:spMk id="63" creationId="{20AE1D48-2793-45F9-8DAA-A3EE77481A90}"/>
+          </ac:spMkLst>
+        </pc:spChg>
+        <pc:spChg chg="add del mod">
+          <ac:chgData name="Gabriel Casagrande" userId="e7a325a1baaa42ba" providerId="Windows Live" clId="Web-{673C3536-C2B6-4837-06A4-CBFB1E902155}" dt="2020-08-30T02:26:36.545" v="1223"/>
+          <ac:spMkLst>
+            <pc:docMk/>
+            <pc:sldMk cId="3881249392" sldId="262"/>
+            <ac:spMk id="64" creationId="{CB88CBD2-847D-4ADF-B360-4E1CAD564668}"/>
+          </ac:spMkLst>
+        </pc:spChg>
+        <pc:spChg chg="add mod">
+          <ac:chgData name="Gabriel Casagrande" userId="e7a325a1baaa42ba" providerId="Windows Live" clId="Web-{673C3536-C2B6-4837-06A4-CBFB1E902155}" dt="2020-08-30T02:34:08.324" v="1413" actId="1076"/>
+          <ac:spMkLst>
+            <pc:docMk/>
+            <pc:sldMk cId="3881249392" sldId="262"/>
+            <ac:spMk id="65" creationId="{CF657267-D01E-4E47-85CB-B69783C869ED}"/>
+          </ac:spMkLst>
+        </pc:spChg>
+        <pc:spChg chg="add mod">
+          <ac:chgData name="Gabriel Casagrande" userId="e7a325a1baaa42ba" providerId="Windows Live" clId="Web-{673C3536-C2B6-4837-06A4-CBFB1E902155}" dt="2020-08-30T02:34:08.339" v="1414" actId="1076"/>
+          <ac:spMkLst>
+            <pc:docMk/>
+            <pc:sldMk cId="3881249392" sldId="262"/>
+            <ac:spMk id="66" creationId="{2660D14B-6900-4585-ACE0-7BAE35460F7F}"/>
+          </ac:spMkLst>
+        </pc:spChg>
+        <pc:spChg chg="add mod">
+          <ac:chgData name="Gabriel Casagrande" userId="e7a325a1baaa42ba" providerId="Windows Live" clId="Web-{673C3536-C2B6-4837-06A4-CBFB1E902155}" dt="2020-08-30T02:21:03.218" v="938" actId="20577"/>
           <ac:spMkLst>
             <pc:docMk/>
             <pc:sldMk cId="3881249392" sldId="262"/>
             <ac:spMk id="67" creationId="{B5E83281-C7E0-44F9-82F3-57420B587CA9}"/>
           </ac:spMkLst>
         </pc:spChg>
-        <pc:spChg chg="del mod">
-          <ac:chgData name="Gabriel Fernandes C. dos Santos" userId="153fb557aa2a4591" providerId="Windows Live" clId="Web-{9EB45D64-D181-49CE-4893-2BBCA7B15DD1}" dt="2020-08-30T02:27:33.510" v="28"/>
+        <pc:spChg chg="add mod">
+          <ac:chgData name="Gabriel Casagrande" userId="e7a325a1baaa42ba" providerId="Windows Live" clId="Web-{673C3536-C2B6-4837-06A4-CBFB1E902155}" dt="2020-08-30T02:34:02.699" v="1411" actId="1076"/>
+          <ac:spMkLst>
+            <pc:docMk/>
+            <pc:sldMk cId="3881249392" sldId="262"/>
+            <ac:spMk id="68" creationId="{86906FFA-3F00-46A8-84C0-57B0E53E8323}"/>
+          </ac:spMkLst>
+        </pc:spChg>
+        <pc:spChg chg="add mod">
+          <ac:chgData name="Gabriel Casagrande" userId="e7a325a1baaa42ba" providerId="Windows Live" clId="Web-{673C3536-C2B6-4837-06A4-CBFB1E902155}" dt="2020-08-30T02:34:02.714" v="1412" actId="1076"/>
+          <ac:spMkLst>
+            <pc:docMk/>
+            <pc:sldMk cId="3881249392" sldId="262"/>
+            <ac:spMk id="69" creationId="{F35B392B-582B-4CF9-ADE6-913F2DB25823}"/>
+          </ac:spMkLst>
+        </pc:spChg>
+        <pc:spChg chg="add del mod">
+          <ac:chgData name="Gabriel Casagrande" userId="e7a325a1baaa42ba" providerId="Windows Live" clId="Web-{673C3536-C2B6-4837-06A4-CBFB1E902155}" dt="2020-08-30T02:27:55.310" v="1289"/>
+          <ac:spMkLst>
+            <pc:docMk/>
+            <pc:sldMk cId="3881249392" sldId="262"/>
+            <ac:spMk id="70" creationId="{18BC9975-C145-4729-BDC9-172A410C7875}"/>
+          </ac:spMkLst>
+        </pc:spChg>
+        <pc:spChg chg="add">
+          <ac:chgData name="Gabriel Casagrande" userId="e7a325a1baaa42ba" providerId="Windows Live" clId="Web-{673C3536-C2B6-4837-06A4-CBFB1E902155}" dt="2020-08-30T02:26:40.248" v="1227"/>
           <ac:spMkLst>
             <pc:docMk/>
             <pc:sldMk cId="3881249392" sldId="262"/>
             <ac:spMk id="71" creationId="{64F89D91-E59A-4AB7-84EA-19456AFBE116}"/>
           </ac:spMkLst>
         </pc:spChg>
+        <pc:spChg chg="add del">
+          <ac:chgData name="Gabriel Casagrande" userId="e7a325a1baaa42ba" providerId="Windows Live" clId="Web-{673C3536-C2B6-4837-06A4-CBFB1E902155}" dt="2020-08-30T02:27:51.388" v="1288"/>
+          <ac:spMkLst>
+            <pc:docMk/>
+            <pc:sldMk cId="3881249392" sldId="262"/>
+            <ac:spMk id="72" creationId="{0A6EACFA-E2E1-4C11-8378-86C449D8B23D}"/>
+          </ac:spMkLst>
+        </pc:spChg>
+        <pc:spChg chg="add del">
+          <ac:chgData name="Gabriel Casagrande" userId="e7a325a1baaa42ba" providerId="Windows Live" clId="Web-{673C3536-C2B6-4837-06A4-CBFB1E902155}" dt="2020-08-30T02:28:04.341" v="1294"/>
+          <ac:spMkLst>
+            <pc:docMk/>
+            <pc:sldMk cId="3881249392" sldId="262"/>
+            <ac:spMk id="73" creationId="{F955F01D-46ED-4684-B733-5580CBC114C4}"/>
+          </ac:spMkLst>
+        </pc:spChg>
+        <pc:cxnChg chg="add del">
+          <ac:chgData name="Gabriel Casagrande" userId="e7a325a1baaa42ba" providerId="Windows Live" clId="Web-{673C3536-C2B6-4837-06A4-CBFB1E902155}" dt="2020-08-30T01:54:23.977" v="240"/>
+          <ac:cxnSpMkLst>
+            <pc:docMk/>
+            <pc:sldMk cId="3881249392" sldId="262"/>
+            <ac:cxnSpMk id="9" creationId="{00105F35-EFC2-49D1-AB7C-A5DEA4083E94}"/>
+          </ac:cxnSpMkLst>
+        </pc:cxnChg>
+        <pc:cxnChg chg="add del">
+          <ac:chgData name="Gabriel Casagrande" userId="e7a325a1baaa42ba" providerId="Windows Live" clId="Web-{673C3536-C2B6-4837-06A4-CBFB1E902155}" dt="2020-08-30T02:01:22.272" v="269"/>
+          <ac:cxnSpMkLst>
+            <pc:docMk/>
+            <pc:sldMk cId="3881249392" sldId="262"/>
+            <ac:cxnSpMk id="17" creationId="{68F7470B-0400-4DF5-9EB1-1F2E3E262E4F}"/>
+          </ac:cxnSpMkLst>
+        </pc:cxnChg>
+        <pc:cxnChg chg="add del">
+          <ac:chgData name="Gabriel Casagrande" userId="e7a325a1baaa42ba" providerId="Windows Live" clId="Web-{673C3536-C2B6-4837-06A4-CBFB1E902155}" dt="2020-08-30T02:01:22.272" v="264"/>
+          <ac:cxnSpMkLst>
+            <pc:docMk/>
+            <pc:sldMk cId="3881249392" sldId="262"/>
+            <ac:cxnSpMk id="27" creationId="{A2A1159A-9154-4F64-A836-E267652EF254}"/>
+          </ac:cxnSpMkLst>
+        </pc:cxnChg>
+        <pc:cxnChg chg="add del">
+          <ac:chgData name="Gabriel Casagrande" userId="e7a325a1baaa42ba" providerId="Windows Live" clId="Web-{673C3536-C2B6-4837-06A4-CBFB1E902155}" dt="2020-08-30T02:07:54.722" v="287"/>
+          <ac:cxnSpMkLst>
+            <pc:docMk/>
+            <pc:sldMk cId="3881249392" sldId="262"/>
+            <ac:cxnSpMk id="35" creationId="{7FD40CBE-5432-424E-80B2-5D5C7BB79ED3}"/>
+          </ac:cxnSpMkLst>
+        </pc:cxnChg>
+        <pc:cxnChg chg="add del">
+          <ac:chgData name="Gabriel Casagrande" userId="e7a325a1baaa42ba" providerId="Windows Live" clId="Web-{673C3536-C2B6-4837-06A4-CBFB1E902155}" dt="2020-08-30T02:07:54.722" v="282"/>
+          <ac:cxnSpMkLst>
+            <pc:docMk/>
+            <pc:sldMk cId="3881249392" sldId="262"/>
+            <ac:cxnSpMk id="45" creationId="{98AEC877-F192-4DA4-AC4C-D56B65DEC44D}"/>
+          </ac:cxnSpMkLst>
+        </pc:cxnChg>
       </pc:sldChg>
     </pc:docChg>
   </pc:docChgLst>
@@ -2001,7 +2418,7 @@
           <a:p>
             <a:fld id="{F0E51C7C-CEA3-4CAA-BE4B-344879E7C377}" type="datetimeFigureOut">
               <a:rPr lang="de-DE" smtClean="0"/>
-              <a:t>11.09.2020</a:t>
+              <a:t>21.10.2020</a:t>
             </a:fld>
             <a:endParaRPr lang="de-DE"/>
           </a:p>
@@ -2171,7 +2588,7 @@
           <a:p>
             <a:fld id="{F0E51C7C-CEA3-4CAA-BE4B-344879E7C377}" type="datetimeFigureOut">
               <a:rPr lang="de-DE" smtClean="0"/>
-              <a:t>11.09.2020</a:t>
+              <a:t>21.10.2020</a:t>
             </a:fld>
             <a:endParaRPr lang="de-DE"/>
           </a:p>
@@ -2351,7 +2768,7 @@
           <a:p>
             <a:fld id="{F0E51C7C-CEA3-4CAA-BE4B-344879E7C377}" type="datetimeFigureOut">
               <a:rPr lang="de-DE" smtClean="0"/>
-              <a:t>11.09.2020</a:t>
+              <a:t>21.10.2020</a:t>
             </a:fld>
             <a:endParaRPr lang="de-DE"/>
           </a:p>
@@ -2521,7 +2938,7 @@
           <a:p>
             <a:fld id="{F0E51C7C-CEA3-4CAA-BE4B-344879E7C377}" type="datetimeFigureOut">
               <a:rPr lang="de-DE" smtClean="0"/>
-              <a:t>11.09.2020</a:t>
+              <a:t>21.10.2020</a:t>
             </a:fld>
             <a:endParaRPr lang="de-DE"/>
           </a:p>
@@ -2767,7 +3184,7 @@
           <a:p>
             <a:fld id="{F0E51C7C-CEA3-4CAA-BE4B-344879E7C377}" type="datetimeFigureOut">
               <a:rPr lang="de-DE" smtClean="0"/>
-              <a:t>11.09.2020</a:t>
+              <a:t>21.10.2020</a:t>
             </a:fld>
             <a:endParaRPr lang="de-DE"/>
           </a:p>
@@ -2999,7 +3416,7 @@
           <a:p>
             <a:fld id="{F0E51C7C-CEA3-4CAA-BE4B-344879E7C377}" type="datetimeFigureOut">
               <a:rPr lang="de-DE" smtClean="0"/>
-              <a:t>11.09.2020</a:t>
+              <a:t>21.10.2020</a:t>
             </a:fld>
             <a:endParaRPr lang="de-DE"/>
           </a:p>
@@ -3366,7 +3783,7 @@
           <a:p>
             <a:fld id="{F0E51C7C-CEA3-4CAA-BE4B-344879E7C377}" type="datetimeFigureOut">
               <a:rPr lang="de-DE" smtClean="0"/>
-              <a:t>11.09.2020</a:t>
+              <a:t>21.10.2020</a:t>
             </a:fld>
             <a:endParaRPr lang="de-DE"/>
           </a:p>
@@ -3484,7 +3901,7 @@
           <a:p>
             <a:fld id="{F0E51C7C-CEA3-4CAA-BE4B-344879E7C377}" type="datetimeFigureOut">
               <a:rPr lang="de-DE" smtClean="0"/>
-              <a:t>11.09.2020</a:t>
+              <a:t>21.10.2020</a:t>
             </a:fld>
             <a:endParaRPr lang="de-DE"/>
           </a:p>
@@ -3579,7 +3996,7 @@
           <a:p>
             <a:fld id="{F0E51C7C-CEA3-4CAA-BE4B-344879E7C377}" type="datetimeFigureOut">
               <a:rPr lang="de-DE" smtClean="0"/>
-              <a:t>11.09.2020</a:t>
+              <a:t>21.10.2020</a:t>
             </a:fld>
             <a:endParaRPr lang="de-DE"/>
           </a:p>
@@ -3856,7 +4273,7 @@
           <a:p>
             <a:fld id="{F0E51C7C-CEA3-4CAA-BE4B-344879E7C377}" type="datetimeFigureOut">
               <a:rPr lang="de-DE" smtClean="0"/>
-              <a:t>11.09.2020</a:t>
+              <a:t>21.10.2020</a:t>
             </a:fld>
             <a:endParaRPr lang="de-DE"/>
           </a:p>
@@ -4109,7 +4526,7 @@
           <a:p>
             <a:fld id="{F0E51C7C-CEA3-4CAA-BE4B-344879E7C377}" type="datetimeFigureOut">
               <a:rPr lang="de-DE" smtClean="0"/>
-              <a:t>11.09.2020</a:t>
+              <a:t>21.10.2020</a:t>
             </a:fld>
             <a:endParaRPr lang="de-DE"/>
           </a:p>
@@ -4322,7 +4739,7 @@
           <a:p>
             <a:fld id="{F0E51C7C-CEA3-4CAA-BE4B-344879E7C377}" type="datetimeFigureOut">
               <a:rPr lang="de-DE" smtClean="0"/>
-              <a:t>11.09.2020</a:t>
+              <a:t>21.10.2020</a:t>
             </a:fld>
             <a:endParaRPr lang="de-DE"/>
           </a:p>
@@ -4749,26 +5166,23 @@
           <a:p>
             <a:pPr algn="l"/>
             <a:r>
-              <a:rPr lang="de-DE" sz="4000" err="1">
+              <a:rPr lang="pt-BR" sz="4000">
                 <a:cs typeface="Calibri Light"/>
               </a:rPr>
-              <a:t>Contexto</a:t>
+              <a:t>Contexto </a:t>
             </a:r>
             <a:r>
               <a:rPr lang="de-DE" sz="4000">
                 <a:cs typeface="Calibri Light"/>
               </a:rPr>
-              <a:t> de </a:t>
-            </a:r>
-            <a:r>
-              <a:rPr lang="de-DE" sz="4000" err="1">
+              <a:t>de </a:t>
+            </a:r>
+            <a:r>
+              <a:rPr lang="pt-BR" sz="4000">
                 <a:cs typeface="Calibri Light"/>
               </a:rPr>
               <a:t>Negócio</a:t>
             </a:r>
-            <a:endParaRPr lang="de-DE" sz="4000">
-              <a:cs typeface="Calibri Light"/>
-            </a:endParaRPr>
           </a:p>
         </p:txBody>
       </p:sp>
@@ -4845,11 +5259,11 @@
             <a:avLst/>
           </a:prstGeom>
           <a:solidFill>
-            <a:schemeClr val="tx1"/>
+            <a:schemeClr val="bg1"/>
           </a:solidFill>
           <a:ln w="6350">
             <a:solidFill>
-              <a:schemeClr val="bg1"/>
+              <a:schemeClr val="tx1"/>
             </a:solidFill>
           </a:ln>
         </p:spPr>
@@ -4876,11 +5290,13 @@
             <a:pPr algn="ctr"/>
             <a:r>
               <a:rPr lang="pt-BR">
+                <a:solidFill>
+                  <a:schemeClr val="tx1"/>
+                </a:solidFill>
                 <a:cs typeface="Calibri"/>
               </a:rPr>
-              <a:t>Confecção</a:t>
-            </a:r>
-            <a:endParaRPr lang="pt-BR"/>
+              <a:t>Confecção Face A Face</a:t>
+            </a:r>
           </a:p>
         </p:txBody>
       </p:sp>
@@ -4936,8 +5352,8 @@
         </p:nvSpPr>
         <p:spPr>
           <a:xfrm>
-            <a:off x="3354512" y="2810414"/>
-            <a:ext cx="2811694" cy="954107"/>
+            <a:off x="3354512" y="2637860"/>
+            <a:ext cx="2811694" cy="1169551"/>
           </a:xfrm>
           <a:prstGeom prst="rect">
             <a:avLst/>
@@ -4954,7 +5370,7 @@
           <a:lstStyle/>
           <a:p>
             <a:r>
-              <a:rPr lang="pt-BR" sz="1400">
+              <a:rPr lang="pt-BR" sz="1400" dirty="0">
                 <a:cs typeface="Calibri"/>
               </a:rPr>
               <a:t>1. Solicitar pedido.</a:t>
@@ -4962,18 +5378,18 @@
           </a:p>
           <a:p>
             <a:r>
-              <a:rPr lang="pt-BR" sz="1400">
+              <a:rPr lang="pt-BR" sz="1400" dirty="0">
                 <a:cs typeface="Calibri"/>
               </a:rPr>
               <a:t>2. Solicitar cancelamento do pedido.</a:t>
             </a:r>
             <a:br>
-              <a:rPr lang="pt-BR" sz="1400">
+              <a:rPr lang="pt-BR" sz="1400" dirty="0">
                 <a:cs typeface="Calibri"/>
               </a:rPr>
             </a:br>
             <a:r>
-              <a:rPr lang="pt-BR" sz="1400">
+              <a:rPr lang="pt-BR" sz="1400" dirty="0">
                 <a:cs typeface="Calibri"/>
               </a:rPr>
               <a:t>3. Solicitar alteração do pedido.</a:t>
@@ -4981,10 +5397,18 @@
           </a:p>
           <a:p>
             <a:r>
-              <a:rPr lang="pt-BR" sz="1400">
+              <a:rPr lang="pt-BR" sz="1400" dirty="0">
                 <a:cs typeface="Calibri"/>
               </a:rPr>
-              <a:t>4. Entregar matéria-prima</a:t>
+              <a:t>4. Entregar matéria-prima.</a:t>
+            </a:r>
+          </a:p>
+          <a:p>
+            <a:r>
+              <a:rPr lang="pt-BR" sz="1400" dirty="0">
+                <a:cs typeface="Calibri"/>
+              </a:rPr>
+              <a:t>5. Entregar pedido.</a:t>
             </a:r>
           </a:p>
         </p:txBody>
@@ -5497,10 +5921,10 @@
           <a:p>
             <a:pPr algn="ctr"/>
             <a:r>
-              <a:rPr lang="pt-BR" altLang="en-US" b="1"/>
+              <a:rPr lang="pt-BR" altLang="en-US"/>
               <a:t>Confecção Face a Face</a:t>
             </a:r>
-            <a:endParaRPr lang="pt-BR" altLang="en-US" b="1">
+            <a:endParaRPr lang="pt-BR" altLang="en-US">
               <a:cs typeface="Calibri"/>
             </a:endParaRPr>
           </a:p>
@@ -5843,7 +6267,7 @@
           <a:p>
             <a:pPr algn="ctr"/>
             <a:r>
-              <a:rPr lang="pt-BR" sz="1400" b="1" dirty="0">
+              <a:rPr lang="pt-BR" sz="1400" b="1">
                 <a:solidFill>
                   <a:schemeClr val="tx1"/>
                 </a:solidFill>
@@ -5852,7 +6276,7 @@
               </a:rPr>
               <a:t>Dar entrada no pedido </a:t>
             </a:r>
-            <a:endParaRPr lang="pt-BR" sz="1400" b="1" dirty="0">
+            <a:endParaRPr lang="pt-BR" sz="1400" b="1">
               <a:solidFill>
                 <a:schemeClr val="tx1"/>
               </a:solidFill>
@@ -5994,38 +6418,11 @@
           </a:lstStyle>
           <a:p>
             <a:r>
-              <a:rPr lang="de-DE" sz="4000" err="1">
+              <a:rPr lang="pt-BR" sz="4000">
                 <a:cs typeface="Calibri Light"/>
               </a:rPr>
-              <a:t>Cenário</a:t>
-            </a:r>
-            <a:r>
-              <a:rPr lang="de-DE" sz="4000">
-                <a:cs typeface="Calibri Light"/>
-              </a:rPr>
-              <a:t>: </a:t>
-            </a:r>
-            <a:r>
-              <a:rPr lang="de-DE" sz="4000" err="1">
-                <a:cs typeface="Calibri Light"/>
-              </a:rPr>
-              <a:t>Solicitar</a:t>
-            </a:r>
-            <a:r>
-              <a:rPr lang="de-DE" sz="4000">
-                <a:cs typeface="Calibri Light"/>
-              </a:rPr>
-              <a:t> </a:t>
-            </a:r>
-            <a:r>
-              <a:rPr lang="de-DE" sz="4000" err="1">
-                <a:cs typeface="Calibri Light"/>
-              </a:rPr>
-              <a:t>pedido</a:t>
-            </a:r>
-            <a:endParaRPr lang="de-DE" sz="4000">
-              <a:cs typeface="Calibri Light"/>
-            </a:endParaRPr>
+              <a:t>Cenário: Solicitar pedido</a:t>
+            </a:r>
           </a:p>
         </p:txBody>
       </p:sp>
@@ -6537,10 +6934,10 @@
           <a:p>
             <a:pPr algn="ctr"/>
             <a:r>
-              <a:rPr lang="pt-BR" altLang="en-US" b="1"/>
+              <a:rPr lang="pt-BR" altLang="en-US"/>
               <a:t>Confecção Face a Face</a:t>
             </a:r>
-            <a:endParaRPr lang="pt-BR" altLang="en-US" b="1">
+            <a:endParaRPr lang="pt-BR" altLang="en-US">
               <a:cs typeface="Calibri"/>
             </a:endParaRPr>
           </a:p>
@@ -6883,20 +7280,15 @@
           <a:p>
             <a:pPr algn="ctr"/>
             <a:r>
-              <a:rPr lang="pt-BR" sz="1400" b="1">
+              <a:rPr lang="pt-BR" sz="1200" b="1" dirty="0">
                 <a:solidFill>
                   <a:schemeClr val="tx1"/>
                 </a:solidFill>
-                <a:cs typeface="Calibri"/>
+                <a:latin typeface="Arial"/>
+                <a:cs typeface="Arial"/>
               </a:rPr>
-              <a:t>Deferir a solicitação do cliente</a:t>
-            </a:r>
-            <a:endParaRPr lang="pt-BR" b="1">
-              <a:solidFill>
-                <a:schemeClr val="tx1"/>
-              </a:solidFill>
-              <a:cs typeface="Calibri"/>
-            </a:endParaRPr>
+              <a:t>Cancelar pedido</a:t>
+            </a:r>
           </a:p>
         </p:txBody>
       </p:sp>
@@ -7033,7 +7425,7 @@
           </a:lstStyle>
           <a:p>
             <a:r>
-              <a:rPr lang="de-DE" sz="4000">
+              <a:rPr lang="pt-BR" sz="4000">
                 <a:cs typeface="Calibri Light"/>
               </a:rPr>
               <a:t>Cenário: Solicitar cancelamento do pedido</a:t>
@@ -7549,10 +7941,10 @@
           <a:p>
             <a:pPr algn="ctr"/>
             <a:r>
-              <a:rPr lang="pt-BR" altLang="en-US" b="1"/>
+              <a:rPr lang="pt-BR" altLang="en-US"/>
               <a:t>Confecção Face a Face</a:t>
             </a:r>
-            <a:endParaRPr lang="pt-BR" altLang="en-US" b="1">
+            <a:endParaRPr lang="pt-BR" altLang="en-US">
               <a:cs typeface="Calibri"/>
             </a:endParaRPr>
           </a:p>
@@ -8045,7 +8437,7 @@
           </a:lstStyle>
           <a:p>
             <a:r>
-              <a:rPr lang="de-DE" sz="4000">
+              <a:rPr lang="pt-BR" sz="4000">
                 <a:cs typeface="Calibri Light"/>
               </a:rPr>
               <a:t>Cenário: </a:t>
@@ -8568,10 +8960,10 @@
           <a:p>
             <a:pPr algn="ctr"/>
             <a:r>
-              <a:rPr lang="pt-BR" altLang="en-US" b="1"/>
+              <a:rPr lang="pt-BR" altLang="en-US"/>
               <a:t>Confecção Face a Face</a:t>
             </a:r>
-            <a:endParaRPr lang="pt-BR" altLang="en-US" b="1">
+            <a:endParaRPr lang="pt-BR" altLang="en-US">
               <a:cs typeface="Calibri"/>
             </a:endParaRPr>
           </a:p>
@@ -8921,7 +9313,7 @@
                 <a:ea typeface="+mn-lt"/>
                 <a:cs typeface="+mn-lt"/>
               </a:rPr>
-              <a:t>Verificar os insumos</a:t>
+              <a:t>Verificar se a matéria-prima está correta</a:t>
             </a:r>
             <a:endParaRPr lang="pt-BR" b="1">
               <a:solidFill>
@@ -9064,7 +9456,7 @@
           </a:lstStyle>
           <a:p>
             <a:r>
-              <a:rPr lang="de-DE" sz="4000">
+              <a:rPr lang="pt-BR" sz="4000">
                 <a:cs typeface="Calibri Light"/>
               </a:rPr>
               <a:t>Cenário: </a:t>
@@ -9076,7 +9468,7 @@
               </a:rPr>
               <a:t>Entrega de matéria-prima</a:t>
             </a:r>
-            <a:endParaRPr lang="de-DE" sz="4000">
+            <a:endParaRPr lang="pt-BR" sz="4000">
               <a:cs typeface="Calibri Light"/>
             </a:endParaRPr>
           </a:p>
@@ -9096,6 +9488,1022 @@
 </file>
 
 <file path=ppt/slides/slide6.xml><?xml version="1.0" encoding="utf-8"?>
+<p:sld xmlns:a="http://schemas.openxmlformats.org/drawingml/2006/main" xmlns:r="http://schemas.openxmlformats.org/officeDocument/2006/relationships" xmlns:p="http://schemas.openxmlformats.org/presentationml/2006/main">
+  <p:cSld>
+    <p:spTree>
+      <p:nvGrpSpPr>
+        <p:cNvPr id="1" name=""/>
+        <p:cNvGrpSpPr/>
+        <p:nvPr/>
+      </p:nvGrpSpPr>
+      <p:grpSpPr>
+        <a:xfrm>
+          <a:off x="0" y="0"/>
+          <a:ext cx="0" cy="0"/>
+          <a:chOff x="0" y="0"/>
+          <a:chExt cx="0" cy="0"/>
+        </a:xfrm>
+      </p:grpSpPr>
+      <p:cxnSp>
+        <p:nvCxnSpPr>
+          <p:cNvPr id="11" name="Conector Reto 12">
+            <a:extLst>
+              <a:ext uri="{FF2B5EF4-FFF2-40B4-BE49-F238E27FC236}">
+                <a16:creationId xmlns:a16="http://schemas.microsoft.com/office/drawing/2014/main" id="{B11E8853-9FEF-485C-930F-08142A2FB6DD}"/>
+              </a:ext>
+            </a:extLst>
+          </p:cNvPr>
+          <p:cNvCxnSpPr>
+            <a:cxnSpLocks/>
+          </p:cNvCxnSpPr>
+          <p:nvPr/>
+        </p:nvCxnSpPr>
+        <p:spPr>
+          <a:xfrm flipH="1">
+            <a:off x="16461740" y="8814720"/>
+            <a:ext cx="9525" cy="727710"/>
+          </a:xfrm>
+          <a:prstGeom prst="line">
+            <a:avLst/>
+          </a:prstGeom>
+        </p:spPr>
+        <p:style>
+          <a:lnRef idx="1">
+            <a:schemeClr val="accent1"/>
+          </a:lnRef>
+          <a:fillRef idx="0">
+            <a:schemeClr val="accent1"/>
+          </a:fillRef>
+          <a:effectRef idx="0">
+            <a:schemeClr val="accent1"/>
+          </a:effectRef>
+          <a:fontRef idx="minor">
+            <a:schemeClr val="tx1"/>
+          </a:fontRef>
+        </p:style>
+      </p:cxnSp>
+      <p:sp>
+        <p:nvSpPr>
+          <p:cNvPr id="12" name="Fluxograma: Processo 11">
+            <a:extLst>
+              <a:ext uri="{FF2B5EF4-FFF2-40B4-BE49-F238E27FC236}">
+                <a16:creationId xmlns:a16="http://schemas.microsoft.com/office/drawing/2014/main" id="{D85284E8-26A9-4A50-A64E-46A4C70AA549}"/>
+              </a:ext>
+            </a:extLst>
+          </p:cNvPr>
+          <p:cNvSpPr/>
+          <p:nvPr/>
+        </p:nvSpPr>
+        <p:spPr>
+          <a:xfrm>
+            <a:off x="1254560" y="3078001"/>
+            <a:ext cx="1875990" cy="964252"/>
+          </a:xfrm>
+          <a:prstGeom prst="flowChartProcess">
+            <a:avLst/>
+          </a:prstGeom>
+        </p:spPr>
+        <p:style>
+          <a:lnRef idx="2">
+            <a:schemeClr val="accent1">
+              <a:shade val="50000"/>
+            </a:schemeClr>
+          </a:lnRef>
+          <a:fillRef idx="1">
+            <a:schemeClr val="accent1"/>
+          </a:fillRef>
+          <a:effectRef idx="0">
+            <a:schemeClr val="accent1"/>
+          </a:effectRef>
+          <a:fontRef idx="minor">
+            <a:schemeClr val="lt1"/>
+          </a:fontRef>
+        </p:style>
+        <p:txBody>
+          <a:bodyPr rtlCol="0" anchor="ctr"/>
+          <a:lstStyle>
+            <a:defPPr>
+              <a:defRPr lang="de-DE"/>
+            </a:defPPr>
+            <a:lvl1pPr marL="0" algn="l" defTabSz="914400" rtl="0" eaLnBrk="1" latinLnBrk="0" hangingPunct="1">
+              <a:defRPr sz="1800" kern="1200">
+                <a:solidFill>
+                  <a:schemeClr val="lt1"/>
+                </a:solidFill>
+                <a:latin typeface="+mn-lt"/>
+                <a:ea typeface="+mn-ea"/>
+                <a:cs typeface="+mn-cs"/>
+              </a:defRPr>
+            </a:lvl1pPr>
+            <a:lvl2pPr marL="457200" algn="l" defTabSz="914400" rtl="0" eaLnBrk="1" latinLnBrk="0" hangingPunct="1">
+              <a:defRPr sz="1800" kern="1200">
+                <a:solidFill>
+                  <a:schemeClr val="lt1"/>
+                </a:solidFill>
+                <a:latin typeface="+mn-lt"/>
+                <a:ea typeface="+mn-ea"/>
+                <a:cs typeface="+mn-cs"/>
+              </a:defRPr>
+            </a:lvl2pPr>
+            <a:lvl3pPr marL="914400" algn="l" defTabSz="914400" rtl="0" eaLnBrk="1" latinLnBrk="0" hangingPunct="1">
+              <a:defRPr sz="1800" kern="1200">
+                <a:solidFill>
+                  <a:schemeClr val="lt1"/>
+                </a:solidFill>
+                <a:latin typeface="+mn-lt"/>
+                <a:ea typeface="+mn-ea"/>
+                <a:cs typeface="+mn-cs"/>
+              </a:defRPr>
+            </a:lvl3pPr>
+            <a:lvl4pPr marL="1371600" algn="l" defTabSz="914400" rtl="0" eaLnBrk="1" latinLnBrk="0" hangingPunct="1">
+              <a:defRPr sz="1800" kern="1200">
+                <a:solidFill>
+                  <a:schemeClr val="lt1"/>
+                </a:solidFill>
+                <a:latin typeface="+mn-lt"/>
+                <a:ea typeface="+mn-ea"/>
+                <a:cs typeface="+mn-cs"/>
+              </a:defRPr>
+            </a:lvl4pPr>
+            <a:lvl5pPr marL="1828800" algn="l" defTabSz="914400" rtl="0" eaLnBrk="1" latinLnBrk="0" hangingPunct="1">
+              <a:defRPr sz="1800" kern="1200">
+                <a:solidFill>
+                  <a:schemeClr val="lt1"/>
+                </a:solidFill>
+                <a:latin typeface="+mn-lt"/>
+                <a:ea typeface="+mn-ea"/>
+                <a:cs typeface="+mn-cs"/>
+              </a:defRPr>
+            </a:lvl5pPr>
+            <a:lvl6pPr marL="2286000" algn="l" defTabSz="914400" rtl="0" eaLnBrk="1" latinLnBrk="0" hangingPunct="1">
+              <a:defRPr sz="1800" kern="1200">
+                <a:solidFill>
+                  <a:schemeClr val="lt1"/>
+                </a:solidFill>
+                <a:latin typeface="+mn-lt"/>
+                <a:ea typeface="+mn-ea"/>
+                <a:cs typeface="+mn-cs"/>
+              </a:defRPr>
+            </a:lvl6pPr>
+            <a:lvl7pPr marL="2743200" algn="l" defTabSz="914400" rtl="0" eaLnBrk="1" latinLnBrk="0" hangingPunct="1">
+              <a:defRPr sz="1800" kern="1200">
+                <a:solidFill>
+                  <a:schemeClr val="lt1"/>
+                </a:solidFill>
+                <a:latin typeface="+mn-lt"/>
+                <a:ea typeface="+mn-ea"/>
+                <a:cs typeface="+mn-cs"/>
+              </a:defRPr>
+            </a:lvl7pPr>
+            <a:lvl8pPr marL="3200400" algn="l" defTabSz="914400" rtl="0" eaLnBrk="1" latinLnBrk="0" hangingPunct="1">
+              <a:defRPr sz="1800" kern="1200">
+                <a:solidFill>
+                  <a:schemeClr val="lt1"/>
+                </a:solidFill>
+                <a:latin typeface="+mn-lt"/>
+                <a:ea typeface="+mn-ea"/>
+                <a:cs typeface="+mn-cs"/>
+              </a:defRPr>
+            </a:lvl8pPr>
+            <a:lvl9pPr marL="3657600" algn="l" defTabSz="914400" rtl="0" eaLnBrk="1" latinLnBrk="0" hangingPunct="1">
+              <a:defRPr sz="1800" kern="1200">
+                <a:solidFill>
+                  <a:schemeClr val="lt1"/>
+                </a:solidFill>
+                <a:latin typeface="+mn-lt"/>
+                <a:ea typeface="+mn-ea"/>
+                <a:cs typeface="+mn-cs"/>
+              </a:defRPr>
+            </a:lvl9pPr>
+          </a:lstStyle>
+          <a:p>
+            <a:pPr algn="ctr"/>
+            <a:endParaRPr lang="pt-BR" altLang="en-US"/>
+          </a:p>
+        </p:txBody>
+      </p:sp>
+      <p:sp>
+        <p:nvSpPr>
+          <p:cNvPr id="13" name="Caixa de Texto 5">
+            <a:extLst>
+              <a:ext uri="{FF2B5EF4-FFF2-40B4-BE49-F238E27FC236}">
+                <a16:creationId xmlns:a16="http://schemas.microsoft.com/office/drawing/2014/main" id="{64C48525-9339-4714-950B-67AED3F3E8FB}"/>
+              </a:ext>
+            </a:extLst>
+          </p:cNvPr>
+          <p:cNvSpPr txBox="1"/>
+          <p:nvPr/>
+        </p:nvSpPr>
+        <p:spPr>
+          <a:xfrm>
+            <a:off x="1594821" y="3375660"/>
+            <a:ext cx="1196340" cy="368300"/>
+          </a:xfrm>
+          <a:prstGeom prst="rect">
+            <a:avLst/>
+          </a:prstGeom>
+          <a:noFill/>
+        </p:spPr>
+        <p:txBody>
+          <a:bodyPr wrap="square" lIns="91440" tIns="45720" rIns="91440" bIns="45720" rtlCol="0" anchor="t">
+            <a:spAutoFit/>
+          </a:bodyPr>
+          <a:lstStyle>
+            <a:defPPr>
+              <a:defRPr lang="de-DE"/>
+            </a:defPPr>
+            <a:lvl1pPr marL="0" algn="l" defTabSz="914400" rtl="0" eaLnBrk="1" latinLnBrk="0" hangingPunct="1">
+              <a:defRPr sz="1800" kern="1200">
+                <a:solidFill>
+                  <a:schemeClr val="tx1"/>
+                </a:solidFill>
+                <a:latin typeface="+mn-lt"/>
+                <a:ea typeface="+mn-ea"/>
+                <a:cs typeface="+mn-cs"/>
+              </a:defRPr>
+            </a:lvl1pPr>
+            <a:lvl2pPr marL="457200" algn="l" defTabSz="914400" rtl="0" eaLnBrk="1" latinLnBrk="0" hangingPunct="1">
+              <a:defRPr sz="1800" kern="1200">
+                <a:solidFill>
+                  <a:schemeClr val="tx1"/>
+                </a:solidFill>
+                <a:latin typeface="+mn-lt"/>
+                <a:ea typeface="+mn-ea"/>
+                <a:cs typeface="+mn-cs"/>
+              </a:defRPr>
+            </a:lvl2pPr>
+            <a:lvl3pPr marL="914400" algn="l" defTabSz="914400" rtl="0" eaLnBrk="1" latinLnBrk="0" hangingPunct="1">
+              <a:defRPr sz="1800" kern="1200">
+                <a:solidFill>
+                  <a:schemeClr val="tx1"/>
+                </a:solidFill>
+                <a:latin typeface="+mn-lt"/>
+                <a:ea typeface="+mn-ea"/>
+                <a:cs typeface="+mn-cs"/>
+              </a:defRPr>
+            </a:lvl3pPr>
+            <a:lvl4pPr marL="1371600" algn="l" defTabSz="914400" rtl="0" eaLnBrk="1" latinLnBrk="0" hangingPunct="1">
+              <a:defRPr sz="1800" kern="1200">
+                <a:solidFill>
+                  <a:schemeClr val="tx1"/>
+                </a:solidFill>
+                <a:latin typeface="+mn-lt"/>
+                <a:ea typeface="+mn-ea"/>
+                <a:cs typeface="+mn-cs"/>
+              </a:defRPr>
+            </a:lvl4pPr>
+            <a:lvl5pPr marL="1828800" algn="l" defTabSz="914400" rtl="0" eaLnBrk="1" latinLnBrk="0" hangingPunct="1">
+              <a:defRPr sz="1800" kern="1200">
+                <a:solidFill>
+                  <a:schemeClr val="tx1"/>
+                </a:solidFill>
+                <a:latin typeface="+mn-lt"/>
+                <a:ea typeface="+mn-ea"/>
+                <a:cs typeface="+mn-cs"/>
+              </a:defRPr>
+            </a:lvl5pPr>
+            <a:lvl6pPr marL="2286000" algn="l" defTabSz="914400" rtl="0" eaLnBrk="1" latinLnBrk="0" hangingPunct="1">
+              <a:defRPr sz="1800" kern="1200">
+                <a:solidFill>
+                  <a:schemeClr val="tx1"/>
+                </a:solidFill>
+                <a:latin typeface="+mn-lt"/>
+                <a:ea typeface="+mn-ea"/>
+                <a:cs typeface="+mn-cs"/>
+              </a:defRPr>
+            </a:lvl6pPr>
+            <a:lvl7pPr marL="2743200" algn="l" defTabSz="914400" rtl="0" eaLnBrk="1" latinLnBrk="0" hangingPunct="1">
+              <a:defRPr sz="1800" kern="1200">
+                <a:solidFill>
+                  <a:schemeClr val="tx1"/>
+                </a:solidFill>
+                <a:latin typeface="+mn-lt"/>
+                <a:ea typeface="+mn-ea"/>
+                <a:cs typeface="+mn-cs"/>
+              </a:defRPr>
+            </a:lvl7pPr>
+            <a:lvl8pPr marL="3200400" algn="l" defTabSz="914400" rtl="0" eaLnBrk="1" latinLnBrk="0" hangingPunct="1">
+              <a:defRPr sz="1800" kern="1200">
+                <a:solidFill>
+                  <a:schemeClr val="tx1"/>
+                </a:solidFill>
+                <a:latin typeface="+mn-lt"/>
+                <a:ea typeface="+mn-ea"/>
+                <a:cs typeface="+mn-cs"/>
+              </a:defRPr>
+            </a:lvl8pPr>
+            <a:lvl9pPr marL="3657600" algn="l" defTabSz="914400" rtl="0" eaLnBrk="1" latinLnBrk="0" hangingPunct="1">
+              <a:defRPr sz="1800" kern="1200">
+                <a:solidFill>
+                  <a:schemeClr val="tx1"/>
+                </a:solidFill>
+                <a:latin typeface="+mn-lt"/>
+                <a:ea typeface="+mn-ea"/>
+                <a:cs typeface="+mn-cs"/>
+              </a:defRPr>
+            </a:lvl9pPr>
+          </a:lstStyle>
+          <a:p>
+            <a:pPr algn="ctr"/>
+            <a:r>
+              <a:rPr lang="pt-BR" altLang="en-US">
+                <a:solidFill>
+                  <a:schemeClr val="bg1"/>
+                </a:solidFill>
+              </a:rPr>
+              <a:t>Cliente</a:t>
+            </a:r>
+            <a:endParaRPr lang="pt-BR">
+              <a:solidFill>
+                <a:schemeClr val="bg1"/>
+              </a:solidFill>
+              <a:cs typeface="Calibri"/>
+            </a:endParaRPr>
+          </a:p>
+        </p:txBody>
+      </p:sp>
+      <p:cxnSp>
+        <p:nvCxnSpPr>
+          <p:cNvPr id="14" name="Conector Reto 6">
+            <a:extLst>
+              <a:ext uri="{FF2B5EF4-FFF2-40B4-BE49-F238E27FC236}">
+                <a16:creationId xmlns:a16="http://schemas.microsoft.com/office/drawing/2014/main" id="{FE53D13A-9203-4CEC-8C61-08B89E1FC3E0}"/>
+              </a:ext>
+            </a:extLst>
+          </p:cNvPr>
+          <p:cNvCxnSpPr/>
+          <p:nvPr/>
+        </p:nvCxnSpPr>
+        <p:spPr>
+          <a:xfrm>
+            <a:off x="3130550" y="3555072"/>
+            <a:ext cx="4542967" cy="7237"/>
+          </a:xfrm>
+          <a:prstGeom prst="line">
+            <a:avLst/>
+          </a:prstGeom>
+        </p:spPr>
+        <p:style>
+          <a:lnRef idx="1">
+            <a:schemeClr val="accent1"/>
+          </a:lnRef>
+          <a:fillRef idx="0">
+            <a:schemeClr val="accent1"/>
+          </a:fillRef>
+          <a:effectRef idx="0">
+            <a:schemeClr val="accent1"/>
+          </a:effectRef>
+          <a:fontRef idx="minor">
+            <a:schemeClr val="tx1"/>
+          </a:fontRef>
+        </p:style>
+      </p:cxnSp>
+      <p:sp>
+        <p:nvSpPr>
+          <p:cNvPr id="15" name="Caixa de Texto 7">
+            <a:extLst>
+              <a:ext uri="{FF2B5EF4-FFF2-40B4-BE49-F238E27FC236}">
+                <a16:creationId xmlns:a16="http://schemas.microsoft.com/office/drawing/2014/main" id="{61158E0F-CF90-44C4-9D65-760EFE5C9849}"/>
+              </a:ext>
+            </a:extLst>
+          </p:cNvPr>
+          <p:cNvSpPr txBox="1"/>
+          <p:nvPr/>
+        </p:nvSpPr>
+        <p:spPr>
+          <a:xfrm>
+            <a:off x="7230373" y="2255677"/>
+            <a:ext cx="3420745" cy="368300"/>
+          </a:xfrm>
+          <a:prstGeom prst="rect">
+            <a:avLst/>
+          </a:prstGeom>
+          <a:noFill/>
+        </p:spPr>
+        <p:txBody>
+          <a:bodyPr wrap="square" lIns="91440" tIns="45720" rIns="91440" bIns="45720" rtlCol="0" anchor="t">
+            <a:spAutoFit/>
+          </a:bodyPr>
+          <a:lstStyle>
+            <a:defPPr>
+              <a:defRPr lang="de-DE"/>
+            </a:defPPr>
+            <a:lvl1pPr marL="0" algn="l" defTabSz="914400" rtl="0" eaLnBrk="1" latinLnBrk="0" hangingPunct="1">
+              <a:defRPr sz="1800" kern="1200">
+                <a:solidFill>
+                  <a:schemeClr val="tx1"/>
+                </a:solidFill>
+                <a:latin typeface="+mn-lt"/>
+                <a:ea typeface="+mn-ea"/>
+                <a:cs typeface="+mn-cs"/>
+              </a:defRPr>
+            </a:lvl1pPr>
+            <a:lvl2pPr marL="457200" algn="l" defTabSz="914400" rtl="0" eaLnBrk="1" latinLnBrk="0" hangingPunct="1">
+              <a:defRPr sz="1800" kern="1200">
+                <a:solidFill>
+                  <a:schemeClr val="tx1"/>
+                </a:solidFill>
+                <a:latin typeface="+mn-lt"/>
+                <a:ea typeface="+mn-ea"/>
+                <a:cs typeface="+mn-cs"/>
+              </a:defRPr>
+            </a:lvl2pPr>
+            <a:lvl3pPr marL="914400" algn="l" defTabSz="914400" rtl="0" eaLnBrk="1" latinLnBrk="0" hangingPunct="1">
+              <a:defRPr sz="1800" kern="1200">
+                <a:solidFill>
+                  <a:schemeClr val="tx1"/>
+                </a:solidFill>
+                <a:latin typeface="+mn-lt"/>
+                <a:ea typeface="+mn-ea"/>
+                <a:cs typeface="+mn-cs"/>
+              </a:defRPr>
+            </a:lvl3pPr>
+            <a:lvl4pPr marL="1371600" algn="l" defTabSz="914400" rtl="0" eaLnBrk="1" latinLnBrk="0" hangingPunct="1">
+              <a:defRPr sz="1800" kern="1200">
+                <a:solidFill>
+                  <a:schemeClr val="tx1"/>
+                </a:solidFill>
+                <a:latin typeface="+mn-lt"/>
+                <a:ea typeface="+mn-ea"/>
+                <a:cs typeface="+mn-cs"/>
+              </a:defRPr>
+            </a:lvl4pPr>
+            <a:lvl5pPr marL="1828800" algn="l" defTabSz="914400" rtl="0" eaLnBrk="1" latinLnBrk="0" hangingPunct="1">
+              <a:defRPr sz="1800" kern="1200">
+                <a:solidFill>
+                  <a:schemeClr val="tx1"/>
+                </a:solidFill>
+                <a:latin typeface="+mn-lt"/>
+                <a:ea typeface="+mn-ea"/>
+                <a:cs typeface="+mn-cs"/>
+              </a:defRPr>
+            </a:lvl5pPr>
+            <a:lvl6pPr marL="2286000" algn="l" defTabSz="914400" rtl="0" eaLnBrk="1" latinLnBrk="0" hangingPunct="1">
+              <a:defRPr sz="1800" kern="1200">
+                <a:solidFill>
+                  <a:schemeClr val="tx1"/>
+                </a:solidFill>
+                <a:latin typeface="+mn-lt"/>
+                <a:ea typeface="+mn-ea"/>
+                <a:cs typeface="+mn-cs"/>
+              </a:defRPr>
+            </a:lvl6pPr>
+            <a:lvl7pPr marL="2743200" algn="l" defTabSz="914400" rtl="0" eaLnBrk="1" latinLnBrk="0" hangingPunct="1">
+              <a:defRPr sz="1800" kern="1200">
+                <a:solidFill>
+                  <a:schemeClr val="tx1"/>
+                </a:solidFill>
+                <a:latin typeface="+mn-lt"/>
+                <a:ea typeface="+mn-ea"/>
+                <a:cs typeface="+mn-cs"/>
+              </a:defRPr>
+            </a:lvl7pPr>
+            <a:lvl8pPr marL="3200400" algn="l" defTabSz="914400" rtl="0" eaLnBrk="1" latinLnBrk="0" hangingPunct="1">
+              <a:defRPr sz="1800" kern="1200">
+                <a:solidFill>
+                  <a:schemeClr val="tx1"/>
+                </a:solidFill>
+                <a:latin typeface="+mn-lt"/>
+                <a:ea typeface="+mn-ea"/>
+                <a:cs typeface="+mn-cs"/>
+              </a:defRPr>
+            </a:lvl8pPr>
+            <a:lvl9pPr marL="3657600" algn="l" defTabSz="914400" rtl="0" eaLnBrk="1" latinLnBrk="0" hangingPunct="1">
+              <a:defRPr sz="1800" kern="1200">
+                <a:solidFill>
+                  <a:schemeClr val="tx1"/>
+                </a:solidFill>
+                <a:latin typeface="+mn-lt"/>
+                <a:ea typeface="+mn-ea"/>
+                <a:cs typeface="+mn-cs"/>
+              </a:defRPr>
+            </a:lvl9pPr>
+          </a:lstStyle>
+          <a:p>
+            <a:pPr algn="ctr"/>
+            <a:r>
+              <a:rPr lang="pt-BR" altLang="en-US"/>
+              <a:t>Confecção Face a Face</a:t>
+            </a:r>
+            <a:endParaRPr lang="pt-BR" altLang="en-US">
+              <a:cs typeface="Calibri"/>
+            </a:endParaRPr>
+          </a:p>
+        </p:txBody>
+      </p:sp>
+      <p:sp>
+        <p:nvSpPr>
+          <p:cNvPr id="16" name="Cubo 15">
+            <a:extLst>
+              <a:ext uri="{FF2B5EF4-FFF2-40B4-BE49-F238E27FC236}">
+                <a16:creationId xmlns:a16="http://schemas.microsoft.com/office/drawing/2014/main" id="{4F545214-6AD1-4819-B1E0-A114B5EE9553}"/>
+              </a:ext>
+            </a:extLst>
+          </p:cNvPr>
+          <p:cNvSpPr/>
+          <p:nvPr/>
+        </p:nvSpPr>
+        <p:spPr>
+          <a:xfrm>
+            <a:off x="7665406" y="2943476"/>
+            <a:ext cx="2646680" cy="969645"/>
+          </a:xfrm>
+          <a:prstGeom prst="cube">
+            <a:avLst/>
+          </a:prstGeom>
+          <a:solidFill>
+            <a:schemeClr val="accent4"/>
+          </a:solidFill>
+        </p:spPr>
+        <p:style>
+          <a:lnRef idx="2">
+            <a:schemeClr val="accent1">
+              <a:shade val="50000"/>
+            </a:schemeClr>
+          </a:lnRef>
+          <a:fillRef idx="1">
+            <a:schemeClr val="accent1"/>
+          </a:fillRef>
+          <a:effectRef idx="0">
+            <a:schemeClr val="accent1"/>
+          </a:effectRef>
+          <a:fontRef idx="minor">
+            <a:schemeClr val="lt1"/>
+          </a:fontRef>
+        </p:style>
+        <p:txBody>
+          <a:bodyPr lIns="91440" tIns="45720" rIns="91440" bIns="45720" rtlCol="0" anchor="ctr"/>
+          <a:lstStyle>
+            <a:defPPr>
+              <a:defRPr lang="de-DE"/>
+            </a:defPPr>
+            <a:lvl1pPr marL="0" algn="l" defTabSz="914400" rtl="0" eaLnBrk="1" latinLnBrk="0" hangingPunct="1">
+              <a:defRPr sz="1800" kern="1200">
+                <a:solidFill>
+                  <a:schemeClr val="lt1"/>
+                </a:solidFill>
+                <a:latin typeface="+mn-lt"/>
+                <a:ea typeface="+mn-ea"/>
+                <a:cs typeface="+mn-cs"/>
+              </a:defRPr>
+            </a:lvl1pPr>
+            <a:lvl2pPr marL="457200" algn="l" defTabSz="914400" rtl="0" eaLnBrk="1" latinLnBrk="0" hangingPunct="1">
+              <a:defRPr sz="1800" kern="1200">
+                <a:solidFill>
+                  <a:schemeClr val="lt1"/>
+                </a:solidFill>
+                <a:latin typeface="+mn-lt"/>
+                <a:ea typeface="+mn-ea"/>
+                <a:cs typeface="+mn-cs"/>
+              </a:defRPr>
+            </a:lvl2pPr>
+            <a:lvl3pPr marL="914400" algn="l" defTabSz="914400" rtl="0" eaLnBrk="1" latinLnBrk="0" hangingPunct="1">
+              <a:defRPr sz="1800" kern="1200">
+                <a:solidFill>
+                  <a:schemeClr val="lt1"/>
+                </a:solidFill>
+                <a:latin typeface="+mn-lt"/>
+                <a:ea typeface="+mn-ea"/>
+                <a:cs typeface="+mn-cs"/>
+              </a:defRPr>
+            </a:lvl3pPr>
+            <a:lvl4pPr marL="1371600" algn="l" defTabSz="914400" rtl="0" eaLnBrk="1" latinLnBrk="0" hangingPunct="1">
+              <a:defRPr sz="1800" kern="1200">
+                <a:solidFill>
+                  <a:schemeClr val="lt1"/>
+                </a:solidFill>
+                <a:latin typeface="+mn-lt"/>
+                <a:ea typeface="+mn-ea"/>
+                <a:cs typeface="+mn-cs"/>
+              </a:defRPr>
+            </a:lvl4pPr>
+            <a:lvl5pPr marL="1828800" algn="l" defTabSz="914400" rtl="0" eaLnBrk="1" latinLnBrk="0" hangingPunct="1">
+              <a:defRPr sz="1800" kern="1200">
+                <a:solidFill>
+                  <a:schemeClr val="lt1"/>
+                </a:solidFill>
+                <a:latin typeface="+mn-lt"/>
+                <a:ea typeface="+mn-ea"/>
+                <a:cs typeface="+mn-cs"/>
+              </a:defRPr>
+            </a:lvl5pPr>
+            <a:lvl6pPr marL="2286000" algn="l" defTabSz="914400" rtl="0" eaLnBrk="1" latinLnBrk="0" hangingPunct="1">
+              <a:defRPr sz="1800" kern="1200">
+                <a:solidFill>
+                  <a:schemeClr val="lt1"/>
+                </a:solidFill>
+                <a:latin typeface="+mn-lt"/>
+                <a:ea typeface="+mn-ea"/>
+                <a:cs typeface="+mn-cs"/>
+              </a:defRPr>
+            </a:lvl6pPr>
+            <a:lvl7pPr marL="2743200" algn="l" defTabSz="914400" rtl="0" eaLnBrk="1" latinLnBrk="0" hangingPunct="1">
+              <a:defRPr sz="1800" kern="1200">
+                <a:solidFill>
+                  <a:schemeClr val="lt1"/>
+                </a:solidFill>
+                <a:latin typeface="+mn-lt"/>
+                <a:ea typeface="+mn-ea"/>
+                <a:cs typeface="+mn-cs"/>
+              </a:defRPr>
+            </a:lvl7pPr>
+            <a:lvl8pPr marL="3200400" algn="l" defTabSz="914400" rtl="0" eaLnBrk="1" latinLnBrk="0" hangingPunct="1">
+              <a:defRPr sz="1800" kern="1200">
+                <a:solidFill>
+                  <a:schemeClr val="lt1"/>
+                </a:solidFill>
+                <a:latin typeface="+mn-lt"/>
+                <a:ea typeface="+mn-ea"/>
+                <a:cs typeface="+mn-cs"/>
+              </a:defRPr>
+            </a:lvl8pPr>
+            <a:lvl9pPr marL="3657600" algn="l" defTabSz="914400" rtl="0" eaLnBrk="1" latinLnBrk="0" hangingPunct="1">
+              <a:defRPr sz="1800" kern="1200">
+                <a:solidFill>
+                  <a:schemeClr val="lt1"/>
+                </a:solidFill>
+                <a:latin typeface="+mn-lt"/>
+                <a:ea typeface="+mn-ea"/>
+                <a:cs typeface="+mn-cs"/>
+              </a:defRPr>
+            </a:lvl9pPr>
+          </a:lstStyle>
+          <a:p>
+            <a:pPr algn="ctr"/>
+            <a:endParaRPr lang="pt-BR" altLang="en-US" sz="1400">
+              <a:solidFill>
+                <a:schemeClr val="tx1"/>
+              </a:solidFill>
+              <a:cs typeface="Calibri"/>
+            </a:endParaRPr>
+          </a:p>
+          <a:p>
+            <a:pPr algn="ctr"/>
+            <a:r>
+              <a:rPr lang="pt-BR" altLang="en-US" sz="1400">
+                <a:solidFill>
+                  <a:schemeClr val="tx1"/>
+                </a:solidFill>
+                <a:cs typeface="Calibri"/>
+              </a:rPr>
+              <a:t>Gerência</a:t>
+            </a:r>
+            <a:endParaRPr lang="pt-BR" sz="1400" b="1">
+              <a:solidFill>
+                <a:schemeClr val="tx1"/>
+              </a:solidFill>
+              <a:cs typeface="Calibri"/>
+            </a:endParaRPr>
+          </a:p>
+          <a:p>
+            <a:pPr algn="ctr"/>
+            <a:r>
+              <a:rPr lang="pt-BR" altLang="en-US" sz="1400" b="1">
+                <a:solidFill>
+                  <a:schemeClr val="tx1"/>
+                </a:solidFill>
+                <a:cs typeface="Calibri"/>
+              </a:rPr>
+              <a:t>(Nó operacional)</a:t>
+            </a:r>
+            <a:br>
+              <a:rPr lang="pt-BR" altLang="en-US" sz="1400" b="1">
+                <a:cs typeface="Calibri"/>
+              </a:rPr>
+            </a:br>
+            <a:endParaRPr lang="pt-BR" sz="1400" b="1">
+              <a:solidFill>
+                <a:schemeClr val="tx1"/>
+              </a:solidFill>
+              <a:cs typeface="Calibri"/>
+            </a:endParaRPr>
+          </a:p>
+        </p:txBody>
+      </p:sp>
+      <p:sp>
+        <p:nvSpPr>
+          <p:cNvPr id="17" name="Fluxograma: Processo Alternativo 16">
+            <a:extLst>
+              <a:ext uri="{FF2B5EF4-FFF2-40B4-BE49-F238E27FC236}">
+                <a16:creationId xmlns:a16="http://schemas.microsoft.com/office/drawing/2014/main" id="{BBB830BC-EAAA-4709-A6A5-989783DA280C}"/>
+              </a:ext>
+            </a:extLst>
+          </p:cNvPr>
+          <p:cNvSpPr/>
+          <p:nvPr/>
+        </p:nvSpPr>
+        <p:spPr>
+          <a:xfrm>
+            <a:off x="7829705" y="4474298"/>
+            <a:ext cx="2230755" cy="789940"/>
+          </a:xfrm>
+          <a:prstGeom prst="flowChartAlternateProcess">
+            <a:avLst/>
+          </a:prstGeom>
+          <a:gradFill>
+            <a:gsLst>
+              <a:gs pos="0">
+                <a:srgbClr val="14CD68"/>
+              </a:gs>
+              <a:gs pos="100000">
+                <a:srgbClr val="0B6E38"/>
+              </a:gs>
+            </a:gsLst>
+            <a:lin ang="5400000" scaled="0"/>
+          </a:gradFill>
+        </p:spPr>
+        <p:style>
+          <a:lnRef idx="2">
+            <a:schemeClr val="accent1">
+              <a:shade val="50000"/>
+            </a:schemeClr>
+          </a:lnRef>
+          <a:fillRef idx="1">
+            <a:schemeClr val="accent1"/>
+          </a:fillRef>
+          <a:effectRef idx="0">
+            <a:schemeClr val="accent1"/>
+          </a:effectRef>
+          <a:fontRef idx="minor">
+            <a:schemeClr val="lt1"/>
+          </a:fontRef>
+        </p:style>
+        <p:txBody>
+          <a:bodyPr lIns="91440" tIns="45720" rIns="91440" bIns="45720" rtlCol="0" anchor="ctr"/>
+          <a:lstStyle>
+            <a:defPPr>
+              <a:defRPr lang="de-DE"/>
+            </a:defPPr>
+            <a:lvl1pPr marL="0" algn="l" defTabSz="914400" rtl="0" eaLnBrk="1" latinLnBrk="0" hangingPunct="1">
+              <a:defRPr sz="1800" kern="1200">
+                <a:solidFill>
+                  <a:schemeClr val="lt1"/>
+                </a:solidFill>
+                <a:latin typeface="+mn-lt"/>
+                <a:ea typeface="+mn-ea"/>
+                <a:cs typeface="+mn-cs"/>
+              </a:defRPr>
+            </a:lvl1pPr>
+            <a:lvl2pPr marL="457200" algn="l" defTabSz="914400" rtl="0" eaLnBrk="1" latinLnBrk="0" hangingPunct="1">
+              <a:defRPr sz="1800" kern="1200">
+                <a:solidFill>
+                  <a:schemeClr val="lt1"/>
+                </a:solidFill>
+                <a:latin typeface="+mn-lt"/>
+                <a:ea typeface="+mn-ea"/>
+                <a:cs typeface="+mn-cs"/>
+              </a:defRPr>
+            </a:lvl2pPr>
+            <a:lvl3pPr marL="914400" algn="l" defTabSz="914400" rtl="0" eaLnBrk="1" latinLnBrk="0" hangingPunct="1">
+              <a:defRPr sz="1800" kern="1200">
+                <a:solidFill>
+                  <a:schemeClr val="lt1"/>
+                </a:solidFill>
+                <a:latin typeface="+mn-lt"/>
+                <a:ea typeface="+mn-ea"/>
+                <a:cs typeface="+mn-cs"/>
+              </a:defRPr>
+            </a:lvl3pPr>
+            <a:lvl4pPr marL="1371600" algn="l" defTabSz="914400" rtl="0" eaLnBrk="1" latinLnBrk="0" hangingPunct="1">
+              <a:defRPr sz="1800" kern="1200">
+                <a:solidFill>
+                  <a:schemeClr val="lt1"/>
+                </a:solidFill>
+                <a:latin typeface="+mn-lt"/>
+                <a:ea typeface="+mn-ea"/>
+                <a:cs typeface="+mn-cs"/>
+              </a:defRPr>
+            </a:lvl4pPr>
+            <a:lvl5pPr marL="1828800" algn="l" defTabSz="914400" rtl="0" eaLnBrk="1" latinLnBrk="0" hangingPunct="1">
+              <a:defRPr sz="1800" kern="1200">
+                <a:solidFill>
+                  <a:schemeClr val="lt1"/>
+                </a:solidFill>
+                <a:latin typeface="+mn-lt"/>
+                <a:ea typeface="+mn-ea"/>
+                <a:cs typeface="+mn-cs"/>
+              </a:defRPr>
+            </a:lvl5pPr>
+            <a:lvl6pPr marL="2286000" algn="l" defTabSz="914400" rtl="0" eaLnBrk="1" latinLnBrk="0" hangingPunct="1">
+              <a:defRPr sz="1800" kern="1200">
+                <a:solidFill>
+                  <a:schemeClr val="lt1"/>
+                </a:solidFill>
+                <a:latin typeface="+mn-lt"/>
+                <a:ea typeface="+mn-ea"/>
+                <a:cs typeface="+mn-cs"/>
+              </a:defRPr>
+            </a:lvl6pPr>
+            <a:lvl7pPr marL="2743200" algn="l" defTabSz="914400" rtl="0" eaLnBrk="1" latinLnBrk="0" hangingPunct="1">
+              <a:defRPr sz="1800" kern="1200">
+                <a:solidFill>
+                  <a:schemeClr val="lt1"/>
+                </a:solidFill>
+                <a:latin typeface="+mn-lt"/>
+                <a:ea typeface="+mn-ea"/>
+                <a:cs typeface="+mn-cs"/>
+              </a:defRPr>
+            </a:lvl7pPr>
+            <a:lvl8pPr marL="3200400" algn="l" defTabSz="914400" rtl="0" eaLnBrk="1" latinLnBrk="0" hangingPunct="1">
+              <a:defRPr sz="1800" kern="1200">
+                <a:solidFill>
+                  <a:schemeClr val="lt1"/>
+                </a:solidFill>
+                <a:latin typeface="+mn-lt"/>
+                <a:ea typeface="+mn-ea"/>
+                <a:cs typeface="+mn-cs"/>
+              </a:defRPr>
+            </a:lvl8pPr>
+            <a:lvl9pPr marL="3657600" algn="l" defTabSz="914400" rtl="0" eaLnBrk="1" latinLnBrk="0" hangingPunct="1">
+              <a:defRPr sz="1800" kern="1200">
+                <a:solidFill>
+                  <a:schemeClr val="lt1"/>
+                </a:solidFill>
+                <a:latin typeface="+mn-lt"/>
+                <a:ea typeface="+mn-ea"/>
+                <a:cs typeface="+mn-cs"/>
+              </a:defRPr>
+            </a:lvl9pPr>
+          </a:lstStyle>
+          <a:p>
+            <a:pPr algn="ctr"/>
+            <a:r>
+              <a:rPr lang="pt-BR" sz="1400" b="1" dirty="0">
+                <a:solidFill>
+                  <a:schemeClr val="tx1"/>
+                </a:solidFill>
+                <a:cs typeface="Calibri"/>
+              </a:rPr>
+              <a:t>Entregar o pedido ao cliente</a:t>
+            </a:r>
+          </a:p>
+        </p:txBody>
+      </p:sp>
+      <p:cxnSp>
+        <p:nvCxnSpPr>
+          <p:cNvPr id="19" name="Conector Reto 12">
+            <a:extLst>
+              <a:ext uri="{FF2B5EF4-FFF2-40B4-BE49-F238E27FC236}">
+                <a16:creationId xmlns:a16="http://schemas.microsoft.com/office/drawing/2014/main" id="{2D7D1114-83F9-43F9-8D6E-E13912126507}"/>
+              </a:ext>
+            </a:extLst>
+          </p:cNvPr>
+          <p:cNvCxnSpPr>
+            <a:cxnSpLocks/>
+          </p:cNvCxnSpPr>
+          <p:nvPr/>
+        </p:nvCxnSpPr>
+        <p:spPr>
+          <a:xfrm>
+            <a:off x="8987854" y="3913120"/>
+            <a:ext cx="7597" cy="556475"/>
+          </a:xfrm>
+          <a:prstGeom prst="line">
+            <a:avLst/>
+          </a:prstGeom>
+        </p:spPr>
+        <p:style>
+          <a:lnRef idx="1">
+            <a:schemeClr val="accent1"/>
+          </a:lnRef>
+          <a:fillRef idx="0">
+            <a:schemeClr val="accent1"/>
+          </a:fillRef>
+          <a:effectRef idx="0">
+            <a:schemeClr val="accent1"/>
+          </a:effectRef>
+          <a:fontRef idx="minor">
+            <a:schemeClr val="tx1"/>
+          </a:fontRef>
+        </p:style>
+      </p:cxnSp>
+      <p:sp>
+        <p:nvSpPr>
+          <p:cNvPr id="8" name="Retângulo 7">
+            <a:extLst>
+              <a:ext uri="{FF2B5EF4-FFF2-40B4-BE49-F238E27FC236}">
+                <a16:creationId xmlns:a16="http://schemas.microsoft.com/office/drawing/2014/main" id="{284FA0F0-CF2B-454E-9226-B461DD1EE0FF}"/>
+              </a:ext>
+            </a:extLst>
+          </p:cNvPr>
+          <p:cNvSpPr/>
+          <p:nvPr/>
+        </p:nvSpPr>
+        <p:spPr>
+          <a:xfrm>
+            <a:off x="7078893" y="1975471"/>
+            <a:ext cx="3859264" cy="3808420"/>
+          </a:xfrm>
+          <a:prstGeom prst="rect">
+            <a:avLst/>
+          </a:prstGeom>
+          <a:noFill/>
+        </p:spPr>
+        <p:style>
+          <a:lnRef idx="2">
+            <a:schemeClr val="accent1">
+              <a:shade val="50000"/>
+            </a:schemeClr>
+          </a:lnRef>
+          <a:fillRef idx="1">
+            <a:schemeClr val="accent1"/>
+          </a:fillRef>
+          <a:effectRef idx="0">
+            <a:schemeClr val="accent1"/>
+          </a:effectRef>
+          <a:fontRef idx="minor">
+            <a:schemeClr val="lt1"/>
+          </a:fontRef>
+        </p:style>
+        <p:txBody>
+          <a:bodyPr rtlCol="0" anchor="ctr"/>
+          <a:lstStyle/>
+          <a:p>
+            <a:pPr algn="ctr"/>
+            <a:endParaRPr lang="pt-BR"/>
+          </a:p>
+        </p:txBody>
+      </p:sp>
+      <p:sp>
+        <p:nvSpPr>
+          <p:cNvPr id="22" name="Título 1">
+            <a:extLst>
+              <a:ext uri="{FF2B5EF4-FFF2-40B4-BE49-F238E27FC236}">
+                <a16:creationId xmlns:a16="http://schemas.microsoft.com/office/drawing/2014/main" id="{9E5B00D7-AC59-4F87-9506-09946934551F}"/>
+              </a:ext>
+            </a:extLst>
+          </p:cNvPr>
+          <p:cNvSpPr txBox="1">
+            <a:spLocks/>
+          </p:cNvSpPr>
+          <p:nvPr/>
+        </p:nvSpPr>
+        <p:spPr>
+          <a:xfrm>
+            <a:off x="496584" y="394611"/>
+            <a:ext cx="8210763" cy="752297"/>
+          </a:xfrm>
+          <a:prstGeom prst="rect">
+            <a:avLst/>
+          </a:prstGeom>
+        </p:spPr>
+        <p:txBody>
+          <a:bodyPr vert="horz" lIns="91440" tIns="45720" rIns="91440" bIns="45720" rtlCol="0" anchor="ctr">
+            <a:normAutofit/>
+          </a:bodyPr>
+          <a:lstStyle>
+            <a:lvl1pPr algn="l" defTabSz="914400" rtl="0" eaLnBrk="1" latinLnBrk="0" hangingPunct="1">
+              <a:lnSpc>
+                <a:spcPct val="90000"/>
+              </a:lnSpc>
+              <a:spcBef>
+                <a:spcPct val="0"/>
+              </a:spcBef>
+              <a:buNone/>
+              <a:defRPr sz="4400" kern="1200">
+                <a:solidFill>
+                  <a:schemeClr val="tx1"/>
+                </a:solidFill>
+                <a:latin typeface="+mj-lt"/>
+                <a:ea typeface="+mj-ea"/>
+                <a:cs typeface="+mj-cs"/>
+              </a:defRPr>
+            </a:lvl1pPr>
+          </a:lstStyle>
+          <a:p>
+            <a:r>
+              <a:rPr lang="pt-BR" sz="4000" dirty="0">
+                <a:cs typeface="Calibri Light"/>
+              </a:rPr>
+              <a:t>Cenário: </a:t>
+            </a:r>
+            <a:r>
+              <a:rPr lang="pt-BR" sz="4000" dirty="0">
+                <a:ea typeface="+mj-lt"/>
+                <a:cs typeface="+mj-lt"/>
+              </a:rPr>
+              <a:t>Entregar pedido</a:t>
+            </a:r>
+            <a:endParaRPr lang="pt-BR" sz="4000" dirty="0">
+              <a:cs typeface="Calibri Light"/>
+            </a:endParaRPr>
+          </a:p>
+        </p:txBody>
+      </p:sp>
+    </p:spTree>
+    <p:extLst>
+      <p:ext uri="{BB962C8B-B14F-4D97-AF65-F5344CB8AC3E}">
+        <p14:creationId xmlns:p14="http://schemas.microsoft.com/office/powerpoint/2010/main" val="2365645553"/>
+      </p:ext>
+    </p:extLst>
+  </p:cSld>
+  <p:clrMapOvr>
+    <a:masterClrMapping/>
+  </p:clrMapOvr>
+</p:sld>
+</file>
+
+<file path=ppt/slides/slide7.xml><?xml version="1.0" encoding="utf-8"?>
 <p:sld xmlns:a="http://schemas.openxmlformats.org/drawingml/2006/main" xmlns:r="http://schemas.openxmlformats.org/officeDocument/2006/relationships" xmlns:p="http://schemas.openxmlformats.org/presentationml/2006/main">
   <p:cSld>
     <p:spTree>
@@ -9160,14 +10568,11 @@
           </a:lstStyle>
           <a:p>
             <a:r>
-              <a:rPr lang="de-DE" sz="4000" err="1">
+              <a:rPr lang="pt-BR" sz="4000">
                 <a:cs typeface="Calibri Light"/>
               </a:rPr>
               <a:t>Resumo</a:t>
             </a:r>
-            <a:endParaRPr lang="de-DE" sz="4000">
-              <a:cs typeface="Calibri Light"/>
-            </a:endParaRPr>
           </a:p>
         </p:txBody>
       </p:sp>
@@ -9226,8 +10631,8 @@
         </p:nvSpPr>
         <p:spPr>
           <a:xfrm>
-            <a:off x="772891" y="2114722"/>
-            <a:ext cx="3544189" cy="1477328"/>
+            <a:off x="736606" y="1969579"/>
+            <a:ext cx="3544189" cy="923330"/>
           </a:xfrm>
           <a:prstGeom prst="rect">
             <a:avLst/>
@@ -9280,7 +10685,7 @@
                 <a:ea typeface="+mn-lt"/>
                 <a:cs typeface="+mn-lt"/>
               </a:rPr>
-              <a:t>Dar entrada no pedido com seus respectivos detalhes e exigências</a:t>
+              <a:t>Dar entrada no pedido</a:t>
             </a:r>
             <a:endParaRPr lang="pt-BR" b="1">
               <a:cs typeface="Calibri"/>
@@ -9303,7 +10708,7 @@
         <p:spPr>
           <a:xfrm>
             <a:off x="4751137" y="1560843"/>
-            <a:ext cx="2743200" cy="369332"/>
+            <a:ext cx="3423557" cy="646331"/>
           </a:xfrm>
           <a:prstGeom prst="rect">
             <a:avLst/>
@@ -9320,7 +10725,7 @@
           <a:lstStyle/>
           <a:p>
             <a:r>
-              <a:rPr lang="pt-BR" b="1">
+              <a:rPr lang="pt-BR" b="1" dirty="0">
                 <a:cs typeface="Calibri"/>
               </a:rPr>
               <a:t>Cenário: </a:t>
@@ -9330,7 +10735,7 @@
                 <a:ea typeface="+mn-lt"/>
                 <a:cs typeface="+mn-lt"/>
               </a:rPr>
-              <a:t>Cancelar pedido</a:t>
+              <a:t>Solicitar cancelamento do pedido</a:t>
             </a:r>
           </a:p>
         </p:txBody>
@@ -9349,8 +10754,8 @@
         </p:nvSpPr>
         <p:spPr>
           <a:xfrm>
-            <a:off x="4752807" y="2027090"/>
-            <a:ext cx="3141785" cy="1200329"/>
+            <a:off x="4752807" y="2208518"/>
+            <a:ext cx="3141785" cy="923330"/>
           </a:xfrm>
           <a:prstGeom prst="rect">
             <a:avLst/>
@@ -9377,7 +10782,7 @@
               <a:t>Nó operacional:</a:t>
             </a:r>
             <a:r>
-              <a:rPr lang="pt-BR" b="1">
+              <a:rPr lang="pt-BR" b="1" dirty="0">
                 <a:cs typeface="Calibri"/>
               </a:rPr>
               <a:t> </a:t>
@@ -9410,7 +10815,7 @@
                 <a:ea typeface="+mn-lt"/>
                 <a:cs typeface="+mn-lt"/>
               </a:rPr>
-              <a:t>Deferir a solicitação do cliente</a:t>
+              <a:t>Cancelar pedido</a:t>
             </a:r>
             <a:endParaRPr lang="pt-BR" b="1">
               <a:cs typeface="Calibri"/>
@@ -9432,8 +10837,8 @@
         </p:nvSpPr>
         <p:spPr>
           <a:xfrm>
-            <a:off x="774247" y="4069355"/>
-            <a:ext cx="2743200" cy="369332"/>
+            <a:off x="774247" y="4223569"/>
+            <a:ext cx="3822700" cy="369332"/>
           </a:xfrm>
           <a:prstGeom prst="rect">
             <a:avLst/>
@@ -9453,7 +10858,7 @@
               <a:rPr lang="pt-BR" b="1">
                 <a:cs typeface="Calibri"/>
               </a:rPr>
-              <a:t>Cenário: Alterar pedido</a:t>
+              <a:t>Cenário: Solicitar alteração do pedido</a:t>
             </a:r>
             <a:endParaRPr lang="pt-BR" b="1"/>
           </a:p>
@@ -9587,8 +10992,8 @@
         </p:nvSpPr>
         <p:spPr>
           <a:xfrm>
-            <a:off x="8305482" y="2081413"/>
-            <a:ext cx="3141785" cy="1200329"/>
+            <a:off x="8305482" y="1972556"/>
+            <a:ext cx="3141785" cy="1477328"/>
           </a:xfrm>
           <a:prstGeom prst="rect">
             <a:avLst/>
@@ -9642,7 +11047,7 @@
                 <a:ea typeface="+mn-lt"/>
                 <a:cs typeface="+mn-lt"/>
               </a:rPr>
-              <a:t>Verificar os insumos</a:t>
+              <a:t>Verificar se a matéria prima está correta</a:t>
             </a:r>
             <a:endParaRPr lang="pt-BR" b="1">
               <a:cs typeface="Calibri"/>
@@ -9654,6 +11059,120 @@
               <a:buChar char="•"/>
             </a:pPr>
             <a:endParaRPr lang="pt-BR">
+              <a:cs typeface="Calibri"/>
+            </a:endParaRPr>
+          </a:p>
+        </p:txBody>
+      </p:sp>
+      <p:sp>
+        <p:nvSpPr>
+          <p:cNvPr id="11" name="CaixaDeTexto 10">
+            <a:extLst>
+              <a:ext uri="{FF2B5EF4-FFF2-40B4-BE49-F238E27FC236}">
+                <a16:creationId xmlns:a16="http://schemas.microsoft.com/office/drawing/2014/main" id="{D4A07F23-BEBF-42FB-962E-D9F5EFE34F27}"/>
+              </a:ext>
+            </a:extLst>
+          </p:cNvPr>
+          <p:cNvSpPr txBox="1"/>
+          <p:nvPr/>
+        </p:nvSpPr>
+        <p:spPr>
+          <a:xfrm>
+            <a:off x="4755483" y="4223568"/>
+            <a:ext cx="3822700" cy="369332"/>
+          </a:xfrm>
+          <a:prstGeom prst="rect">
+            <a:avLst/>
+          </a:prstGeom>
+          <a:noFill/>
+        </p:spPr>
+        <p:txBody>
+          <a:bodyPr rot="0" spcFirstLastPara="0" vertOverflow="overflow" horzOverflow="overflow" vert="horz" wrap="square" lIns="91440" tIns="45720" rIns="91440" bIns="45720" numCol="1" spcCol="0" rtlCol="0" fromWordArt="0" anchor="t" anchorCtr="0" forceAA="0" compatLnSpc="1">
+            <a:prstTxWarp prst="textNoShape">
+              <a:avLst/>
+            </a:prstTxWarp>
+            <a:spAutoFit/>
+          </a:bodyPr>
+          <a:lstStyle/>
+          <a:p>
+            <a:r>
+              <a:rPr lang="pt-BR" b="1" dirty="0">
+                <a:cs typeface="Calibri"/>
+              </a:rPr>
+              <a:t>Cenário: Entregar pedido</a:t>
+            </a:r>
+            <a:endParaRPr lang="pt-BR" b="1" dirty="0"/>
+          </a:p>
+        </p:txBody>
+      </p:sp>
+      <p:sp>
+        <p:nvSpPr>
+          <p:cNvPr id="12" name="CaixaDeTexto 11">
+            <a:extLst>
+              <a:ext uri="{FF2B5EF4-FFF2-40B4-BE49-F238E27FC236}">
+                <a16:creationId xmlns:a16="http://schemas.microsoft.com/office/drawing/2014/main" id="{333F2CA3-F40F-4805-B67A-AEE29F5E5E65}"/>
+              </a:ext>
+            </a:extLst>
+          </p:cNvPr>
+          <p:cNvSpPr txBox="1"/>
+          <p:nvPr/>
+        </p:nvSpPr>
+        <p:spPr>
+          <a:xfrm>
+            <a:off x="4757154" y="4586972"/>
+            <a:ext cx="3544188" cy="1200329"/>
+          </a:xfrm>
+          <a:prstGeom prst="rect">
+            <a:avLst/>
+          </a:prstGeom>
+          <a:noFill/>
+        </p:spPr>
+        <p:txBody>
+          <a:bodyPr rot="0" spcFirstLastPara="0" vertOverflow="overflow" horzOverflow="overflow" vert="horz" wrap="square" lIns="91440" tIns="45720" rIns="91440" bIns="45720" numCol="1" spcCol="0" rtlCol="0" fromWordArt="0" anchor="t" anchorCtr="0" forceAA="0" compatLnSpc="1">
+            <a:prstTxWarp prst="textNoShape">
+              <a:avLst/>
+            </a:prstTxWarp>
+            <a:spAutoFit/>
+          </a:bodyPr>
+          <a:lstStyle/>
+          <a:p>
+            <a:pPr marL="285750" indent="-285750">
+              <a:buFont typeface="Arial"/>
+              <a:buChar char="•"/>
+            </a:pPr>
+            <a:r>
+              <a:rPr lang="pt-BR" dirty="0">
+                <a:cs typeface="Calibri"/>
+              </a:rPr>
+              <a:t>Nó operacional: </a:t>
+            </a:r>
+            <a:r>
+              <a:rPr lang="pt-BR" b="1" dirty="0">
+                <a:cs typeface="Calibri"/>
+              </a:rPr>
+              <a:t>Gerência</a:t>
+            </a:r>
+          </a:p>
+          <a:p>
+            <a:pPr marL="285750" indent="-285750">
+              <a:buFont typeface="Arial"/>
+              <a:buChar char="•"/>
+            </a:pPr>
+            <a:r>
+              <a:rPr lang="pt-BR" dirty="0">
+                <a:ea typeface="+mn-lt"/>
+                <a:cs typeface="+mn-lt"/>
+              </a:rPr>
+              <a:t>Capacidade da Gerência: </a:t>
+            </a:r>
+            <a:r>
+              <a:rPr lang="pt-BR" b="1" dirty="0">
+                <a:ea typeface="+mn-lt"/>
+                <a:cs typeface="+mn-lt"/>
+              </a:rPr>
+              <a:t>Entregar o pedido ao cliente</a:t>
+            </a:r>
+            <a:endParaRPr lang="pt-BR" b="1" dirty="0">
               <a:cs typeface="Calibri"/>
             </a:endParaRPr>
           </a:p>

--- a/15. Arquitetura de Negócio para cada Cenário.pptx
+++ b/15. Arquitetura de Negócio para cada Cenário.pptx
@@ -7,11 +7,10 @@
   <p:sldIdLst>
     <p:sldId id="256" r:id="rId2"/>
     <p:sldId id="257" r:id="rId3"/>
-    <p:sldId id="264" r:id="rId4"/>
-    <p:sldId id="265" r:id="rId5"/>
-    <p:sldId id="266" r:id="rId6"/>
-    <p:sldId id="267" r:id="rId7"/>
-    <p:sldId id="262" r:id="rId8"/>
+    <p:sldId id="265" r:id="rId4"/>
+    <p:sldId id="264" r:id="rId5"/>
+    <p:sldId id="267" r:id="rId6"/>
+    <p:sldId id="262" r:id="rId7"/>
   </p:sldIdLst>
   <p:sldSz cx="12192000" cy="6858000"/>
   <p:notesSz cx="6858000" cy="9144000"/>
@@ -126,10 +125,15 @@
     <p1510:client id="{2EBD092E-5EAE-4AAA-D50E-DCE4E9CC4B3D}" v="2" dt="2020-09-12T02:02:29.282"/>
     <p1510:client id="{44AA7650-2831-4A6F-B196-688068F2C706}" v="2" dt="2020-10-15T02:21:20.730"/>
     <p1510:client id="{45146AF4-85AF-45B1-E2F8-A7A718C40703}" v="15" dt="2020-09-04T22:30:57.392"/>
+    <p1510:client id="{6733DBC6-C54C-4D52-8EFA-FD23E1A1157E}" v="29" dt="2020-11-07T04:50:33.784"/>
+    <p1510:client id="{6B37E3EB-D390-4995-91F8-0780A14E55A2}" v="24" dt="2020-10-23T22:33:48.632"/>
     <p1510:client id="{8BF51DF6-BEB1-4A7D-BCCC-49E8B1280767}" v="1" dt="2020-09-04T22:32:40.105"/>
     <p1510:client id="{A268E425-5801-4D5B-8621-E68516E2249D}" v="78" dt="2020-10-09T23:26:57.217"/>
     <p1510:client id="{A81892BE-2326-41E5-8F7B-D340654D04EC}" v="10" dt="2020-10-10T00:13:38.416"/>
     <p1510:client id="{AC8CEBB1-F754-4A01-BCC4-E91647CEF8CE}" v="8" dt="2020-10-15T00:48:14.363"/>
+    <p1510:client id="{C33A69A8-47ED-4AA1-BC73-BE35988E60BE}" v="142" dt="2020-11-06T22:50:47.224"/>
+    <p1510:client id="{CF0DD07C-C4C6-4784-B786-FE6CC0550BC0}" v="27" dt="2020-10-24T02:02:21.037"/>
+    <p1510:client id="{E22FEB58-9DB0-44C6-9815-2631736CF5FE}" v="1" dt="2020-11-07T06:25:53.204"/>
     <p1510:client id="{E6226F4C-287E-4E34-09FC-231F29E21C88}" v="27" dt="2020-09-12T01:11:27.998"/>
     <p1510:client id="{EEE4DA54-555D-4863-8A7C-5E8638557F67}" v="139" dt="2020-10-22T02:35:56.791"/>
     <p1510:client id="{EF6FDD80-6693-4F5E-BD5D-5BA1F1039A23}" v="112" dt="2020-10-15T21:13:00.198"/>
@@ -436,6 +440,30 @@
     </pc:docChg>
   </pc:docChgLst>
   <pc:docChgLst>
+    <pc:chgData clId="Web-{E22FEB58-9DB0-44C6-9815-2631736CF5FE}"/>
+    <pc:docChg chg="modSld">
+      <pc:chgData name="" userId="" providerId="" clId="Web-{E22FEB58-9DB0-44C6-9815-2631736CF5FE}" dt="2020-11-07T06:25:53.204" v="0" actId="1076"/>
+      <pc:docMkLst>
+        <pc:docMk/>
+      </pc:docMkLst>
+      <pc:sldChg chg="modSp">
+        <pc:chgData name="" userId="" providerId="" clId="Web-{E22FEB58-9DB0-44C6-9815-2631736CF5FE}" dt="2020-11-07T06:25:53.204" v="0" actId="1076"/>
+        <pc:sldMkLst>
+          <pc:docMk/>
+          <pc:sldMk cId="2210866551" sldId="256"/>
+        </pc:sldMkLst>
+        <pc:spChg chg="mod">
+          <ac:chgData name="" userId="" providerId="" clId="Web-{E22FEB58-9DB0-44C6-9815-2631736CF5FE}" dt="2020-11-07T06:25:53.204" v="0" actId="1076"/>
+          <ac:spMkLst>
+            <pc:docMk/>
+            <pc:sldMk cId="2210866551" sldId="256"/>
+            <ac:spMk id="3" creationId="{8F7DA0CF-4ECD-4BCA-8361-549C88203DD8}"/>
+          </ac:spMkLst>
+        </pc:spChg>
+      </pc:sldChg>
+    </pc:docChg>
+  </pc:docChgLst>
+  <pc:docChgLst>
     <pc:chgData name="Edilene Marques" userId="ad8df458748d149b" providerId="Windows Live" clId="Web-{44AA7650-2831-4A6F-B196-688068F2C706}"/>
     <pc:docChg chg="modSld">
       <pc:chgData name="Edilene Marques" userId="ad8df458748d149b" providerId="Windows Live" clId="Web-{44AA7650-2831-4A6F-B196-688068F2C706}" dt="2020-10-15T02:21:20.730" v="1" actId="20577"/>
@@ -612,6 +640,231 @@
     </pc:docChg>
   </pc:docChgLst>
   <pc:docChgLst>
+    <pc:chgData name="Eduardo Marques" userId="b9dd18581288d1e4" providerId="Windows Live" clId="Web-{C33A69A8-47ED-4AA1-BC73-BE35988E60BE}"/>
+    <pc:docChg chg="delSld modSld sldOrd">
+      <pc:chgData name="Eduardo Marques" userId="b9dd18581288d1e4" providerId="Windows Live" clId="Web-{C33A69A8-47ED-4AA1-BC73-BE35988E60BE}" dt="2020-11-06T22:50:46.020" v="131" actId="20577"/>
+      <pc:docMkLst>
+        <pc:docMk/>
+      </pc:docMkLst>
+      <pc:sldChg chg="modSp">
+        <pc:chgData name="Eduardo Marques" userId="b9dd18581288d1e4" providerId="Windows Live" clId="Web-{C33A69A8-47ED-4AA1-BC73-BE35988E60BE}" dt="2020-11-06T22:44:03.103" v="28" actId="20577"/>
+        <pc:sldMkLst>
+          <pc:docMk/>
+          <pc:sldMk cId="2210866551" sldId="256"/>
+        </pc:sldMkLst>
+        <pc:spChg chg="mod">
+          <ac:chgData name="Eduardo Marques" userId="b9dd18581288d1e4" providerId="Windows Live" clId="Web-{C33A69A8-47ED-4AA1-BC73-BE35988E60BE}" dt="2020-11-06T22:44:03.103" v="28" actId="20577"/>
+          <ac:spMkLst>
+            <pc:docMk/>
+            <pc:sldMk cId="2210866551" sldId="256"/>
+            <ac:spMk id="3" creationId="{8F7DA0CF-4ECD-4BCA-8361-549C88203DD8}"/>
+          </ac:spMkLst>
+        </pc:spChg>
+      </pc:sldChg>
+      <pc:sldChg chg="modSp">
+        <pc:chgData name="Eduardo Marques" userId="b9dd18581288d1e4" providerId="Windows Live" clId="Web-{C33A69A8-47ED-4AA1-BC73-BE35988E60BE}" dt="2020-11-06T22:44:03.197" v="32" actId="20577"/>
+        <pc:sldMkLst>
+          <pc:docMk/>
+          <pc:sldMk cId="2719852471" sldId="257"/>
+        </pc:sldMkLst>
+        <pc:spChg chg="mod">
+          <ac:chgData name="Eduardo Marques" userId="b9dd18581288d1e4" providerId="Windows Live" clId="Web-{C33A69A8-47ED-4AA1-BC73-BE35988E60BE}" dt="2020-11-06T22:44:03.197" v="32" actId="20577"/>
+          <ac:spMkLst>
+            <pc:docMk/>
+            <pc:sldMk cId="2719852471" sldId="257"/>
+            <ac:spMk id="17" creationId="{BBB830BC-EAAA-4709-A6A5-989783DA280C}"/>
+          </ac:spMkLst>
+        </pc:spChg>
+        <pc:spChg chg="mod">
+          <ac:chgData name="Eduardo Marques" userId="b9dd18581288d1e4" providerId="Windows Live" clId="Web-{C33A69A8-47ED-4AA1-BC73-BE35988E60BE}" dt="2020-11-06T22:44:03.166" v="30" actId="20577"/>
+          <ac:spMkLst>
+            <pc:docMk/>
+            <pc:sldMk cId="2719852471" sldId="257"/>
+            <ac:spMk id="22" creationId="{9E5B00D7-AC59-4F87-9506-09946934551F}"/>
+          </ac:spMkLst>
+        </pc:spChg>
+      </pc:sldChg>
+      <pc:sldChg chg="delSp modSp">
+        <pc:chgData name="Eduardo Marques" userId="b9dd18581288d1e4" providerId="Windows Live" clId="Web-{C33A69A8-47ED-4AA1-BC73-BE35988E60BE}" dt="2020-11-06T22:50:42.755" v="128" actId="20577"/>
+        <pc:sldMkLst>
+          <pc:docMk/>
+          <pc:sldMk cId="3881249392" sldId="262"/>
+        </pc:sldMkLst>
+        <pc:spChg chg="mod">
+          <ac:chgData name="Eduardo Marques" userId="b9dd18581288d1e4" providerId="Windows Live" clId="Web-{C33A69A8-47ED-4AA1-BC73-BE35988E60BE}" dt="2020-11-06T22:47:49.594" v="50" actId="1076"/>
+          <ac:spMkLst>
+            <pc:docMk/>
+            <pc:sldMk cId="3881249392" sldId="262"/>
+            <ac:spMk id="11" creationId="{D4A07F23-BEBF-42FB-962E-D9F5EFE34F27}"/>
+          </ac:spMkLst>
+        </pc:spChg>
+        <pc:spChg chg="mod">
+          <ac:chgData name="Eduardo Marques" userId="b9dd18581288d1e4" providerId="Windows Live" clId="Web-{C33A69A8-47ED-4AA1-BC73-BE35988E60BE}" dt="2020-11-06T22:47:49.609" v="51" actId="1076"/>
+          <ac:spMkLst>
+            <pc:docMk/>
+            <pc:sldMk cId="3881249392" sldId="262"/>
+            <ac:spMk id="12" creationId="{333F2CA3-F40F-4805-B67A-AEE29F5E5E65}"/>
+          </ac:spMkLst>
+        </pc:spChg>
+        <pc:spChg chg="mod">
+          <ac:chgData name="Eduardo Marques" userId="b9dd18581288d1e4" providerId="Windows Live" clId="Web-{C33A69A8-47ED-4AA1-BC73-BE35988E60BE}" dt="2020-11-06T22:48:15.344" v="60" actId="14100"/>
+          <ac:spMkLst>
+            <pc:docMk/>
+            <pc:sldMk cId="3881249392" sldId="262"/>
+            <ac:spMk id="53" creationId="{C45F51C8-E961-44E5-A9C0-6EC3F13ED9D8}"/>
+          </ac:spMkLst>
+        </pc:spChg>
+        <pc:spChg chg="mod">
+          <ac:chgData name="Eduardo Marques" userId="b9dd18581288d1e4" providerId="Windows Live" clId="Web-{C33A69A8-47ED-4AA1-BC73-BE35988E60BE}" dt="2020-11-06T22:49:11.955" v="72" actId="20577"/>
+          <ac:spMkLst>
+            <pc:docMk/>
+            <pc:sldMk cId="3881249392" sldId="262"/>
+            <ac:spMk id="54" creationId="{760F58AB-1284-4D46-B1BB-257B523AE6B6}"/>
+          </ac:spMkLst>
+        </pc:spChg>
+        <pc:spChg chg="mod">
+          <ac:chgData name="Eduardo Marques" userId="b9dd18581288d1e4" providerId="Windows Live" clId="Web-{C33A69A8-47ED-4AA1-BC73-BE35988E60BE}" dt="2020-11-06T22:49:16.596" v="82" actId="20577"/>
+          <ac:spMkLst>
+            <pc:docMk/>
+            <pc:sldMk cId="3881249392" sldId="262"/>
+            <ac:spMk id="62" creationId="{22E8452E-BE88-4EE6-8B30-0B2E4B0E0A4B}"/>
+          </ac:spMkLst>
+        </pc:spChg>
+        <pc:spChg chg="mod">
+          <ac:chgData name="Eduardo Marques" userId="b9dd18581288d1e4" providerId="Windows Live" clId="Web-{C33A69A8-47ED-4AA1-BC73-BE35988E60BE}" dt="2020-11-06T22:49:55.019" v="87" actId="20577"/>
+          <ac:spMkLst>
+            <pc:docMk/>
+            <pc:sldMk cId="3881249392" sldId="262"/>
+            <ac:spMk id="63" creationId="{20AE1D48-2793-45F9-8DAA-A3EE77481A90}"/>
+          </ac:spMkLst>
+        </pc:spChg>
+        <pc:spChg chg="del">
+          <ac:chgData name="Eduardo Marques" userId="b9dd18581288d1e4" providerId="Windows Live" clId="Web-{C33A69A8-47ED-4AA1-BC73-BE35988E60BE}" dt="2020-11-06T22:47:33.640" v="47"/>
+          <ac:spMkLst>
+            <pc:docMk/>
+            <pc:sldMk cId="3881249392" sldId="262"/>
+            <ac:spMk id="65" creationId="{CF657267-D01E-4E47-85CB-B69783C869ED}"/>
+          </ac:spMkLst>
+        </pc:spChg>
+        <pc:spChg chg="del">
+          <ac:chgData name="Eduardo Marques" userId="b9dd18581288d1e4" providerId="Windows Live" clId="Web-{C33A69A8-47ED-4AA1-BC73-BE35988E60BE}" dt="2020-11-06T22:47:33.640" v="46"/>
+          <ac:spMkLst>
+            <pc:docMk/>
+            <pc:sldMk cId="3881249392" sldId="262"/>
+            <ac:spMk id="66" creationId="{2660D14B-6900-4585-ACE0-7BAE35460F7F}"/>
+          </ac:spMkLst>
+        </pc:spChg>
+        <pc:spChg chg="mod">
+          <ac:chgData name="Eduardo Marques" userId="b9dd18581288d1e4" providerId="Windows Live" clId="Web-{C33A69A8-47ED-4AA1-BC73-BE35988E60BE}" dt="2020-11-06T22:50:11.566" v="115" actId="20577"/>
+          <ac:spMkLst>
+            <pc:docMk/>
+            <pc:sldMk cId="3881249392" sldId="262"/>
+            <ac:spMk id="68" creationId="{86906FFA-3F00-46A8-84C0-57B0E53E8323}"/>
+          </ac:spMkLst>
+        </pc:spChg>
+        <pc:spChg chg="mod">
+          <ac:chgData name="Eduardo Marques" userId="b9dd18581288d1e4" providerId="Windows Live" clId="Web-{C33A69A8-47ED-4AA1-BC73-BE35988E60BE}" dt="2020-11-06T22:50:42.755" v="128" actId="20577"/>
+          <ac:spMkLst>
+            <pc:docMk/>
+            <pc:sldMk cId="3881249392" sldId="262"/>
+            <ac:spMk id="69" creationId="{F35B392B-582B-4CF9-ADE6-913F2DB25823}"/>
+          </ac:spMkLst>
+        </pc:spChg>
+      </pc:sldChg>
+      <pc:sldChg chg="modSp">
+        <pc:chgData name="Eduardo Marques" userId="b9dd18581288d1e4" providerId="Windows Live" clId="Web-{C33A69A8-47ED-4AA1-BC73-BE35988E60BE}" dt="2020-11-06T22:50:46.020" v="131" actId="20577"/>
+        <pc:sldMkLst>
+          <pc:docMk/>
+          <pc:sldMk cId="1261260675" sldId="264"/>
+        </pc:sldMkLst>
+        <pc:spChg chg="mod">
+          <ac:chgData name="Eduardo Marques" userId="b9dd18581288d1e4" providerId="Windows Live" clId="Web-{C33A69A8-47ED-4AA1-BC73-BE35988E60BE}" dt="2020-11-06T22:50:46.020" v="131" actId="20577"/>
+          <ac:spMkLst>
+            <pc:docMk/>
+            <pc:sldMk cId="1261260675" sldId="264"/>
+            <ac:spMk id="17" creationId="{BBB830BC-EAAA-4709-A6A5-989783DA280C}"/>
+          </ac:spMkLst>
+        </pc:spChg>
+      </pc:sldChg>
+      <pc:sldChg chg="modSp ord">
+        <pc:chgData name="Eduardo Marques" userId="b9dd18581288d1e4" providerId="Windows Live" clId="Web-{C33A69A8-47ED-4AA1-BC73-BE35988E60BE}" dt="2020-11-06T22:44:06.603" v="42" actId="20577"/>
+        <pc:sldMkLst>
+          <pc:docMk/>
+          <pc:sldMk cId="1403518651" sldId="265"/>
+        </pc:sldMkLst>
+        <pc:spChg chg="mod">
+          <ac:chgData name="Eduardo Marques" userId="b9dd18581288d1e4" providerId="Windows Live" clId="Web-{C33A69A8-47ED-4AA1-BC73-BE35988E60BE}" dt="2020-11-06T22:44:06.603" v="42" actId="20577"/>
+          <ac:spMkLst>
+            <pc:docMk/>
+            <pc:sldMk cId="1403518651" sldId="265"/>
+            <ac:spMk id="22" creationId="{9E5B00D7-AC59-4F87-9506-09946934551F}"/>
+          </ac:spMkLst>
+        </pc:spChg>
+      </pc:sldChg>
+      <pc:sldChg chg="del">
+        <pc:chgData name="Eduardo Marques" userId="b9dd18581288d1e4" providerId="Windows Live" clId="Web-{C33A69A8-47ED-4AA1-BC73-BE35988E60BE}" dt="2020-11-06T22:44:19.713" v="45"/>
+        <pc:sldMkLst>
+          <pc:docMk/>
+          <pc:sldMk cId="2450772793" sldId="266"/>
+        </pc:sldMkLst>
+      </pc:sldChg>
+    </pc:docChg>
+  </pc:docChgLst>
+  <pc:docChgLst>
+    <pc:chgData name="Eduardo Marques" userId="b9dd18581288d1e4" providerId="Windows Live" clId="Web-{6B37E3EB-D390-4995-91F8-0780A14E55A2}"/>
+    <pc:docChg chg="modSld">
+      <pc:chgData name="Eduardo Marques" userId="b9dd18581288d1e4" providerId="Windows Live" clId="Web-{6B37E3EB-D390-4995-91F8-0780A14E55A2}" dt="2020-10-23T22:33:48.163" v="21" actId="20577"/>
+      <pc:docMkLst>
+        <pc:docMk/>
+      </pc:docMkLst>
+      <pc:sldChg chg="modSp">
+        <pc:chgData name="Eduardo Marques" userId="b9dd18581288d1e4" providerId="Windows Live" clId="Web-{6B37E3EB-D390-4995-91F8-0780A14E55A2}" dt="2020-10-23T22:33:29.632" v="4" actId="20577"/>
+        <pc:sldMkLst>
+          <pc:docMk/>
+          <pc:sldMk cId="2210866551" sldId="256"/>
+        </pc:sldMkLst>
+        <pc:spChg chg="mod">
+          <ac:chgData name="Eduardo Marques" userId="b9dd18581288d1e4" providerId="Windows Live" clId="Web-{6B37E3EB-D390-4995-91F8-0780A14E55A2}" dt="2020-10-23T22:33:29.632" v="4" actId="20577"/>
+          <ac:spMkLst>
+            <pc:docMk/>
+            <pc:sldMk cId="2210866551" sldId="256"/>
+            <ac:spMk id="3" creationId="{8F7DA0CF-4ECD-4BCA-8361-549C88203DD8}"/>
+          </ac:spMkLst>
+        </pc:spChg>
+      </pc:sldChg>
+      <pc:sldChg chg="modSp">
+        <pc:chgData name="Eduardo Marques" userId="b9dd18581288d1e4" providerId="Windows Live" clId="Web-{6B37E3EB-D390-4995-91F8-0780A14E55A2}" dt="2020-10-23T22:33:38.976" v="12" actId="20577"/>
+        <pc:sldMkLst>
+          <pc:docMk/>
+          <pc:sldMk cId="3881249392" sldId="262"/>
+        </pc:sldMkLst>
+        <pc:spChg chg="mod">
+          <ac:chgData name="Eduardo Marques" userId="b9dd18581288d1e4" providerId="Windows Live" clId="Web-{6B37E3EB-D390-4995-91F8-0780A14E55A2}" dt="2020-10-23T22:33:38.976" v="12" actId="20577"/>
+          <ac:spMkLst>
+            <pc:docMk/>
+            <pc:sldMk cId="3881249392" sldId="262"/>
+            <ac:spMk id="11" creationId="{D4A07F23-BEBF-42FB-962E-D9F5EFE34F27}"/>
+          </ac:spMkLst>
+        </pc:spChg>
+      </pc:sldChg>
+      <pc:sldChg chg="modSp">
+        <pc:chgData name="Eduardo Marques" userId="b9dd18581288d1e4" providerId="Windows Live" clId="Web-{6B37E3EB-D390-4995-91F8-0780A14E55A2}" dt="2020-10-23T22:33:47.554" v="19" actId="20577"/>
+        <pc:sldMkLst>
+          <pc:docMk/>
+          <pc:sldMk cId="2365645553" sldId="267"/>
+        </pc:sldMkLst>
+        <pc:spChg chg="mod">
+          <ac:chgData name="Eduardo Marques" userId="b9dd18581288d1e4" providerId="Windows Live" clId="Web-{6B37E3EB-D390-4995-91F8-0780A14E55A2}" dt="2020-10-23T22:33:47.554" v="19" actId="20577"/>
+          <ac:spMkLst>
+            <pc:docMk/>
+            <pc:sldMk cId="2365645553" sldId="267"/>
+            <ac:spMk id="22" creationId="{9E5B00D7-AC59-4F87-9506-09946934551F}"/>
+          </ac:spMkLst>
+        </pc:spChg>
+      </pc:sldChg>
+    </pc:docChg>
+  </pc:docChgLst>
+  <pc:docChgLst>
     <pc:chgData name="Eduardo Marques" userId="b9dd18581288d1e4" providerId="Windows Live" clId="Web-{E6226F4C-287E-4E34-09FC-231F29E21C88}"/>
     <pc:docChg chg="delSld modSld">
       <pc:chgData name="Eduardo Marques" userId="b9dd18581288d1e4" providerId="Windows Live" clId="Web-{E6226F4C-287E-4E34-09FC-231F29E21C88}" dt="2020-09-12T01:11:27.998" v="26" actId="1076"/>
@@ -694,6 +947,139 @@
           <pc:docMk/>
           <pc:sldMk cId="2536872500" sldId="263"/>
         </pc:sldMkLst>
+      </pc:sldChg>
+    </pc:docChg>
+  </pc:docChgLst>
+  <pc:docChgLst>
+    <pc:chgData name="Eduardo Marques" userId="b9dd18581288d1e4" providerId="Windows Live" clId="Web-{6733DBC6-C54C-4D52-8EFA-FD23E1A1157E}"/>
+    <pc:docChg chg="modSld">
+      <pc:chgData name="Eduardo Marques" userId="b9dd18581288d1e4" providerId="Windows Live" clId="Web-{6733DBC6-C54C-4D52-8EFA-FD23E1A1157E}" dt="2020-11-07T04:50:33.784" v="26" actId="20577"/>
+      <pc:docMkLst>
+        <pc:docMk/>
+      </pc:docMkLst>
+      <pc:sldChg chg="modSp">
+        <pc:chgData name="Eduardo Marques" userId="b9dd18581288d1e4" providerId="Windows Live" clId="Web-{6733DBC6-C54C-4D52-8EFA-FD23E1A1157E}" dt="2020-11-07T04:28:40.768" v="23" actId="20577"/>
+        <pc:sldMkLst>
+          <pc:docMk/>
+          <pc:sldMk cId="3881249392" sldId="262"/>
+        </pc:sldMkLst>
+        <pc:spChg chg="mod">
+          <ac:chgData name="Eduardo Marques" userId="b9dd18581288d1e4" providerId="Windows Live" clId="Web-{6733DBC6-C54C-4D52-8EFA-FD23E1A1157E}" dt="2020-11-07T04:28:40.768" v="23" actId="20577"/>
+          <ac:spMkLst>
+            <pc:docMk/>
+            <pc:sldMk cId="3881249392" sldId="262"/>
+            <ac:spMk id="63" creationId="{20AE1D48-2793-45F9-8DAA-A3EE77481A90}"/>
+          </ac:spMkLst>
+        </pc:spChg>
+      </pc:sldChg>
+      <pc:sldChg chg="modSp">
+        <pc:chgData name="Eduardo Marques" userId="b9dd18581288d1e4" providerId="Windows Live" clId="Web-{6733DBC6-C54C-4D52-8EFA-FD23E1A1157E}" dt="2020-11-07T04:50:33.784" v="26" actId="20577"/>
+        <pc:sldMkLst>
+          <pc:docMk/>
+          <pc:sldMk cId="1403518651" sldId="265"/>
+        </pc:sldMkLst>
+        <pc:spChg chg="mod">
+          <ac:chgData name="Eduardo Marques" userId="b9dd18581288d1e4" providerId="Windows Live" clId="Web-{6733DBC6-C54C-4D52-8EFA-FD23E1A1157E}" dt="2020-11-07T04:50:33.784" v="26" actId="20577"/>
+          <ac:spMkLst>
+            <pc:docMk/>
+            <pc:sldMk cId="1403518651" sldId="265"/>
+            <ac:spMk id="17" creationId="{BBB830BC-EAAA-4709-A6A5-989783DA280C}"/>
+          </ac:spMkLst>
+        </pc:spChg>
+      </pc:sldChg>
+    </pc:docChg>
+  </pc:docChgLst>
+  <pc:docChgLst>
+    <pc:chgData name="Caio Ferreira" userId="aa37e96bb8b72277" providerId="LiveId" clId="{8BF51DF6-BEB1-4A7D-BCCC-49E8B1280767}"/>
+    <pc:docChg chg="modSld">
+      <pc:chgData name="Caio Ferreira" userId="aa37e96bb8b72277" providerId="LiveId" clId="{8BF51DF6-BEB1-4A7D-BCCC-49E8B1280767}" dt="2020-09-04T22:32:40.105" v="0" actId="20577"/>
+      <pc:docMkLst>
+        <pc:docMk/>
+      </pc:docMkLst>
+      <pc:sldChg chg="modSp mod">
+        <pc:chgData name="Caio Ferreira" userId="aa37e96bb8b72277" providerId="LiveId" clId="{8BF51DF6-BEB1-4A7D-BCCC-49E8B1280767}" dt="2020-09-04T22:32:40.105" v="0" actId="20577"/>
+        <pc:sldMkLst>
+          <pc:docMk/>
+          <pc:sldMk cId="3881249392" sldId="262"/>
+        </pc:sldMkLst>
+        <pc:spChg chg="mod">
+          <ac:chgData name="Caio Ferreira" userId="aa37e96bb8b72277" providerId="LiveId" clId="{8BF51DF6-BEB1-4A7D-BCCC-49E8B1280767}" dt="2020-09-04T22:32:40.105" v="0" actId="20577"/>
+          <ac:spMkLst>
+            <pc:docMk/>
+            <pc:sldMk cId="3881249392" sldId="262"/>
+            <ac:spMk id="53" creationId="{C45F51C8-E961-44E5-A9C0-6EC3F13ED9D8}"/>
+          </ac:spMkLst>
+        </pc:spChg>
+      </pc:sldChg>
+    </pc:docChg>
+  </pc:docChgLst>
+  <pc:docChgLst>
+    <pc:chgData name="Eduardo Marques" userId="b9dd18581288d1e4" providerId="Windows Live" clId="Web-{EEE4DA54-555D-4863-8A7C-5E8638557F67}"/>
+    <pc:docChg chg="addSld modSld">
+      <pc:chgData name="Eduardo Marques" userId="b9dd18581288d1e4" providerId="Windows Live" clId="Web-{EEE4DA54-555D-4863-8A7C-5E8638557F67}" dt="2020-10-22T02:35:56.353" v="133" actId="20577"/>
+      <pc:docMkLst>
+        <pc:docMk/>
+      </pc:docMkLst>
+      <pc:sldChg chg="modSp">
+        <pc:chgData name="Eduardo Marques" userId="b9dd18581288d1e4" providerId="Windows Live" clId="Web-{EEE4DA54-555D-4863-8A7C-5E8638557F67}" dt="2020-10-22T02:34:10.772" v="18" actId="1076"/>
+        <pc:sldMkLst>
+          <pc:docMk/>
+          <pc:sldMk cId="2210866551" sldId="256"/>
+        </pc:sldMkLst>
+        <pc:spChg chg="mod">
+          <ac:chgData name="Eduardo Marques" userId="b9dd18581288d1e4" providerId="Windows Live" clId="Web-{EEE4DA54-555D-4863-8A7C-5E8638557F67}" dt="2020-10-22T02:34:10.772" v="18" actId="1076"/>
+          <ac:spMkLst>
+            <pc:docMk/>
+            <pc:sldMk cId="2210866551" sldId="256"/>
+            <ac:spMk id="3" creationId="{8F7DA0CF-4ECD-4BCA-8361-549C88203DD8}"/>
+          </ac:spMkLst>
+        </pc:spChg>
+      </pc:sldChg>
+      <pc:sldChg chg="addSp modSp">
+        <pc:chgData name="Eduardo Marques" userId="b9dd18581288d1e4" providerId="Windows Live" clId="Web-{EEE4DA54-555D-4863-8A7C-5E8638557F67}" dt="2020-10-22T02:35:56.353" v="132" actId="20577"/>
+        <pc:sldMkLst>
+          <pc:docMk/>
+          <pc:sldMk cId="3881249392" sldId="262"/>
+        </pc:sldMkLst>
+        <pc:spChg chg="add mod">
+          <ac:chgData name="Eduardo Marques" userId="b9dd18581288d1e4" providerId="Windows Live" clId="Web-{EEE4DA54-555D-4863-8A7C-5E8638557F67}" dt="2020-10-22T02:35:44.618" v="86" actId="20577"/>
+          <ac:spMkLst>
+            <pc:docMk/>
+            <pc:sldMk cId="3881249392" sldId="262"/>
+            <ac:spMk id="11" creationId="{D4A07F23-BEBF-42FB-962E-D9F5EFE34F27}"/>
+          </ac:spMkLst>
+        </pc:spChg>
+        <pc:spChg chg="add mod">
+          <ac:chgData name="Eduardo Marques" userId="b9dd18581288d1e4" providerId="Windows Live" clId="Web-{EEE4DA54-555D-4863-8A7C-5E8638557F67}" dt="2020-10-22T02:35:56.353" v="132" actId="20577"/>
+          <ac:spMkLst>
+            <pc:docMk/>
+            <pc:sldMk cId="3881249392" sldId="262"/>
+            <ac:spMk id="12" creationId="{333F2CA3-F40F-4805-B67A-AEE29F5E5E65}"/>
+          </ac:spMkLst>
+        </pc:spChg>
+      </pc:sldChg>
+      <pc:sldChg chg="modSp add replId">
+        <pc:chgData name="Eduardo Marques" userId="b9dd18581288d1e4" providerId="Windows Live" clId="Web-{EEE4DA54-555D-4863-8A7C-5E8638557F67}" dt="2020-10-22T02:34:59.086" v="49" actId="20577"/>
+        <pc:sldMkLst>
+          <pc:docMk/>
+          <pc:sldMk cId="2365645553" sldId="267"/>
+        </pc:sldMkLst>
+        <pc:spChg chg="mod">
+          <ac:chgData name="Eduardo Marques" userId="b9dd18581288d1e4" providerId="Windows Live" clId="Web-{EEE4DA54-555D-4863-8A7C-5E8638557F67}" dt="2020-10-22T02:34:59.086" v="49" actId="20577"/>
+          <ac:spMkLst>
+            <pc:docMk/>
+            <pc:sldMk cId="2365645553" sldId="267"/>
+            <ac:spMk id="17" creationId="{BBB830BC-EAAA-4709-A6A5-989783DA280C}"/>
+          </ac:spMkLst>
+        </pc:spChg>
+        <pc:spChg chg="mod">
+          <ac:chgData name="Eduardo Marques" userId="b9dd18581288d1e4" providerId="Windows Live" clId="Web-{EEE4DA54-555D-4863-8A7C-5E8638557F67}" dt="2020-10-22T02:34:40.882" v="28" actId="20577"/>
+          <ac:spMkLst>
+            <pc:docMk/>
+            <pc:sldMk cId="2365645553" sldId="267"/>
+            <ac:spMk id="22" creationId="{9E5B00D7-AC59-4F87-9506-09946934551F}"/>
+          </ac:spMkLst>
+        </pc:spChg>
       </pc:sldChg>
     </pc:docChg>
   </pc:docChgLst>
@@ -735,100 +1121,6 @@
     </pc:docChg>
   </pc:docChgLst>
   <pc:docChgLst>
-    <pc:chgData name="Eduardo Marques" userId="b9dd18581288d1e4" providerId="Windows Live" clId="Web-{EEE4DA54-555D-4863-8A7C-5E8638557F67}"/>
-    <pc:docChg chg="addSld modSld">
-      <pc:chgData name="Eduardo Marques" userId="b9dd18581288d1e4" providerId="Windows Live" clId="Web-{EEE4DA54-555D-4863-8A7C-5E8638557F67}" dt="2020-10-22T02:35:56.353" v="133" actId="20577"/>
-      <pc:docMkLst>
-        <pc:docMk/>
-      </pc:docMkLst>
-      <pc:sldChg chg="modSp">
-        <pc:chgData name="Eduardo Marques" userId="b9dd18581288d1e4" providerId="Windows Live" clId="Web-{EEE4DA54-555D-4863-8A7C-5E8638557F67}" dt="2020-10-22T02:34:10.772" v="18" actId="1076"/>
-        <pc:sldMkLst>
-          <pc:docMk/>
-          <pc:sldMk cId="2210866551" sldId="256"/>
-        </pc:sldMkLst>
-        <pc:spChg chg="mod">
-          <ac:chgData name="Eduardo Marques" userId="b9dd18581288d1e4" providerId="Windows Live" clId="Web-{EEE4DA54-555D-4863-8A7C-5E8638557F67}" dt="2020-10-22T02:34:10.772" v="18" actId="1076"/>
-          <ac:spMkLst>
-            <pc:docMk/>
-            <pc:sldMk cId="2210866551" sldId="256"/>
-            <ac:spMk id="3" creationId="{8F7DA0CF-4ECD-4BCA-8361-549C88203DD8}"/>
-          </ac:spMkLst>
-        </pc:spChg>
-      </pc:sldChg>
-      <pc:sldChg chg="addSp modSp">
-        <pc:chgData name="Eduardo Marques" userId="b9dd18581288d1e4" providerId="Windows Live" clId="Web-{EEE4DA54-555D-4863-8A7C-5E8638557F67}" dt="2020-10-22T02:35:56.353" v="132" actId="20577"/>
-        <pc:sldMkLst>
-          <pc:docMk/>
-          <pc:sldMk cId="3881249392" sldId="262"/>
-        </pc:sldMkLst>
-        <pc:spChg chg="add mod">
-          <ac:chgData name="Eduardo Marques" userId="b9dd18581288d1e4" providerId="Windows Live" clId="Web-{EEE4DA54-555D-4863-8A7C-5E8638557F67}" dt="2020-10-22T02:35:44.618" v="86" actId="20577"/>
-          <ac:spMkLst>
-            <pc:docMk/>
-            <pc:sldMk cId="3881249392" sldId="262"/>
-            <ac:spMk id="11" creationId="{D4A07F23-BEBF-42FB-962E-D9F5EFE34F27}"/>
-          </ac:spMkLst>
-        </pc:spChg>
-        <pc:spChg chg="add mod">
-          <ac:chgData name="Eduardo Marques" userId="b9dd18581288d1e4" providerId="Windows Live" clId="Web-{EEE4DA54-555D-4863-8A7C-5E8638557F67}" dt="2020-10-22T02:35:56.353" v="132" actId="20577"/>
-          <ac:spMkLst>
-            <pc:docMk/>
-            <pc:sldMk cId="3881249392" sldId="262"/>
-            <ac:spMk id="12" creationId="{333F2CA3-F40F-4805-B67A-AEE29F5E5E65}"/>
-          </ac:spMkLst>
-        </pc:spChg>
-      </pc:sldChg>
-      <pc:sldChg chg="modSp add replId">
-        <pc:chgData name="Eduardo Marques" userId="b9dd18581288d1e4" providerId="Windows Live" clId="Web-{EEE4DA54-555D-4863-8A7C-5E8638557F67}" dt="2020-10-22T02:34:59.086" v="49" actId="20577"/>
-        <pc:sldMkLst>
-          <pc:docMk/>
-          <pc:sldMk cId="2365645553" sldId="267"/>
-        </pc:sldMkLst>
-        <pc:spChg chg="mod">
-          <ac:chgData name="Eduardo Marques" userId="b9dd18581288d1e4" providerId="Windows Live" clId="Web-{EEE4DA54-555D-4863-8A7C-5E8638557F67}" dt="2020-10-22T02:34:59.086" v="49" actId="20577"/>
-          <ac:spMkLst>
-            <pc:docMk/>
-            <pc:sldMk cId="2365645553" sldId="267"/>
-            <ac:spMk id="17" creationId="{BBB830BC-EAAA-4709-A6A5-989783DA280C}"/>
-          </ac:spMkLst>
-        </pc:spChg>
-        <pc:spChg chg="mod">
-          <ac:chgData name="Eduardo Marques" userId="b9dd18581288d1e4" providerId="Windows Live" clId="Web-{EEE4DA54-555D-4863-8A7C-5E8638557F67}" dt="2020-10-22T02:34:40.882" v="28" actId="20577"/>
-          <ac:spMkLst>
-            <pc:docMk/>
-            <pc:sldMk cId="2365645553" sldId="267"/>
-            <ac:spMk id="22" creationId="{9E5B00D7-AC59-4F87-9506-09946934551F}"/>
-          </ac:spMkLst>
-        </pc:spChg>
-      </pc:sldChg>
-    </pc:docChg>
-  </pc:docChgLst>
-  <pc:docChgLst>
-    <pc:chgData name="Caio Ferreira" userId="aa37e96bb8b72277" providerId="LiveId" clId="{8BF51DF6-BEB1-4A7D-BCCC-49E8B1280767}"/>
-    <pc:docChg chg="modSld">
-      <pc:chgData name="Caio Ferreira" userId="aa37e96bb8b72277" providerId="LiveId" clId="{8BF51DF6-BEB1-4A7D-BCCC-49E8B1280767}" dt="2020-09-04T22:32:40.105" v="0" actId="20577"/>
-      <pc:docMkLst>
-        <pc:docMk/>
-      </pc:docMkLst>
-      <pc:sldChg chg="modSp mod">
-        <pc:chgData name="Caio Ferreira" userId="aa37e96bb8b72277" providerId="LiveId" clId="{8BF51DF6-BEB1-4A7D-BCCC-49E8B1280767}" dt="2020-09-04T22:32:40.105" v="0" actId="20577"/>
-        <pc:sldMkLst>
-          <pc:docMk/>
-          <pc:sldMk cId="3881249392" sldId="262"/>
-        </pc:sldMkLst>
-        <pc:spChg chg="mod">
-          <ac:chgData name="Caio Ferreira" userId="aa37e96bb8b72277" providerId="LiveId" clId="{8BF51DF6-BEB1-4A7D-BCCC-49E8B1280767}" dt="2020-09-04T22:32:40.105" v="0" actId="20577"/>
-          <ac:spMkLst>
-            <pc:docMk/>
-            <pc:sldMk cId="3881249392" sldId="262"/>
-            <ac:spMk id="53" creationId="{C45F51C8-E961-44E5-A9C0-6EC3F13ED9D8}"/>
-          </ac:spMkLst>
-        </pc:spChg>
-      </pc:sldChg>
-    </pc:docChg>
-  </pc:docChgLst>
-  <pc:docChgLst>
     <pc:chgData name="Eduardo Marques" userId="b9dd18581288d1e4" providerId="Windows Live" clId="Web-{28E134C2-EFCF-4B3B-01A0-56AD1D38F3FF}"/>
     <pc:docChg chg="addSld delSld modSld">
       <pc:chgData name="Eduardo Marques" userId="b9dd18581288d1e4" providerId="Windows Live" clId="Web-{28E134C2-EFCF-4B3B-01A0-56AD1D38F3FF}" dt="2020-08-30T02:38:47.762" v="1148" actId="20577"/>
@@ -1388,6 +1680,60 @@
           <ac:spMkLst>
             <pc:docMk/>
             <pc:sldMk cId="2450772793" sldId="266"/>
+            <ac:spMk id="22" creationId="{9E5B00D7-AC59-4F87-9506-09946934551F}"/>
+          </ac:spMkLst>
+        </pc:spChg>
+      </pc:sldChg>
+    </pc:docChg>
+  </pc:docChgLst>
+  <pc:docChgLst>
+    <pc:chgData name="Eduardo Marques" userId="b9dd18581288d1e4" providerId="Windows Live" clId="Web-{CF0DD07C-C4C6-4784-B786-FE6CC0550BC0}"/>
+    <pc:docChg chg="modSld">
+      <pc:chgData name="Eduardo Marques" userId="b9dd18581288d1e4" providerId="Windows Live" clId="Web-{CF0DD07C-C4C6-4784-B786-FE6CC0550BC0}" dt="2020-10-24T02:02:21.037" v="26" actId="20577"/>
+      <pc:docMkLst>
+        <pc:docMk/>
+      </pc:docMkLst>
+      <pc:sldChg chg="modSp">
+        <pc:chgData name="Eduardo Marques" userId="b9dd18581288d1e4" providerId="Windows Live" clId="Web-{CF0DD07C-C4C6-4784-B786-FE6CC0550BC0}" dt="2020-10-24T02:02:15.083" v="14" actId="20577"/>
+        <pc:sldMkLst>
+          <pc:docMk/>
+          <pc:sldMk cId="2210866551" sldId="256"/>
+        </pc:sldMkLst>
+        <pc:spChg chg="mod">
+          <ac:chgData name="Eduardo Marques" userId="b9dd18581288d1e4" providerId="Windows Live" clId="Web-{CF0DD07C-C4C6-4784-B786-FE6CC0550BC0}" dt="2020-10-24T02:02:15.083" v="14" actId="20577"/>
+          <ac:spMkLst>
+            <pc:docMk/>
+            <pc:sldMk cId="2210866551" sldId="256"/>
+            <ac:spMk id="3" creationId="{8F7DA0CF-4ECD-4BCA-8361-549C88203DD8}"/>
+          </ac:spMkLst>
+        </pc:spChg>
+      </pc:sldChg>
+      <pc:sldChg chg="modSp">
+        <pc:chgData name="Eduardo Marques" userId="b9dd18581288d1e4" providerId="Windows Live" clId="Web-{CF0DD07C-C4C6-4784-B786-FE6CC0550BC0}" dt="2020-10-24T02:02:20.490" v="24" actId="20577"/>
+        <pc:sldMkLst>
+          <pc:docMk/>
+          <pc:sldMk cId="3881249392" sldId="262"/>
+        </pc:sldMkLst>
+        <pc:spChg chg="mod">
+          <ac:chgData name="Eduardo Marques" userId="b9dd18581288d1e4" providerId="Windows Live" clId="Web-{CF0DD07C-C4C6-4784-B786-FE6CC0550BC0}" dt="2020-10-24T02:02:20.490" v="24" actId="20577"/>
+          <ac:spMkLst>
+            <pc:docMk/>
+            <pc:sldMk cId="3881249392" sldId="262"/>
+            <ac:spMk id="11" creationId="{D4A07F23-BEBF-42FB-962E-D9F5EFE34F27}"/>
+          </ac:spMkLst>
+        </pc:spChg>
+      </pc:sldChg>
+      <pc:sldChg chg="modSp">
+        <pc:chgData name="Eduardo Marques" userId="b9dd18581288d1e4" providerId="Windows Live" clId="Web-{CF0DD07C-C4C6-4784-B786-FE6CC0550BC0}" dt="2020-10-24T02:02:06.646" v="7" actId="20577"/>
+        <pc:sldMkLst>
+          <pc:docMk/>
+          <pc:sldMk cId="2365645553" sldId="267"/>
+        </pc:sldMkLst>
+        <pc:spChg chg="mod">
+          <ac:chgData name="Eduardo Marques" userId="b9dd18581288d1e4" providerId="Windows Live" clId="Web-{CF0DD07C-C4C6-4784-B786-FE6CC0550BC0}" dt="2020-10-24T02:02:06.646" v="7" actId="20577"/>
+          <ac:spMkLst>
+            <pc:docMk/>
+            <pc:sldMk cId="2365645553" sldId="267"/>
             <ac:spMk id="22" creationId="{9E5B00D7-AC59-4F87-9506-09946934551F}"/>
           </ac:spMkLst>
         </pc:spChg>
@@ -2418,7 +2764,7 @@
           <a:p>
             <a:fld id="{F0E51C7C-CEA3-4CAA-BE4B-344879E7C377}" type="datetimeFigureOut">
               <a:rPr lang="de-DE" smtClean="0"/>
-              <a:t>21.10.2020</a:t>
+              <a:t>06.11.2020</a:t>
             </a:fld>
             <a:endParaRPr lang="de-DE"/>
           </a:p>
@@ -2460,7 +2806,7 @@
           <a:p>
             <a:fld id="{754FE2FE-B55E-4328-8F5C-2CEB8781A47B}" type="slidenum">
               <a:rPr lang="de-DE" smtClean="0"/>
-              <a:t>‹nº›</a:t>
+              <a:t>‹#›</a:t>
             </a:fld>
             <a:endParaRPr lang="de-DE"/>
           </a:p>
@@ -2588,7 +2934,7 @@
           <a:p>
             <a:fld id="{F0E51C7C-CEA3-4CAA-BE4B-344879E7C377}" type="datetimeFigureOut">
               <a:rPr lang="de-DE" smtClean="0"/>
-              <a:t>21.10.2020</a:t>
+              <a:t>06.11.2020</a:t>
             </a:fld>
             <a:endParaRPr lang="de-DE"/>
           </a:p>
@@ -2630,7 +2976,7 @@
           <a:p>
             <a:fld id="{754FE2FE-B55E-4328-8F5C-2CEB8781A47B}" type="slidenum">
               <a:rPr lang="de-DE" smtClean="0"/>
-              <a:t>‹nº›</a:t>
+              <a:t>‹#›</a:t>
             </a:fld>
             <a:endParaRPr lang="de-DE"/>
           </a:p>
@@ -2768,7 +3114,7 @@
           <a:p>
             <a:fld id="{F0E51C7C-CEA3-4CAA-BE4B-344879E7C377}" type="datetimeFigureOut">
               <a:rPr lang="de-DE" smtClean="0"/>
-              <a:t>21.10.2020</a:t>
+              <a:t>06.11.2020</a:t>
             </a:fld>
             <a:endParaRPr lang="de-DE"/>
           </a:p>
@@ -2810,7 +3156,7 @@
           <a:p>
             <a:fld id="{754FE2FE-B55E-4328-8F5C-2CEB8781A47B}" type="slidenum">
               <a:rPr lang="de-DE" smtClean="0"/>
-              <a:t>‹nº›</a:t>
+              <a:t>‹#›</a:t>
             </a:fld>
             <a:endParaRPr lang="de-DE"/>
           </a:p>
@@ -2938,7 +3284,7 @@
           <a:p>
             <a:fld id="{F0E51C7C-CEA3-4CAA-BE4B-344879E7C377}" type="datetimeFigureOut">
               <a:rPr lang="de-DE" smtClean="0"/>
-              <a:t>21.10.2020</a:t>
+              <a:t>06.11.2020</a:t>
             </a:fld>
             <a:endParaRPr lang="de-DE"/>
           </a:p>
@@ -2980,7 +3326,7 @@
           <a:p>
             <a:fld id="{754FE2FE-B55E-4328-8F5C-2CEB8781A47B}" type="slidenum">
               <a:rPr lang="de-DE" smtClean="0"/>
-              <a:t>‹nº›</a:t>
+              <a:t>‹#›</a:t>
             </a:fld>
             <a:endParaRPr lang="de-DE"/>
           </a:p>
@@ -3184,7 +3530,7 @@
           <a:p>
             <a:fld id="{F0E51C7C-CEA3-4CAA-BE4B-344879E7C377}" type="datetimeFigureOut">
               <a:rPr lang="de-DE" smtClean="0"/>
-              <a:t>21.10.2020</a:t>
+              <a:t>06.11.2020</a:t>
             </a:fld>
             <a:endParaRPr lang="de-DE"/>
           </a:p>
@@ -3226,7 +3572,7 @@
           <a:p>
             <a:fld id="{754FE2FE-B55E-4328-8F5C-2CEB8781A47B}" type="slidenum">
               <a:rPr lang="de-DE" smtClean="0"/>
-              <a:t>‹nº›</a:t>
+              <a:t>‹#›</a:t>
             </a:fld>
             <a:endParaRPr lang="de-DE"/>
           </a:p>
@@ -3416,7 +3762,7 @@
           <a:p>
             <a:fld id="{F0E51C7C-CEA3-4CAA-BE4B-344879E7C377}" type="datetimeFigureOut">
               <a:rPr lang="de-DE" smtClean="0"/>
-              <a:t>21.10.2020</a:t>
+              <a:t>06.11.2020</a:t>
             </a:fld>
             <a:endParaRPr lang="de-DE"/>
           </a:p>
@@ -3458,7 +3804,7 @@
           <a:p>
             <a:fld id="{754FE2FE-B55E-4328-8F5C-2CEB8781A47B}" type="slidenum">
               <a:rPr lang="de-DE" smtClean="0"/>
-              <a:t>‹nº›</a:t>
+              <a:t>‹#›</a:t>
             </a:fld>
             <a:endParaRPr lang="de-DE"/>
           </a:p>
@@ -3783,7 +4129,7 @@
           <a:p>
             <a:fld id="{F0E51C7C-CEA3-4CAA-BE4B-344879E7C377}" type="datetimeFigureOut">
               <a:rPr lang="de-DE" smtClean="0"/>
-              <a:t>21.10.2020</a:t>
+              <a:t>06.11.2020</a:t>
             </a:fld>
             <a:endParaRPr lang="de-DE"/>
           </a:p>
@@ -3825,7 +4171,7 @@
           <a:p>
             <a:fld id="{754FE2FE-B55E-4328-8F5C-2CEB8781A47B}" type="slidenum">
               <a:rPr lang="de-DE" smtClean="0"/>
-              <a:t>‹nº›</a:t>
+              <a:t>‹#›</a:t>
             </a:fld>
             <a:endParaRPr lang="de-DE"/>
           </a:p>
@@ -3901,7 +4247,7 @@
           <a:p>
             <a:fld id="{F0E51C7C-CEA3-4CAA-BE4B-344879E7C377}" type="datetimeFigureOut">
               <a:rPr lang="de-DE" smtClean="0"/>
-              <a:t>21.10.2020</a:t>
+              <a:t>06.11.2020</a:t>
             </a:fld>
             <a:endParaRPr lang="de-DE"/>
           </a:p>
@@ -3943,7 +4289,7 @@
           <a:p>
             <a:fld id="{754FE2FE-B55E-4328-8F5C-2CEB8781A47B}" type="slidenum">
               <a:rPr lang="de-DE" smtClean="0"/>
-              <a:t>‹nº›</a:t>
+              <a:t>‹#›</a:t>
             </a:fld>
             <a:endParaRPr lang="de-DE"/>
           </a:p>
@@ -3996,7 +4342,7 @@
           <a:p>
             <a:fld id="{F0E51C7C-CEA3-4CAA-BE4B-344879E7C377}" type="datetimeFigureOut">
               <a:rPr lang="de-DE" smtClean="0"/>
-              <a:t>21.10.2020</a:t>
+              <a:t>06.11.2020</a:t>
             </a:fld>
             <a:endParaRPr lang="de-DE"/>
           </a:p>
@@ -4038,7 +4384,7 @@
           <a:p>
             <a:fld id="{754FE2FE-B55E-4328-8F5C-2CEB8781A47B}" type="slidenum">
               <a:rPr lang="de-DE" smtClean="0"/>
-              <a:t>‹nº›</a:t>
+              <a:t>‹#›</a:t>
             </a:fld>
             <a:endParaRPr lang="de-DE"/>
           </a:p>
@@ -4273,7 +4619,7 @@
           <a:p>
             <a:fld id="{F0E51C7C-CEA3-4CAA-BE4B-344879E7C377}" type="datetimeFigureOut">
               <a:rPr lang="de-DE" smtClean="0"/>
-              <a:t>21.10.2020</a:t>
+              <a:t>06.11.2020</a:t>
             </a:fld>
             <a:endParaRPr lang="de-DE"/>
           </a:p>
@@ -4315,7 +4661,7 @@
           <a:p>
             <a:fld id="{754FE2FE-B55E-4328-8F5C-2CEB8781A47B}" type="slidenum">
               <a:rPr lang="de-DE" smtClean="0"/>
-              <a:t>‹nº›</a:t>
+              <a:t>‹#›</a:t>
             </a:fld>
             <a:endParaRPr lang="de-DE"/>
           </a:p>
@@ -4526,7 +4872,7 @@
           <a:p>
             <a:fld id="{F0E51C7C-CEA3-4CAA-BE4B-344879E7C377}" type="datetimeFigureOut">
               <a:rPr lang="de-DE" smtClean="0"/>
-              <a:t>21.10.2020</a:t>
+              <a:t>06.11.2020</a:t>
             </a:fld>
             <a:endParaRPr lang="de-DE"/>
           </a:p>
@@ -4568,7 +4914,7 @@
           <a:p>
             <a:fld id="{754FE2FE-B55E-4328-8F5C-2CEB8781A47B}" type="slidenum">
               <a:rPr lang="de-DE" smtClean="0"/>
-              <a:t>‹nº›</a:t>
+              <a:t>‹#›</a:t>
             </a:fld>
             <a:endParaRPr lang="de-DE"/>
           </a:p>
@@ -4739,7 +5085,7 @@
           <a:p>
             <a:fld id="{F0E51C7C-CEA3-4CAA-BE4B-344879E7C377}" type="datetimeFigureOut">
               <a:rPr lang="de-DE" smtClean="0"/>
-              <a:t>21.10.2020</a:t>
+              <a:t>06.11.2020</a:t>
             </a:fld>
             <a:endParaRPr lang="de-DE"/>
           </a:p>
@@ -4817,7 +5163,7 @@
           <a:p>
             <a:fld id="{754FE2FE-B55E-4328-8F5C-2CEB8781A47B}" type="slidenum">
               <a:rPr lang="de-DE" smtClean="0"/>
-              <a:t>‹nº›</a:t>
+              <a:t>‹#›</a:t>
             </a:fld>
             <a:endParaRPr lang="de-DE"/>
           </a:p>
@@ -5352,8 +5698,8 @@
         </p:nvSpPr>
         <p:spPr>
           <a:xfrm>
-            <a:off x="3354512" y="2637860"/>
-            <a:ext cx="2811694" cy="1169551"/>
+            <a:off x="3354512" y="2857613"/>
+            <a:ext cx="2811694" cy="954107"/>
           </a:xfrm>
           <a:prstGeom prst="rect">
             <a:avLst/>
@@ -5370,45 +5716,37 @@
           <a:lstStyle/>
           <a:p>
             <a:r>
-              <a:rPr lang="pt-BR" sz="1400" dirty="0">
+              <a:rPr lang="pt-BR" sz="1400">
                 <a:cs typeface="Calibri"/>
               </a:rPr>
-              <a:t>1. Solicitar pedido.</a:t>
-            </a:r>
-          </a:p>
-          <a:p>
-            <a:r>
-              <a:rPr lang="pt-BR" sz="1400" dirty="0">
+              <a:t>1. Solicitar orçamento.</a:t>
+            </a:r>
+          </a:p>
+          <a:p>
+            <a:r>
+              <a:rPr lang="pt-BR" sz="1400">
                 <a:cs typeface="Calibri"/>
               </a:rPr>
-              <a:t>2. Solicitar cancelamento do pedido.</a:t>
-            </a:r>
-            <a:br>
-              <a:rPr lang="pt-BR" sz="1400" dirty="0">
+              <a:t>2. Realizar pedido.</a:t>
+            </a:r>
+            <a:endParaRPr lang="pt-BR">
+              <a:cs typeface="Calibri" panose="020F0502020204030204"/>
+            </a:endParaRPr>
+          </a:p>
+          <a:p>
+            <a:r>
+              <a:rPr lang="pt-BR" sz="1400">
                 <a:cs typeface="Calibri"/>
               </a:rPr>
-            </a:br>
-            <a:r>
-              <a:rPr lang="pt-BR" sz="1400" dirty="0">
+              <a:t>3. Solicitar cancelamento do pedido.</a:t>
+            </a:r>
+          </a:p>
+          <a:p>
+            <a:r>
+              <a:rPr lang="pt-BR" sz="1400">
                 <a:cs typeface="Calibri"/>
               </a:rPr>
-              <a:t>3. Solicitar alteração do pedido.</a:t>
-            </a:r>
-          </a:p>
-          <a:p>
-            <a:r>
-              <a:rPr lang="pt-BR" sz="1400" dirty="0">
-                <a:cs typeface="Calibri"/>
-              </a:rPr>
-              <a:t>4. Entregar matéria-prima.</a:t>
-            </a:r>
-          </a:p>
-          <a:p>
-            <a:r>
-              <a:rPr lang="pt-BR" sz="1400" dirty="0">
-                <a:cs typeface="Calibri"/>
-              </a:rPr>
-              <a:t>5. Entregar pedido.</a:t>
+              <a:t>4. Retirar pedido.</a:t>
             </a:r>
           </a:p>
         </p:txBody>
@@ -6274,7 +6612,7 @@
                 <a:ea typeface="+mn-lt"/>
                 <a:cs typeface="+mn-lt"/>
               </a:rPr>
-              <a:t>Dar entrada no pedido </a:t>
+              <a:t>Dar entrada no orçamento </a:t>
             </a:r>
             <a:endParaRPr lang="pt-BR" sz="1400" b="1">
               <a:solidFill>
@@ -6421,7 +6759,7 @@
               <a:rPr lang="pt-BR" sz="4000">
                 <a:cs typeface="Calibri Light"/>
               </a:rPr>
-              <a:t>Cenário: Solicitar pedido</a:t>
+              <a:t>Cenário: Solicitar orçamento</a:t>
             </a:r>
           </a:p>
         </p:txBody>
@@ -7146,7 +7484,7 @@
         </p:nvSpPr>
         <p:spPr>
           <a:xfrm>
-            <a:off x="7829705" y="4474298"/>
+            <a:off x="7889638" y="4474298"/>
             <a:ext cx="2230755" cy="789940"/>
           </a:xfrm>
           <a:prstGeom prst="flowChartAlternateProcess">
@@ -7280,15 +7618,19 @@
           <a:p>
             <a:pPr algn="ctr"/>
             <a:r>
-              <a:rPr lang="pt-BR" sz="1200" b="1" dirty="0">
+              <a:rPr lang="pt-BR" sz="1200" b="1">
                 <a:solidFill>
                   <a:schemeClr val="tx1"/>
                 </a:solidFill>
-                <a:latin typeface="Arial"/>
-                <a:cs typeface="Arial"/>
+                <a:cs typeface="Calibri"/>
               </a:rPr>
-              <a:t>Cancelar pedido</a:t>
-            </a:r>
+              <a:t>Criar o pedido</a:t>
+            </a:r>
+            <a:endParaRPr lang="pt-BR">
+              <a:solidFill>
+                <a:schemeClr val="tx1"/>
+              </a:solidFill>
+            </a:endParaRPr>
           </a:p>
         </p:txBody>
       </p:sp>
@@ -7394,7 +7736,7 @@
         <p:spPr>
           <a:xfrm>
             <a:off x="496584" y="394611"/>
-            <a:ext cx="10548133" cy="752297"/>
+            <a:ext cx="8193640" cy="752297"/>
           </a:xfrm>
           <a:prstGeom prst="rect">
             <a:avLst/>
@@ -7428,7 +7770,14 @@
               <a:rPr lang="pt-BR" sz="4000">
                 <a:cs typeface="Calibri Light"/>
               </a:rPr>
-              <a:t>Cenário: Solicitar cancelamento do pedido</a:t>
+              <a:t>Cenário: </a:t>
+            </a:r>
+            <a:r>
+              <a:rPr lang="pt-BR" sz="4000">
+                <a:ea typeface="+mj-lt"/>
+                <a:cs typeface="+mj-lt"/>
+              </a:rPr>
+              <a:t>Realizar pedido</a:t>
             </a:r>
           </a:p>
         </p:txBody>
@@ -7436,7 +7785,7 @@
     </p:spTree>
     <p:extLst>
       <p:ext uri="{BB962C8B-B14F-4D97-AF65-F5344CB8AC3E}">
-        <p14:creationId xmlns:p14="http://schemas.microsoft.com/office/powerpoint/2010/main" val="1261260675"/>
+        <p14:creationId xmlns:p14="http://schemas.microsoft.com/office/powerpoint/2010/main" val="1403518651"/>
       </p:ext>
     </p:extLst>
   </p:cSld>
@@ -8291,16 +8640,11 @@
                 <a:solidFill>
                   <a:schemeClr val="tx1"/>
                 </a:solidFill>
-                <a:cs typeface="Calibri"/>
+                <a:latin typeface="Arial"/>
+                <a:cs typeface="Arial"/>
               </a:rPr>
-              <a:t>Efetuar as solicitações de alterações necessárias</a:t>
-            </a:r>
-            <a:endParaRPr lang="pt-BR">
-              <a:solidFill>
-                <a:schemeClr val="tx1"/>
-              </a:solidFill>
-              <a:cs typeface="Calibri"/>
-            </a:endParaRPr>
+              <a:t>Cancelar o pedido</a:t>
+            </a:r>
           </a:p>
         </p:txBody>
       </p:sp>
@@ -8406,7 +8750,7 @@
         <p:spPr>
           <a:xfrm>
             <a:off x="496584" y="394611"/>
-            <a:ext cx="8193640" cy="752297"/>
+            <a:ext cx="10548133" cy="752297"/>
           </a:xfrm>
           <a:prstGeom prst="rect">
             <a:avLst/>
@@ -8440,14 +8784,7 @@
               <a:rPr lang="pt-BR" sz="4000">
                 <a:cs typeface="Calibri Light"/>
               </a:rPr>
-              <a:t>Cenário: </a:t>
-            </a:r>
-            <a:r>
-              <a:rPr lang="pt-BR" sz="4000">
-                <a:ea typeface="+mj-lt"/>
-                <a:cs typeface="+mj-lt"/>
-              </a:rPr>
-              <a:t>Solicitar alteração do pedido</a:t>
+              <a:t>Cenário: Solicitar cancelamento do pedido</a:t>
             </a:r>
           </a:p>
         </p:txBody>
@@ -8455,7 +8792,7 @@
     </p:spTree>
     <p:extLst>
       <p:ext uri="{BB962C8B-B14F-4D97-AF65-F5344CB8AC3E}">
-        <p14:creationId xmlns:p14="http://schemas.microsoft.com/office/powerpoint/2010/main" val="1403518651"/>
+        <p14:creationId xmlns:p14="http://schemas.microsoft.com/office/powerpoint/2010/main" val="1261260675"/>
       </p:ext>
     </p:extLst>
   </p:cSld>
@@ -9310,16 +9647,10 @@
                 <a:solidFill>
                   <a:schemeClr val="tx1"/>
                 </a:solidFill>
-                <a:ea typeface="+mn-lt"/>
-                <a:cs typeface="+mn-lt"/>
+                <a:cs typeface="Calibri"/>
               </a:rPr>
-              <a:t>Verificar se a matéria-prima está correta</a:t>
-            </a:r>
-            <a:endParaRPr lang="pt-BR" b="1">
-              <a:solidFill>
-                <a:schemeClr val="tx1"/>
-              </a:solidFill>
-            </a:endParaRPr>
+              <a:t>Entregar o pedido ao cliente</a:t>
+            </a:r>
           </a:p>
         </p:txBody>
       </p:sp>
@@ -9466,1025 +9797,9 @@
                 <a:ea typeface="+mj-lt"/>
                 <a:cs typeface="+mj-lt"/>
               </a:rPr>
-              <a:t>Entrega de matéria-prima</a:t>
+              <a:t>Retirar pedido</a:t>
             </a:r>
             <a:endParaRPr lang="pt-BR" sz="4000">
-              <a:cs typeface="Calibri Light"/>
-            </a:endParaRPr>
-          </a:p>
-        </p:txBody>
-      </p:sp>
-    </p:spTree>
-    <p:extLst>
-      <p:ext uri="{BB962C8B-B14F-4D97-AF65-F5344CB8AC3E}">
-        <p14:creationId xmlns:p14="http://schemas.microsoft.com/office/powerpoint/2010/main" val="2450772793"/>
-      </p:ext>
-    </p:extLst>
-  </p:cSld>
-  <p:clrMapOvr>
-    <a:masterClrMapping/>
-  </p:clrMapOvr>
-</p:sld>
-</file>
-
-<file path=ppt/slides/slide6.xml><?xml version="1.0" encoding="utf-8"?>
-<p:sld xmlns:a="http://schemas.openxmlformats.org/drawingml/2006/main" xmlns:r="http://schemas.openxmlformats.org/officeDocument/2006/relationships" xmlns:p="http://schemas.openxmlformats.org/presentationml/2006/main">
-  <p:cSld>
-    <p:spTree>
-      <p:nvGrpSpPr>
-        <p:cNvPr id="1" name=""/>
-        <p:cNvGrpSpPr/>
-        <p:nvPr/>
-      </p:nvGrpSpPr>
-      <p:grpSpPr>
-        <a:xfrm>
-          <a:off x="0" y="0"/>
-          <a:ext cx="0" cy="0"/>
-          <a:chOff x="0" y="0"/>
-          <a:chExt cx="0" cy="0"/>
-        </a:xfrm>
-      </p:grpSpPr>
-      <p:cxnSp>
-        <p:nvCxnSpPr>
-          <p:cNvPr id="11" name="Conector Reto 12">
-            <a:extLst>
-              <a:ext uri="{FF2B5EF4-FFF2-40B4-BE49-F238E27FC236}">
-                <a16:creationId xmlns:a16="http://schemas.microsoft.com/office/drawing/2014/main" id="{B11E8853-9FEF-485C-930F-08142A2FB6DD}"/>
-              </a:ext>
-            </a:extLst>
-          </p:cNvPr>
-          <p:cNvCxnSpPr>
-            <a:cxnSpLocks/>
-          </p:cNvCxnSpPr>
-          <p:nvPr/>
-        </p:nvCxnSpPr>
-        <p:spPr>
-          <a:xfrm flipH="1">
-            <a:off x="16461740" y="8814720"/>
-            <a:ext cx="9525" cy="727710"/>
-          </a:xfrm>
-          <a:prstGeom prst="line">
-            <a:avLst/>
-          </a:prstGeom>
-        </p:spPr>
-        <p:style>
-          <a:lnRef idx="1">
-            <a:schemeClr val="accent1"/>
-          </a:lnRef>
-          <a:fillRef idx="0">
-            <a:schemeClr val="accent1"/>
-          </a:fillRef>
-          <a:effectRef idx="0">
-            <a:schemeClr val="accent1"/>
-          </a:effectRef>
-          <a:fontRef idx="minor">
-            <a:schemeClr val="tx1"/>
-          </a:fontRef>
-        </p:style>
-      </p:cxnSp>
-      <p:sp>
-        <p:nvSpPr>
-          <p:cNvPr id="12" name="Fluxograma: Processo 11">
-            <a:extLst>
-              <a:ext uri="{FF2B5EF4-FFF2-40B4-BE49-F238E27FC236}">
-                <a16:creationId xmlns:a16="http://schemas.microsoft.com/office/drawing/2014/main" id="{D85284E8-26A9-4A50-A64E-46A4C70AA549}"/>
-              </a:ext>
-            </a:extLst>
-          </p:cNvPr>
-          <p:cNvSpPr/>
-          <p:nvPr/>
-        </p:nvSpPr>
-        <p:spPr>
-          <a:xfrm>
-            <a:off x="1254560" y="3078001"/>
-            <a:ext cx="1875990" cy="964252"/>
-          </a:xfrm>
-          <a:prstGeom prst="flowChartProcess">
-            <a:avLst/>
-          </a:prstGeom>
-        </p:spPr>
-        <p:style>
-          <a:lnRef idx="2">
-            <a:schemeClr val="accent1">
-              <a:shade val="50000"/>
-            </a:schemeClr>
-          </a:lnRef>
-          <a:fillRef idx="1">
-            <a:schemeClr val="accent1"/>
-          </a:fillRef>
-          <a:effectRef idx="0">
-            <a:schemeClr val="accent1"/>
-          </a:effectRef>
-          <a:fontRef idx="minor">
-            <a:schemeClr val="lt1"/>
-          </a:fontRef>
-        </p:style>
-        <p:txBody>
-          <a:bodyPr rtlCol="0" anchor="ctr"/>
-          <a:lstStyle>
-            <a:defPPr>
-              <a:defRPr lang="de-DE"/>
-            </a:defPPr>
-            <a:lvl1pPr marL="0" algn="l" defTabSz="914400" rtl="0" eaLnBrk="1" latinLnBrk="0" hangingPunct="1">
-              <a:defRPr sz="1800" kern="1200">
-                <a:solidFill>
-                  <a:schemeClr val="lt1"/>
-                </a:solidFill>
-                <a:latin typeface="+mn-lt"/>
-                <a:ea typeface="+mn-ea"/>
-                <a:cs typeface="+mn-cs"/>
-              </a:defRPr>
-            </a:lvl1pPr>
-            <a:lvl2pPr marL="457200" algn="l" defTabSz="914400" rtl="0" eaLnBrk="1" latinLnBrk="0" hangingPunct="1">
-              <a:defRPr sz="1800" kern="1200">
-                <a:solidFill>
-                  <a:schemeClr val="lt1"/>
-                </a:solidFill>
-                <a:latin typeface="+mn-lt"/>
-                <a:ea typeface="+mn-ea"/>
-                <a:cs typeface="+mn-cs"/>
-              </a:defRPr>
-            </a:lvl2pPr>
-            <a:lvl3pPr marL="914400" algn="l" defTabSz="914400" rtl="0" eaLnBrk="1" latinLnBrk="0" hangingPunct="1">
-              <a:defRPr sz="1800" kern="1200">
-                <a:solidFill>
-                  <a:schemeClr val="lt1"/>
-                </a:solidFill>
-                <a:latin typeface="+mn-lt"/>
-                <a:ea typeface="+mn-ea"/>
-                <a:cs typeface="+mn-cs"/>
-              </a:defRPr>
-            </a:lvl3pPr>
-            <a:lvl4pPr marL="1371600" algn="l" defTabSz="914400" rtl="0" eaLnBrk="1" latinLnBrk="0" hangingPunct="1">
-              <a:defRPr sz="1800" kern="1200">
-                <a:solidFill>
-                  <a:schemeClr val="lt1"/>
-                </a:solidFill>
-                <a:latin typeface="+mn-lt"/>
-                <a:ea typeface="+mn-ea"/>
-                <a:cs typeface="+mn-cs"/>
-              </a:defRPr>
-            </a:lvl4pPr>
-            <a:lvl5pPr marL="1828800" algn="l" defTabSz="914400" rtl="0" eaLnBrk="1" latinLnBrk="0" hangingPunct="1">
-              <a:defRPr sz="1800" kern="1200">
-                <a:solidFill>
-                  <a:schemeClr val="lt1"/>
-                </a:solidFill>
-                <a:latin typeface="+mn-lt"/>
-                <a:ea typeface="+mn-ea"/>
-                <a:cs typeface="+mn-cs"/>
-              </a:defRPr>
-            </a:lvl5pPr>
-            <a:lvl6pPr marL="2286000" algn="l" defTabSz="914400" rtl="0" eaLnBrk="1" latinLnBrk="0" hangingPunct="1">
-              <a:defRPr sz="1800" kern="1200">
-                <a:solidFill>
-                  <a:schemeClr val="lt1"/>
-                </a:solidFill>
-                <a:latin typeface="+mn-lt"/>
-                <a:ea typeface="+mn-ea"/>
-                <a:cs typeface="+mn-cs"/>
-              </a:defRPr>
-            </a:lvl6pPr>
-            <a:lvl7pPr marL="2743200" algn="l" defTabSz="914400" rtl="0" eaLnBrk="1" latinLnBrk="0" hangingPunct="1">
-              <a:defRPr sz="1800" kern="1200">
-                <a:solidFill>
-                  <a:schemeClr val="lt1"/>
-                </a:solidFill>
-                <a:latin typeface="+mn-lt"/>
-                <a:ea typeface="+mn-ea"/>
-                <a:cs typeface="+mn-cs"/>
-              </a:defRPr>
-            </a:lvl7pPr>
-            <a:lvl8pPr marL="3200400" algn="l" defTabSz="914400" rtl="0" eaLnBrk="1" latinLnBrk="0" hangingPunct="1">
-              <a:defRPr sz="1800" kern="1200">
-                <a:solidFill>
-                  <a:schemeClr val="lt1"/>
-                </a:solidFill>
-                <a:latin typeface="+mn-lt"/>
-                <a:ea typeface="+mn-ea"/>
-                <a:cs typeface="+mn-cs"/>
-              </a:defRPr>
-            </a:lvl8pPr>
-            <a:lvl9pPr marL="3657600" algn="l" defTabSz="914400" rtl="0" eaLnBrk="1" latinLnBrk="0" hangingPunct="1">
-              <a:defRPr sz="1800" kern="1200">
-                <a:solidFill>
-                  <a:schemeClr val="lt1"/>
-                </a:solidFill>
-                <a:latin typeface="+mn-lt"/>
-                <a:ea typeface="+mn-ea"/>
-                <a:cs typeface="+mn-cs"/>
-              </a:defRPr>
-            </a:lvl9pPr>
-          </a:lstStyle>
-          <a:p>
-            <a:pPr algn="ctr"/>
-            <a:endParaRPr lang="pt-BR" altLang="en-US"/>
-          </a:p>
-        </p:txBody>
-      </p:sp>
-      <p:sp>
-        <p:nvSpPr>
-          <p:cNvPr id="13" name="Caixa de Texto 5">
-            <a:extLst>
-              <a:ext uri="{FF2B5EF4-FFF2-40B4-BE49-F238E27FC236}">
-                <a16:creationId xmlns:a16="http://schemas.microsoft.com/office/drawing/2014/main" id="{64C48525-9339-4714-950B-67AED3F3E8FB}"/>
-              </a:ext>
-            </a:extLst>
-          </p:cNvPr>
-          <p:cNvSpPr txBox="1"/>
-          <p:nvPr/>
-        </p:nvSpPr>
-        <p:spPr>
-          <a:xfrm>
-            <a:off x="1594821" y="3375660"/>
-            <a:ext cx="1196340" cy="368300"/>
-          </a:xfrm>
-          <a:prstGeom prst="rect">
-            <a:avLst/>
-          </a:prstGeom>
-          <a:noFill/>
-        </p:spPr>
-        <p:txBody>
-          <a:bodyPr wrap="square" lIns="91440" tIns="45720" rIns="91440" bIns="45720" rtlCol="0" anchor="t">
-            <a:spAutoFit/>
-          </a:bodyPr>
-          <a:lstStyle>
-            <a:defPPr>
-              <a:defRPr lang="de-DE"/>
-            </a:defPPr>
-            <a:lvl1pPr marL="0" algn="l" defTabSz="914400" rtl="0" eaLnBrk="1" latinLnBrk="0" hangingPunct="1">
-              <a:defRPr sz="1800" kern="1200">
-                <a:solidFill>
-                  <a:schemeClr val="tx1"/>
-                </a:solidFill>
-                <a:latin typeface="+mn-lt"/>
-                <a:ea typeface="+mn-ea"/>
-                <a:cs typeface="+mn-cs"/>
-              </a:defRPr>
-            </a:lvl1pPr>
-            <a:lvl2pPr marL="457200" algn="l" defTabSz="914400" rtl="0" eaLnBrk="1" latinLnBrk="0" hangingPunct="1">
-              <a:defRPr sz="1800" kern="1200">
-                <a:solidFill>
-                  <a:schemeClr val="tx1"/>
-                </a:solidFill>
-                <a:latin typeface="+mn-lt"/>
-                <a:ea typeface="+mn-ea"/>
-                <a:cs typeface="+mn-cs"/>
-              </a:defRPr>
-            </a:lvl2pPr>
-            <a:lvl3pPr marL="914400" algn="l" defTabSz="914400" rtl="0" eaLnBrk="1" latinLnBrk="0" hangingPunct="1">
-              <a:defRPr sz="1800" kern="1200">
-                <a:solidFill>
-                  <a:schemeClr val="tx1"/>
-                </a:solidFill>
-                <a:latin typeface="+mn-lt"/>
-                <a:ea typeface="+mn-ea"/>
-                <a:cs typeface="+mn-cs"/>
-              </a:defRPr>
-            </a:lvl3pPr>
-            <a:lvl4pPr marL="1371600" algn="l" defTabSz="914400" rtl="0" eaLnBrk="1" latinLnBrk="0" hangingPunct="1">
-              <a:defRPr sz="1800" kern="1200">
-                <a:solidFill>
-                  <a:schemeClr val="tx1"/>
-                </a:solidFill>
-                <a:latin typeface="+mn-lt"/>
-                <a:ea typeface="+mn-ea"/>
-                <a:cs typeface="+mn-cs"/>
-              </a:defRPr>
-            </a:lvl4pPr>
-            <a:lvl5pPr marL="1828800" algn="l" defTabSz="914400" rtl="0" eaLnBrk="1" latinLnBrk="0" hangingPunct="1">
-              <a:defRPr sz="1800" kern="1200">
-                <a:solidFill>
-                  <a:schemeClr val="tx1"/>
-                </a:solidFill>
-                <a:latin typeface="+mn-lt"/>
-                <a:ea typeface="+mn-ea"/>
-                <a:cs typeface="+mn-cs"/>
-              </a:defRPr>
-            </a:lvl5pPr>
-            <a:lvl6pPr marL="2286000" algn="l" defTabSz="914400" rtl="0" eaLnBrk="1" latinLnBrk="0" hangingPunct="1">
-              <a:defRPr sz="1800" kern="1200">
-                <a:solidFill>
-                  <a:schemeClr val="tx1"/>
-                </a:solidFill>
-                <a:latin typeface="+mn-lt"/>
-                <a:ea typeface="+mn-ea"/>
-                <a:cs typeface="+mn-cs"/>
-              </a:defRPr>
-            </a:lvl6pPr>
-            <a:lvl7pPr marL="2743200" algn="l" defTabSz="914400" rtl="0" eaLnBrk="1" latinLnBrk="0" hangingPunct="1">
-              <a:defRPr sz="1800" kern="1200">
-                <a:solidFill>
-                  <a:schemeClr val="tx1"/>
-                </a:solidFill>
-                <a:latin typeface="+mn-lt"/>
-                <a:ea typeface="+mn-ea"/>
-                <a:cs typeface="+mn-cs"/>
-              </a:defRPr>
-            </a:lvl7pPr>
-            <a:lvl8pPr marL="3200400" algn="l" defTabSz="914400" rtl="0" eaLnBrk="1" latinLnBrk="0" hangingPunct="1">
-              <a:defRPr sz="1800" kern="1200">
-                <a:solidFill>
-                  <a:schemeClr val="tx1"/>
-                </a:solidFill>
-                <a:latin typeface="+mn-lt"/>
-                <a:ea typeface="+mn-ea"/>
-                <a:cs typeface="+mn-cs"/>
-              </a:defRPr>
-            </a:lvl8pPr>
-            <a:lvl9pPr marL="3657600" algn="l" defTabSz="914400" rtl="0" eaLnBrk="1" latinLnBrk="0" hangingPunct="1">
-              <a:defRPr sz="1800" kern="1200">
-                <a:solidFill>
-                  <a:schemeClr val="tx1"/>
-                </a:solidFill>
-                <a:latin typeface="+mn-lt"/>
-                <a:ea typeface="+mn-ea"/>
-                <a:cs typeface="+mn-cs"/>
-              </a:defRPr>
-            </a:lvl9pPr>
-          </a:lstStyle>
-          <a:p>
-            <a:pPr algn="ctr"/>
-            <a:r>
-              <a:rPr lang="pt-BR" altLang="en-US">
-                <a:solidFill>
-                  <a:schemeClr val="bg1"/>
-                </a:solidFill>
-              </a:rPr>
-              <a:t>Cliente</a:t>
-            </a:r>
-            <a:endParaRPr lang="pt-BR">
-              <a:solidFill>
-                <a:schemeClr val="bg1"/>
-              </a:solidFill>
-              <a:cs typeface="Calibri"/>
-            </a:endParaRPr>
-          </a:p>
-        </p:txBody>
-      </p:sp>
-      <p:cxnSp>
-        <p:nvCxnSpPr>
-          <p:cNvPr id="14" name="Conector Reto 6">
-            <a:extLst>
-              <a:ext uri="{FF2B5EF4-FFF2-40B4-BE49-F238E27FC236}">
-                <a16:creationId xmlns:a16="http://schemas.microsoft.com/office/drawing/2014/main" id="{FE53D13A-9203-4CEC-8C61-08B89E1FC3E0}"/>
-              </a:ext>
-            </a:extLst>
-          </p:cNvPr>
-          <p:cNvCxnSpPr/>
-          <p:nvPr/>
-        </p:nvCxnSpPr>
-        <p:spPr>
-          <a:xfrm>
-            <a:off x="3130550" y="3555072"/>
-            <a:ext cx="4542967" cy="7237"/>
-          </a:xfrm>
-          <a:prstGeom prst="line">
-            <a:avLst/>
-          </a:prstGeom>
-        </p:spPr>
-        <p:style>
-          <a:lnRef idx="1">
-            <a:schemeClr val="accent1"/>
-          </a:lnRef>
-          <a:fillRef idx="0">
-            <a:schemeClr val="accent1"/>
-          </a:fillRef>
-          <a:effectRef idx="0">
-            <a:schemeClr val="accent1"/>
-          </a:effectRef>
-          <a:fontRef idx="minor">
-            <a:schemeClr val="tx1"/>
-          </a:fontRef>
-        </p:style>
-      </p:cxnSp>
-      <p:sp>
-        <p:nvSpPr>
-          <p:cNvPr id="15" name="Caixa de Texto 7">
-            <a:extLst>
-              <a:ext uri="{FF2B5EF4-FFF2-40B4-BE49-F238E27FC236}">
-                <a16:creationId xmlns:a16="http://schemas.microsoft.com/office/drawing/2014/main" id="{61158E0F-CF90-44C4-9D65-760EFE5C9849}"/>
-              </a:ext>
-            </a:extLst>
-          </p:cNvPr>
-          <p:cNvSpPr txBox="1"/>
-          <p:nvPr/>
-        </p:nvSpPr>
-        <p:spPr>
-          <a:xfrm>
-            <a:off x="7230373" y="2255677"/>
-            <a:ext cx="3420745" cy="368300"/>
-          </a:xfrm>
-          <a:prstGeom prst="rect">
-            <a:avLst/>
-          </a:prstGeom>
-          <a:noFill/>
-        </p:spPr>
-        <p:txBody>
-          <a:bodyPr wrap="square" lIns="91440" tIns="45720" rIns="91440" bIns="45720" rtlCol="0" anchor="t">
-            <a:spAutoFit/>
-          </a:bodyPr>
-          <a:lstStyle>
-            <a:defPPr>
-              <a:defRPr lang="de-DE"/>
-            </a:defPPr>
-            <a:lvl1pPr marL="0" algn="l" defTabSz="914400" rtl="0" eaLnBrk="1" latinLnBrk="0" hangingPunct="1">
-              <a:defRPr sz="1800" kern="1200">
-                <a:solidFill>
-                  <a:schemeClr val="tx1"/>
-                </a:solidFill>
-                <a:latin typeface="+mn-lt"/>
-                <a:ea typeface="+mn-ea"/>
-                <a:cs typeface="+mn-cs"/>
-              </a:defRPr>
-            </a:lvl1pPr>
-            <a:lvl2pPr marL="457200" algn="l" defTabSz="914400" rtl="0" eaLnBrk="1" latinLnBrk="0" hangingPunct="1">
-              <a:defRPr sz="1800" kern="1200">
-                <a:solidFill>
-                  <a:schemeClr val="tx1"/>
-                </a:solidFill>
-                <a:latin typeface="+mn-lt"/>
-                <a:ea typeface="+mn-ea"/>
-                <a:cs typeface="+mn-cs"/>
-              </a:defRPr>
-            </a:lvl2pPr>
-            <a:lvl3pPr marL="914400" algn="l" defTabSz="914400" rtl="0" eaLnBrk="1" latinLnBrk="0" hangingPunct="1">
-              <a:defRPr sz="1800" kern="1200">
-                <a:solidFill>
-                  <a:schemeClr val="tx1"/>
-                </a:solidFill>
-                <a:latin typeface="+mn-lt"/>
-                <a:ea typeface="+mn-ea"/>
-                <a:cs typeface="+mn-cs"/>
-              </a:defRPr>
-            </a:lvl3pPr>
-            <a:lvl4pPr marL="1371600" algn="l" defTabSz="914400" rtl="0" eaLnBrk="1" latinLnBrk="0" hangingPunct="1">
-              <a:defRPr sz="1800" kern="1200">
-                <a:solidFill>
-                  <a:schemeClr val="tx1"/>
-                </a:solidFill>
-                <a:latin typeface="+mn-lt"/>
-                <a:ea typeface="+mn-ea"/>
-                <a:cs typeface="+mn-cs"/>
-              </a:defRPr>
-            </a:lvl4pPr>
-            <a:lvl5pPr marL="1828800" algn="l" defTabSz="914400" rtl="0" eaLnBrk="1" latinLnBrk="0" hangingPunct="1">
-              <a:defRPr sz="1800" kern="1200">
-                <a:solidFill>
-                  <a:schemeClr val="tx1"/>
-                </a:solidFill>
-                <a:latin typeface="+mn-lt"/>
-                <a:ea typeface="+mn-ea"/>
-                <a:cs typeface="+mn-cs"/>
-              </a:defRPr>
-            </a:lvl5pPr>
-            <a:lvl6pPr marL="2286000" algn="l" defTabSz="914400" rtl="0" eaLnBrk="1" latinLnBrk="0" hangingPunct="1">
-              <a:defRPr sz="1800" kern="1200">
-                <a:solidFill>
-                  <a:schemeClr val="tx1"/>
-                </a:solidFill>
-                <a:latin typeface="+mn-lt"/>
-                <a:ea typeface="+mn-ea"/>
-                <a:cs typeface="+mn-cs"/>
-              </a:defRPr>
-            </a:lvl6pPr>
-            <a:lvl7pPr marL="2743200" algn="l" defTabSz="914400" rtl="0" eaLnBrk="1" latinLnBrk="0" hangingPunct="1">
-              <a:defRPr sz="1800" kern="1200">
-                <a:solidFill>
-                  <a:schemeClr val="tx1"/>
-                </a:solidFill>
-                <a:latin typeface="+mn-lt"/>
-                <a:ea typeface="+mn-ea"/>
-                <a:cs typeface="+mn-cs"/>
-              </a:defRPr>
-            </a:lvl7pPr>
-            <a:lvl8pPr marL="3200400" algn="l" defTabSz="914400" rtl="0" eaLnBrk="1" latinLnBrk="0" hangingPunct="1">
-              <a:defRPr sz="1800" kern="1200">
-                <a:solidFill>
-                  <a:schemeClr val="tx1"/>
-                </a:solidFill>
-                <a:latin typeface="+mn-lt"/>
-                <a:ea typeface="+mn-ea"/>
-                <a:cs typeface="+mn-cs"/>
-              </a:defRPr>
-            </a:lvl8pPr>
-            <a:lvl9pPr marL="3657600" algn="l" defTabSz="914400" rtl="0" eaLnBrk="1" latinLnBrk="0" hangingPunct="1">
-              <a:defRPr sz="1800" kern="1200">
-                <a:solidFill>
-                  <a:schemeClr val="tx1"/>
-                </a:solidFill>
-                <a:latin typeface="+mn-lt"/>
-                <a:ea typeface="+mn-ea"/>
-                <a:cs typeface="+mn-cs"/>
-              </a:defRPr>
-            </a:lvl9pPr>
-          </a:lstStyle>
-          <a:p>
-            <a:pPr algn="ctr"/>
-            <a:r>
-              <a:rPr lang="pt-BR" altLang="en-US"/>
-              <a:t>Confecção Face a Face</a:t>
-            </a:r>
-            <a:endParaRPr lang="pt-BR" altLang="en-US">
-              <a:cs typeface="Calibri"/>
-            </a:endParaRPr>
-          </a:p>
-        </p:txBody>
-      </p:sp>
-      <p:sp>
-        <p:nvSpPr>
-          <p:cNvPr id="16" name="Cubo 15">
-            <a:extLst>
-              <a:ext uri="{FF2B5EF4-FFF2-40B4-BE49-F238E27FC236}">
-                <a16:creationId xmlns:a16="http://schemas.microsoft.com/office/drawing/2014/main" id="{4F545214-6AD1-4819-B1E0-A114B5EE9553}"/>
-              </a:ext>
-            </a:extLst>
-          </p:cNvPr>
-          <p:cNvSpPr/>
-          <p:nvPr/>
-        </p:nvSpPr>
-        <p:spPr>
-          <a:xfrm>
-            <a:off x="7665406" y="2943476"/>
-            <a:ext cx="2646680" cy="969645"/>
-          </a:xfrm>
-          <a:prstGeom prst="cube">
-            <a:avLst/>
-          </a:prstGeom>
-          <a:solidFill>
-            <a:schemeClr val="accent4"/>
-          </a:solidFill>
-        </p:spPr>
-        <p:style>
-          <a:lnRef idx="2">
-            <a:schemeClr val="accent1">
-              <a:shade val="50000"/>
-            </a:schemeClr>
-          </a:lnRef>
-          <a:fillRef idx="1">
-            <a:schemeClr val="accent1"/>
-          </a:fillRef>
-          <a:effectRef idx="0">
-            <a:schemeClr val="accent1"/>
-          </a:effectRef>
-          <a:fontRef idx="minor">
-            <a:schemeClr val="lt1"/>
-          </a:fontRef>
-        </p:style>
-        <p:txBody>
-          <a:bodyPr lIns="91440" tIns="45720" rIns="91440" bIns="45720" rtlCol="0" anchor="ctr"/>
-          <a:lstStyle>
-            <a:defPPr>
-              <a:defRPr lang="de-DE"/>
-            </a:defPPr>
-            <a:lvl1pPr marL="0" algn="l" defTabSz="914400" rtl="0" eaLnBrk="1" latinLnBrk="0" hangingPunct="1">
-              <a:defRPr sz="1800" kern="1200">
-                <a:solidFill>
-                  <a:schemeClr val="lt1"/>
-                </a:solidFill>
-                <a:latin typeface="+mn-lt"/>
-                <a:ea typeface="+mn-ea"/>
-                <a:cs typeface="+mn-cs"/>
-              </a:defRPr>
-            </a:lvl1pPr>
-            <a:lvl2pPr marL="457200" algn="l" defTabSz="914400" rtl="0" eaLnBrk="1" latinLnBrk="0" hangingPunct="1">
-              <a:defRPr sz="1800" kern="1200">
-                <a:solidFill>
-                  <a:schemeClr val="lt1"/>
-                </a:solidFill>
-                <a:latin typeface="+mn-lt"/>
-                <a:ea typeface="+mn-ea"/>
-                <a:cs typeface="+mn-cs"/>
-              </a:defRPr>
-            </a:lvl2pPr>
-            <a:lvl3pPr marL="914400" algn="l" defTabSz="914400" rtl="0" eaLnBrk="1" latinLnBrk="0" hangingPunct="1">
-              <a:defRPr sz="1800" kern="1200">
-                <a:solidFill>
-                  <a:schemeClr val="lt1"/>
-                </a:solidFill>
-                <a:latin typeface="+mn-lt"/>
-                <a:ea typeface="+mn-ea"/>
-                <a:cs typeface="+mn-cs"/>
-              </a:defRPr>
-            </a:lvl3pPr>
-            <a:lvl4pPr marL="1371600" algn="l" defTabSz="914400" rtl="0" eaLnBrk="1" latinLnBrk="0" hangingPunct="1">
-              <a:defRPr sz="1800" kern="1200">
-                <a:solidFill>
-                  <a:schemeClr val="lt1"/>
-                </a:solidFill>
-                <a:latin typeface="+mn-lt"/>
-                <a:ea typeface="+mn-ea"/>
-                <a:cs typeface="+mn-cs"/>
-              </a:defRPr>
-            </a:lvl4pPr>
-            <a:lvl5pPr marL="1828800" algn="l" defTabSz="914400" rtl="0" eaLnBrk="1" latinLnBrk="0" hangingPunct="1">
-              <a:defRPr sz="1800" kern="1200">
-                <a:solidFill>
-                  <a:schemeClr val="lt1"/>
-                </a:solidFill>
-                <a:latin typeface="+mn-lt"/>
-                <a:ea typeface="+mn-ea"/>
-                <a:cs typeface="+mn-cs"/>
-              </a:defRPr>
-            </a:lvl5pPr>
-            <a:lvl6pPr marL="2286000" algn="l" defTabSz="914400" rtl="0" eaLnBrk="1" latinLnBrk="0" hangingPunct="1">
-              <a:defRPr sz="1800" kern="1200">
-                <a:solidFill>
-                  <a:schemeClr val="lt1"/>
-                </a:solidFill>
-                <a:latin typeface="+mn-lt"/>
-                <a:ea typeface="+mn-ea"/>
-                <a:cs typeface="+mn-cs"/>
-              </a:defRPr>
-            </a:lvl6pPr>
-            <a:lvl7pPr marL="2743200" algn="l" defTabSz="914400" rtl="0" eaLnBrk="1" latinLnBrk="0" hangingPunct="1">
-              <a:defRPr sz="1800" kern="1200">
-                <a:solidFill>
-                  <a:schemeClr val="lt1"/>
-                </a:solidFill>
-                <a:latin typeface="+mn-lt"/>
-                <a:ea typeface="+mn-ea"/>
-                <a:cs typeface="+mn-cs"/>
-              </a:defRPr>
-            </a:lvl7pPr>
-            <a:lvl8pPr marL="3200400" algn="l" defTabSz="914400" rtl="0" eaLnBrk="1" latinLnBrk="0" hangingPunct="1">
-              <a:defRPr sz="1800" kern="1200">
-                <a:solidFill>
-                  <a:schemeClr val="lt1"/>
-                </a:solidFill>
-                <a:latin typeface="+mn-lt"/>
-                <a:ea typeface="+mn-ea"/>
-                <a:cs typeface="+mn-cs"/>
-              </a:defRPr>
-            </a:lvl8pPr>
-            <a:lvl9pPr marL="3657600" algn="l" defTabSz="914400" rtl="0" eaLnBrk="1" latinLnBrk="0" hangingPunct="1">
-              <a:defRPr sz="1800" kern="1200">
-                <a:solidFill>
-                  <a:schemeClr val="lt1"/>
-                </a:solidFill>
-                <a:latin typeface="+mn-lt"/>
-                <a:ea typeface="+mn-ea"/>
-                <a:cs typeface="+mn-cs"/>
-              </a:defRPr>
-            </a:lvl9pPr>
-          </a:lstStyle>
-          <a:p>
-            <a:pPr algn="ctr"/>
-            <a:endParaRPr lang="pt-BR" altLang="en-US" sz="1400">
-              <a:solidFill>
-                <a:schemeClr val="tx1"/>
-              </a:solidFill>
-              <a:cs typeface="Calibri"/>
-            </a:endParaRPr>
-          </a:p>
-          <a:p>
-            <a:pPr algn="ctr"/>
-            <a:r>
-              <a:rPr lang="pt-BR" altLang="en-US" sz="1400">
-                <a:solidFill>
-                  <a:schemeClr val="tx1"/>
-                </a:solidFill>
-                <a:cs typeface="Calibri"/>
-              </a:rPr>
-              <a:t>Gerência</a:t>
-            </a:r>
-            <a:endParaRPr lang="pt-BR" sz="1400" b="1">
-              <a:solidFill>
-                <a:schemeClr val="tx1"/>
-              </a:solidFill>
-              <a:cs typeface="Calibri"/>
-            </a:endParaRPr>
-          </a:p>
-          <a:p>
-            <a:pPr algn="ctr"/>
-            <a:r>
-              <a:rPr lang="pt-BR" altLang="en-US" sz="1400" b="1">
-                <a:solidFill>
-                  <a:schemeClr val="tx1"/>
-                </a:solidFill>
-                <a:cs typeface="Calibri"/>
-              </a:rPr>
-              <a:t>(Nó operacional)</a:t>
-            </a:r>
-            <a:br>
-              <a:rPr lang="pt-BR" altLang="en-US" sz="1400" b="1">
-                <a:cs typeface="Calibri"/>
-              </a:rPr>
-            </a:br>
-            <a:endParaRPr lang="pt-BR" sz="1400" b="1">
-              <a:solidFill>
-                <a:schemeClr val="tx1"/>
-              </a:solidFill>
-              <a:cs typeface="Calibri"/>
-            </a:endParaRPr>
-          </a:p>
-        </p:txBody>
-      </p:sp>
-      <p:sp>
-        <p:nvSpPr>
-          <p:cNvPr id="17" name="Fluxograma: Processo Alternativo 16">
-            <a:extLst>
-              <a:ext uri="{FF2B5EF4-FFF2-40B4-BE49-F238E27FC236}">
-                <a16:creationId xmlns:a16="http://schemas.microsoft.com/office/drawing/2014/main" id="{BBB830BC-EAAA-4709-A6A5-989783DA280C}"/>
-              </a:ext>
-            </a:extLst>
-          </p:cNvPr>
-          <p:cNvSpPr/>
-          <p:nvPr/>
-        </p:nvSpPr>
-        <p:spPr>
-          <a:xfrm>
-            <a:off x="7829705" y="4474298"/>
-            <a:ext cx="2230755" cy="789940"/>
-          </a:xfrm>
-          <a:prstGeom prst="flowChartAlternateProcess">
-            <a:avLst/>
-          </a:prstGeom>
-          <a:gradFill>
-            <a:gsLst>
-              <a:gs pos="0">
-                <a:srgbClr val="14CD68"/>
-              </a:gs>
-              <a:gs pos="100000">
-                <a:srgbClr val="0B6E38"/>
-              </a:gs>
-            </a:gsLst>
-            <a:lin ang="5400000" scaled="0"/>
-          </a:gradFill>
-        </p:spPr>
-        <p:style>
-          <a:lnRef idx="2">
-            <a:schemeClr val="accent1">
-              <a:shade val="50000"/>
-            </a:schemeClr>
-          </a:lnRef>
-          <a:fillRef idx="1">
-            <a:schemeClr val="accent1"/>
-          </a:fillRef>
-          <a:effectRef idx="0">
-            <a:schemeClr val="accent1"/>
-          </a:effectRef>
-          <a:fontRef idx="minor">
-            <a:schemeClr val="lt1"/>
-          </a:fontRef>
-        </p:style>
-        <p:txBody>
-          <a:bodyPr lIns="91440" tIns="45720" rIns="91440" bIns="45720" rtlCol="0" anchor="ctr"/>
-          <a:lstStyle>
-            <a:defPPr>
-              <a:defRPr lang="de-DE"/>
-            </a:defPPr>
-            <a:lvl1pPr marL="0" algn="l" defTabSz="914400" rtl="0" eaLnBrk="1" latinLnBrk="0" hangingPunct="1">
-              <a:defRPr sz="1800" kern="1200">
-                <a:solidFill>
-                  <a:schemeClr val="lt1"/>
-                </a:solidFill>
-                <a:latin typeface="+mn-lt"/>
-                <a:ea typeface="+mn-ea"/>
-                <a:cs typeface="+mn-cs"/>
-              </a:defRPr>
-            </a:lvl1pPr>
-            <a:lvl2pPr marL="457200" algn="l" defTabSz="914400" rtl="0" eaLnBrk="1" latinLnBrk="0" hangingPunct="1">
-              <a:defRPr sz="1800" kern="1200">
-                <a:solidFill>
-                  <a:schemeClr val="lt1"/>
-                </a:solidFill>
-                <a:latin typeface="+mn-lt"/>
-                <a:ea typeface="+mn-ea"/>
-                <a:cs typeface="+mn-cs"/>
-              </a:defRPr>
-            </a:lvl2pPr>
-            <a:lvl3pPr marL="914400" algn="l" defTabSz="914400" rtl="0" eaLnBrk="1" latinLnBrk="0" hangingPunct="1">
-              <a:defRPr sz="1800" kern="1200">
-                <a:solidFill>
-                  <a:schemeClr val="lt1"/>
-                </a:solidFill>
-                <a:latin typeface="+mn-lt"/>
-                <a:ea typeface="+mn-ea"/>
-                <a:cs typeface="+mn-cs"/>
-              </a:defRPr>
-            </a:lvl3pPr>
-            <a:lvl4pPr marL="1371600" algn="l" defTabSz="914400" rtl="0" eaLnBrk="1" latinLnBrk="0" hangingPunct="1">
-              <a:defRPr sz="1800" kern="1200">
-                <a:solidFill>
-                  <a:schemeClr val="lt1"/>
-                </a:solidFill>
-                <a:latin typeface="+mn-lt"/>
-                <a:ea typeface="+mn-ea"/>
-                <a:cs typeface="+mn-cs"/>
-              </a:defRPr>
-            </a:lvl4pPr>
-            <a:lvl5pPr marL="1828800" algn="l" defTabSz="914400" rtl="0" eaLnBrk="1" latinLnBrk="0" hangingPunct="1">
-              <a:defRPr sz="1800" kern="1200">
-                <a:solidFill>
-                  <a:schemeClr val="lt1"/>
-                </a:solidFill>
-                <a:latin typeface="+mn-lt"/>
-                <a:ea typeface="+mn-ea"/>
-                <a:cs typeface="+mn-cs"/>
-              </a:defRPr>
-            </a:lvl5pPr>
-            <a:lvl6pPr marL="2286000" algn="l" defTabSz="914400" rtl="0" eaLnBrk="1" latinLnBrk="0" hangingPunct="1">
-              <a:defRPr sz="1800" kern="1200">
-                <a:solidFill>
-                  <a:schemeClr val="lt1"/>
-                </a:solidFill>
-                <a:latin typeface="+mn-lt"/>
-                <a:ea typeface="+mn-ea"/>
-                <a:cs typeface="+mn-cs"/>
-              </a:defRPr>
-            </a:lvl6pPr>
-            <a:lvl7pPr marL="2743200" algn="l" defTabSz="914400" rtl="0" eaLnBrk="1" latinLnBrk="0" hangingPunct="1">
-              <a:defRPr sz="1800" kern="1200">
-                <a:solidFill>
-                  <a:schemeClr val="lt1"/>
-                </a:solidFill>
-                <a:latin typeface="+mn-lt"/>
-                <a:ea typeface="+mn-ea"/>
-                <a:cs typeface="+mn-cs"/>
-              </a:defRPr>
-            </a:lvl7pPr>
-            <a:lvl8pPr marL="3200400" algn="l" defTabSz="914400" rtl="0" eaLnBrk="1" latinLnBrk="0" hangingPunct="1">
-              <a:defRPr sz="1800" kern="1200">
-                <a:solidFill>
-                  <a:schemeClr val="lt1"/>
-                </a:solidFill>
-                <a:latin typeface="+mn-lt"/>
-                <a:ea typeface="+mn-ea"/>
-                <a:cs typeface="+mn-cs"/>
-              </a:defRPr>
-            </a:lvl8pPr>
-            <a:lvl9pPr marL="3657600" algn="l" defTabSz="914400" rtl="0" eaLnBrk="1" latinLnBrk="0" hangingPunct="1">
-              <a:defRPr sz="1800" kern="1200">
-                <a:solidFill>
-                  <a:schemeClr val="lt1"/>
-                </a:solidFill>
-                <a:latin typeface="+mn-lt"/>
-                <a:ea typeface="+mn-ea"/>
-                <a:cs typeface="+mn-cs"/>
-              </a:defRPr>
-            </a:lvl9pPr>
-          </a:lstStyle>
-          <a:p>
-            <a:pPr algn="ctr"/>
-            <a:r>
-              <a:rPr lang="pt-BR" sz="1400" b="1" dirty="0">
-                <a:solidFill>
-                  <a:schemeClr val="tx1"/>
-                </a:solidFill>
-                <a:cs typeface="Calibri"/>
-              </a:rPr>
-              <a:t>Entregar o pedido ao cliente</a:t>
-            </a:r>
-          </a:p>
-        </p:txBody>
-      </p:sp>
-      <p:cxnSp>
-        <p:nvCxnSpPr>
-          <p:cNvPr id="19" name="Conector Reto 12">
-            <a:extLst>
-              <a:ext uri="{FF2B5EF4-FFF2-40B4-BE49-F238E27FC236}">
-                <a16:creationId xmlns:a16="http://schemas.microsoft.com/office/drawing/2014/main" id="{2D7D1114-83F9-43F9-8D6E-E13912126507}"/>
-              </a:ext>
-            </a:extLst>
-          </p:cNvPr>
-          <p:cNvCxnSpPr>
-            <a:cxnSpLocks/>
-          </p:cNvCxnSpPr>
-          <p:nvPr/>
-        </p:nvCxnSpPr>
-        <p:spPr>
-          <a:xfrm>
-            <a:off x="8987854" y="3913120"/>
-            <a:ext cx="7597" cy="556475"/>
-          </a:xfrm>
-          <a:prstGeom prst="line">
-            <a:avLst/>
-          </a:prstGeom>
-        </p:spPr>
-        <p:style>
-          <a:lnRef idx="1">
-            <a:schemeClr val="accent1"/>
-          </a:lnRef>
-          <a:fillRef idx="0">
-            <a:schemeClr val="accent1"/>
-          </a:fillRef>
-          <a:effectRef idx="0">
-            <a:schemeClr val="accent1"/>
-          </a:effectRef>
-          <a:fontRef idx="minor">
-            <a:schemeClr val="tx1"/>
-          </a:fontRef>
-        </p:style>
-      </p:cxnSp>
-      <p:sp>
-        <p:nvSpPr>
-          <p:cNvPr id="8" name="Retângulo 7">
-            <a:extLst>
-              <a:ext uri="{FF2B5EF4-FFF2-40B4-BE49-F238E27FC236}">
-                <a16:creationId xmlns:a16="http://schemas.microsoft.com/office/drawing/2014/main" id="{284FA0F0-CF2B-454E-9226-B461DD1EE0FF}"/>
-              </a:ext>
-            </a:extLst>
-          </p:cNvPr>
-          <p:cNvSpPr/>
-          <p:nvPr/>
-        </p:nvSpPr>
-        <p:spPr>
-          <a:xfrm>
-            <a:off x="7078893" y="1975471"/>
-            <a:ext cx="3859264" cy="3808420"/>
-          </a:xfrm>
-          <a:prstGeom prst="rect">
-            <a:avLst/>
-          </a:prstGeom>
-          <a:noFill/>
-        </p:spPr>
-        <p:style>
-          <a:lnRef idx="2">
-            <a:schemeClr val="accent1">
-              <a:shade val="50000"/>
-            </a:schemeClr>
-          </a:lnRef>
-          <a:fillRef idx="1">
-            <a:schemeClr val="accent1"/>
-          </a:fillRef>
-          <a:effectRef idx="0">
-            <a:schemeClr val="accent1"/>
-          </a:effectRef>
-          <a:fontRef idx="minor">
-            <a:schemeClr val="lt1"/>
-          </a:fontRef>
-        </p:style>
-        <p:txBody>
-          <a:bodyPr rtlCol="0" anchor="ctr"/>
-          <a:lstStyle/>
-          <a:p>
-            <a:pPr algn="ctr"/>
-            <a:endParaRPr lang="pt-BR"/>
-          </a:p>
-        </p:txBody>
-      </p:sp>
-      <p:sp>
-        <p:nvSpPr>
-          <p:cNvPr id="22" name="Título 1">
-            <a:extLst>
-              <a:ext uri="{FF2B5EF4-FFF2-40B4-BE49-F238E27FC236}">
-                <a16:creationId xmlns:a16="http://schemas.microsoft.com/office/drawing/2014/main" id="{9E5B00D7-AC59-4F87-9506-09946934551F}"/>
-              </a:ext>
-            </a:extLst>
-          </p:cNvPr>
-          <p:cNvSpPr txBox="1">
-            <a:spLocks/>
-          </p:cNvSpPr>
-          <p:nvPr/>
-        </p:nvSpPr>
-        <p:spPr>
-          <a:xfrm>
-            <a:off x="496584" y="394611"/>
-            <a:ext cx="8210763" cy="752297"/>
-          </a:xfrm>
-          <a:prstGeom prst="rect">
-            <a:avLst/>
-          </a:prstGeom>
-        </p:spPr>
-        <p:txBody>
-          <a:bodyPr vert="horz" lIns="91440" tIns="45720" rIns="91440" bIns="45720" rtlCol="0" anchor="ctr">
-            <a:normAutofit/>
-          </a:bodyPr>
-          <a:lstStyle>
-            <a:lvl1pPr algn="l" defTabSz="914400" rtl="0" eaLnBrk="1" latinLnBrk="0" hangingPunct="1">
-              <a:lnSpc>
-                <a:spcPct val="90000"/>
-              </a:lnSpc>
-              <a:spcBef>
-                <a:spcPct val="0"/>
-              </a:spcBef>
-              <a:buNone/>
-              <a:defRPr sz="4400" kern="1200">
-                <a:solidFill>
-                  <a:schemeClr val="tx1"/>
-                </a:solidFill>
-                <a:latin typeface="+mj-lt"/>
-                <a:ea typeface="+mj-ea"/>
-                <a:cs typeface="+mj-cs"/>
-              </a:defRPr>
-            </a:lvl1pPr>
-          </a:lstStyle>
-          <a:p>
-            <a:r>
-              <a:rPr lang="pt-BR" sz="4000" dirty="0">
-                <a:cs typeface="Calibri Light"/>
-              </a:rPr>
-              <a:t>Cenário: </a:t>
-            </a:r>
-            <a:r>
-              <a:rPr lang="pt-BR" sz="4000" dirty="0">
-                <a:ea typeface="+mj-lt"/>
-                <a:cs typeface="+mj-lt"/>
-              </a:rPr>
-              <a:t>Entregar pedido</a:t>
-            </a:r>
-            <a:endParaRPr lang="pt-BR" sz="4000" dirty="0">
               <a:cs typeface="Calibri Light"/>
             </a:endParaRPr>
           </a:p>
@@ -10503,7 +9818,7 @@
 </p:sld>
 </file>
 
-<file path=ppt/slides/slide7.xml><?xml version="1.0" encoding="utf-8"?>
+<file path=ppt/slides/slide6.xml><?xml version="1.0" encoding="utf-8"?>
 <p:sld xmlns:a="http://schemas.openxmlformats.org/drawingml/2006/main" xmlns:r="http://schemas.openxmlformats.org/officeDocument/2006/relationships" xmlns:p="http://schemas.openxmlformats.org/presentationml/2006/main">
   <p:cSld>
     <p:spTree>
@@ -10591,7 +9906,7 @@
         <p:spPr>
           <a:xfrm>
             <a:off x="771220" y="1597104"/>
-            <a:ext cx="2743200" cy="369332"/>
+            <a:ext cx="2970924" cy="369332"/>
           </a:xfrm>
           <a:prstGeom prst="rect">
             <a:avLst/>
@@ -10611,7 +9926,7 @@
               <a:rPr lang="pt-BR" b="1">
                 <a:cs typeface="Calibri"/>
               </a:rPr>
-              <a:t>Cenário: Solicitar pedido</a:t>
+              <a:t>Cenário: Solicitar orçamento</a:t>
             </a:r>
             <a:endParaRPr lang="pt-BR" b="1"/>
           </a:p>
@@ -10685,7 +10000,7 @@
                 <a:ea typeface="+mn-lt"/>
                 <a:cs typeface="+mn-lt"/>
               </a:rPr>
-              <a:t>Dar entrada no pedido</a:t>
+              <a:t>Dar entrada no orçamento</a:t>
             </a:r>
             <a:endParaRPr lang="pt-BR" b="1">
               <a:cs typeface="Calibri"/>
@@ -10708,7 +10023,7 @@
         <p:spPr>
           <a:xfrm>
             <a:off x="4751137" y="1560843"/>
-            <a:ext cx="3423557" cy="646331"/>
+            <a:ext cx="3423557" cy="369332"/>
           </a:xfrm>
           <a:prstGeom prst="rect">
             <a:avLst/>
@@ -10725,7 +10040,7 @@
           <a:lstStyle/>
           <a:p>
             <a:r>
-              <a:rPr lang="pt-BR" b="1" dirty="0">
+              <a:rPr lang="pt-BR" b="1">
                 <a:cs typeface="Calibri"/>
               </a:rPr>
               <a:t>Cenário: </a:t>
@@ -10735,7 +10050,7 @@
                 <a:ea typeface="+mn-lt"/>
                 <a:cs typeface="+mn-lt"/>
               </a:rPr>
-              <a:t>Solicitar cancelamento do pedido</a:t>
+              <a:t>Realizar pedido</a:t>
             </a:r>
           </a:p>
         </p:txBody>
@@ -10754,7 +10069,7 @@
         </p:nvSpPr>
         <p:spPr>
           <a:xfrm>
-            <a:off x="4752807" y="2208518"/>
+            <a:off x="4752807" y="1972035"/>
             <a:ext cx="3141785" cy="923330"/>
           </a:xfrm>
           <a:prstGeom prst="rect">
@@ -10782,7 +10097,7 @@
               <a:t>Nó operacional:</a:t>
             </a:r>
             <a:r>
-              <a:rPr lang="pt-BR" b="1" dirty="0">
+              <a:rPr lang="pt-BR" b="1">
                 <a:cs typeface="Calibri"/>
               </a:rPr>
               <a:t> </a:t>
@@ -10815,121 +10130,7 @@
                 <a:ea typeface="+mn-lt"/>
                 <a:cs typeface="+mn-lt"/>
               </a:rPr>
-              <a:t>Cancelar pedido</a:t>
-            </a:r>
-            <a:endParaRPr lang="pt-BR" b="1">
-              <a:cs typeface="Calibri"/>
-            </a:endParaRPr>
-          </a:p>
-        </p:txBody>
-      </p:sp>
-      <p:sp>
-        <p:nvSpPr>
-          <p:cNvPr id="65" name="CaixaDeTexto 64">
-            <a:extLst>
-              <a:ext uri="{FF2B5EF4-FFF2-40B4-BE49-F238E27FC236}">
-                <a16:creationId xmlns:a16="http://schemas.microsoft.com/office/drawing/2014/main" id="{CF657267-D01E-4E47-85CB-B69783C869ED}"/>
-              </a:ext>
-            </a:extLst>
-          </p:cNvPr>
-          <p:cNvSpPr txBox="1"/>
-          <p:nvPr/>
-        </p:nvSpPr>
-        <p:spPr>
-          <a:xfrm>
-            <a:off x="774247" y="4223569"/>
-            <a:ext cx="3822700" cy="369332"/>
-          </a:xfrm>
-          <a:prstGeom prst="rect">
-            <a:avLst/>
-          </a:prstGeom>
-          <a:noFill/>
-        </p:spPr>
-        <p:txBody>
-          <a:bodyPr rot="0" spcFirstLastPara="0" vertOverflow="overflow" horzOverflow="overflow" vert="horz" wrap="square" lIns="91440" tIns="45720" rIns="91440" bIns="45720" numCol="1" spcCol="0" rtlCol="0" fromWordArt="0" anchor="t" anchorCtr="0" forceAA="0" compatLnSpc="1">
-            <a:prstTxWarp prst="textNoShape">
-              <a:avLst/>
-            </a:prstTxWarp>
-            <a:spAutoFit/>
-          </a:bodyPr>
-          <a:lstStyle/>
-          <a:p>
-            <a:r>
-              <a:rPr lang="pt-BR" b="1">
-                <a:cs typeface="Calibri"/>
-              </a:rPr>
-              <a:t>Cenário: Solicitar alteração do pedido</a:t>
-            </a:r>
-            <a:endParaRPr lang="pt-BR" b="1"/>
-          </a:p>
-        </p:txBody>
-      </p:sp>
-      <p:sp>
-        <p:nvSpPr>
-          <p:cNvPr id="66" name="CaixaDeTexto 65">
-            <a:extLst>
-              <a:ext uri="{FF2B5EF4-FFF2-40B4-BE49-F238E27FC236}">
-                <a16:creationId xmlns:a16="http://schemas.microsoft.com/office/drawing/2014/main" id="{2660D14B-6900-4585-ACE0-7BAE35460F7F}"/>
-              </a:ext>
-            </a:extLst>
-          </p:cNvPr>
-          <p:cNvSpPr txBox="1"/>
-          <p:nvPr/>
-        </p:nvSpPr>
-        <p:spPr>
-          <a:xfrm>
-            <a:off x="775918" y="4586973"/>
-            <a:ext cx="3544188" cy="1200329"/>
-          </a:xfrm>
-          <a:prstGeom prst="rect">
-            <a:avLst/>
-          </a:prstGeom>
-          <a:noFill/>
-        </p:spPr>
-        <p:txBody>
-          <a:bodyPr rot="0" spcFirstLastPara="0" vertOverflow="overflow" horzOverflow="overflow" vert="horz" wrap="square" lIns="91440" tIns="45720" rIns="91440" bIns="45720" numCol="1" spcCol="0" rtlCol="0" fromWordArt="0" anchor="t" anchorCtr="0" forceAA="0" compatLnSpc="1">
-            <a:prstTxWarp prst="textNoShape">
-              <a:avLst/>
-            </a:prstTxWarp>
-            <a:spAutoFit/>
-          </a:bodyPr>
-          <a:lstStyle/>
-          <a:p>
-            <a:pPr marL="285750" indent="-285750">
-              <a:buFont typeface="Arial"/>
-              <a:buChar char="•"/>
-            </a:pPr>
-            <a:r>
-              <a:rPr lang="pt-BR">
-                <a:cs typeface="Calibri"/>
-              </a:rPr>
-              <a:t>Nó operacional: </a:t>
-            </a:r>
-            <a:r>
-              <a:rPr lang="pt-BR" b="1">
-                <a:cs typeface="Calibri"/>
-              </a:rPr>
-              <a:t>Gerência</a:t>
-            </a:r>
-          </a:p>
-          <a:p>
-            <a:pPr marL="285750" indent="-285750">
-              <a:buFont typeface="Arial"/>
-              <a:buChar char="•"/>
-            </a:pPr>
-            <a:r>
-              <a:rPr lang="pt-BR">
-                <a:ea typeface="+mn-lt"/>
-                <a:cs typeface="+mn-lt"/>
-              </a:rPr>
-              <a:t>Capacidade da Gerência: </a:t>
-            </a:r>
-            <a:r>
-              <a:rPr lang="pt-BR" b="1">
-                <a:ea typeface="+mn-lt"/>
-                <a:cs typeface="+mn-lt"/>
-              </a:rPr>
-              <a:t>Efetuar as solicitações de alterações necessárias</a:t>
+              <a:t>Criar Pedido</a:t>
             </a:r>
             <a:endParaRPr lang="pt-BR" b="1">
               <a:cs typeface="Calibri"/>
@@ -10952,7 +10153,7 @@
         <p:spPr>
           <a:xfrm>
             <a:off x="8303284" y="1563400"/>
-            <a:ext cx="3657601" cy="369332"/>
+            <a:ext cx="3657601" cy="646331"/>
           </a:xfrm>
           <a:prstGeom prst="rect">
             <a:avLst/>
@@ -10972,7 +10173,7 @@
               <a:rPr lang="pt-BR" b="1">
                 <a:cs typeface="Calibri"/>
               </a:rPr>
-              <a:t>Cenário: Entrega de matéria prima</a:t>
+              <a:t>Cenário: Solicitar cancelamento do pedido</a:t>
             </a:r>
             <a:endParaRPr lang="pt-BR" b="1"/>
           </a:p>
@@ -10992,8 +10193,8 @@
         </p:nvSpPr>
         <p:spPr>
           <a:xfrm>
-            <a:off x="8305482" y="1972556"/>
-            <a:ext cx="3141785" cy="1477328"/>
+            <a:off x="8305482" y="2209039"/>
+            <a:ext cx="3141785" cy="1200329"/>
           </a:xfrm>
           <a:prstGeom prst="rect">
             <a:avLst/>
@@ -11047,7 +10248,7 @@
                 <a:ea typeface="+mn-lt"/>
                 <a:cs typeface="+mn-lt"/>
               </a:rPr>
-              <a:t>Verificar se a matéria prima está correta</a:t>
+              <a:t>Cancelar o pedido</a:t>
             </a:r>
             <a:endParaRPr lang="pt-BR" b="1">
               <a:cs typeface="Calibri"/>
@@ -11078,7 +10279,7 @@
         </p:nvSpPr>
         <p:spPr>
           <a:xfrm>
-            <a:off x="4755483" y="4223568"/>
+            <a:off x="691483" y="3987085"/>
             <a:ext cx="3822700" cy="369332"/>
           </a:xfrm>
           <a:prstGeom prst="rect">
@@ -11096,12 +10297,12 @@
           <a:lstStyle/>
           <a:p>
             <a:r>
-              <a:rPr lang="pt-BR" b="1" dirty="0">
+              <a:rPr lang="pt-BR" b="1">
                 <a:cs typeface="Calibri"/>
               </a:rPr>
-              <a:t>Cenário: Entregar pedido</a:t>
-            </a:r>
-            <a:endParaRPr lang="pt-BR" b="1" dirty="0"/>
+              <a:t>Cenário: Retirar pedido</a:t>
+            </a:r>
+            <a:endParaRPr lang="pt-BR" b="1"/>
           </a:p>
         </p:txBody>
       </p:sp>
@@ -11119,7 +10320,7 @@
         </p:nvSpPr>
         <p:spPr>
           <a:xfrm>
-            <a:off x="4757154" y="4586972"/>
+            <a:off x="693154" y="4350489"/>
             <a:ext cx="3544188" cy="1200329"/>
           </a:xfrm>
           <a:prstGeom prst="rect">
@@ -11141,13 +10342,13 @@
               <a:buChar char="•"/>
             </a:pPr>
             <a:r>
-              <a:rPr lang="pt-BR" dirty="0">
+              <a:rPr lang="pt-BR">
                 <a:cs typeface="Calibri"/>
               </a:rPr>
               <a:t>Nó operacional: </a:t>
             </a:r>
             <a:r>
-              <a:rPr lang="pt-BR" b="1" dirty="0">
+              <a:rPr lang="pt-BR" b="1">
                 <a:cs typeface="Calibri"/>
               </a:rPr>
               <a:t>Gerência</a:t>
@@ -11159,20 +10360,20 @@
               <a:buChar char="•"/>
             </a:pPr>
             <a:r>
-              <a:rPr lang="pt-BR" dirty="0">
+              <a:rPr lang="pt-BR">
                 <a:ea typeface="+mn-lt"/>
                 <a:cs typeface="+mn-lt"/>
               </a:rPr>
               <a:t>Capacidade da Gerência: </a:t>
             </a:r>
             <a:r>
-              <a:rPr lang="pt-BR" b="1" dirty="0">
+              <a:rPr lang="pt-BR" b="1">
                 <a:ea typeface="+mn-lt"/>
                 <a:cs typeface="+mn-lt"/>
               </a:rPr>
               <a:t>Entregar o pedido ao cliente</a:t>
             </a:r>
-            <a:endParaRPr lang="pt-BR" b="1" dirty="0">
+            <a:endParaRPr lang="pt-BR" b="1">
               <a:cs typeface="Calibri"/>
             </a:endParaRPr>
           </a:p>
